--- a/SOUTENANCE/Soutenance de stage.pptx
+++ b/SOUTENANCE/Soutenance de stage.pptx
@@ -2502,6 +2502,13 @@
         </dgm:presLayoutVars>
       </dgm:prSet>
       <dgm:spPr/>
+      <dgm:t>
+        <a:bodyPr/>
+        <a:lstStyle/>
+        <a:p>
+          <a:endParaRPr lang="fr-FR"/>
+        </a:p>
+      </dgm:t>
     </dgm:pt>
     <dgm:pt modelId="{57CF7F00-00AF-4E9F-9F66-44561AB35EA4}" type="pres">
       <dgm:prSet presAssocID="{719D723F-9E4A-4E07-B829-000EB803AEAA}" presName="node" presStyleLbl="node1" presStyleIdx="0" presStyleCnt="3" custScaleX="130264" custScaleY="52412" custLinFactNeighborX="-1061" custLinFactNeighborY="-46140">
@@ -2510,6 +2517,13 @@
         </dgm:presLayoutVars>
       </dgm:prSet>
       <dgm:spPr/>
+      <dgm:t>
+        <a:bodyPr/>
+        <a:lstStyle/>
+        <a:p>
+          <a:endParaRPr lang="fr-FR"/>
+        </a:p>
+      </dgm:t>
     </dgm:pt>
     <dgm:pt modelId="{507A71AA-E158-400E-A7CF-11B17CA68C92}" type="pres">
       <dgm:prSet presAssocID="{D2BBDABF-2763-4DFD-A522-357AB0E165CC}" presName="sibTrans" presStyleCnt="0"/>
@@ -2522,6 +2536,13 @@
         </dgm:presLayoutVars>
       </dgm:prSet>
       <dgm:spPr/>
+      <dgm:t>
+        <a:bodyPr/>
+        <a:lstStyle/>
+        <a:p>
+          <a:endParaRPr lang="fr-FR"/>
+        </a:p>
+      </dgm:t>
     </dgm:pt>
     <dgm:pt modelId="{84BCB7B3-E066-41F7-9518-FC3A7920FA6C}" type="pres">
       <dgm:prSet presAssocID="{29DD6BBF-4C2D-452A-A4E1-165CB7033CC8}" presName="sibTrans" presStyleCnt="0"/>
@@ -2534,16 +2555,23 @@
         </dgm:presLayoutVars>
       </dgm:prSet>
       <dgm:spPr/>
+      <dgm:t>
+        <a:bodyPr/>
+        <a:lstStyle/>
+        <a:p>
+          <a:endParaRPr lang="fr-FR"/>
+        </a:p>
+      </dgm:t>
     </dgm:pt>
   </dgm:ptLst>
   <dgm:cxnLst>
+    <dgm:cxn modelId="{DB3483F6-94DA-4BC1-985D-CC871531AE93}" type="presOf" srcId="{719D723F-9E4A-4E07-B829-000EB803AEAA}" destId="{57CF7F00-00AF-4E9F-9F66-44561AB35EA4}" srcOrd="0" destOrd="0" presId="urn:microsoft.com/office/officeart/2005/8/layout/default"/>
+    <dgm:cxn modelId="{D4BB6FA2-C28E-404C-BAEB-E390AEDE34E9}" srcId="{6196C9EC-F0E8-44AE-B77B-C5670C4D2EE3}" destId="{81C8AD03-D97E-49D4-AA14-5602BA7D5277}" srcOrd="1" destOrd="0" parTransId="{377FBAC6-3137-462C-9D81-AABC6107C0B7}" sibTransId="{29DD6BBF-4C2D-452A-A4E1-165CB7033CC8}"/>
     <dgm:cxn modelId="{F10B8744-1C83-4103-813D-D464FE9156AD}" type="presOf" srcId="{90BCC091-B229-4E34-B443-1A4B632AB52E}" destId="{3D9EF0A8-1B8B-434E-A1A1-7DE83F3B8B4D}" srcOrd="0" destOrd="0" presId="urn:microsoft.com/office/officeart/2005/8/layout/default"/>
+    <dgm:cxn modelId="{62AD75FE-73C3-415E-9218-C315EB7667E4}" srcId="{6196C9EC-F0E8-44AE-B77B-C5670C4D2EE3}" destId="{90BCC091-B229-4E34-B443-1A4B632AB52E}" srcOrd="2" destOrd="0" parTransId="{F63E217E-668E-4570-A904-252A90315E9D}" sibTransId="{647E07A8-A0C1-45D1-8BEA-BA043B3A1C8F}"/>
     <dgm:cxn modelId="{79B98D46-C61F-46F8-A69E-83EE031E4A3D}" type="presOf" srcId="{81C8AD03-D97E-49D4-AA14-5602BA7D5277}" destId="{E9B198C5-0082-45AC-B24E-B9B97E2E4BB4}" srcOrd="0" destOrd="0" presId="urn:microsoft.com/office/officeart/2005/8/layout/default"/>
+    <dgm:cxn modelId="{0BB149A7-9E52-40C8-9CB9-B9A22A2412B9}" type="presOf" srcId="{6196C9EC-F0E8-44AE-B77B-C5670C4D2EE3}" destId="{56425B00-E798-4980-8AB7-C723FDF9D5AD}" srcOrd="0" destOrd="0" presId="urn:microsoft.com/office/officeart/2005/8/layout/default"/>
     <dgm:cxn modelId="{A849174C-64C6-4F75-91C3-4E49DD337292}" srcId="{6196C9EC-F0E8-44AE-B77B-C5670C4D2EE3}" destId="{719D723F-9E4A-4E07-B829-000EB803AEAA}" srcOrd="0" destOrd="0" parTransId="{EF55482F-C537-4E7D-B786-1A77A6A8053A}" sibTransId="{D2BBDABF-2763-4DFD-A522-357AB0E165CC}"/>
-    <dgm:cxn modelId="{D4BB6FA2-C28E-404C-BAEB-E390AEDE34E9}" srcId="{6196C9EC-F0E8-44AE-B77B-C5670C4D2EE3}" destId="{81C8AD03-D97E-49D4-AA14-5602BA7D5277}" srcOrd="1" destOrd="0" parTransId="{377FBAC6-3137-462C-9D81-AABC6107C0B7}" sibTransId="{29DD6BBF-4C2D-452A-A4E1-165CB7033CC8}"/>
-    <dgm:cxn modelId="{0BB149A7-9E52-40C8-9CB9-B9A22A2412B9}" type="presOf" srcId="{6196C9EC-F0E8-44AE-B77B-C5670C4D2EE3}" destId="{56425B00-E798-4980-8AB7-C723FDF9D5AD}" srcOrd="0" destOrd="0" presId="urn:microsoft.com/office/officeart/2005/8/layout/default"/>
-    <dgm:cxn modelId="{DB3483F6-94DA-4BC1-985D-CC871531AE93}" type="presOf" srcId="{719D723F-9E4A-4E07-B829-000EB803AEAA}" destId="{57CF7F00-00AF-4E9F-9F66-44561AB35EA4}" srcOrd="0" destOrd="0" presId="urn:microsoft.com/office/officeart/2005/8/layout/default"/>
-    <dgm:cxn modelId="{62AD75FE-73C3-415E-9218-C315EB7667E4}" srcId="{6196C9EC-F0E8-44AE-B77B-C5670C4D2EE3}" destId="{90BCC091-B229-4E34-B443-1A4B632AB52E}" srcOrd="2" destOrd="0" parTransId="{F63E217E-668E-4570-A904-252A90315E9D}" sibTransId="{647E07A8-A0C1-45D1-8BEA-BA043B3A1C8F}"/>
     <dgm:cxn modelId="{AE9B9F6A-7456-4926-BACD-95305F57236D}" type="presParOf" srcId="{56425B00-E798-4980-8AB7-C723FDF9D5AD}" destId="{57CF7F00-00AF-4E9F-9F66-44561AB35EA4}" srcOrd="0" destOrd="0" presId="urn:microsoft.com/office/officeart/2005/8/layout/default"/>
     <dgm:cxn modelId="{1598B20A-9A1D-42CD-BEFE-B0906593E1FB}" type="presParOf" srcId="{56425B00-E798-4980-8AB7-C723FDF9D5AD}" destId="{507A71AA-E158-400E-A7CF-11B17CA68C92}" srcOrd="1" destOrd="0" presId="urn:microsoft.com/office/officeart/2005/8/layout/default"/>
     <dgm:cxn modelId="{74F46CE4-CD8A-4361-B040-9B6446E83266}" type="presParOf" srcId="{56425B00-E798-4980-8AB7-C723FDF9D5AD}" destId="{E9B198C5-0082-45AC-B24E-B9B97E2E4BB4}" srcOrd="2" destOrd="0" presId="urn:microsoft.com/office/officeart/2005/8/layout/default"/>
@@ -2721,6 +2749,13 @@
         </dgm:presLayoutVars>
       </dgm:prSet>
       <dgm:spPr/>
+      <dgm:t>
+        <a:bodyPr/>
+        <a:lstStyle/>
+        <a:p>
+          <a:endParaRPr lang="fr-FR"/>
+        </a:p>
+      </dgm:t>
     </dgm:pt>
     <dgm:pt modelId="{6D59B982-98E3-4768-A2A6-9A159E5C13C3}" type="pres">
       <dgm:prSet presAssocID="{89FF397D-5BC5-4717-9FFB-9611CFCC29EA}" presName="spacing" presStyleCnt="0"/>
@@ -2755,6 +2790,13 @@
         </dgm:presLayoutVars>
       </dgm:prSet>
       <dgm:spPr/>
+      <dgm:t>
+        <a:bodyPr/>
+        <a:lstStyle/>
+        <a:p>
+          <a:endParaRPr lang="fr-FR"/>
+        </a:p>
+      </dgm:t>
     </dgm:pt>
     <dgm:pt modelId="{A674AAE8-05D2-4475-AC21-8C7BB555197B}" type="pres">
       <dgm:prSet presAssocID="{A07090C2-9DD4-4CE0-8C90-54F78B321461}" presName="spacing" presStyleCnt="0"/>
@@ -2789,16 +2831,23 @@
         </dgm:presLayoutVars>
       </dgm:prSet>
       <dgm:spPr/>
+      <dgm:t>
+        <a:bodyPr/>
+        <a:lstStyle/>
+        <a:p>
+          <a:endParaRPr lang="fr-FR"/>
+        </a:p>
+      </dgm:t>
     </dgm:pt>
   </dgm:ptLst>
   <dgm:cxnLst>
+    <dgm:cxn modelId="{6EE82AFD-0753-4623-B7B5-1607F69F936E}" type="presOf" srcId="{FE745F6D-9D99-45FB-9A74-AE9A34579525}" destId="{4A3D31EA-F1C2-43DC-922C-71F6928D0635}" srcOrd="0" destOrd="0" presId="urn:microsoft.com/office/officeart/2005/8/layout/vList3"/>
+    <dgm:cxn modelId="{E4A1E083-AF66-497E-9FF5-C938E8B05762}" srcId="{DCE7615C-55AC-43E8-AFAD-5A5F1153E9E9}" destId="{FE745F6D-9D99-45FB-9A74-AE9A34579525}" srcOrd="0" destOrd="0" parTransId="{86EE4119-ACDA-4500-B7DD-CEBF114CC88C}" sibTransId="{89FF397D-5BC5-4717-9FFB-9611CFCC29EA}"/>
+    <dgm:cxn modelId="{54A496CD-01D7-4909-87D3-1DE905F75A04}" srcId="{DCE7615C-55AC-43E8-AFAD-5A5F1153E9E9}" destId="{079ADC9D-8350-45E6-9563-0407FC0F1F10}" srcOrd="1" destOrd="0" parTransId="{11396BE9-F3A4-45C1-B03A-8AACC90DC1C2}" sibTransId="{A07090C2-9DD4-4CE0-8C90-54F78B321461}"/>
     <dgm:cxn modelId="{1E733B33-5A09-40A4-83E7-705A809D0DB3}" srcId="{DCE7615C-55AC-43E8-AFAD-5A5F1153E9E9}" destId="{104071D2-8A57-465E-8069-473C93968D59}" srcOrd="2" destOrd="0" parTransId="{1BF65AC2-34BD-44EF-A8F6-6FCCF2BF267E}" sibTransId="{D2E4AF21-8B78-4270-8A77-361819031BDB}"/>
     <dgm:cxn modelId="{3A8A385D-1254-499D-94CA-3E5C2691E484}" type="presOf" srcId="{079ADC9D-8350-45E6-9563-0407FC0F1F10}" destId="{3C28FEB3-88EA-45D8-844F-9364627D0B47}" srcOrd="0" destOrd="0" presId="urn:microsoft.com/office/officeart/2005/8/layout/vList3"/>
     <dgm:cxn modelId="{119DDF50-D84A-4FE4-8D80-0DBCCB1826AB}" type="presOf" srcId="{DCE7615C-55AC-43E8-AFAD-5A5F1153E9E9}" destId="{66BF7D26-9E65-4651-A907-E96462535EE0}" srcOrd="0" destOrd="0" presId="urn:microsoft.com/office/officeart/2005/8/layout/vList3"/>
-    <dgm:cxn modelId="{E4A1E083-AF66-497E-9FF5-C938E8B05762}" srcId="{DCE7615C-55AC-43E8-AFAD-5A5F1153E9E9}" destId="{FE745F6D-9D99-45FB-9A74-AE9A34579525}" srcOrd="0" destOrd="0" parTransId="{86EE4119-ACDA-4500-B7DD-CEBF114CC88C}" sibTransId="{89FF397D-5BC5-4717-9FFB-9611CFCC29EA}"/>
-    <dgm:cxn modelId="{54A496CD-01D7-4909-87D3-1DE905F75A04}" srcId="{DCE7615C-55AC-43E8-AFAD-5A5F1153E9E9}" destId="{079ADC9D-8350-45E6-9563-0407FC0F1F10}" srcOrd="1" destOrd="0" parTransId="{11396BE9-F3A4-45C1-B03A-8AACC90DC1C2}" sibTransId="{A07090C2-9DD4-4CE0-8C90-54F78B321461}"/>
     <dgm:cxn modelId="{54EB85D3-342A-4380-8C4C-3408353A7E05}" type="presOf" srcId="{104071D2-8A57-465E-8069-473C93968D59}" destId="{7889CA99-B335-4A02-8324-ED07E0382493}" srcOrd="0" destOrd="0" presId="urn:microsoft.com/office/officeart/2005/8/layout/vList3"/>
-    <dgm:cxn modelId="{6EE82AFD-0753-4623-B7B5-1607F69F936E}" type="presOf" srcId="{FE745F6D-9D99-45FB-9A74-AE9A34579525}" destId="{4A3D31EA-F1C2-43DC-922C-71F6928D0635}" srcOrd="0" destOrd="0" presId="urn:microsoft.com/office/officeart/2005/8/layout/vList3"/>
     <dgm:cxn modelId="{5AF7A819-DD4E-49C6-AF76-92C963FB02E9}" type="presParOf" srcId="{66BF7D26-9E65-4651-A907-E96462535EE0}" destId="{1C3CE909-9B69-4235-972B-F8371EBBDFBC}" srcOrd="0" destOrd="0" presId="urn:microsoft.com/office/officeart/2005/8/layout/vList3"/>
     <dgm:cxn modelId="{23531251-2341-4D03-A5F5-0B7E4949DE71}" type="presParOf" srcId="{1C3CE909-9B69-4235-972B-F8371EBBDFBC}" destId="{46622112-5E23-4DEB-97D2-F6D528782321}" srcOrd="0" destOrd="0" presId="urn:microsoft.com/office/officeart/2005/8/layout/vList3"/>
     <dgm:cxn modelId="{FDCA1296-EADF-4317-9A75-DD035B2E2AEB}" type="presParOf" srcId="{1C3CE909-9B69-4235-972B-F8371EBBDFBC}" destId="{4A3D31EA-F1C2-43DC-922C-71F6928D0635}" srcOrd="1" destOrd="0" presId="urn:microsoft.com/office/officeart/2005/8/layout/vList3"/>
@@ -2961,6 +3010,13 @@
         </dgm:presLayoutVars>
       </dgm:prSet>
       <dgm:spPr/>
+      <dgm:t>
+        <a:bodyPr/>
+        <a:lstStyle/>
+        <a:p>
+          <a:endParaRPr lang="fr-FR"/>
+        </a:p>
+      </dgm:t>
     </dgm:pt>
     <dgm:pt modelId="{C64E2404-6E89-4E1E-9858-214CDD0D4C10}" type="pres">
       <dgm:prSet presAssocID="{8F2C116A-F86E-40D0-974F-D5160DBF7C8A}" presName="parenttextcomposite" presStyleCnt="0"/>
@@ -2975,6 +3031,13 @@
         </dgm:presLayoutVars>
       </dgm:prSet>
       <dgm:spPr/>
+      <dgm:t>
+        <a:bodyPr/>
+        <a:lstStyle/>
+        <a:p>
+          <a:endParaRPr lang="fr-FR"/>
+        </a:p>
+      </dgm:t>
     </dgm:pt>
     <dgm:pt modelId="{7B105E10-E958-4B7A-8791-B75956CF2579}" type="pres">
       <dgm:prSet presAssocID="{8F2C116A-F86E-40D0-974F-D5160DBF7C8A}" presName="parallelogramComposite" presStyleCnt="0"/>
@@ -3025,6 +3088,13 @@
         </dgm:presLayoutVars>
       </dgm:prSet>
       <dgm:spPr/>
+      <dgm:t>
+        <a:bodyPr/>
+        <a:lstStyle/>
+        <a:p>
+          <a:endParaRPr lang="fr-FR"/>
+        </a:p>
+      </dgm:t>
     </dgm:pt>
     <dgm:pt modelId="{E2CBBB41-4151-4A79-B022-3504EE19F3C1}" type="pres">
       <dgm:prSet presAssocID="{29185AA4-721D-4D72-B0E0-8D015FA7A9DA}" presName="parallelogramComposite" presStyleCnt="0"/>
@@ -3075,6 +3145,13 @@
         </dgm:presLayoutVars>
       </dgm:prSet>
       <dgm:spPr/>
+      <dgm:t>
+        <a:bodyPr/>
+        <a:lstStyle/>
+        <a:p>
+          <a:endParaRPr lang="fr-FR"/>
+        </a:p>
+      </dgm:t>
     </dgm:pt>
     <dgm:pt modelId="{239080A8-A942-4114-B150-36D6114A7316}" type="pres">
       <dgm:prSet presAssocID="{CD633DFF-261E-460C-8242-E9F7A627C15E}" presName="parallelogramComposite" presStyleCnt="0"/>
@@ -3110,13 +3187,13 @@
     </dgm:pt>
   </dgm:ptLst>
   <dgm:cxnLst>
+    <dgm:cxn modelId="{40306FB4-3801-4D12-8D0D-9F4396355ECB}" type="presOf" srcId="{CD633DFF-261E-460C-8242-E9F7A627C15E}" destId="{B954FF86-F9E1-4566-9D72-528A9E140339}" srcOrd="0" destOrd="0" presId="urn:microsoft.com/office/officeart/2008/layout/VerticalAccentList"/>
     <dgm:cxn modelId="{5400C93B-34B1-4749-8DFC-F92781EA3110}" srcId="{4FB10869-21E4-404E-96CE-C200269CC714}" destId="{29185AA4-721D-4D72-B0E0-8D015FA7A9DA}" srcOrd="1" destOrd="0" parTransId="{4A497D37-42EA-46CD-A561-676D522D0C4C}" sibTransId="{C16EE673-5C74-485F-ABF3-63EBFEEAFA23}"/>
-    <dgm:cxn modelId="{30CF8180-6D58-4443-BFC9-AC1F34D65B7B}" type="presOf" srcId="{4FB10869-21E4-404E-96CE-C200269CC714}" destId="{8BEE5BEE-8F71-4DC9-8310-D39A44373C30}" srcOrd="0" destOrd="0" presId="urn:microsoft.com/office/officeart/2008/layout/VerticalAccentList"/>
     <dgm:cxn modelId="{1D4E6786-2105-4CF4-A6BD-04F6872D9FD1}" srcId="{4FB10869-21E4-404E-96CE-C200269CC714}" destId="{CD633DFF-261E-460C-8242-E9F7A627C15E}" srcOrd="2" destOrd="0" parTransId="{86202D53-8146-4F79-89C8-7A99B65C48BB}" sibTransId="{8077DAEF-6213-4E1F-8B06-D2600F07411E}"/>
     <dgm:cxn modelId="{89C78CA1-F99E-44B9-A61A-5B3924A86C5E}" type="presOf" srcId="{8F2C116A-F86E-40D0-974F-D5160DBF7C8A}" destId="{E4FEC986-4B9C-45E2-A420-5F40792588D1}" srcOrd="0" destOrd="0" presId="urn:microsoft.com/office/officeart/2008/layout/VerticalAccentList"/>
     <dgm:cxn modelId="{6D5A28AA-34A5-44F2-A4B2-07B1B7B8552B}" srcId="{4FB10869-21E4-404E-96CE-C200269CC714}" destId="{8F2C116A-F86E-40D0-974F-D5160DBF7C8A}" srcOrd="0" destOrd="0" parTransId="{0DD53732-4BC5-4B1A-94D0-181E8BB5A607}" sibTransId="{8A6DF8DE-8538-46B0-AC22-97D0FEFF431F}"/>
-    <dgm:cxn modelId="{40306FB4-3801-4D12-8D0D-9F4396355ECB}" type="presOf" srcId="{CD633DFF-261E-460C-8242-E9F7A627C15E}" destId="{B954FF86-F9E1-4566-9D72-528A9E140339}" srcOrd="0" destOrd="0" presId="urn:microsoft.com/office/officeart/2008/layout/VerticalAccentList"/>
     <dgm:cxn modelId="{283F68F6-9B34-4FCD-86DB-390A872AFC41}" type="presOf" srcId="{29185AA4-721D-4D72-B0E0-8D015FA7A9DA}" destId="{9185BE95-55A1-4498-B7E1-F96C3CE46228}" srcOrd="0" destOrd="0" presId="urn:microsoft.com/office/officeart/2008/layout/VerticalAccentList"/>
+    <dgm:cxn modelId="{30CF8180-6D58-4443-BFC9-AC1F34D65B7B}" type="presOf" srcId="{4FB10869-21E4-404E-96CE-C200269CC714}" destId="{8BEE5BEE-8F71-4DC9-8310-D39A44373C30}" srcOrd="0" destOrd="0" presId="urn:microsoft.com/office/officeart/2008/layout/VerticalAccentList"/>
     <dgm:cxn modelId="{905C1B6E-0762-419E-AD0C-959A167EE7D5}" type="presParOf" srcId="{8BEE5BEE-8F71-4DC9-8310-D39A44373C30}" destId="{C64E2404-6E89-4E1E-9858-214CDD0D4C10}" srcOrd="0" destOrd="0" presId="urn:microsoft.com/office/officeart/2008/layout/VerticalAccentList"/>
     <dgm:cxn modelId="{FB6C387E-CF92-41BF-86E4-DD82390EB76B}" type="presParOf" srcId="{C64E2404-6E89-4E1E-9858-214CDD0D4C10}" destId="{E4FEC986-4B9C-45E2-A420-5F40792588D1}" srcOrd="0" destOrd="0" presId="urn:microsoft.com/office/officeart/2008/layout/VerticalAccentList"/>
     <dgm:cxn modelId="{7BC506BE-02A2-4370-8D51-5C7CDBF6EAA7}" type="presParOf" srcId="{8BEE5BEE-8F71-4DC9-8310-D39A44373C30}" destId="{7B105E10-E958-4B7A-8791-B75956CF2579}" srcOrd="1" destOrd="0" presId="urn:microsoft.com/office/officeart/2008/layout/VerticalAccentList"/>
@@ -3222,7 +3299,7 @@
         </a:bodyPr>
         <a:lstStyle/>
         <a:p>
-          <a:pPr marL="0" lvl="0" indent="0" algn="ctr" defTabSz="1333500">
+          <a:pPr lvl="0" algn="ctr" defTabSz="1333500">
             <a:lnSpc>
               <a:spcPct val="90000"/>
             </a:lnSpc>
@@ -3232,7 +3309,6 @@
             <a:spcAft>
               <a:spcPct val="35000"/>
             </a:spcAft>
-            <a:buNone/>
           </a:pPr>
           <a:r>
             <a:rPr lang="fr-FR" sz="3000" kern="1200" dirty="0"/>
@@ -3299,7 +3375,7 @@
         </a:bodyPr>
         <a:lstStyle/>
         <a:p>
-          <a:pPr marL="0" lvl="0" indent="0" algn="ctr" defTabSz="1333500">
+          <a:pPr lvl="0" algn="ctr" defTabSz="1333500">
             <a:lnSpc>
               <a:spcPct val="90000"/>
             </a:lnSpc>
@@ -3309,7 +3385,6 @@
             <a:spcAft>
               <a:spcPct val="35000"/>
             </a:spcAft>
-            <a:buNone/>
           </a:pPr>
           <a:r>
             <a:rPr lang="fr-FR" sz="3000" kern="1200" dirty="0"/>
@@ -3376,7 +3451,7 @@
         </a:bodyPr>
         <a:lstStyle/>
         <a:p>
-          <a:pPr marL="0" lvl="0" indent="0" algn="ctr" defTabSz="1333500">
+          <a:pPr lvl="0" algn="ctr" defTabSz="1333500">
             <a:lnSpc>
               <a:spcPct val="90000"/>
             </a:lnSpc>
@@ -3386,7 +3461,6 @@
             <a:spcAft>
               <a:spcPct val="35000"/>
             </a:spcAft>
-            <a:buNone/>
           </a:pPr>
           <a:r>
             <a:rPr lang="fr-FR" sz="3000" kern="1200" dirty="0"/>
@@ -3418,8 +3492,8 @@
       </dsp:nvSpPr>
       <dsp:spPr>
         <a:xfrm rot="10800000">
-          <a:off x="1559779" y="3470"/>
-          <a:ext cx="4895813" cy="1422285"/>
+          <a:off x="1574234" y="3294"/>
+          <a:ext cx="4914676" cy="1463459"/>
         </a:xfrm>
         <a:prstGeom prst="homePlate">
           <a:avLst/>
@@ -3460,12 +3534,12 @@
         </a:fontRef>
       </dsp:style>
       <dsp:txBody>
-        <a:bodyPr spcFirstLastPara="0" vert="horz" wrap="square" lIns="593569" tIns="99060" rIns="184912" bIns="99060" numCol="1" spcCol="1270" anchor="ctr" anchorCtr="0">
+        <a:bodyPr spcFirstLastPara="0" vert="horz" wrap="square" lIns="610752" tIns="99060" rIns="184912" bIns="99060" numCol="1" spcCol="1270" anchor="ctr" anchorCtr="0">
           <a:noAutofit/>
         </a:bodyPr>
         <a:lstStyle/>
         <a:p>
-          <a:pPr marL="0" lvl="0" indent="0" algn="ctr" defTabSz="1155700">
+          <a:pPr lvl="0" algn="ctr" defTabSz="1155700">
             <a:lnSpc>
               <a:spcPct val="90000"/>
             </a:lnSpc>
@@ -3475,7 +3549,6 @@
             <a:spcAft>
               <a:spcPct val="35000"/>
             </a:spcAft>
-            <a:buNone/>
           </a:pPr>
           <a:r>
             <a:rPr lang="fr-FR" sz="2600" kern="1200" dirty="0"/>
@@ -3492,8 +3565,8 @@
         </a:p>
       </dsp:txBody>
       <dsp:txXfrm rot="10800000">
-        <a:off x="1915350" y="3470"/>
-        <a:ext cx="4540242" cy="1422285"/>
+        <a:off x="1940099" y="3294"/>
+        <a:ext cx="4548811" cy="1463459"/>
       </dsp:txXfrm>
     </dsp:sp>
     <dsp:sp modelId="{46622112-5E23-4DEB-97D2-F6D528782321}">
@@ -3503,8 +3576,8 @@
       </dsp:nvSpPr>
       <dsp:spPr>
         <a:xfrm>
-          <a:off x="891691" y="41590"/>
-          <a:ext cx="1346045" cy="1346045"/>
+          <a:off x="886681" y="42518"/>
+          <a:ext cx="1385012" cy="1385012"/>
         </a:xfrm>
         <a:prstGeom prst="ellipse">
           <a:avLst/>
@@ -3555,8 +3628,8 @@
       </dsp:nvSpPr>
       <dsp:spPr>
         <a:xfrm rot="10800000">
-          <a:off x="1567181" y="1827560"/>
-          <a:ext cx="4885943" cy="1346045"/>
+          <a:off x="1581664" y="1880190"/>
+          <a:ext cx="4904769" cy="1385012"/>
         </a:xfrm>
         <a:prstGeom prst="homePlate">
           <a:avLst/>
@@ -3597,12 +3670,12 @@
         </a:fontRef>
       </dsp:style>
       <dsp:txBody>
-        <a:bodyPr spcFirstLastPara="0" vert="horz" wrap="square" lIns="593569" tIns="99060" rIns="184912" bIns="99060" numCol="1" spcCol="1270" anchor="ctr" anchorCtr="0">
+        <a:bodyPr spcFirstLastPara="0" vert="horz" wrap="square" lIns="610752" tIns="99060" rIns="184912" bIns="99060" numCol="1" spcCol="1270" anchor="ctr" anchorCtr="0">
           <a:noAutofit/>
         </a:bodyPr>
         <a:lstStyle/>
         <a:p>
-          <a:pPr marL="0" lvl="0" indent="0" algn="ctr" defTabSz="1155700">
+          <a:pPr lvl="0" algn="ctr" defTabSz="1155700">
             <a:lnSpc>
               <a:spcPct val="90000"/>
             </a:lnSpc>
@@ -3612,7 +3685,6 @@
             <a:spcAft>
               <a:spcPct val="35000"/>
             </a:spcAft>
-            <a:buNone/>
           </a:pPr>
           <a:r>
             <a:rPr lang="fr-FR" sz="2600" kern="1200" dirty="0"/>
@@ -3621,8 +3693,8 @@
         </a:p>
       </dsp:txBody>
       <dsp:txXfrm rot="10800000">
-        <a:off x="1903692" y="1827560"/>
-        <a:ext cx="4549432" cy="1346045"/>
+        <a:off x="1927917" y="1880190"/>
+        <a:ext cx="4558516" cy="1385012"/>
       </dsp:txXfrm>
     </dsp:sp>
     <dsp:sp modelId="{85FBE9D7-6A3D-46C5-967B-E40E519C304D}">
@@ -3632,8 +3704,8 @@
       </dsp:nvSpPr>
       <dsp:spPr>
         <a:xfrm>
-          <a:off x="882582" y="1824181"/>
-          <a:ext cx="1346045" cy="1346045"/>
+          <a:off x="877247" y="1876714"/>
+          <a:ext cx="1385012" cy="1385012"/>
         </a:xfrm>
         <a:prstGeom prst="ellipse">
           <a:avLst/>
@@ -3684,8 +3756,8 @@
       </dsp:nvSpPr>
       <dsp:spPr>
         <a:xfrm rot="10800000">
-          <a:off x="1567181" y="3575410"/>
-          <a:ext cx="4885943" cy="1346045"/>
+          <a:off x="1581664" y="3678639"/>
+          <a:ext cx="4904769" cy="1385012"/>
         </a:xfrm>
         <a:prstGeom prst="homePlate">
           <a:avLst/>
@@ -3726,12 +3798,12 @@
         </a:fontRef>
       </dsp:style>
       <dsp:txBody>
-        <a:bodyPr spcFirstLastPara="0" vert="horz" wrap="square" lIns="593569" tIns="99060" rIns="184912" bIns="99060" numCol="1" spcCol="1270" anchor="ctr" anchorCtr="0">
+        <a:bodyPr spcFirstLastPara="0" vert="horz" wrap="square" lIns="610752" tIns="99060" rIns="184912" bIns="99060" numCol="1" spcCol="1270" anchor="ctr" anchorCtr="0">
           <a:noAutofit/>
         </a:bodyPr>
         <a:lstStyle/>
         <a:p>
-          <a:pPr marL="0" lvl="0" indent="0" algn="ctr" defTabSz="1155700">
+          <a:pPr lvl="0" algn="ctr" defTabSz="1155700">
             <a:lnSpc>
               <a:spcPct val="90000"/>
             </a:lnSpc>
@@ -3741,7 +3813,6 @@
             <a:spcAft>
               <a:spcPct val="35000"/>
             </a:spcAft>
-            <a:buNone/>
           </a:pPr>
           <a:r>
             <a:rPr lang="fr-FR" sz="2600" kern="1200" dirty="0"/>
@@ -3750,8 +3821,8 @@
         </a:p>
       </dsp:txBody>
       <dsp:txXfrm rot="10800000">
-        <a:off x="1903692" y="3575410"/>
-        <a:ext cx="4549432" cy="1346045"/>
+        <a:off x="1927917" y="3678639"/>
+        <a:ext cx="4558516" cy="1385012"/>
       </dsp:txXfrm>
     </dsp:sp>
     <dsp:sp modelId="{96F1EE87-2EC2-4BD6-831A-33E367545868}">
@@ -3761,8 +3832,8 @@
       </dsp:nvSpPr>
       <dsp:spPr>
         <a:xfrm>
-          <a:off x="894158" y="3575410"/>
-          <a:ext cx="1346045" cy="1346045"/>
+          <a:off x="889158" y="3678639"/>
+          <a:ext cx="1385012" cy="1385012"/>
         </a:xfrm>
         <a:prstGeom prst="ellipse">
           <a:avLst/>
@@ -3855,7 +3926,7 @@
         </a:bodyPr>
         <a:lstStyle/>
         <a:p>
-          <a:pPr marL="0" lvl="0" indent="0" algn="l" defTabSz="844550">
+          <a:pPr lvl="0" algn="l" defTabSz="844550">
             <a:lnSpc>
               <a:spcPct val="90000"/>
             </a:lnSpc>
@@ -3865,7 +3936,6 @@
             <a:spcAft>
               <a:spcPct val="35000"/>
             </a:spcAft>
-            <a:buNone/>
           </a:pPr>
           <a:r>
             <a:rPr lang="fr-FR" sz="1900" kern="1200" dirty="0"/>
@@ -4272,7 +4342,7 @@
         </a:bodyPr>
         <a:lstStyle/>
         <a:p>
-          <a:pPr marL="0" lvl="0" indent="0" algn="l" defTabSz="844550">
+          <a:pPr lvl="0" algn="l" defTabSz="844550">
             <a:lnSpc>
               <a:spcPct val="90000"/>
             </a:lnSpc>
@@ -4282,7 +4352,6 @@
             <a:spcAft>
               <a:spcPct val="35000"/>
             </a:spcAft>
-            <a:buNone/>
           </a:pPr>
           <a:r>
             <a:rPr lang="fr-FR" sz="1900" kern="1200" dirty="0"/>
@@ -4689,7 +4758,7 @@
         </a:bodyPr>
         <a:lstStyle/>
         <a:p>
-          <a:pPr marL="0" lvl="0" indent="0" algn="l" defTabSz="844550">
+          <a:pPr lvl="0" algn="l" defTabSz="844550">
             <a:lnSpc>
               <a:spcPct val="90000"/>
             </a:lnSpc>
@@ -4699,7 +4768,6 @@
             <a:spcAft>
               <a:spcPct val="35000"/>
             </a:spcAft>
-            <a:buNone/>
           </a:pPr>
           <a:r>
             <a:rPr lang="fr-FR" sz="1900" kern="1200" dirty="0"/>
@@ -9780,7 +9848,7 @@
             <a:fld id="{B61BEF0D-F0BB-DE4B-95CE-6DB70DBA9567}" type="datetimeFigureOut">
               <a:rPr lang="en-US" dirty="0"/>
               <a:pPr/>
-              <a:t>7/2/2017</a:t>
+              <a:t>7/3/2017</a:t>
             </a:fld>
             <a:endParaRPr lang="en-US" dirty="0"/>
           </a:p>
@@ -10028,7 +10096,7 @@
             <a:fld id="{B61BEF0D-F0BB-DE4B-95CE-6DB70DBA9567}" type="datetimeFigureOut">
               <a:rPr lang="en-US" dirty="0"/>
               <a:pPr/>
-              <a:t>7/2/2017</a:t>
+              <a:t>7/3/2017</a:t>
             </a:fld>
             <a:endParaRPr lang="en-US" dirty="0"/>
           </a:p>
@@ -10339,7 +10407,7 @@
             <a:fld id="{B61BEF0D-F0BB-DE4B-95CE-6DB70DBA9567}" type="datetimeFigureOut">
               <a:rPr lang="en-US" dirty="0"/>
               <a:pPr/>
-              <a:t>7/2/2017</a:t>
+              <a:t>7/3/2017</a:t>
             </a:fld>
             <a:endParaRPr lang="en-US" dirty="0"/>
           </a:p>
@@ -10677,7 +10745,7 @@
             <a:fld id="{B61BEF0D-F0BB-DE4B-95CE-6DB70DBA9567}" type="datetimeFigureOut">
               <a:rPr lang="en-US" dirty="0"/>
               <a:pPr/>
-              <a:t>7/2/2017</a:t>
+              <a:t>7/3/2017</a:t>
             </a:fld>
             <a:endParaRPr lang="en-US" dirty="0"/>
           </a:p>
@@ -10988,7 +11056,7 @@
             <a:fld id="{B61BEF0D-F0BB-DE4B-95CE-6DB70DBA9567}" type="datetimeFigureOut">
               <a:rPr lang="en-US" dirty="0"/>
               <a:pPr/>
-              <a:t>7/2/2017</a:t>
+              <a:t>7/3/2017</a:t>
             </a:fld>
             <a:endParaRPr lang="en-US" dirty="0"/>
           </a:p>
@@ -11378,7 +11446,7 @@
             <a:fld id="{B61BEF0D-F0BB-DE4B-95CE-6DB70DBA9567}" type="datetimeFigureOut">
               <a:rPr lang="en-US" dirty="0"/>
               <a:pPr/>
-              <a:t>7/2/2017</a:t>
+              <a:t>7/3/2017</a:t>
             </a:fld>
             <a:endParaRPr lang="en-US" dirty="0"/>
           </a:p>
@@ -11544,7 +11612,7 @@
           <a:p>
             <a:fld id="{55C6B4A9-1611-4792-9094-5F34BCA07E0B}" type="datetimeFigureOut">
               <a:rPr lang="en-US" dirty="0"/>
-              <a:t>7/2/2017</a:t>
+              <a:t>7/3/2017</a:t>
             </a:fld>
             <a:endParaRPr lang="en-US" dirty="0"/>
           </a:p>
@@ -11720,7 +11788,7 @@
             <a:fld id="{B61BEF0D-F0BB-DE4B-95CE-6DB70DBA9567}" type="datetimeFigureOut">
               <a:rPr lang="en-US" dirty="0"/>
               <a:pPr/>
-              <a:t>7/2/2017</a:t>
+              <a:t>7/3/2017</a:t>
             </a:fld>
             <a:endParaRPr lang="en-US" dirty="0"/>
           </a:p>
@@ -11893,7 +11961,7 @@
             <a:fld id="{B61BEF0D-F0BB-DE4B-95CE-6DB70DBA9567}" type="datetimeFigureOut">
               <a:rPr lang="en-US" dirty="0"/>
               <a:pPr/>
-              <a:t>7/2/2017</a:t>
+              <a:t>7/3/2017</a:t>
             </a:fld>
             <a:endParaRPr lang="en-US" dirty="0"/>
           </a:p>
@@ -12137,7 +12205,7 @@
             <a:fld id="{B61BEF0D-F0BB-DE4B-95CE-6DB70DBA9567}" type="datetimeFigureOut">
               <a:rPr lang="en-US" dirty="0"/>
               <a:pPr/>
-              <a:t>7/2/2017</a:t>
+              <a:t>7/3/2017</a:t>
             </a:fld>
             <a:endParaRPr lang="en-US" dirty="0"/>
           </a:p>
@@ -12365,7 +12433,7 @@
           <a:p>
             <a:fld id="{EB712588-04B1-427B-82EE-E8DB90309F08}" type="datetimeFigureOut">
               <a:rPr lang="en-US" dirty="0"/>
-              <a:t>7/2/2017</a:t>
+              <a:t>7/3/2017</a:t>
             </a:fld>
             <a:endParaRPr lang="en-US" dirty="0"/>
           </a:p>
@@ -12735,7 +12803,7 @@
             <a:fld id="{B61BEF0D-F0BB-DE4B-95CE-6DB70DBA9567}" type="datetimeFigureOut">
               <a:rPr lang="en-US" dirty="0"/>
               <a:pPr/>
-              <a:t>7/2/2017</a:t>
+              <a:t>7/3/2017</a:t>
             </a:fld>
             <a:endParaRPr lang="en-US" dirty="0"/>
           </a:p>
@@ -12855,7 +12923,7 @@
             <a:fld id="{B61BEF0D-F0BB-DE4B-95CE-6DB70DBA9567}" type="datetimeFigureOut">
               <a:rPr lang="en-US" dirty="0"/>
               <a:pPr/>
-              <a:t>7/2/2017</a:t>
+              <a:t>7/3/2017</a:t>
             </a:fld>
             <a:endParaRPr lang="en-US" dirty="0"/>
           </a:p>
@@ -12947,7 +13015,7 @@
             <a:fld id="{B61BEF0D-F0BB-DE4B-95CE-6DB70DBA9567}" type="datetimeFigureOut">
               <a:rPr lang="en-US" dirty="0"/>
               <a:pPr/>
-              <a:t>7/2/2017</a:t>
+              <a:t>7/3/2017</a:t>
             </a:fld>
             <a:endParaRPr lang="en-US" dirty="0"/>
           </a:p>
@@ -13198,7 +13266,7 @@
           <a:p>
             <a:fld id="{42A54C80-263E-416B-A8E0-580EDEADCBDC}" type="datetimeFigureOut">
               <a:rPr lang="en-US" dirty="0"/>
-              <a:t>7/2/2017</a:t>
+              <a:t>7/3/2017</a:t>
             </a:fld>
             <a:endParaRPr lang="en-US" dirty="0"/>
           </a:p>
@@ -13457,7 +13525,7 @@
             <a:fld id="{B61BEF0D-F0BB-DE4B-95CE-6DB70DBA9567}" type="datetimeFigureOut">
               <a:rPr lang="en-US" dirty="0"/>
               <a:pPr/>
-              <a:t>7/2/2017</a:t>
+              <a:t>7/3/2017</a:t>
             </a:fld>
             <a:endParaRPr lang="en-US" dirty="0"/>
           </a:p>
@@ -14197,7 +14265,7 @@
             <a:fld id="{B61BEF0D-F0BB-DE4B-95CE-6DB70DBA9567}" type="datetimeFigureOut">
               <a:rPr lang="en-US" dirty="0"/>
               <a:pPr/>
-              <a:t>7/2/2017</a:t>
+              <a:t>7/3/2017</a:t>
             </a:fld>
             <a:endParaRPr lang="en-US" dirty="0"/>
           </a:p>
@@ -14722,7 +14790,7 @@
           <p:cNvPr id="2" name="Titre 1">
             <a:extLst>
               <a:ext uri="{FF2B5EF4-FFF2-40B4-BE49-F238E27FC236}">
-                <a16:creationId xmlns:a16="http://schemas.microsoft.com/office/drawing/2014/main" id="{84691D67-00D7-42AC-A908-AE1EDD7DF621}"/>
+                <a16:creationId xmlns:a16="http://schemas.microsoft.com/office/drawing/2014/main" xmlns="" id="{84691D67-00D7-42AC-A908-AE1EDD7DF621}"/>
               </a:ext>
             </a:extLst>
           </p:cNvPr>
@@ -14756,7 +14824,7 @@
           <p:cNvPr id="3" name="Sous-titre 2">
             <a:extLst>
               <a:ext uri="{FF2B5EF4-FFF2-40B4-BE49-F238E27FC236}">
-                <a16:creationId xmlns:a16="http://schemas.microsoft.com/office/drawing/2014/main" id="{B8F682A6-EE08-4C6E-8679-06B139378BA7}"/>
+                <a16:creationId xmlns:a16="http://schemas.microsoft.com/office/drawing/2014/main" xmlns="" id="{B8F682A6-EE08-4C6E-8679-06B139378BA7}"/>
               </a:ext>
             </a:extLst>
           </p:cNvPr>
@@ -14769,7 +14837,7 @@
         </p:nvSpPr>
         <p:spPr>
           <a:xfrm>
-            <a:off x="2843082" y="3864931"/>
+            <a:off x="1419395" y="4527404"/>
             <a:ext cx="7766936" cy="1096899"/>
           </a:xfrm>
         </p:spPr>
@@ -14787,806 +14855,36 @@
           </a:p>
         </p:txBody>
       </p:sp>
-      <p:sp>
-        <p:nvSpPr>
-          <p:cNvPr id="4" name="Rectangle 3">
-            <a:hlinkClick r:id="rId2" action="ppaction://hlinksldjump"/>
+      <p:pic>
+        <p:nvPicPr>
+          <p:cNvPr id="20" name="Image 19"/>
+          <p:cNvPicPr>
+            <a:picLocks noChangeAspect="1"/>
+          </p:cNvPicPr>
+          <p:nvPr/>
+        </p:nvPicPr>
+        <p:blipFill>
+          <a:blip r:embed="rId2">
             <a:extLst>
-              <a:ext uri="{FF2B5EF4-FFF2-40B4-BE49-F238E27FC236}">
-                <a16:creationId xmlns:a16="http://schemas.microsoft.com/office/drawing/2014/main" id="{D56D6B00-1E68-4C92-BC5E-1C8E62EFE8CE}"/>
+              <a:ext uri="{28A0092B-C50C-407E-A947-70E740481C1C}">
+                <a14:useLocalDpi xmlns:a14="http://schemas.microsoft.com/office/drawing/2010/main" val="0"/>
               </a:ext>
             </a:extLst>
-          </p:cNvPr>
-          <p:cNvSpPr/>
-          <p:nvPr/>
-        </p:nvSpPr>
-        <p:spPr>
-          <a:xfrm>
-            <a:off x="70768" y="3302355"/>
-            <a:ext cx="1977656" cy="288961"/>
+          </a:blip>
+          <a:stretch>
+            <a:fillRect/>
+          </a:stretch>
+        </p:blipFill>
+        <p:spPr>
+          <a:xfrm>
+            <a:off x="4293072" y="1909234"/>
+            <a:ext cx="2019582" cy="1810003"/>
           </a:xfrm>
           <a:prstGeom prst="rect">
             <a:avLst/>
           </a:prstGeom>
         </p:spPr>
-        <p:style>
-          <a:lnRef idx="2">
-            <a:schemeClr val="accent1">
-              <a:shade val="50000"/>
-            </a:schemeClr>
-          </a:lnRef>
-          <a:fillRef idx="1">
-            <a:schemeClr val="accent1"/>
-          </a:fillRef>
-          <a:effectRef idx="0">
-            <a:schemeClr val="accent1"/>
-          </a:effectRef>
-          <a:fontRef idx="minor">
-            <a:schemeClr val="lt1"/>
-          </a:fontRef>
-        </p:style>
-        <p:txBody>
-          <a:bodyPr rtlCol="0" anchor="ctr"/>
-          <a:lstStyle/>
-          <a:p>
-            <a:pPr algn="ctr"/>
-            <a:r>
-              <a:rPr lang="fr-FR" sz="1000" dirty="0"/>
-              <a:t>Présentation de l’Entreprise</a:t>
-            </a:r>
-          </a:p>
-        </p:txBody>
-      </p:sp>
-      <p:sp>
-        <p:nvSpPr>
-          <p:cNvPr id="5" name="Rectangle 4">
-            <a:hlinkClick r:id="rId3" action="ppaction://hlinksldjump"/>
-            <a:extLst>
-              <a:ext uri="{FF2B5EF4-FFF2-40B4-BE49-F238E27FC236}">
-                <a16:creationId xmlns:a16="http://schemas.microsoft.com/office/drawing/2014/main" id="{38EF8454-AA7E-46D5-B276-3E3EE18629A1}"/>
-              </a:ext>
-            </a:extLst>
-          </p:cNvPr>
-          <p:cNvSpPr/>
-          <p:nvPr/>
-        </p:nvSpPr>
-        <p:spPr>
-          <a:xfrm>
-            <a:off x="70768" y="3944263"/>
-            <a:ext cx="1977656" cy="288961"/>
-          </a:xfrm>
-          <a:prstGeom prst="rect">
-            <a:avLst/>
-          </a:prstGeom>
-        </p:spPr>
-        <p:style>
-          <a:lnRef idx="2">
-            <a:schemeClr val="accent1">
-              <a:shade val="50000"/>
-            </a:schemeClr>
-          </a:lnRef>
-          <a:fillRef idx="1">
-            <a:schemeClr val="accent1"/>
-          </a:fillRef>
-          <a:effectRef idx="0">
-            <a:schemeClr val="accent1"/>
-          </a:effectRef>
-          <a:fontRef idx="minor">
-            <a:schemeClr val="lt1"/>
-          </a:fontRef>
-        </p:style>
-        <p:txBody>
-          <a:bodyPr rtlCol="0" anchor="ctr"/>
-          <a:lstStyle/>
-          <a:p>
-            <a:pPr algn="ctr"/>
-            <a:r>
-              <a:rPr lang="fr-FR" sz="1000" dirty="0"/>
-              <a:t>Présentation de la demande</a:t>
-            </a:r>
-          </a:p>
-        </p:txBody>
-      </p:sp>
-      <p:sp>
-        <p:nvSpPr>
-          <p:cNvPr id="6" name="Rectangle 5">
-            <a:hlinkClick r:id="rId4" action="ppaction://hlinksldjump"/>
-            <a:extLst>
-              <a:ext uri="{FF2B5EF4-FFF2-40B4-BE49-F238E27FC236}">
-                <a16:creationId xmlns:a16="http://schemas.microsoft.com/office/drawing/2014/main" id="{DDA8822C-4BCC-4152-A8CB-8282533224D4}"/>
-              </a:ext>
-            </a:extLst>
-          </p:cNvPr>
-          <p:cNvSpPr/>
-          <p:nvPr/>
-        </p:nvSpPr>
-        <p:spPr>
-          <a:xfrm>
-            <a:off x="70768" y="3619385"/>
-            <a:ext cx="1977656" cy="288961"/>
-          </a:xfrm>
-          <a:prstGeom prst="rect">
-            <a:avLst/>
-          </a:prstGeom>
-        </p:spPr>
-        <p:style>
-          <a:lnRef idx="2">
-            <a:schemeClr val="accent1">
-              <a:shade val="50000"/>
-            </a:schemeClr>
-          </a:lnRef>
-          <a:fillRef idx="1">
-            <a:schemeClr val="accent1"/>
-          </a:fillRef>
-          <a:effectRef idx="0">
-            <a:schemeClr val="accent1"/>
-          </a:effectRef>
-          <a:fontRef idx="minor">
-            <a:schemeClr val="lt1"/>
-          </a:fontRef>
-        </p:style>
-        <p:txBody>
-          <a:bodyPr rtlCol="0" anchor="ctr"/>
-          <a:lstStyle/>
-          <a:p>
-            <a:pPr algn="ctr"/>
-            <a:r>
-              <a:rPr lang="fr-FR" sz="1000" dirty="0"/>
-              <a:t>Présentation de l’Entreprise (suite)</a:t>
-            </a:r>
-          </a:p>
-        </p:txBody>
-      </p:sp>
-      <p:sp>
-        <p:nvSpPr>
-          <p:cNvPr id="7" name="Rectangle 6">
-            <a:hlinkClick r:id="rId5" action="ppaction://hlinksldjump"/>
-            <a:extLst>
-              <a:ext uri="{FF2B5EF4-FFF2-40B4-BE49-F238E27FC236}">
-                <a16:creationId xmlns:a16="http://schemas.microsoft.com/office/drawing/2014/main" id="{C5BCBC87-F06D-4443-BF94-6278BD0B827E}"/>
-              </a:ext>
-            </a:extLst>
-          </p:cNvPr>
-          <p:cNvSpPr/>
-          <p:nvPr/>
-        </p:nvSpPr>
-        <p:spPr>
-          <a:xfrm>
-            <a:off x="70768" y="4269141"/>
-            <a:ext cx="1977656" cy="288480"/>
-          </a:xfrm>
-          <a:prstGeom prst="rect">
-            <a:avLst/>
-          </a:prstGeom>
-        </p:spPr>
-        <p:style>
-          <a:lnRef idx="2">
-            <a:schemeClr val="accent1">
-              <a:shade val="50000"/>
-            </a:schemeClr>
-          </a:lnRef>
-          <a:fillRef idx="1">
-            <a:schemeClr val="accent1"/>
-          </a:fillRef>
-          <a:effectRef idx="0">
-            <a:schemeClr val="accent1"/>
-          </a:effectRef>
-          <a:fontRef idx="minor">
-            <a:schemeClr val="lt1"/>
-          </a:fontRef>
-        </p:style>
-        <p:txBody>
-          <a:bodyPr rtlCol="0" anchor="ctr"/>
-          <a:lstStyle/>
-          <a:p>
-            <a:pPr algn="ctr"/>
-            <a:r>
-              <a:rPr lang="fr-FR" sz="1000" dirty="0"/>
-              <a:t>Réalisation de la demande </a:t>
-            </a:r>
-          </a:p>
-        </p:txBody>
-      </p:sp>
-      <p:sp>
-        <p:nvSpPr>
-          <p:cNvPr id="8" name="Rectangle 7">
-            <a:hlinkClick r:id="rId6" action="ppaction://hlinksldjump"/>
-            <a:extLst>
-              <a:ext uri="{FF2B5EF4-FFF2-40B4-BE49-F238E27FC236}">
-                <a16:creationId xmlns:a16="http://schemas.microsoft.com/office/drawing/2014/main" id="{C3D45871-0B20-4A72-BDDB-A5052BCDE0E6}"/>
-              </a:ext>
-            </a:extLst>
-          </p:cNvPr>
-          <p:cNvSpPr/>
-          <p:nvPr/>
-        </p:nvSpPr>
-        <p:spPr>
-          <a:xfrm>
-            <a:off x="70768" y="4600031"/>
-            <a:ext cx="1977656" cy="288480"/>
-          </a:xfrm>
-          <a:prstGeom prst="rect">
-            <a:avLst/>
-          </a:prstGeom>
-        </p:spPr>
-        <p:style>
-          <a:lnRef idx="2">
-            <a:schemeClr val="accent1">
-              <a:shade val="50000"/>
-            </a:schemeClr>
-          </a:lnRef>
-          <a:fillRef idx="1">
-            <a:schemeClr val="accent1"/>
-          </a:fillRef>
-          <a:effectRef idx="0">
-            <a:schemeClr val="accent1"/>
-          </a:effectRef>
-          <a:fontRef idx="minor">
-            <a:schemeClr val="lt1"/>
-          </a:fontRef>
-        </p:style>
-        <p:txBody>
-          <a:bodyPr rtlCol="0" anchor="ctr"/>
-          <a:lstStyle/>
-          <a:p>
-            <a:pPr algn="ctr"/>
-            <a:r>
-              <a:rPr lang="fr-FR" sz="1000" dirty="0"/>
-              <a:t>Réalisation de la demande 1</a:t>
-            </a:r>
-          </a:p>
-        </p:txBody>
-      </p:sp>
-      <p:sp>
-        <p:nvSpPr>
-          <p:cNvPr id="9" name="Rectangle 8">
-            <a:hlinkClick r:id="rId7" action="ppaction://hlinksldjump"/>
-            <a:extLst>
-              <a:ext uri="{FF2B5EF4-FFF2-40B4-BE49-F238E27FC236}">
-                <a16:creationId xmlns:a16="http://schemas.microsoft.com/office/drawing/2014/main" id="{9F9471B6-ADA6-407E-AEB7-F9EED41DE4BB}"/>
-              </a:ext>
-            </a:extLst>
-          </p:cNvPr>
-          <p:cNvSpPr/>
-          <p:nvPr/>
-        </p:nvSpPr>
-        <p:spPr>
-          <a:xfrm>
-            <a:off x="70768" y="4916580"/>
-            <a:ext cx="1977656" cy="289829"/>
-          </a:xfrm>
-          <a:prstGeom prst="rect">
-            <a:avLst/>
-          </a:prstGeom>
-        </p:spPr>
-        <p:style>
-          <a:lnRef idx="2">
-            <a:schemeClr val="accent1">
-              <a:shade val="50000"/>
-            </a:schemeClr>
-          </a:lnRef>
-          <a:fillRef idx="1">
-            <a:schemeClr val="accent1"/>
-          </a:fillRef>
-          <a:effectRef idx="0">
-            <a:schemeClr val="accent1"/>
-          </a:effectRef>
-          <a:fontRef idx="minor">
-            <a:schemeClr val="lt1"/>
-          </a:fontRef>
-        </p:style>
-        <p:txBody>
-          <a:bodyPr rtlCol="0" anchor="ctr"/>
-          <a:lstStyle/>
-          <a:p>
-            <a:pPr algn="ctr"/>
-            <a:r>
-              <a:rPr lang="fr-FR" sz="1000" dirty="0"/>
-              <a:t>Réalisation de la demande 2</a:t>
-            </a:r>
-          </a:p>
-        </p:txBody>
-      </p:sp>
-      <p:sp>
-        <p:nvSpPr>
-          <p:cNvPr id="10" name="Rectangle 9">
-            <a:hlinkClick r:id="rId8" action="ppaction://hlinksldjump"/>
-            <a:extLst>
-              <a:ext uri="{FF2B5EF4-FFF2-40B4-BE49-F238E27FC236}">
-                <a16:creationId xmlns:a16="http://schemas.microsoft.com/office/drawing/2014/main" id="{6522561F-8A00-4F5B-A17F-36085343B4F5}"/>
-              </a:ext>
-            </a:extLst>
-          </p:cNvPr>
-          <p:cNvSpPr/>
-          <p:nvPr/>
-        </p:nvSpPr>
-        <p:spPr>
-          <a:xfrm>
-            <a:off x="70768" y="5246458"/>
-            <a:ext cx="1977656" cy="288961"/>
-          </a:xfrm>
-          <a:prstGeom prst="rect">
-            <a:avLst/>
-          </a:prstGeom>
-        </p:spPr>
-        <p:style>
-          <a:lnRef idx="2">
-            <a:schemeClr val="accent1">
-              <a:shade val="50000"/>
-            </a:schemeClr>
-          </a:lnRef>
-          <a:fillRef idx="1">
-            <a:schemeClr val="accent1"/>
-          </a:fillRef>
-          <a:effectRef idx="0">
-            <a:schemeClr val="accent1"/>
-          </a:effectRef>
-          <a:fontRef idx="minor">
-            <a:schemeClr val="lt1"/>
-          </a:fontRef>
-        </p:style>
-        <p:txBody>
-          <a:bodyPr rtlCol="0" anchor="ctr"/>
-          <a:lstStyle/>
-          <a:p>
-            <a:pPr algn="ctr"/>
-            <a:r>
-              <a:rPr lang="fr-FR" sz="1000" dirty="0"/>
-              <a:t>Réalisation de la demande 3</a:t>
-            </a:r>
-          </a:p>
-        </p:txBody>
-      </p:sp>
-      <p:sp>
-        <p:nvSpPr>
-          <p:cNvPr id="11" name="Rectangle 10">
-            <a:hlinkClick r:id="rId9" action="ppaction://hlinksldjump"/>
-            <a:extLst>
-              <a:ext uri="{FF2B5EF4-FFF2-40B4-BE49-F238E27FC236}">
-                <a16:creationId xmlns:a16="http://schemas.microsoft.com/office/drawing/2014/main" id="{4F9BCAE0-26A5-4A28-A721-7D277359300D}"/>
-              </a:ext>
-            </a:extLst>
-          </p:cNvPr>
-          <p:cNvSpPr/>
-          <p:nvPr/>
-        </p:nvSpPr>
-        <p:spPr>
-          <a:xfrm>
-            <a:off x="70768" y="5898575"/>
-            <a:ext cx="1977656" cy="288961"/>
-          </a:xfrm>
-          <a:prstGeom prst="rect">
-            <a:avLst/>
-          </a:prstGeom>
-        </p:spPr>
-        <p:style>
-          <a:lnRef idx="2">
-            <a:schemeClr val="accent1">
-              <a:shade val="50000"/>
-            </a:schemeClr>
-          </a:lnRef>
-          <a:fillRef idx="1">
-            <a:schemeClr val="accent1"/>
-          </a:fillRef>
-          <a:effectRef idx="0">
-            <a:schemeClr val="accent1"/>
-          </a:effectRef>
-          <a:fontRef idx="minor">
-            <a:schemeClr val="lt1"/>
-          </a:fontRef>
-        </p:style>
-        <p:txBody>
-          <a:bodyPr rtlCol="0" anchor="ctr"/>
-          <a:lstStyle/>
-          <a:p>
-            <a:pPr algn="ctr"/>
-            <a:r>
-              <a:rPr lang="fr-FR" sz="1000" dirty="0"/>
-              <a:t>Résultats obtenus</a:t>
-            </a:r>
-          </a:p>
-        </p:txBody>
-      </p:sp>
-      <p:sp>
-        <p:nvSpPr>
-          <p:cNvPr id="12" name="Rectangle 11">
-            <a:hlinkClick r:id="rId10" action="ppaction://hlinksldjump"/>
-            <a:extLst>
-              <a:ext uri="{FF2B5EF4-FFF2-40B4-BE49-F238E27FC236}">
-                <a16:creationId xmlns:a16="http://schemas.microsoft.com/office/drawing/2014/main" id="{5DB303D8-A741-47BC-B8C1-71992133B37F}"/>
-              </a:ext>
-            </a:extLst>
-          </p:cNvPr>
-          <p:cNvSpPr/>
-          <p:nvPr/>
-        </p:nvSpPr>
-        <p:spPr>
-          <a:xfrm>
-            <a:off x="70768" y="5575468"/>
-            <a:ext cx="1977656" cy="288961"/>
-          </a:xfrm>
-          <a:prstGeom prst="rect">
-            <a:avLst/>
-          </a:prstGeom>
-        </p:spPr>
-        <p:style>
-          <a:lnRef idx="2">
-            <a:schemeClr val="accent1">
-              <a:shade val="50000"/>
-            </a:schemeClr>
-          </a:lnRef>
-          <a:fillRef idx="1">
-            <a:schemeClr val="accent1"/>
-          </a:fillRef>
-          <a:effectRef idx="0">
-            <a:schemeClr val="accent1"/>
-          </a:effectRef>
-          <a:fontRef idx="minor">
-            <a:schemeClr val="lt1"/>
-          </a:fontRef>
-        </p:style>
-        <p:txBody>
-          <a:bodyPr rtlCol="0" anchor="ctr"/>
-          <a:lstStyle/>
-          <a:p>
-            <a:pPr algn="ctr"/>
-            <a:r>
-              <a:rPr lang="fr-FR" sz="1000" dirty="0"/>
-              <a:t>Réalisation de la demande 4</a:t>
-            </a:r>
-          </a:p>
-        </p:txBody>
-      </p:sp>
-      <p:sp>
-        <p:nvSpPr>
-          <p:cNvPr id="13" name="Rectangle 12">
-            <a:hlinkClick r:id="rId11" action="ppaction://hlinksldjump"/>
-            <a:extLst>
-              <a:ext uri="{FF2B5EF4-FFF2-40B4-BE49-F238E27FC236}">
-                <a16:creationId xmlns:a16="http://schemas.microsoft.com/office/drawing/2014/main" id="{A96EC873-155C-4AD7-946E-F9A3393A98CC}"/>
-              </a:ext>
-            </a:extLst>
-          </p:cNvPr>
-          <p:cNvSpPr/>
-          <p:nvPr/>
-        </p:nvSpPr>
-        <p:spPr>
-          <a:xfrm>
-            <a:off x="70768" y="6221682"/>
-            <a:ext cx="1977656" cy="269944"/>
-          </a:xfrm>
-          <a:prstGeom prst="rect">
-            <a:avLst/>
-          </a:prstGeom>
-        </p:spPr>
-        <p:style>
-          <a:lnRef idx="2">
-            <a:schemeClr val="accent1">
-              <a:shade val="50000"/>
-            </a:schemeClr>
-          </a:lnRef>
-          <a:fillRef idx="1">
-            <a:schemeClr val="accent1"/>
-          </a:fillRef>
-          <a:effectRef idx="0">
-            <a:schemeClr val="accent1"/>
-          </a:effectRef>
-          <a:fontRef idx="minor">
-            <a:schemeClr val="lt1"/>
-          </a:fontRef>
-        </p:style>
-        <p:txBody>
-          <a:bodyPr rtlCol="0" anchor="ctr"/>
-          <a:lstStyle/>
-          <a:p>
-            <a:pPr algn="ctr"/>
-            <a:r>
-              <a:rPr lang="fr-FR" sz="1000" dirty="0"/>
-              <a:t>Ce que ce stage m’a apporté</a:t>
-            </a:r>
-          </a:p>
-        </p:txBody>
-      </p:sp>
-      <p:sp>
-        <p:nvSpPr>
-          <p:cNvPr id="14" name="Rectangle 13">
-            <a:hlinkClick r:id="rId12" action="ppaction://hlinksldjump"/>
-            <a:extLst>
-              <a:ext uri="{FF2B5EF4-FFF2-40B4-BE49-F238E27FC236}">
-                <a16:creationId xmlns:a16="http://schemas.microsoft.com/office/drawing/2014/main" id="{F4C04680-4CE8-402B-A422-808C0D47A813}"/>
-              </a:ext>
-            </a:extLst>
-          </p:cNvPr>
-          <p:cNvSpPr/>
-          <p:nvPr/>
-        </p:nvSpPr>
-        <p:spPr>
-          <a:xfrm>
-            <a:off x="70768" y="6536930"/>
-            <a:ext cx="1977656" cy="288961"/>
-          </a:xfrm>
-          <a:prstGeom prst="rect">
-            <a:avLst/>
-          </a:prstGeom>
-        </p:spPr>
-        <p:style>
-          <a:lnRef idx="2">
-            <a:schemeClr val="accent1">
-              <a:shade val="50000"/>
-            </a:schemeClr>
-          </a:lnRef>
-          <a:fillRef idx="1">
-            <a:schemeClr val="accent1"/>
-          </a:fillRef>
-          <a:effectRef idx="0">
-            <a:schemeClr val="accent1"/>
-          </a:effectRef>
-          <a:fontRef idx="minor">
-            <a:schemeClr val="lt1"/>
-          </a:fontRef>
-        </p:style>
-        <p:txBody>
-          <a:bodyPr rtlCol="0" anchor="ctr"/>
-          <a:lstStyle/>
-          <a:p>
-            <a:pPr algn="ctr"/>
-            <a:r>
-              <a:rPr lang="fr-FR" sz="1000" dirty="0"/>
-              <a:t>Conclusion</a:t>
-            </a:r>
-          </a:p>
-        </p:txBody>
-      </p:sp>
-      <p:sp>
-        <p:nvSpPr>
-          <p:cNvPr id="15" name="Rectangle 14">
-            <a:hlinkClick r:id="rId13" action="ppaction://hlinksldjump"/>
-            <a:extLst>
-              <a:ext uri="{FF2B5EF4-FFF2-40B4-BE49-F238E27FC236}">
-                <a16:creationId xmlns:a16="http://schemas.microsoft.com/office/drawing/2014/main" id="{FB8C7CB7-D22A-47EC-B9D8-05504B737279}"/>
-              </a:ext>
-            </a:extLst>
-          </p:cNvPr>
-          <p:cNvSpPr/>
-          <p:nvPr/>
-        </p:nvSpPr>
-        <p:spPr>
-          <a:xfrm>
-            <a:off x="70768" y="2660057"/>
-            <a:ext cx="1977656" cy="282858"/>
-          </a:xfrm>
-          <a:prstGeom prst="rect">
-            <a:avLst/>
-          </a:prstGeom>
-        </p:spPr>
-        <p:style>
-          <a:lnRef idx="2">
-            <a:schemeClr val="accent1">
-              <a:shade val="50000"/>
-            </a:schemeClr>
-          </a:lnRef>
-          <a:fillRef idx="1">
-            <a:schemeClr val="accent1"/>
-          </a:fillRef>
-          <a:effectRef idx="0">
-            <a:schemeClr val="accent1"/>
-          </a:effectRef>
-          <a:fontRef idx="minor">
-            <a:schemeClr val="lt1"/>
-          </a:fontRef>
-        </p:style>
-        <p:txBody>
-          <a:bodyPr rtlCol="0" anchor="ctr"/>
-          <a:lstStyle/>
-          <a:p>
-            <a:pPr algn="ctr"/>
-            <a:r>
-              <a:rPr lang="fr-FR" sz="1000" dirty="0"/>
-              <a:t>Remerciements</a:t>
-            </a:r>
-          </a:p>
-        </p:txBody>
-      </p:sp>
-      <p:sp>
-        <p:nvSpPr>
-          <p:cNvPr id="16" name="Rectangle 15">
-            <a:hlinkClick r:id="rId14" action="ppaction://hlinksldjump"/>
-            <a:extLst>
-              <a:ext uri="{FF2B5EF4-FFF2-40B4-BE49-F238E27FC236}">
-                <a16:creationId xmlns:a16="http://schemas.microsoft.com/office/drawing/2014/main" id="{17C2A9F4-F2DF-4510-84E0-FE3F16146EE0}"/>
-              </a:ext>
-            </a:extLst>
-          </p:cNvPr>
-          <p:cNvSpPr/>
-          <p:nvPr/>
-        </p:nvSpPr>
-        <p:spPr>
-          <a:xfrm>
-            <a:off x="70768" y="2335179"/>
-            <a:ext cx="1977656" cy="288961"/>
-          </a:xfrm>
-          <a:prstGeom prst="rect">
-            <a:avLst/>
-          </a:prstGeom>
-        </p:spPr>
-        <p:style>
-          <a:lnRef idx="2">
-            <a:schemeClr val="accent1">
-              <a:shade val="50000"/>
-            </a:schemeClr>
-          </a:lnRef>
-          <a:fillRef idx="1">
-            <a:schemeClr val="accent1"/>
-          </a:fillRef>
-          <a:effectRef idx="0">
-            <a:schemeClr val="accent1"/>
-          </a:effectRef>
-          <a:fontRef idx="minor">
-            <a:schemeClr val="lt1"/>
-          </a:fontRef>
-        </p:style>
-        <p:txBody>
-          <a:bodyPr rtlCol="0" anchor="ctr"/>
-          <a:lstStyle/>
-          <a:p>
-            <a:pPr algn="ctr"/>
-            <a:r>
-              <a:rPr lang="fr-FR" sz="1000" dirty="0"/>
-              <a:t>Présentation du stagiaire</a:t>
-            </a:r>
-          </a:p>
-        </p:txBody>
-      </p:sp>
-      <p:sp>
-        <p:nvSpPr>
-          <p:cNvPr id="17" name="Rectangle 16">
-            <a:hlinkClick r:id="rId15" action="ppaction://hlinksldjump"/>
-            <a:extLst>
-              <a:ext uri="{FF2B5EF4-FFF2-40B4-BE49-F238E27FC236}">
-                <a16:creationId xmlns:a16="http://schemas.microsoft.com/office/drawing/2014/main" id="{A8DD7453-232B-4F43-917F-B726264B2EDE}"/>
-              </a:ext>
-            </a:extLst>
-          </p:cNvPr>
-          <p:cNvSpPr/>
-          <p:nvPr/>
-        </p:nvSpPr>
-        <p:spPr>
-          <a:xfrm>
-            <a:off x="70768" y="2970984"/>
-            <a:ext cx="1977656" cy="288961"/>
-          </a:xfrm>
-          <a:prstGeom prst="rect">
-            <a:avLst/>
-          </a:prstGeom>
-        </p:spPr>
-        <p:style>
-          <a:lnRef idx="2">
-            <a:schemeClr val="accent1">
-              <a:shade val="50000"/>
-            </a:schemeClr>
-          </a:lnRef>
-          <a:fillRef idx="1">
-            <a:schemeClr val="accent1"/>
-          </a:fillRef>
-          <a:effectRef idx="0">
-            <a:schemeClr val="accent1"/>
-          </a:effectRef>
-          <a:fontRef idx="minor">
-            <a:schemeClr val="lt1"/>
-          </a:fontRef>
-        </p:style>
-        <p:txBody>
-          <a:bodyPr rtlCol="0" anchor="ctr"/>
-          <a:lstStyle/>
-          <a:p>
-            <a:pPr algn="ctr"/>
-            <a:r>
-              <a:rPr lang="fr-FR" sz="1000" dirty="0"/>
-              <a:t>Introduction</a:t>
-            </a:r>
-          </a:p>
-        </p:txBody>
-      </p:sp>
-      <p:sp>
-        <p:nvSpPr>
-          <p:cNvPr id="18" name="Rectangle 17">
-            <a:hlinkClick r:id="rId16" action="ppaction://hlinksldjump"/>
-            <a:extLst>
-              <a:ext uri="{FF2B5EF4-FFF2-40B4-BE49-F238E27FC236}">
-                <a16:creationId xmlns:a16="http://schemas.microsoft.com/office/drawing/2014/main" id="{E08962C0-3F91-400B-9A61-C3D4836FC772}"/>
-              </a:ext>
-            </a:extLst>
-          </p:cNvPr>
-          <p:cNvSpPr/>
-          <p:nvPr/>
-        </p:nvSpPr>
-        <p:spPr>
-          <a:xfrm>
-            <a:off x="70768" y="1688085"/>
-            <a:ext cx="1977656" cy="288961"/>
-          </a:xfrm>
-          <a:prstGeom prst="rect">
-            <a:avLst/>
-          </a:prstGeom>
-        </p:spPr>
-        <p:style>
-          <a:lnRef idx="2">
-            <a:schemeClr val="accent5">
-              <a:shade val="50000"/>
-            </a:schemeClr>
-          </a:lnRef>
-          <a:fillRef idx="1">
-            <a:schemeClr val="accent5"/>
-          </a:fillRef>
-          <a:effectRef idx="0">
-            <a:schemeClr val="accent5"/>
-          </a:effectRef>
-          <a:fontRef idx="minor">
-            <a:schemeClr val="lt1"/>
-          </a:fontRef>
-        </p:style>
-        <p:txBody>
-          <a:bodyPr rtlCol="0" anchor="ctr"/>
-          <a:lstStyle/>
-          <a:p>
-            <a:pPr algn="ctr"/>
-            <a:r>
-              <a:rPr lang="fr-FR" sz="1000" b="1" dirty="0"/>
-              <a:t>Soutenance de stage</a:t>
-            </a:r>
-          </a:p>
-        </p:txBody>
-      </p:sp>
-      <p:sp>
-        <p:nvSpPr>
-          <p:cNvPr id="19" name="Rectangle 18">
-            <a:hlinkClick r:id="rId17" action="ppaction://hlinksldjump"/>
-            <a:extLst>
-              <a:ext uri="{FF2B5EF4-FFF2-40B4-BE49-F238E27FC236}">
-                <a16:creationId xmlns:a16="http://schemas.microsoft.com/office/drawing/2014/main" id="{B31C4DF4-F9D0-406D-93F8-A0D317D363A0}"/>
-              </a:ext>
-            </a:extLst>
-          </p:cNvPr>
-          <p:cNvSpPr/>
-          <p:nvPr/>
-        </p:nvSpPr>
-        <p:spPr>
-          <a:xfrm>
-            <a:off x="70768" y="2012963"/>
-            <a:ext cx="1977656" cy="288961"/>
-          </a:xfrm>
-          <a:prstGeom prst="rect">
-            <a:avLst/>
-          </a:prstGeom>
-        </p:spPr>
-        <p:style>
-          <a:lnRef idx="2">
-            <a:schemeClr val="accent1">
-              <a:shade val="50000"/>
-            </a:schemeClr>
-          </a:lnRef>
-          <a:fillRef idx="1">
-            <a:schemeClr val="accent1"/>
-          </a:fillRef>
-          <a:effectRef idx="0">
-            <a:schemeClr val="accent1"/>
-          </a:effectRef>
-          <a:fontRef idx="minor">
-            <a:schemeClr val="lt1"/>
-          </a:fontRef>
-        </p:style>
-        <p:txBody>
-          <a:bodyPr rtlCol="0" anchor="ctr"/>
-          <a:lstStyle/>
-          <a:p>
-            <a:pPr algn="ctr"/>
-            <a:r>
-              <a:rPr lang="fr-FR" sz="1000" dirty="0"/>
-              <a:t>Sommaire</a:t>
-            </a:r>
-          </a:p>
-        </p:txBody>
-      </p:sp>
+      </p:pic>
     </p:spTree>
     <p:extLst>
       <p:ext uri="{BB962C8B-B14F-4D97-AF65-F5344CB8AC3E}">
@@ -15622,7 +14920,7 @@
           <p:cNvPr id="2" name="Titre 1">
             <a:extLst>
               <a:ext uri="{FF2B5EF4-FFF2-40B4-BE49-F238E27FC236}">
-                <a16:creationId xmlns:a16="http://schemas.microsoft.com/office/drawing/2014/main" id="{F652441F-AEF7-4868-BB23-238B713FFC89}"/>
+                <a16:creationId xmlns:a16="http://schemas.microsoft.com/office/drawing/2014/main" xmlns="" id="{F652441F-AEF7-4868-BB23-238B713FFC89}"/>
               </a:ext>
             </a:extLst>
           </p:cNvPr>
@@ -15660,7 +14958,7 @@
           <p:cNvPr id="8" name="Espace réservé du contenu 7">
             <a:extLst>
               <a:ext uri="{FF2B5EF4-FFF2-40B4-BE49-F238E27FC236}">
-                <a16:creationId xmlns:a16="http://schemas.microsoft.com/office/drawing/2014/main" id="{15C4A421-2DCC-42BE-9369-C16457B6CBE7}"/>
+                <a16:creationId xmlns:a16="http://schemas.microsoft.com/office/drawing/2014/main" xmlns="" id="{15C4A421-2DCC-42BE-9369-C16457B6CBE7}"/>
               </a:ext>
             </a:extLst>
           </p:cNvPr>
@@ -15689,7 +14987,7 @@
           <p:cNvPr id="3" name="Espace réservé du texte 2">
             <a:extLst>
               <a:ext uri="{FF2B5EF4-FFF2-40B4-BE49-F238E27FC236}">
-                <a16:creationId xmlns:a16="http://schemas.microsoft.com/office/drawing/2014/main" id="{A588FB93-330A-4513-AFB9-A1050487AE95}"/>
+                <a16:creationId xmlns:a16="http://schemas.microsoft.com/office/drawing/2014/main" xmlns="" id="{A588FB93-330A-4513-AFB9-A1050487AE95}"/>
               </a:ext>
             </a:extLst>
           </p:cNvPr>
@@ -15723,7 +15021,7 @@
             <a:hlinkClick r:id="rId3" action="ppaction://hlinksldjump"/>
             <a:extLst>
               <a:ext uri="{FF2B5EF4-FFF2-40B4-BE49-F238E27FC236}">
-                <a16:creationId xmlns:a16="http://schemas.microsoft.com/office/drawing/2014/main" id="{256447FB-39C8-4589-AFE7-65FE1BA6B90D}"/>
+                <a16:creationId xmlns:a16="http://schemas.microsoft.com/office/drawing/2014/main" xmlns="" id="{256447FB-39C8-4589-AFE7-65FE1BA6B90D}"/>
               </a:ext>
             </a:extLst>
           </p:cNvPr>
@@ -15732,7 +15030,7 @@
         </p:nvSpPr>
         <p:spPr>
           <a:xfrm>
-            <a:off x="70768" y="3302355"/>
+            <a:off x="153147" y="1195859"/>
             <a:ext cx="1977656" cy="288961"/>
           </a:xfrm>
           <a:prstGeom prst="rect">
@@ -15773,7 +15071,7 @@
             <a:hlinkClick r:id="rId4" action="ppaction://hlinksldjump"/>
             <a:extLst>
               <a:ext uri="{FF2B5EF4-FFF2-40B4-BE49-F238E27FC236}">
-                <a16:creationId xmlns:a16="http://schemas.microsoft.com/office/drawing/2014/main" id="{F26606A9-DDF5-49C1-A309-7F29A1BAF71C}"/>
+                <a16:creationId xmlns:a16="http://schemas.microsoft.com/office/drawing/2014/main" xmlns="" id="{F26606A9-DDF5-49C1-A309-7F29A1BAF71C}"/>
               </a:ext>
             </a:extLst>
           </p:cNvPr>
@@ -15782,7 +15080,7 @@
         </p:nvSpPr>
         <p:spPr>
           <a:xfrm>
-            <a:off x="70768" y="3944263"/>
+            <a:off x="153147" y="1837767"/>
             <a:ext cx="1977656" cy="288961"/>
           </a:xfrm>
           <a:prstGeom prst="rect">
@@ -15823,7 +15121,7 @@
             <a:hlinkClick r:id="rId5" action="ppaction://hlinksldjump"/>
             <a:extLst>
               <a:ext uri="{FF2B5EF4-FFF2-40B4-BE49-F238E27FC236}">
-                <a16:creationId xmlns:a16="http://schemas.microsoft.com/office/drawing/2014/main" id="{4614E60E-C487-44CA-A29B-9F53AC1B7DB5}"/>
+                <a16:creationId xmlns:a16="http://schemas.microsoft.com/office/drawing/2014/main" xmlns="" id="{4614E60E-C487-44CA-A29B-9F53AC1B7DB5}"/>
               </a:ext>
             </a:extLst>
           </p:cNvPr>
@@ -15832,7 +15130,7 @@
         </p:nvSpPr>
         <p:spPr>
           <a:xfrm>
-            <a:off x="70768" y="3619385"/>
+            <a:off x="153147" y="1512889"/>
             <a:ext cx="1977656" cy="288961"/>
           </a:xfrm>
           <a:prstGeom prst="rect">
@@ -15873,7 +15171,7 @@
             <a:hlinkClick r:id="rId6" action="ppaction://hlinksldjump"/>
             <a:extLst>
               <a:ext uri="{FF2B5EF4-FFF2-40B4-BE49-F238E27FC236}">
-                <a16:creationId xmlns:a16="http://schemas.microsoft.com/office/drawing/2014/main" id="{ADAA4361-DCE0-4275-95E8-A8307BBD28CF}"/>
+                <a16:creationId xmlns:a16="http://schemas.microsoft.com/office/drawing/2014/main" xmlns="" id="{ADAA4361-DCE0-4275-95E8-A8307BBD28CF}"/>
               </a:ext>
             </a:extLst>
           </p:cNvPr>
@@ -15882,7 +15180,7 @@
         </p:nvSpPr>
         <p:spPr>
           <a:xfrm>
-            <a:off x="70768" y="4269141"/>
+            <a:off x="153147" y="2162645"/>
             <a:ext cx="1977656" cy="288480"/>
           </a:xfrm>
           <a:prstGeom prst="rect">
@@ -15923,7 +15221,7 @@
             <a:hlinkClick r:id="rId7" action="ppaction://hlinksldjump"/>
             <a:extLst>
               <a:ext uri="{FF2B5EF4-FFF2-40B4-BE49-F238E27FC236}">
-                <a16:creationId xmlns:a16="http://schemas.microsoft.com/office/drawing/2014/main" id="{1C0196C7-2CD2-470F-B853-9E3059316969}"/>
+                <a16:creationId xmlns:a16="http://schemas.microsoft.com/office/drawing/2014/main" xmlns="" id="{1C0196C7-2CD2-470F-B853-9E3059316969}"/>
               </a:ext>
             </a:extLst>
           </p:cNvPr>
@@ -15932,7 +15230,7 @@
         </p:nvSpPr>
         <p:spPr>
           <a:xfrm>
-            <a:off x="70768" y="4600031"/>
+            <a:off x="153147" y="2493535"/>
             <a:ext cx="1977656" cy="288480"/>
           </a:xfrm>
           <a:prstGeom prst="rect">
@@ -15973,7 +15271,7 @@
             <a:hlinkClick r:id="rId8" action="ppaction://hlinksldjump"/>
             <a:extLst>
               <a:ext uri="{FF2B5EF4-FFF2-40B4-BE49-F238E27FC236}">
-                <a16:creationId xmlns:a16="http://schemas.microsoft.com/office/drawing/2014/main" id="{C4135642-5838-4C60-8BC1-50A24593DF9B}"/>
+                <a16:creationId xmlns:a16="http://schemas.microsoft.com/office/drawing/2014/main" xmlns="" id="{C4135642-5838-4C60-8BC1-50A24593DF9B}"/>
               </a:ext>
             </a:extLst>
           </p:cNvPr>
@@ -15982,7 +15280,7 @@
         </p:nvSpPr>
         <p:spPr>
           <a:xfrm>
-            <a:off x="70768" y="4916580"/>
+            <a:off x="153147" y="2810084"/>
             <a:ext cx="1977656" cy="289829"/>
           </a:xfrm>
           <a:prstGeom prst="rect">
@@ -16023,7 +15321,7 @@
             <a:hlinkClick r:id="rId9" action="ppaction://hlinksldjump"/>
             <a:extLst>
               <a:ext uri="{FF2B5EF4-FFF2-40B4-BE49-F238E27FC236}">
-                <a16:creationId xmlns:a16="http://schemas.microsoft.com/office/drawing/2014/main" id="{67EE920E-59FE-43FC-A2EF-CCC773FCBEF2}"/>
+                <a16:creationId xmlns:a16="http://schemas.microsoft.com/office/drawing/2014/main" xmlns="" id="{67EE920E-59FE-43FC-A2EF-CCC773FCBEF2}"/>
               </a:ext>
             </a:extLst>
           </p:cNvPr>
@@ -16032,7 +15330,7 @@
         </p:nvSpPr>
         <p:spPr>
           <a:xfrm>
-            <a:off x="70768" y="5246458"/>
+            <a:off x="153147" y="3139962"/>
             <a:ext cx="1977656" cy="288961"/>
           </a:xfrm>
           <a:prstGeom prst="rect">
@@ -16073,7 +15371,7 @@
             <a:hlinkClick r:id="rId10" action="ppaction://hlinksldjump"/>
             <a:extLst>
               <a:ext uri="{FF2B5EF4-FFF2-40B4-BE49-F238E27FC236}">
-                <a16:creationId xmlns:a16="http://schemas.microsoft.com/office/drawing/2014/main" id="{3785047F-79E3-44B4-A580-67117990D3BB}"/>
+                <a16:creationId xmlns:a16="http://schemas.microsoft.com/office/drawing/2014/main" xmlns="" id="{3785047F-79E3-44B4-A580-67117990D3BB}"/>
               </a:ext>
             </a:extLst>
           </p:cNvPr>
@@ -16082,7 +15380,7 @@
         </p:nvSpPr>
         <p:spPr>
           <a:xfrm>
-            <a:off x="70768" y="5898575"/>
+            <a:off x="153147" y="3792079"/>
             <a:ext cx="1977656" cy="288961"/>
           </a:xfrm>
           <a:prstGeom prst="rect">
@@ -16123,7 +15421,7 @@
             <a:hlinkClick r:id="rId11" action="ppaction://hlinksldjump"/>
             <a:extLst>
               <a:ext uri="{FF2B5EF4-FFF2-40B4-BE49-F238E27FC236}">
-                <a16:creationId xmlns:a16="http://schemas.microsoft.com/office/drawing/2014/main" id="{45112855-50CE-40AC-8ED8-18A6A536C19A}"/>
+                <a16:creationId xmlns:a16="http://schemas.microsoft.com/office/drawing/2014/main" xmlns="" id="{45112855-50CE-40AC-8ED8-18A6A536C19A}"/>
               </a:ext>
             </a:extLst>
           </p:cNvPr>
@@ -16132,7 +15430,7 @@
         </p:nvSpPr>
         <p:spPr>
           <a:xfrm>
-            <a:off x="70768" y="5575468"/>
+            <a:off x="153147" y="3468972"/>
             <a:ext cx="1977656" cy="288961"/>
           </a:xfrm>
           <a:prstGeom prst="rect">
@@ -16173,7 +15471,7 @@
             <a:hlinkClick r:id="rId12" action="ppaction://hlinksldjump"/>
             <a:extLst>
               <a:ext uri="{FF2B5EF4-FFF2-40B4-BE49-F238E27FC236}">
-                <a16:creationId xmlns:a16="http://schemas.microsoft.com/office/drawing/2014/main" id="{F6219350-FAE8-4A8A-B02C-BA458C80D042}"/>
+                <a16:creationId xmlns:a16="http://schemas.microsoft.com/office/drawing/2014/main" xmlns="" id="{F6219350-FAE8-4A8A-B02C-BA458C80D042}"/>
               </a:ext>
             </a:extLst>
           </p:cNvPr>
@@ -16182,7 +15480,7 @@
         </p:nvSpPr>
         <p:spPr>
           <a:xfrm>
-            <a:off x="70768" y="6221682"/>
+            <a:off x="153147" y="4115186"/>
             <a:ext cx="1977656" cy="269944"/>
           </a:xfrm>
           <a:prstGeom prst="rect">
@@ -16223,7 +15521,7 @@
             <a:hlinkClick r:id="rId13" action="ppaction://hlinksldjump"/>
             <a:extLst>
               <a:ext uri="{FF2B5EF4-FFF2-40B4-BE49-F238E27FC236}">
-                <a16:creationId xmlns:a16="http://schemas.microsoft.com/office/drawing/2014/main" id="{C3222AC8-D714-4A2E-9BDA-5A09BCDDBFFD}"/>
+                <a16:creationId xmlns:a16="http://schemas.microsoft.com/office/drawing/2014/main" xmlns="" id="{C3222AC8-D714-4A2E-9BDA-5A09BCDDBFFD}"/>
               </a:ext>
             </a:extLst>
           </p:cNvPr>
@@ -16232,7 +15530,7 @@
         </p:nvSpPr>
         <p:spPr>
           <a:xfrm>
-            <a:off x="70768" y="6536930"/>
+            <a:off x="153147" y="4430434"/>
             <a:ext cx="1977656" cy="288961"/>
           </a:xfrm>
           <a:prstGeom prst="rect">
@@ -16273,7 +15571,7 @@
             <a:hlinkClick r:id="rId14" action="ppaction://hlinksldjump"/>
             <a:extLst>
               <a:ext uri="{FF2B5EF4-FFF2-40B4-BE49-F238E27FC236}">
-                <a16:creationId xmlns:a16="http://schemas.microsoft.com/office/drawing/2014/main" id="{7FD9B532-4549-4349-B50A-5E95A0509121}"/>
+                <a16:creationId xmlns:a16="http://schemas.microsoft.com/office/drawing/2014/main" xmlns="" id="{7FD9B532-4549-4349-B50A-5E95A0509121}"/>
               </a:ext>
             </a:extLst>
           </p:cNvPr>
@@ -16282,7 +15580,7 @@
         </p:nvSpPr>
         <p:spPr>
           <a:xfrm>
-            <a:off x="70768" y="2660057"/>
+            <a:off x="153147" y="553561"/>
             <a:ext cx="1977656" cy="282858"/>
           </a:xfrm>
           <a:prstGeom prst="rect">
@@ -16323,7 +15621,7 @@
             <a:hlinkClick r:id="rId15" action="ppaction://hlinksldjump"/>
             <a:extLst>
               <a:ext uri="{FF2B5EF4-FFF2-40B4-BE49-F238E27FC236}">
-                <a16:creationId xmlns:a16="http://schemas.microsoft.com/office/drawing/2014/main" id="{DDAC5A56-39F6-46F0-ABF7-CC04BCD432D0}"/>
+                <a16:creationId xmlns:a16="http://schemas.microsoft.com/office/drawing/2014/main" xmlns="" id="{DDAC5A56-39F6-46F0-ABF7-CC04BCD432D0}"/>
               </a:ext>
             </a:extLst>
           </p:cNvPr>
@@ -16332,7 +15630,7 @@
         </p:nvSpPr>
         <p:spPr>
           <a:xfrm>
-            <a:off x="70768" y="2335179"/>
+            <a:off x="153147" y="228683"/>
             <a:ext cx="1977656" cy="288961"/>
           </a:xfrm>
           <a:prstGeom prst="rect">
@@ -16373,7 +15671,7 @@
             <a:hlinkClick r:id="rId16" action="ppaction://hlinksldjump"/>
             <a:extLst>
               <a:ext uri="{FF2B5EF4-FFF2-40B4-BE49-F238E27FC236}">
-                <a16:creationId xmlns:a16="http://schemas.microsoft.com/office/drawing/2014/main" id="{E65B7979-ACF9-46DD-8714-23B329DE4031}"/>
+                <a16:creationId xmlns:a16="http://schemas.microsoft.com/office/drawing/2014/main" xmlns="" id="{E65B7979-ACF9-46DD-8714-23B329DE4031}"/>
               </a:ext>
             </a:extLst>
           </p:cNvPr>
@@ -16382,7 +15680,7 @@
         </p:nvSpPr>
         <p:spPr>
           <a:xfrm>
-            <a:off x="70768" y="2970984"/>
+            <a:off x="153147" y="864488"/>
             <a:ext cx="1977656" cy="288961"/>
           </a:xfrm>
           <a:prstGeom prst="rect">
@@ -16413,106 +15711,6 @@
             <a:r>
               <a:rPr lang="fr-FR" sz="1000" dirty="0"/>
               <a:t>Introduction</a:t>
-            </a:r>
-          </a:p>
-        </p:txBody>
-      </p:sp>
-      <p:sp>
-        <p:nvSpPr>
-          <p:cNvPr id="20" name="Rectangle 19">
-            <a:hlinkClick r:id="rId17" action="ppaction://hlinksldjump"/>
-            <a:extLst>
-              <a:ext uri="{FF2B5EF4-FFF2-40B4-BE49-F238E27FC236}">
-                <a16:creationId xmlns:a16="http://schemas.microsoft.com/office/drawing/2014/main" id="{A4EB19C1-DEBF-4FE9-BB28-BED22D6F362A}"/>
-              </a:ext>
-            </a:extLst>
-          </p:cNvPr>
-          <p:cNvSpPr/>
-          <p:nvPr/>
-        </p:nvSpPr>
-        <p:spPr>
-          <a:xfrm>
-            <a:off x="70768" y="1688085"/>
-            <a:ext cx="1977656" cy="288961"/>
-          </a:xfrm>
-          <a:prstGeom prst="rect">
-            <a:avLst/>
-          </a:prstGeom>
-        </p:spPr>
-        <p:style>
-          <a:lnRef idx="2">
-            <a:schemeClr val="accent1">
-              <a:shade val="50000"/>
-            </a:schemeClr>
-          </a:lnRef>
-          <a:fillRef idx="1">
-            <a:schemeClr val="accent1"/>
-          </a:fillRef>
-          <a:effectRef idx="0">
-            <a:schemeClr val="accent1"/>
-          </a:effectRef>
-          <a:fontRef idx="minor">
-            <a:schemeClr val="lt1"/>
-          </a:fontRef>
-        </p:style>
-        <p:txBody>
-          <a:bodyPr rtlCol="0" anchor="ctr"/>
-          <a:lstStyle/>
-          <a:p>
-            <a:pPr algn="ctr"/>
-            <a:r>
-              <a:rPr lang="fr-FR" sz="1000" dirty="0"/>
-              <a:t>Soutenance de stage</a:t>
-            </a:r>
-          </a:p>
-        </p:txBody>
-      </p:sp>
-      <p:sp>
-        <p:nvSpPr>
-          <p:cNvPr id="21" name="Rectangle 20">
-            <a:hlinkClick r:id="rId18" action="ppaction://hlinksldjump"/>
-            <a:extLst>
-              <a:ext uri="{FF2B5EF4-FFF2-40B4-BE49-F238E27FC236}">
-                <a16:creationId xmlns:a16="http://schemas.microsoft.com/office/drawing/2014/main" id="{1DB1562D-B95D-4830-BE58-07F1123C30F8}"/>
-              </a:ext>
-            </a:extLst>
-          </p:cNvPr>
-          <p:cNvSpPr/>
-          <p:nvPr/>
-        </p:nvSpPr>
-        <p:spPr>
-          <a:xfrm>
-            <a:off x="70768" y="2012963"/>
-            <a:ext cx="1977656" cy="288961"/>
-          </a:xfrm>
-          <a:prstGeom prst="rect">
-            <a:avLst/>
-          </a:prstGeom>
-        </p:spPr>
-        <p:style>
-          <a:lnRef idx="2">
-            <a:schemeClr val="accent1">
-              <a:shade val="50000"/>
-            </a:schemeClr>
-          </a:lnRef>
-          <a:fillRef idx="1">
-            <a:schemeClr val="accent1"/>
-          </a:fillRef>
-          <a:effectRef idx="0">
-            <a:schemeClr val="accent1"/>
-          </a:effectRef>
-          <a:fontRef idx="minor">
-            <a:schemeClr val="lt1"/>
-          </a:fontRef>
-        </p:style>
-        <p:txBody>
-          <a:bodyPr rtlCol="0" anchor="ctr"/>
-          <a:lstStyle/>
-          <a:p>
-            <a:pPr algn="ctr"/>
-            <a:r>
-              <a:rPr lang="fr-FR" sz="1000" dirty="0"/>
-              <a:t>Sommaire</a:t>
             </a:r>
           </a:p>
         </p:txBody>
@@ -16552,7 +15750,7 @@
           <p:cNvPr id="2" name="Titre 1">
             <a:extLst>
               <a:ext uri="{FF2B5EF4-FFF2-40B4-BE49-F238E27FC236}">
-                <a16:creationId xmlns:a16="http://schemas.microsoft.com/office/drawing/2014/main" id="{DC37994F-E433-450E-8E5C-6052FC74D9DD}"/>
+                <a16:creationId xmlns:a16="http://schemas.microsoft.com/office/drawing/2014/main" xmlns="" id="{DC37994F-E433-450E-8E5C-6052FC74D9DD}"/>
               </a:ext>
             </a:extLst>
           </p:cNvPr>
@@ -16585,7 +15783,7 @@
           <p:cNvPr id="3" name="Espace réservé du contenu 2">
             <a:extLst>
               <a:ext uri="{FF2B5EF4-FFF2-40B4-BE49-F238E27FC236}">
-                <a16:creationId xmlns:a16="http://schemas.microsoft.com/office/drawing/2014/main" id="{135DE1BD-C2CB-4F98-9C6A-87C239787871}"/>
+                <a16:creationId xmlns:a16="http://schemas.microsoft.com/office/drawing/2014/main" xmlns="" id="{135DE1BD-C2CB-4F98-9C6A-87C239787871}"/>
               </a:ext>
             </a:extLst>
           </p:cNvPr>
@@ -16598,7 +15796,7 @@
         </p:nvSpPr>
         <p:spPr>
           <a:xfrm>
-            <a:off x="2048424" y="1013155"/>
+            <a:off x="2164972" y="1037869"/>
             <a:ext cx="8596668" cy="3880773"/>
           </a:xfrm>
         </p:spPr>
@@ -16621,7 +15819,7 @@
           <p:cNvPr id="11" name="Image 10">
             <a:extLst>
               <a:ext uri="{FF2B5EF4-FFF2-40B4-BE49-F238E27FC236}">
-                <a16:creationId xmlns:a16="http://schemas.microsoft.com/office/drawing/2014/main" id="{5F262CF1-83FD-4903-A934-5E5ED251C977}"/>
+                <a16:creationId xmlns:a16="http://schemas.microsoft.com/office/drawing/2014/main" xmlns="" id="{5F262CF1-83FD-4903-A934-5E5ED251C977}"/>
               </a:ext>
             </a:extLst>
           </p:cNvPr>
@@ -16651,7 +15849,7 @@
           <p:cNvPr id="13" name="Image 12">
             <a:extLst>
               <a:ext uri="{FF2B5EF4-FFF2-40B4-BE49-F238E27FC236}">
-                <a16:creationId xmlns:a16="http://schemas.microsoft.com/office/drawing/2014/main" id="{30277849-21AA-4C97-AB3D-7CDCF9100E8A}"/>
+                <a16:creationId xmlns:a16="http://schemas.microsoft.com/office/drawing/2014/main" xmlns="" id="{30277849-21AA-4C97-AB3D-7CDCF9100E8A}"/>
               </a:ext>
             </a:extLst>
           </p:cNvPr>
@@ -16682,7 +15880,7 @@
             <a:hlinkClick r:id="rId4" action="ppaction://hlinksldjump"/>
             <a:extLst>
               <a:ext uri="{FF2B5EF4-FFF2-40B4-BE49-F238E27FC236}">
-                <a16:creationId xmlns:a16="http://schemas.microsoft.com/office/drawing/2014/main" id="{FAE62336-5A8C-414C-BBBA-E3211ABF56B6}"/>
+                <a16:creationId xmlns:a16="http://schemas.microsoft.com/office/drawing/2014/main" xmlns="" id="{FAE62336-5A8C-414C-BBBA-E3211ABF56B6}"/>
               </a:ext>
             </a:extLst>
           </p:cNvPr>
@@ -16691,7 +15889,7 @@
         </p:nvSpPr>
         <p:spPr>
           <a:xfrm>
-            <a:off x="70768" y="3302355"/>
+            <a:off x="129042" y="1143842"/>
             <a:ext cx="1977656" cy="288961"/>
           </a:xfrm>
           <a:prstGeom prst="rect">
@@ -16732,7 +15930,7 @@
             <a:hlinkClick r:id="rId5" action="ppaction://hlinksldjump"/>
             <a:extLst>
               <a:ext uri="{FF2B5EF4-FFF2-40B4-BE49-F238E27FC236}">
-                <a16:creationId xmlns:a16="http://schemas.microsoft.com/office/drawing/2014/main" id="{BE8F0986-F03F-40A3-B280-A5BA0E86262D}"/>
+                <a16:creationId xmlns:a16="http://schemas.microsoft.com/office/drawing/2014/main" xmlns="" id="{BE8F0986-F03F-40A3-B280-A5BA0E86262D}"/>
               </a:ext>
             </a:extLst>
           </p:cNvPr>
@@ -16741,7 +15939,7 @@
         </p:nvSpPr>
         <p:spPr>
           <a:xfrm>
-            <a:off x="70768" y="3944263"/>
+            <a:off x="129042" y="1785750"/>
             <a:ext cx="1977656" cy="288961"/>
           </a:xfrm>
           <a:prstGeom prst="rect">
@@ -16782,7 +15980,7 @@
             <a:hlinkClick r:id="rId6" action="ppaction://hlinksldjump"/>
             <a:extLst>
               <a:ext uri="{FF2B5EF4-FFF2-40B4-BE49-F238E27FC236}">
-                <a16:creationId xmlns:a16="http://schemas.microsoft.com/office/drawing/2014/main" id="{4BB9D9FC-00A0-4DF2-9BE8-EDD2DD5DB736}"/>
+                <a16:creationId xmlns:a16="http://schemas.microsoft.com/office/drawing/2014/main" xmlns="" id="{4BB9D9FC-00A0-4DF2-9BE8-EDD2DD5DB736}"/>
               </a:ext>
             </a:extLst>
           </p:cNvPr>
@@ -16791,7 +15989,7 @@
         </p:nvSpPr>
         <p:spPr>
           <a:xfrm>
-            <a:off x="70768" y="3619385"/>
+            <a:off x="129042" y="1460872"/>
             <a:ext cx="1977656" cy="288961"/>
           </a:xfrm>
           <a:prstGeom prst="rect">
@@ -16832,7 +16030,7 @@
             <a:hlinkClick r:id="rId7" action="ppaction://hlinksldjump"/>
             <a:extLst>
               <a:ext uri="{FF2B5EF4-FFF2-40B4-BE49-F238E27FC236}">
-                <a16:creationId xmlns:a16="http://schemas.microsoft.com/office/drawing/2014/main" id="{97781986-4A6F-43D7-940C-3BA10813F176}"/>
+                <a16:creationId xmlns:a16="http://schemas.microsoft.com/office/drawing/2014/main" xmlns="" id="{97781986-4A6F-43D7-940C-3BA10813F176}"/>
               </a:ext>
             </a:extLst>
           </p:cNvPr>
@@ -16841,7 +16039,7 @@
         </p:nvSpPr>
         <p:spPr>
           <a:xfrm>
-            <a:off x="70768" y="4269141"/>
+            <a:off x="129042" y="2110628"/>
             <a:ext cx="1977656" cy="288480"/>
           </a:xfrm>
           <a:prstGeom prst="rect">
@@ -16882,7 +16080,7 @@
             <a:hlinkClick r:id="rId8" action="ppaction://hlinksldjump"/>
             <a:extLst>
               <a:ext uri="{FF2B5EF4-FFF2-40B4-BE49-F238E27FC236}">
-                <a16:creationId xmlns:a16="http://schemas.microsoft.com/office/drawing/2014/main" id="{BE47C3B8-603D-4F9E-9A79-7CD3848BF1AB}"/>
+                <a16:creationId xmlns:a16="http://schemas.microsoft.com/office/drawing/2014/main" xmlns="" id="{BE47C3B8-603D-4F9E-9A79-7CD3848BF1AB}"/>
               </a:ext>
             </a:extLst>
           </p:cNvPr>
@@ -16891,7 +16089,7 @@
         </p:nvSpPr>
         <p:spPr>
           <a:xfrm>
-            <a:off x="70768" y="4600031"/>
+            <a:off x="129042" y="2441518"/>
             <a:ext cx="1977656" cy="288480"/>
           </a:xfrm>
           <a:prstGeom prst="rect">
@@ -16932,7 +16130,7 @@
             <a:hlinkClick r:id="rId9" action="ppaction://hlinksldjump"/>
             <a:extLst>
               <a:ext uri="{FF2B5EF4-FFF2-40B4-BE49-F238E27FC236}">
-                <a16:creationId xmlns:a16="http://schemas.microsoft.com/office/drawing/2014/main" id="{8E17D3EB-6CC6-4167-80AD-935F5455575C}"/>
+                <a16:creationId xmlns:a16="http://schemas.microsoft.com/office/drawing/2014/main" xmlns="" id="{8E17D3EB-6CC6-4167-80AD-935F5455575C}"/>
               </a:ext>
             </a:extLst>
           </p:cNvPr>
@@ -16941,7 +16139,7 @@
         </p:nvSpPr>
         <p:spPr>
           <a:xfrm>
-            <a:off x="70768" y="4916580"/>
+            <a:off x="129042" y="2758067"/>
             <a:ext cx="1977656" cy="289829"/>
           </a:xfrm>
           <a:prstGeom prst="rect">
@@ -16982,7 +16180,7 @@
             <a:hlinkClick r:id="rId10" action="ppaction://hlinksldjump"/>
             <a:extLst>
               <a:ext uri="{FF2B5EF4-FFF2-40B4-BE49-F238E27FC236}">
-                <a16:creationId xmlns:a16="http://schemas.microsoft.com/office/drawing/2014/main" id="{C9693AF1-0F6A-4598-837E-6863BE1AA33E}"/>
+                <a16:creationId xmlns:a16="http://schemas.microsoft.com/office/drawing/2014/main" xmlns="" id="{C9693AF1-0F6A-4598-837E-6863BE1AA33E}"/>
               </a:ext>
             </a:extLst>
           </p:cNvPr>
@@ -16991,7 +16189,7 @@
         </p:nvSpPr>
         <p:spPr>
           <a:xfrm>
-            <a:off x="70768" y="5246458"/>
+            <a:off x="129042" y="3087945"/>
             <a:ext cx="1977656" cy="288961"/>
           </a:xfrm>
           <a:prstGeom prst="rect">
@@ -17032,7 +16230,7 @@
             <a:hlinkClick r:id="rId11" action="ppaction://hlinksldjump"/>
             <a:extLst>
               <a:ext uri="{FF2B5EF4-FFF2-40B4-BE49-F238E27FC236}">
-                <a16:creationId xmlns:a16="http://schemas.microsoft.com/office/drawing/2014/main" id="{F6B4DD42-FACE-4F29-BB0E-171B894C5393}"/>
+                <a16:creationId xmlns:a16="http://schemas.microsoft.com/office/drawing/2014/main" xmlns="" id="{F6B4DD42-FACE-4F29-BB0E-171B894C5393}"/>
               </a:ext>
             </a:extLst>
           </p:cNvPr>
@@ -17041,7 +16239,7 @@
         </p:nvSpPr>
         <p:spPr>
           <a:xfrm>
-            <a:off x="70768" y="5898575"/>
+            <a:off x="129042" y="3740062"/>
             <a:ext cx="1977656" cy="288961"/>
           </a:xfrm>
           <a:prstGeom prst="rect">
@@ -17082,7 +16280,7 @@
             <a:hlinkClick r:id="rId12" action="ppaction://hlinksldjump"/>
             <a:extLst>
               <a:ext uri="{FF2B5EF4-FFF2-40B4-BE49-F238E27FC236}">
-                <a16:creationId xmlns:a16="http://schemas.microsoft.com/office/drawing/2014/main" id="{C2142519-DD39-4BF5-9629-0A74F5569F8A}"/>
+                <a16:creationId xmlns:a16="http://schemas.microsoft.com/office/drawing/2014/main" xmlns="" id="{C2142519-DD39-4BF5-9629-0A74F5569F8A}"/>
               </a:ext>
             </a:extLst>
           </p:cNvPr>
@@ -17091,7 +16289,7 @@
         </p:nvSpPr>
         <p:spPr>
           <a:xfrm>
-            <a:off x="70768" y="5575468"/>
+            <a:off x="129042" y="3416955"/>
             <a:ext cx="1977656" cy="288961"/>
           </a:xfrm>
           <a:prstGeom prst="rect">
@@ -17132,7 +16330,7 @@
             <a:hlinkClick r:id="rId13" action="ppaction://hlinksldjump"/>
             <a:extLst>
               <a:ext uri="{FF2B5EF4-FFF2-40B4-BE49-F238E27FC236}">
-                <a16:creationId xmlns:a16="http://schemas.microsoft.com/office/drawing/2014/main" id="{B42AC078-4F81-4BE3-BD06-E8C2E89A67B1}"/>
+                <a16:creationId xmlns:a16="http://schemas.microsoft.com/office/drawing/2014/main" xmlns="" id="{B42AC078-4F81-4BE3-BD06-E8C2E89A67B1}"/>
               </a:ext>
             </a:extLst>
           </p:cNvPr>
@@ -17141,7 +16339,7 @@
         </p:nvSpPr>
         <p:spPr>
           <a:xfrm>
-            <a:off x="70768" y="6221682"/>
+            <a:off x="129042" y="4063169"/>
             <a:ext cx="1977656" cy="269944"/>
           </a:xfrm>
           <a:prstGeom prst="rect">
@@ -17182,7 +16380,7 @@
             <a:hlinkClick r:id="rId14" action="ppaction://hlinksldjump"/>
             <a:extLst>
               <a:ext uri="{FF2B5EF4-FFF2-40B4-BE49-F238E27FC236}">
-                <a16:creationId xmlns:a16="http://schemas.microsoft.com/office/drawing/2014/main" id="{BA45E1F0-2EAE-40E9-A6A5-A2C28D0B752D}"/>
+                <a16:creationId xmlns:a16="http://schemas.microsoft.com/office/drawing/2014/main" xmlns="" id="{BA45E1F0-2EAE-40E9-A6A5-A2C28D0B752D}"/>
               </a:ext>
             </a:extLst>
           </p:cNvPr>
@@ -17191,7 +16389,7 @@
         </p:nvSpPr>
         <p:spPr>
           <a:xfrm>
-            <a:off x="70768" y="6536930"/>
+            <a:off x="129042" y="4378417"/>
             <a:ext cx="1977656" cy="288961"/>
           </a:xfrm>
           <a:prstGeom prst="rect">
@@ -17232,7 +16430,7 @@
             <a:hlinkClick r:id="rId15" action="ppaction://hlinksldjump"/>
             <a:extLst>
               <a:ext uri="{FF2B5EF4-FFF2-40B4-BE49-F238E27FC236}">
-                <a16:creationId xmlns:a16="http://schemas.microsoft.com/office/drawing/2014/main" id="{CFE5C218-71F6-4542-B03E-24E6685E559D}"/>
+                <a16:creationId xmlns:a16="http://schemas.microsoft.com/office/drawing/2014/main" xmlns="" id="{CFE5C218-71F6-4542-B03E-24E6685E559D}"/>
               </a:ext>
             </a:extLst>
           </p:cNvPr>
@@ -17241,7 +16439,7 @@
         </p:nvSpPr>
         <p:spPr>
           <a:xfrm>
-            <a:off x="70768" y="2660057"/>
+            <a:off x="129042" y="501544"/>
             <a:ext cx="1977656" cy="282858"/>
           </a:xfrm>
           <a:prstGeom prst="rect">
@@ -17282,7 +16480,7 @@
             <a:hlinkClick r:id="rId16" action="ppaction://hlinksldjump"/>
             <a:extLst>
               <a:ext uri="{FF2B5EF4-FFF2-40B4-BE49-F238E27FC236}">
-                <a16:creationId xmlns:a16="http://schemas.microsoft.com/office/drawing/2014/main" id="{A984E35A-3E17-425C-A1FC-D32C199BBEC1}"/>
+                <a16:creationId xmlns:a16="http://schemas.microsoft.com/office/drawing/2014/main" xmlns="" id="{A984E35A-3E17-425C-A1FC-D32C199BBEC1}"/>
               </a:ext>
             </a:extLst>
           </p:cNvPr>
@@ -17291,7 +16489,7 @@
         </p:nvSpPr>
         <p:spPr>
           <a:xfrm>
-            <a:off x="70768" y="2335179"/>
+            <a:off x="129042" y="176666"/>
             <a:ext cx="1977656" cy="288961"/>
           </a:xfrm>
           <a:prstGeom prst="rect">
@@ -17332,7 +16530,7 @@
             <a:hlinkClick r:id="rId17" action="ppaction://hlinksldjump"/>
             <a:extLst>
               <a:ext uri="{FF2B5EF4-FFF2-40B4-BE49-F238E27FC236}">
-                <a16:creationId xmlns:a16="http://schemas.microsoft.com/office/drawing/2014/main" id="{C1B074FB-8488-4E19-A489-1CEE377EBD7C}"/>
+                <a16:creationId xmlns:a16="http://schemas.microsoft.com/office/drawing/2014/main" xmlns="" id="{C1B074FB-8488-4E19-A489-1CEE377EBD7C}"/>
               </a:ext>
             </a:extLst>
           </p:cNvPr>
@@ -17341,7 +16539,7 @@
         </p:nvSpPr>
         <p:spPr>
           <a:xfrm>
-            <a:off x="70768" y="2970984"/>
+            <a:off x="129042" y="812471"/>
             <a:ext cx="1977656" cy="288961"/>
           </a:xfrm>
           <a:prstGeom prst="rect">
@@ -17372,106 +16570,6 @@
             <a:r>
               <a:rPr lang="fr-FR" sz="1000" dirty="0"/>
               <a:t>Introduction</a:t>
-            </a:r>
-          </a:p>
-        </p:txBody>
-      </p:sp>
-      <p:sp>
-        <p:nvSpPr>
-          <p:cNvPr id="22" name="Rectangle 21">
-            <a:hlinkClick r:id="rId18" action="ppaction://hlinksldjump"/>
-            <a:extLst>
-              <a:ext uri="{FF2B5EF4-FFF2-40B4-BE49-F238E27FC236}">
-                <a16:creationId xmlns:a16="http://schemas.microsoft.com/office/drawing/2014/main" id="{7D4BC61B-FBBD-47FF-A0E9-0DB8D12C3A28}"/>
-              </a:ext>
-            </a:extLst>
-          </p:cNvPr>
-          <p:cNvSpPr/>
-          <p:nvPr/>
-        </p:nvSpPr>
-        <p:spPr>
-          <a:xfrm>
-            <a:off x="70768" y="1688085"/>
-            <a:ext cx="1977656" cy="288961"/>
-          </a:xfrm>
-          <a:prstGeom prst="rect">
-            <a:avLst/>
-          </a:prstGeom>
-        </p:spPr>
-        <p:style>
-          <a:lnRef idx="2">
-            <a:schemeClr val="accent1">
-              <a:shade val="50000"/>
-            </a:schemeClr>
-          </a:lnRef>
-          <a:fillRef idx="1">
-            <a:schemeClr val="accent1"/>
-          </a:fillRef>
-          <a:effectRef idx="0">
-            <a:schemeClr val="accent1"/>
-          </a:effectRef>
-          <a:fontRef idx="minor">
-            <a:schemeClr val="lt1"/>
-          </a:fontRef>
-        </p:style>
-        <p:txBody>
-          <a:bodyPr rtlCol="0" anchor="ctr"/>
-          <a:lstStyle/>
-          <a:p>
-            <a:pPr algn="ctr"/>
-            <a:r>
-              <a:rPr lang="fr-FR" sz="1000" dirty="0"/>
-              <a:t>Soutenance de stage</a:t>
-            </a:r>
-          </a:p>
-        </p:txBody>
-      </p:sp>
-      <p:sp>
-        <p:nvSpPr>
-          <p:cNvPr id="23" name="Rectangle 22">
-            <a:hlinkClick r:id="rId19" action="ppaction://hlinksldjump"/>
-            <a:extLst>
-              <a:ext uri="{FF2B5EF4-FFF2-40B4-BE49-F238E27FC236}">
-                <a16:creationId xmlns:a16="http://schemas.microsoft.com/office/drawing/2014/main" id="{9199B40F-C9CC-4F29-B7A7-CA78C7C61571}"/>
-              </a:ext>
-            </a:extLst>
-          </p:cNvPr>
-          <p:cNvSpPr/>
-          <p:nvPr/>
-        </p:nvSpPr>
-        <p:spPr>
-          <a:xfrm>
-            <a:off x="70768" y="2012963"/>
-            <a:ext cx="1977656" cy="288961"/>
-          </a:xfrm>
-          <a:prstGeom prst="rect">
-            <a:avLst/>
-          </a:prstGeom>
-        </p:spPr>
-        <p:style>
-          <a:lnRef idx="2">
-            <a:schemeClr val="accent1">
-              <a:shade val="50000"/>
-            </a:schemeClr>
-          </a:lnRef>
-          <a:fillRef idx="1">
-            <a:schemeClr val="accent1"/>
-          </a:fillRef>
-          <a:effectRef idx="0">
-            <a:schemeClr val="accent1"/>
-          </a:effectRef>
-          <a:fontRef idx="minor">
-            <a:schemeClr val="lt1"/>
-          </a:fontRef>
-        </p:style>
-        <p:txBody>
-          <a:bodyPr rtlCol="0" anchor="ctr"/>
-          <a:lstStyle/>
-          <a:p>
-            <a:pPr algn="ctr"/>
-            <a:r>
-              <a:rPr lang="fr-FR" sz="1000" dirty="0"/>
-              <a:t>Sommaire</a:t>
             </a:r>
           </a:p>
         </p:txBody>
@@ -17511,7 +16609,7 @@
           <p:cNvPr id="2" name="Titre 1">
             <a:extLst>
               <a:ext uri="{FF2B5EF4-FFF2-40B4-BE49-F238E27FC236}">
-                <a16:creationId xmlns:a16="http://schemas.microsoft.com/office/drawing/2014/main" id="{B0E9DD37-1404-4FA1-ADA5-A5976B436A72}"/>
+                <a16:creationId xmlns:a16="http://schemas.microsoft.com/office/drawing/2014/main" xmlns="" id="{B0E9DD37-1404-4FA1-ADA5-A5976B436A72}"/>
               </a:ext>
             </a:extLst>
           </p:cNvPr>
@@ -17544,7 +16642,7 @@
           <p:cNvPr id="3" name="Espace réservé du contenu 2">
             <a:extLst>
               <a:ext uri="{FF2B5EF4-FFF2-40B4-BE49-F238E27FC236}">
-                <a16:creationId xmlns:a16="http://schemas.microsoft.com/office/drawing/2014/main" id="{4DFA5AE5-F7BB-48E2-BE96-4E260F78091C}"/>
+                <a16:creationId xmlns:a16="http://schemas.microsoft.com/office/drawing/2014/main" xmlns="" id="{4DFA5AE5-F7BB-48E2-BE96-4E260F78091C}"/>
               </a:ext>
             </a:extLst>
           </p:cNvPr>
@@ -17557,7 +16655,7 @@
         </p:nvSpPr>
         <p:spPr>
           <a:xfrm>
-            <a:off x="2048424" y="990503"/>
+            <a:off x="2171992" y="945207"/>
             <a:ext cx="8596668" cy="3880773"/>
           </a:xfrm>
         </p:spPr>
@@ -17579,7 +16677,7 @@
           <p:cNvPr id="5" name="Image 4">
             <a:extLst>
               <a:ext uri="{FF2B5EF4-FFF2-40B4-BE49-F238E27FC236}">
-                <a16:creationId xmlns:a16="http://schemas.microsoft.com/office/drawing/2014/main" id="{B896AD6E-9459-482A-B25D-403711D844E8}"/>
+                <a16:creationId xmlns:a16="http://schemas.microsoft.com/office/drawing/2014/main" xmlns="" id="{B896AD6E-9459-482A-B25D-403711D844E8}"/>
               </a:ext>
             </a:extLst>
           </p:cNvPr>
@@ -17610,7 +16708,7 @@
             <a:hlinkClick r:id="rId3" action="ppaction://hlinksldjump"/>
             <a:extLst>
               <a:ext uri="{FF2B5EF4-FFF2-40B4-BE49-F238E27FC236}">
-                <a16:creationId xmlns:a16="http://schemas.microsoft.com/office/drawing/2014/main" id="{69D63D5D-AE5C-457C-A752-4637FA4EC143}"/>
+                <a16:creationId xmlns:a16="http://schemas.microsoft.com/office/drawing/2014/main" xmlns="" id="{69D63D5D-AE5C-457C-A752-4637FA4EC143}"/>
               </a:ext>
             </a:extLst>
           </p:cNvPr>
@@ -17619,7 +16717,7 @@
         </p:nvSpPr>
         <p:spPr>
           <a:xfrm>
-            <a:off x="70768" y="3302355"/>
+            <a:off x="128433" y="1144878"/>
             <a:ext cx="1977656" cy="288961"/>
           </a:xfrm>
           <a:prstGeom prst="rect">
@@ -17660,7 +16758,7 @@
             <a:hlinkClick r:id="rId4" action="ppaction://hlinksldjump"/>
             <a:extLst>
               <a:ext uri="{FF2B5EF4-FFF2-40B4-BE49-F238E27FC236}">
-                <a16:creationId xmlns:a16="http://schemas.microsoft.com/office/drawing/2014/main" id="{9D649648-C929-4824-97F5-0A4DB58B23EB}"/>
+                <a16:creationId xmlns:a16="http://schemas.microsoft.com/office/drawing/2014/main" xmlns="" id="{9D649648-C929-4824-97F5-0A4DB58B23EB}"/>
               </a:ext>
             </a:extLst>
           </p:cNvPr>
@@ -17669,7 +16767,7 @@
         </p:nvSpPr>
         <p:spPr>
           <a:xfrm>
-            <a:off x="70768" y="3944263"/>
+            <a:off x="128433" y="1786786"/>
             <a:ext cx="1977656" cy="288961"/>
           </a:xfrm>
           <a:prstGeom prst="rect">
@@ -17710,7 +16808,7 @@
             <a:hlinkClick r:id="rId5" action="ppaction://hlinksldjump"/>
             <a:extLst>
               <a:ext uri="{FF2B5EF4-FFF2-40B4-BE49-F238E27FC236}">
-                <a16:creationId xmlns:a16="http://schemas.microsoft.com/office/drawing/2014/main" id="{8044B667-8D73-4BC8-9187-74C4627A75D2}"/>
+                <a16:creationId xmlns:a16="http://schemas.microsoft.com/office/drawing/2014/main" xmlns="" id="{8044B667-8D73-4BC8-9187-74C4627A75D2}"/>
               </a:ext>
             </a:extLst>
           </p:cNvPr>
@@ -17719,7 +16817,7 @@
         </p:nvSpPr>
         <p:spPr>
           <a:xfrm>
-            <a:off x="70768" y="3619385"/>
+            <a:off x="128433" y="1461908"/>
             <a:ext cx="1977656" cy="288961"/>
           </a:xfrm>
           <a:prstGeom prst="rect">
@@ -17760,7 +16858,7 @@
             <a:hlinkClick r:id="rId6" action="ppaction://hlinksldjump"/>
             <a:extLst>
               <a:ext uri="{FF2B5EF4-FFF2-40B4-BE49-F238E27FC236}">
-                <a16:creationId xmlns:a16="http://schemas.microsoft.com/office/drawing/2014/main" id="{CEFB4D08-C10E-482A-9FC8-A940845A60C3}"/>
+                <a16:creationId xmlns:a16="http://schemas.microsoft.com/office/drawing/2014/main" xmlns="" id="{CEFB4D08-C10E-482A-9FC8-A940845A60C3}"/>
               </a:ext>
             </a:extLst>
           </p:cNvPr>
@@ -17769,7 +16867,7 @@
         </p:nvSpPr>
         <p:spPr>
           <a:xfrm>
-            <a:off x="70768" y="4269141"/>
+            <a:off x="128433" y="2111664"/>
             <a:ext cx="1977656" cy="288480"/>
           </a:xfrm>
           <a:prstGeom prst="rect">
@@ -17810,7 +16908,7 @@
             <a:hlinkClick r:id="rId7" action="ppaction://hlinksldjump"/>
             <a:extLst>
               <a:ext uri="{FF2B5EF4-FFF2-40B4-BE49-F238E27FC236}">
-                <a16:creationId xmlns:a16="http://schemas.microsoft.com/office/drawing/2014/main" id="{D5F47D42-B6E2-4010-AF8C-DECA3172A21D}"/>
+                <a16:creationId xmlns:a16="http://schemas.microsoft.com/office/drawing/2014/main" xmlns="" id="{D5F47D42-B6E2-4010-AF8C-DECA3172A21D}"/>
               </a:ext>
             </a:extLst>
           </p:cNvPr>
@@ -17819,7 +16917,7 @@
         </p:nvSpPr>
         <p:spPr>
           <a:xfrm>
-            <a:off x="70768" y="4600031"/>
+            <a:off x="128433" y="2442554"/>
             <a:ext cx="1977656" cy="288480"/>
           </a:xfrm>
           <a:prstGeom prst="rect">
@@ -17860,7 +16958,7 @@
             <a:hlinkClick r:id="rId8" action="ppaction://hlinksldjump"/>
             <a:extLst>
               <a:ext uri="{FF2B5EF4-FFF2-40B4-BE49-F238E27FC236}">
-                <a16:creationId xmlns:a16="http://schemas.microsoft.com/office/drawing/2014/main" id="{72F16472-590B-40C3-BA30-AA59D92E1EF4}"/>
+                <a16:creationId xmlns:a16="http://schemas.microsoft.com/office/drawing/2014/main" xmlns="" id="{72F16472-590B-40C3-BA30-AA59D92E1EF4}"/>
               </a:ext>
             </a:extLst>
           </p:cNvPr>
@@ -17869,7 +16967,7 @@
         </p:nvSpPr>
         <p:spPr>
           <a:xfrm>
-            <a:off x="70768" y="4916580"/>
+            <a:off x="128433" y="2759103"/>
             <a:ext cx="1977656" cy="289829"/>
           </a:xfrm>
           <a:prstGeom prst="rect">
@@ -17910,7 +17008,7 @@
             <a:hlinkClick r:id="rId9" action="ppaction://hlinksldjump"/>
             <a:extLst>
               <a:ext uri="{FF2B5EF4-FFF2-40B4-BE49-F238E27FC236}">
-                <a16:creationId xmlns:a16="http://schemas.microsoft.com/office/drawing/2014/main" id="{FF8B637D-01B8-4DF8-A736-F3A1C6F0183A}"/>
+                <a16:creationId xmlns:a16="http://schemas.microsoft.com/office/drawing/2014/main" xmlns="" id="{FF8B637D-01B8-4DF8-A736-F3A1C6F0183A}"/>
               </a:ext>
             </a:extLst>
           </p:cNvPr>
@@ -17919,7 +17017,7 @@
         </p:nvSpPr>
         <p:spPr>
           <a:xfrm>
-            <a:off x="70768" y="5246458"/>
+            <a:off x="128433" y="3088981"/>
             <a:ext cx="1977656" cy="288961"/>
           </a:xfrm>
           <a:prstGeom prst="rect">
@@ -17960,7 +17058,7 @@
             <a:hlinkClick r:id="rId10" action="ppaction://hlinksldjump"/>
             <a:extLst>
               <a:ext uri="{FF2B5EF4-FFF2-40B4-BE49-F238E27FC236}">
-                <a16:creationId xmlns:a16="http://schemas.microsoft.com/office/drawing/2014/main" id="{8BF0435E-4D65-478F-8F2D-6CE9872A2DEB}"/>
+                <a16:creationId xmlns:a16="http://schemas.microsoft.com/office/drawing/2014/main" xmlns="" id="{8BF0435E-4D65-478F-8F2D-6CE9872A2DEB}"/>
               </a:ext>
             </a:extLst>
           </p:cNvPr>
@@ -17969,7 +17067,7 @@
         </p:nvSpPr>
         <p:spPr>
           <a:xfrm>
-            <a:off x="70768" y="5898575"/>
+            <a:off x="128433" y="3741098"/>
             <a:ext cx="1977656" cy="288961"/>
           </a:xfrm>
           <a:prstGeom prst="rect">
@@ -18010,7 +17108,7 @@
             <a:hlinkClick r:id="rId11" action="ppaction://hlinksldjump"/>
             <a:extLst>
               <a:ext uri="{FF2B5EF4-FFF2-40B4-BE49-F238E27FC236}">
-                <a16:creationId xmlns:a16="http://schemas.microsoft.com/office/drawing/2014/main" id="{A84ECE17-BA7A-49FA-8205-D00A7C726E3F}"/>
+                <a16:creationId xmlns:a16="http://schemas.microsoft.com/office/drawing/2014/main" xmlns="" id="{A84ECE17-BA7A-49FA-8205-D00A7C726E3F}"/>
               </a:ext>
             </a:extLst>
           </p:cNvPr>
@@ -18019,7 +17117,7 @@
         </p:nvSpPr>
         <p:spPr>
           <a:xfrm>
-            <a:off x="70768" y="5575468"/>
+            <a:off x="128433" y="3417991"/>
             <a:ext cx="1977656" cy="288961"/>
           </a:xfrm>
           <a:prstGeom prst="rect">
@@ -18060,7 +17158,7 @@
             <a:hlinkClick r:id="rId12" action="ppaction://hlinksldjump"/>
             <a:extLst>
               <a:ext uri="{FF2B5EF4-FFF2-40B4-BE49-F238E27FC236}">
-                <a16:creationId xmlns:a16="http://schemas.microsoft.com/office/drawing/2014/main" id="{41732FFA-A44F-4AA3-9C30-4CC8545CF065}"/>
+                <a16:creationId xmlns:a16="http://schemas.microsoft.com/office/drawing/2014/main" xmlns="" id="{41732FFA-A44F-4AA3-9C30-4CC8545CF065}"/>
               </a:ext>
             </a:extLst>
           </p:cNvPr>
@@ -18069,7 +17167,7 @@
         </p:nvSpPr>
         <p:spPr>
           <a:xfrm>
-            <a:off x="70768" y="6221682"/>
+            <a:off x="128433" y="4064205"/>
             <a:ext cx="1977656" cy="269944"/>
           </a:xfrm>
           <a:prstGeom prst="rect">
@@ -18110,7 +17208,7 @@
             <a:hlinkClick r:id="rId13" action="ppaction://hlinksldjump"/>
             <a:extLst>
               <a:ext uri="{FF2B5EF4-FFF2-40B4-BE49-F238E27FC236}">
-                <a16:creationId xmlns:a16="http://schemas.microsoft.com/office/drawing/2014/main" id="{5C8D4914-0418-43F2-B80A-E3A2CBA4884B}"/>
+                <a16:creationId xmlns:a16="http://schemas.microsoft.com/office/drawing/2014/main" xmlns="" id="{5C8D4914-0418-43F2-B80A-E3A2CBA4884B}"/>
               </a:ext>
             </a:extLst>
           </p:cNvPr>
@@ -18119,7 +17217,7 @@
         </p:nvSpPr>
         <p:spPr>
           <a:xfrm>
-            <a:off x="70768" y="6536930"/>
+            <a:off x="128433" y="4379453"/>
             <a:ext cx="1977656" cy="288961"/>
           </a:xfrm>
           <a:prstGeom prst="rect">
@@ -18160,7 +17258,7 @@
             <a:hlinkClick r:id="rId14" action="ppaction://hlinksldjump"/>
             <a:extLst>
               <a:ext uri="{FF2B5EF4-FFF2-40B4-BE49-F238E27FC236}">
-                <a16:creationId xmlns:a16="http://schemas.microsoft.com/office/drawing/2014/main" id="{7CBFD2A6-710C-4300-B574-2E416E8E301D}"/>
+                <a16:creationId xmlns:a16="http://schemas.microsoft.com/office/drawing/2014/main" xmlns="" id="{7CBFD2A6-710C-4300-B574-2E416E8E301D}"/>
               </a:ext>
             </a:extLst>
           </p:cNvPr>
@@ -18169,7 +17267,7 @@
         </p:nvSpPr>
         <p:spPr>
           <a:xfrm>
-            <a:off x="70768" y="2660057"/>
+            <a:off x="128433" y="502580"/>
             <a:ext cx="1977656" cy="282858"/>
           </a:xfrm>
           <a:prstGeom prst="rect">
@@ -18210,7 +17308,7 @@
             <a:hlinkClick r:id="rId15" action="ppaction://hlinksldjump"/>
             <a:extLst>
               <a:ext uri="{FF2B5EF4-FFF2-40B4-BE49-F238E27FC236}">
-                <a16:creationId xmlns:a16="http://schemas.microsoft.com/office/drawing/2014/main" id="{1004E71F-CC80-4195-BAC9-D7C7C2B22E0D}"/>
+                <a16:creationId xmlns:a16="http://schemas.microsoft.com/office/drawing/2014/main" xmlns="" id="{1004E71F-CC80-4195-BAC9-D7C7C2B22E0D}"/>
               </a:ext>
             </a:extLst>
           </p:cNvPr>
@@ -18219,7 +17317,7 @@
         </p:nvSpPr>
         <p:spPr>
           <a:xfrm>
-            <a:off x="70768" y="2335179"/>
+            <a:off x="128433" y="177702"/>
             <a:ext cx="1977656" cy="288961"/>
           </a:xfrm>
           <a:prstGeom prst="rect">
@@ -18260,7 +17358,7 @@
             <a:hlinkClick r:id="rId16" action="ppaction://hlinksldjump"/>
             <a:extLst>
               <a:ext uri="{FF2B5EF4-FFF2-40B4-BE49-F238E27FC236}">
-                <a16:creationId xmlns:a16="http://schemas.microsoft.com/office/drawing/2014/main" id="{EAB4864E-77C2-47ED-B72F-B2E4FB0BEA80}"/>
+                <a16:creationId xmlns:a16="http://schemas.microsoft.com/office/drawing/2014/main" xmlns="" id="{EAB4864E-77C2-47ED-B72F-B2E4FB0BEA80}"/>
               </a:ext>
             </a:extLst>
           </p:cNvPr>
@@ -18269,7 +17367,7 @@
         </p:nvSpPr>
         <p:spPr>
           <a:xfrm>
-            <a:off x="70768" y="2970984"/>
+            <a:off x="128433" y="813507"/>
             <a:ext cx="1977656" cy="288961"/>
           </a:xfrm>
           <a:prstGeom prst="rect">
@@ -18300,106 +17398,6 @@
             <a:r>
               <a:rPr lang="fr-FR" sz="1000" dirty="0"/>
               <a:t>Introduction</a:t>
-            </a:r>
-          </a:p>
-        </p:txBody>
-      </p:sp>
-      <p:sp>
-        <p:nvSpPr>
-          <p:cNvPr id="20" name="Rectangle 19">
-            <a:hlinkClick r:id="rId17" action="ppaction://hlinksldjump"/>
-            <a:extLst>
-              <a:ext uri="{FF2B5EF4-FFF2-40B4-BE49-F238E27FC236}">
-                <a16:creationId xmlns:a16="http://schemas.microsoft.com/office/drawing/2014/main" id="{138653B8-36DA-431D-8CDF-BE7D5A9B1DFF}"/>
-              </a:ext>
-            </a:extLst>
-          </p:cNvPr>
-          <p:cNvSpPr/>
-          <p:nvPr/>
-        </p:nvSpPr>
-        <p:spPr>
-          <a:xfrm>
-            <a:off x="70768" y="1688085"/>
-            <a:ext cx="1977656" cy="288961"/>
-          </a:xfrm>
-          <a:prstGeom prst="rect">
-            <a:avLst/>
-          </a:prstGeom>
-        </p:spPr>
-        <p:style>
-          <a:lnRef idx="2">
-            <a:schemeClr val="accent1">
-              <a:shade val="50000"/>
-            </a:schemeClr>
-          </a:lnRef>
-          <a:fillRef idx="1">
-            <a:schemeClr val="accent1"/>
-          </a:fillRef>
-          <a:effectRef idx="0">
-            <a:schemeClr val="accent1"/>
-          </a:effectRef>
-          <a:fontRef idx="minor">
-            <a:schemeClr val="lt1"/>
-          </a:fontRef>
-        </p:style>
-        <p:txBody>
-          <a:bodyPr rtlCol="0" anchor="ctr"/>
-          <a:lstStyle/>
-          <a:p>
-            <a:pPr algn="ctr"/>
-            <a:r>
-              <a:rPr lang="fr-FR" sz="1000" dirty="0"/>
-              <a:t>Soutenance de stage</a:t>
-            </a:r>
-          </a:p>
-        </p:txBody>
-      </p:sp>
-      <p:sp>
-        <p:nvSpPr>
-          <p:cNvPr id="21" name="Rectangle 20">
-            <a:hlinkClick r:id="rId18" action="ppaction://hlinksldjump"/>
-            <a:extLst>
-              <a:ext uri="{FF2B5EF4-FFF2-40B4-BE49-F238E27FC236}">
-                <a16:creationId xmlns:a16="http://schemas.microsoft.com/office/drawing/2014/main" id="{7767AA25-9027-4DBF-AA4C-FAA8ABF0F4F1}"/>
-              </a:ext>
-            </a:extLst>
-          </p:cNvPr>
-          <p:cNvSpPr/>
-          <p:nvPr/>
-        </p:nvSpPr>
-        <p:spPr>
-          <a:xfrm>
-            <a:off x="70768" y="2012963"/>
-            <a:ext cx="1977656" cy="288961"/>
-          </a:xfrm>
-          <a:prstGeom prst="rect">
-            <a:avLst/>
-          </a:prstGeom>
-        </p:spPr>
-        <p:style>
-          <a:lnRef idx="2">
-            <a:schemeClr val="accent1">
-              <a:shade val="50000"/>
-            </a:schemeClr>
-          </a:lnRef>
-          <a:fillRef idx="1">
-            <a:schemeClr val="accent1"/>
-          </a:fillRef>
-          <a:effectRef idx="0">
-            <a:schemeClr val="accent1"/>
-          </a:effectRef>
-          <a:fontRef idx="minor">
-            <a:schemeClr val="lt1"/>
-          </a:fontRef>
-        </p:style>
-        <p:txBody>
-          <a:bodyPr rtlCol="0" anchor="ctr"/>
-          <a:lstStyle/>
-          <a:p>
-            <a:pPr algn="ctr"/>
-            <a:r>
-              <a:rPr lang="fr-FR" sz="1000" dirty="0"/>
-              <a:t>Sommaire</a:t>
             </a:r>
           </a:p>
         </p:txBody>
@@ -18439,7 +17437,7 @@
           <p:cNvPr id="2" name="Titre 1">
             <a:extLst>
               <a:ext uri="{FF2B5EF4-FFF2-40B4-BE49-F238E27FC236}">
-                <a16:creationId xmlns:a16="http://schemas.microsoft.com/office/drawing/2014/main" id="{F4A12571-E45D-4171-A715-4794793F61A6}"/>
+                <a16:creationId xmlns:a16="http://schemas.microsoft.com/office/drawing/2014/main" xmlns="" id="{F4A12571-E45D-4171-A715-4794793F61A6}"/>
               </a:ext>
             </a:extLst>
           </p:cNvPr>
@@ -18472,7 +17470,7 @@
           <p:cNvPr id="3" name="Espace réservé du texte 2">
             <a:extLst>
               <a:ext uri="{FF2B5EF4-FFF2-40B4-BE49-F238E27FC236}">
-                <a16:creationId xmlns:a16="http://schemas.microsoft.com/office/drawing/2014/main" id="{EB2C19E5-66D0-4D20-83D1-CF1544A20EC6}"/>
+                <a16:creationId xmlns:a16="http://schemas.microsoft.com/office/drawing/2014/main" xmlns="" id="{EB2C19E5-66D0-4D20-83D1-CF1544A20EC6}"/>
               </a:ext>
             </a:extLst>
           </p:cNvPr>
@@ -18510,7 +17508,7 @@
           <p:cNvPr id="9" name="Espace réservé du contenu 8">
             <a:extLst>
               <a:ext uri="{FF2B5EF4-FFF2-40B4-BE49-F238E27FC236}">
-                <a16:creationId xmlns:a16="http://schemas.microsoft.com/office/drawing/2014/main" id="{22AFECDA-FEB8-43A1-8984-351A69462B50}"/>
+                <a16:creationId xmlns:a16="http://schemas.microsoft.com/office/drawing/2014/main" xmlns="" id="{22AFECDA-FEB8-43A1-8984-351A69462B50}"/>
               </a:ext>
             </a:extLst>
           </p:cNvPr>
@@ -18539,7 +17537,7 @@
           <p:cNvPr id="11" name="Image 10">
             <a:extLst>
               <a:ext uri="{FF2B5EF4-FFF2-40B4-BE49-F238E27FC236}">
-                <a16:creationId xmlns:a16="http://schemas.microsoft.com/office/drawing/2014/main" id="{7E370669-03AA-44B4-84B4-7EBFE0D6E575}"/>
+                <a16:creationId xmlns:a16="http://schemas.microsoft.com/office/drawing/2014/main" xmlns="" id="{7E370669-03AA-44B4-84B4-7EBFE0D6E575}"/>
               </a:ext>
             </a:extLst>
           </p:cNvPr>
@@ -18570,7 +17568,7 @@
             <a:hlinkClick r:id="rId4" action="ppaction://hlinksldjump"/>
             <a:extLst>
               <a:ext uri="{FF2B5EF4-FFF2-40B4-BE49-F238E27FC236}">
-                <a16:creationId xmlns:a16="http://schemas.microsoft.com/office/drawing/2014/main" id="{534CA62D-F1EC-45A3-948C-F5D1B76D61B5}"/>
+                <a16:creationId xmlns:a16="http://schemas.microsoft.com/office/drawing/2014/main" xmlns="" id="{534CA62D-F1EC-45A3-948C-F5D1B76D61B5}"/>
               </a:ext>
             </a:extLst>
           </p:cNvPr>
@@ -18579,7 +17577,7 @@
         </p:nvSpPr>
         <p:spPr>
           <a:xfrm>
-            <a:off x="70768" y="3302355"/>
+            <a:off x="135845" y="1106344"/>
             <a:ext cx="1977656" cy="288961"/>
           </a:xfrm>
           <a:prstGeom prst="rect">
@@ -18620,7 +17618,7 @@
             <a:hlinkClick r:id="rId5" action="ppaction://hlinksldjump"/>
             <a:extLst>
               <a:ext uri="{FF2B5EF4-FFF2-40B4-BE49-F238E27FC236}">
-                <a16:creationId xmlns:a16="http://schemas.microsoft.com/office/drawing/2014/main" id="{35C2BEF8-83C7-4F25-A420-1BE1B43596D3}"/>
+                <a16:creationId xmlns:a16="http://schemas.microsoft.com/office/drawing/2014/main" xmlns="" id="{35C2BEF8-83C7-4F25-A420-1BE1B43596D3}"/>
               </a:ext>
             </a:extLst>
           </p:cNvPr>
@@ -18629,7 +17627,7 @@
         </p:nvSpPr>
         <p:spPr>
           <a:xfrm>
-            <a:off x="70768" y="3944263"/>
+            <a:off x="135845" y="1748252"/>
             <a:ext cx="1977656" cy="288961"/>
           </a:xfrm>
           <a:prstGeom prst="rect">
@@ -18670,7 +17668,7 @@
             <a:hlinkClick r:id="rId6" action="ppaction://hlinksldjump"/>
             <a:extLst>
               <a:ext uri="{FF2B5EF4-FFF2-40B4-BE49-F238E27FC236}">
-                <a16:creationId xmlns:a16="http://schemas.microsoft.com/office/drawing/2014/main" id="{EFB03501-01E4-47AE-B10E-55C76C43FAE5}"/>
+                <a16:creationId xmlns:a16="http://schemas.microsoft.com/office/drawing/2014/main" xmlns="" id="{EFB03501-01E4-47AE-B10E-55C76C43FAE5}"/>
               </a:ext>
             </a:extLst>
           </p:cNvPr>
@@ -18679,7 +17677,7 @@
         </p:nvSpPr>
         <p:spPr>
           <a:xfrm>
-            <a:off x="70768" y="3619385"/>
+            <a:off x="135845" y="1423374"/>
             <a:ext cx="1977656" cy="288961"/>
           </a:xfrm>
           <a:prstGeom prst="rect">
@@ -18720,7 +17718,7 @@
             <a:hlinkClick r:id="rId7" action="ppaction://hlinksldjump"/>
             <a:extLst>
               <a:ext uri="{FF2B5EF4-FFF2-40B4-BE49-F238E27FC236}">
-                <a16:creationId xmlns:a16="http://schemas.microsoft.com/office/drawing/2014/main" id="{09625FCD-16C4-4737-B9D7-186E0806D171}"/>
+                <a16:creationId xmlns:a16="http://schemas.microsoft.com/office/drawing/2014/main" xmlns="" id="{09625FCD-16C4-4737-B9D7-186E0806D171}"/>
               </a:ext>
             </a:extLst>
           </p:cNvPr>
@@ -18729,7 +17727,7 @@
         </p:nvSpPr>
         <p:spPr>
           <a:xfrm>
-            <a:off x="70768" y="4269141"/>
+            <a:off x="135845" y="2073130"/>
             <a:ext cx="1977656" cy="288480"/>
           </a:xfrm>
           <a:prstGeom prst="rect">
@@ -18770,7 +17768,7 @@
             <a:hlinkClick r:id="rId8" action="ppaction://hlinksldjump"/>
             <a:extLst>
               <a:ext uri="{FF2B5EF4-FFF2-40B4-BE49-F238E27FC236}">
-                <a16:creationId xmlns:a16="http://schemas.microsoft.com/office/drawing/2014/main" id="{4EE36407-577F-41A4-9BCE-00BD255F0302}"/>
+                <a16:creationId xmlns:a16="http://schemas.microsoft.com/office/drawing/2014/main" xmlns="" id="{4EE36407-577F-41A4-9BCE-00BD255F0302}"/>
               </a:ext>
             </a:extLst>
           </p:cNvPr>
@@ -18779,7 +17777,7 @@
         </p:nvSpPr>
         <p:spPr>
           <a:xfrm>
-            <a:off x="70768" y="4600031"/>
+            <a:off x="135845" y="2404020"/>
             <a:ext cx="1977656" cy="288480"/>
           </a:xfrm>
           <a:prstGeom prst="rect">
@@ -18820,7 +17818,7 @@
             <a:hlinkClick r:id="rId9" action="ppaction://hlinksldjump"/>
             <a:extLst>
               <a:ext uri="{FF2B5EF4-FFF2-40B4-BE49-F238E27FC236}">
-                <a16:creationId xmlns:a16="http://schemas.microsoft.com/office/drawing/2014/main" id="{F9E772EA-21C0-48C6-B51A-13CC0B3B3A19}"/>
+                <a16:creationId xmlns:a16="http://schemas.microsoft.com/office/drawing/2014/main" xmlns="" id="{F9E772EA-21C0-48C6-B51A-13CC0B3B3A19}"/>
               </a:ext>
             </a:extLst>
           </p:cNvPr>
@@ -18829,7 +17827,7 @@
         </p:nvSpPr>
         <p:spPr>
           <a:xfrm>
-            <a:off x="70768" y="4916580"/>
+            <a:off x="135845" y="2720569"/>
             <a:ext cx="1977656" cy="289829"/>
           </a:xfrm>
           <a:prstGeom prst="rect">
@@ -18870,7 +17868,7 @@
             <a:hlinkClick r:id="rId10" action="ppaction://hlinksldjump"/>
             <a:extLst>
               <a:ext uri="{FF2B5EF4-FFF2-40B4-BE49-F238E27FC236}">
-                <a16:creationId xmlns:a16="http://schemas.microsoft.com/office/drawing/2014/main" id="{180D635A-02D2-4178-853C-C8C1D1E3E885}"/>
+                <a16:creationId xmlns:a16="http://schemas.microsoft.com/office/drawing/2014/main" xmlns="" id="{180D635A-02D2-4178-853C-C8C1D1E3E885}"/>
               </a:ext>
             </a:extLst>
           </p:cNvPr>
@@ -18879,7 +17877,7 @@
         </p:nvSpPr>
         <p:spPr>
           <a:xfrm>
-            <a:off x="70768" y="5246458"/>
+            <a:off x="135845" y="3050447"/>
             <a:ext cx="1977656" cy="288961"/>
           </a:xfrm>
           <a:prstGeom prst="rect">
@@ -18920,7 +17918,7 @@
             <a:hlinkClick r:id="rId11" action="ppaction://hlinksldjump"/>
             <a:extLst>
               <a:ext uri="{FF2B5EF4-FFF2-40B4-BE49-F238E27FC236}">
-                <a16:creationId xmlns:a16="http://schemas.microsoft.com/office/drawing/2014/main" id="{D1699050-F6F2-4EC6-AD70-7DF34C3AC2EF}"/>
+                <a16:creationId xmlns:a16="http://schemas.microsoft.com/office/drawing/2014/main" xmlns="" id="{D1699050-F6F2-4EC6-AD70-7DF34C3AC2EF}"/>
               </a:ext>
             </a:extLst>
           </p:cNvPr>
@@ -18929,7 +17927,7 @@
         </p:nvSpPr>
         <p:spPr>
           <a:xfrm>
-            <a:off x="70768" y="5898575"/>
+            <a:off x="135845" y="3702564"/>
             <a:ext cx="1977656" cy="288961"/>
           </a:xfrm>
           <a:prstGeom prst="rect">
@@ -18970,7 +17968,7 @@
             <a:hlinkClick r:id="rId12" action="ppaction://hlinksldjump"/>
             <a:extLst>
               <a:ext uri="{FF2B5EF4-FFF2-40B4-BE49-F238E27FC236}">
-                <a16:creationId xmlns:a16="http://schemas.microsoft.com/office/drawing/2014/main" id="{C82B1967-D8E0-4A4A-9D10-A07F9A4AC32F}"/>
+                <a16:creationId xmlns:a16="http://schemas.microsoft.com/office/drawing/2014/main" xmlns="" id="{C82B1967-D8E0-4A4A-9D10-A07F9A4AC32F}"/>
               </a:ext>
             </a:extLst>
           </p:cNvPr>
@@ -18979,7 +17977,7 @@
         </p:nvSpPr>
         <p:spPr>
           <a:xfrm>
-            <a:off x="70768" y="5575468"/>
+            <a:off x="135845" y="3379457"/>
             <a:ext cx="1977656" cy="288961"/>
           </a:xfrm>
           <a:prstGeom prst="rect">
@@ -19020,7 +18018,7 @@
             <a:hlinkClick r:id="rId13" action="ppaction://hlinksldjump"/>
             <a:extLst>
               <a:ext uri="{FF2B5EF4-FFF2-40B4-BE49-F238E27FC236}">
-                <a16:creationId xmlns:a16="http://schemas.microsoft.com/office/drawing/2014/main" id="{E03D64D6-C381-4A47-BDEF-12C3C5A0327D}"/>
+                <a16:creationId xmlns:a16="http://schemas.microsoft.com/office/drawing/2014/main" xmlns="" id="{E03D64D6-C381-4A47-BDEF-12C3C5A0327D}"/>
               </a:ext>
             </a:extLst>
           </p:cNvPr>
@@ -19029,7 +18027,7 @@
         </p:nvSpPr>
         <p:spPr>
           <a:xfrm>
-            <a:off x="70768" y="6221682"/>
+            <a:off x="135845" y="4025671"/>
             <a:ext cx="1977656" cy="269944"/>
           </a:xfrm>
           <a:prstGeom prst="rect">
@@ -19070,7 +18068,7 @@
             <a:hlinkClick r:id="rId14" action="ppaction://hlinksldjump"/>
             <a:extLst>
               <a:ext uri="{FF2B5EF4-FFF2-40B4-BE49-F238E27FC236}">
-                <a16:creationId xmlns:a16="http://schemas.microsoft.com/office/drawing/2014/main" id="{D08C4422-E05F-4149-A085-EF316BF7A1D3}"/>
+                <a16:creationId xmlns:a16="http://schemas.microsoft.com/office/drawing/2014/main" xmlns="" id="{D08C4422-E05F-4149-A085-EF316BF7A1D3}"/>
               </a:ext>
             </a:extLst>
           </p:cNvPr>
@@ -19079,7 +18077,7 @@
         </p:nvSpPr>
         <p:spPr>
           <a:xfrm>
-            <a:off x="70768" y="6536930"/>
+            <a:off x="135845" y="4340919"/>
             <a:ext cx="1977656" cy="288961"/>
           </a:xfrm>
           <a:prstGeom prst="rect">
@@ -19120,7 +18118,7 @@
             <a:hlinkClick r:id="rId15" action="ppaction://hlinksldjump"/>
             <a:extLst>
               <a:ext uri="{FF2B5EF4-FFF2-40B4-BE49-F238E27FC236}">
-                <a16:creationId xmlns:a16="http://schemas.microsoft.com/office/drawing/2014/main" id="{293837A2-265F-4802-8322-0E0DEB47EA25}"/>
+                <a16:creationId xmlns:a16="http://schemas.microsoft.com/office/drawing/2014/main" xmlns="" id="{293837A2-265F-4802-8322-0E0DEB47EA25}"/>
               </a:ext>
             </a:extLst>
           </p:cNvPr>
@@ -19129,7 +18127,7 @@
         </p:nvSpPr>
         <p:spPr>
           <a:xfrm>
-            <a:off x="70768" y="2660057"/>
+            <a:off x="135845" y="464046"/>
             <a:ext cx="1977656" cy="282858"/>
           </a:xfrm>
           <a:prstGeom prst="rect">
@@ -19170,7 +18168,7 @@
             <a:hlinkClick r:id="rId16" action="ppaction://hlinksldjump"/>
             <a:extLst>
               <a:ext uri="{FF2B5EF4-FFF2-40B4-BE49-F238E27FC236}">
-                <a16:creationId xmlns:a16="http://schemas.microsoft.com/office/drawing/2014/main" id="{E98DEE87-B9A5-4922-B828-78F43525BA3E}"/>
+                <a16:creationId xmlns:a16="http://schemas.microsoft.com/office/drawing/2014/main" xmlns="" id="{E98DEE87-B9A5-4922-B828-78F43525BA3E}"/>
               </a:ext>
             </a:extLst>
           </p:cNvPr>
@@ -19179,7 +18177,7 @@
         </p:nvSpPr>
         <p:spPr>
           <a:xfrm>
-            <a:off x="70768" y="2335179"/>
+            <a:off x="135845" y="139168"/>
             <a:ext cx="1977656" cy="288961"/>
           </a:xfrm>
           <a:prstGeom prst="rect">
@@ -19220,7 +18218,7 @@
             <a:hlinkClick r:id="rId17" action="ppaction://hlinksldjump"/>
             <a:extLst>
               <a:ext uri="{FF2B5EF4-FFF2-40B4-BE49-F238E27FC236}">
-                <a16:creationId xmlns:a16="http://schemas.microsoft.com/office/drawing/2014/main" id="{60F73824-39F2-4DA7-9EA1-15BE3FC6C4DE}"/>
+                <a16:creationId xmlns:a16="http://schemas.microsoft.com/office/drawing/2014/main" xmlns="" id="{60F73824-39F2-4DA7-9EA1-15BE3FC6C4DE}"/>
               </a:ext>
             </a:extLst>
           </p:cNvPr>
@@ -19229,7 +18227,7 @@
         </p:nvSpPr>
         <p:spPr>
           <a:xfrm>
-            <a:off x="70768" y="2970984"/>
+            <a:off x="135845" y="774973"/>
             <a:ext cx="1977656" cy="288961"/>
           </a:xfrm>
           <a:prstGeom prst="rect">
@@ -19260,106 +18258,6 @@
             <a:r>
               <a:rPr lang="fr-FR" sz="1000" dirty="0"/>
               <a:t>Introduction</a:t>
-            </a:r>
-          </a:p>
-        </p:txBody>
-      </p:sp>
-      <p:sp>
-        <p:nvSpPr>
-          <p:cNvPr id="26" name="Rectangle 25">
-            <a:hlinkClick r:id="rId18" action="ppaction://hlinksldjump"/>
-            <a:extLst>
-              <a:ext uri="{FF2B5EF4-FFF2-40B4-BE49-F238E27FC236}">
-                <a16:creationId xmlns:a16="http://schemas.microsoft.com/office/drawing/2014/main" id="{C03B224C-9DC4-496C-8C22-07C4DED8F82E}"/>
-              </a:ext>
-            </a:extLst>
-          </p:cNvPr>
-          <p:cNvSpPr/>
-          <p:nvPr/>
-        </p:nvSpPr>
-        <p:spPr>
-          <a:xfrm>
-            <a:off x="70768" y="1688085"/>
-            <a:ext cx="1977656" cy="288961"/>
-          </a:xfrm>
-          <a:prstGeom prst="rect">
-            <a:avLst/>
-          </a:prstGeom>
-        </p:spPr>
-        <p:style>
-          <a:lnRef idx="2">
-            <a:schemeClr val="accent1">
-              <a:shade val="50000"/>
-            </a:schemeClr>
-          </a:lnRef>
-          <a:fillRef idx="1">
-            <a:schemeClr val="accent1"/>
-          </a:fillRef>
-          <a:effectRef idx="0">
-            <a:schemeClr val="accent1"/>
-          </a:effectRef>
-          <a:fontRef idx="minor">
-            <a:schemeClr val="lt1"/>
-          </a:fontRef>
-        </p:style>
-        <p:txBody>
-          <a:bodyPr rtlCol="0" anchor="ctr"/>
-          <a:lstStyle/>
-          <a:p>
-            <a:pPr algn="ctr"/>
-            <a:r>
-              <a:rPr lang="fr-FR" sz="1000" dirty="0"/>
-              <a:t>Soutenance de stage</a:t>
-            </a:r>
-          </a:p>
-        </p:txBody>
-      </p:sp>
-      <p:sp>
-        <p:nvSpPr>
-          <p:cNvPr id="27" name="Rectangle 26">
-            <a:hlinkClick r:id="rId19" action="ppaction://hlinksldjump"/>
-            <a:extLst>
-              <a:ext uri="{FF2B5EF4-FFF2-40B4-BE49-F238E27FC236}">
-                <a16:creationId xmlns:a16="http://schemas.microsoft.com/office/drawing/2014/main" id="{F248CD80-A901-48FA-B954-B88E12171661}"/>
-              </a:ext>
-            </a:extLst>
-          </p:cNvPr>
-          <p:cNvSpPr/>
-          <p:nvPr/>
-        </p:nvSpPr>
-        <p:spPr>
-          <a:xfrm>
-            <a:off x="70768" y="2012963"/>
-            <a:ext cx="1977656" cy="288961"/>
-          </a:xfrm>
-          <a:prstGeom prst="rect">
-            <a:avLst/>
-          </a:prstGeom>
-        </p:spPr>
-        <p:style>
-          <a:lnRef idx="2">
-            <a:schemeClr val="accent1">
-              <a:shade val="50000"/>
-            </a:schemeClr>
-          </a:lnRef>
-          <a:fillRef idx="1">
-            <a:schemeClr val="accent1"/>
-          </a:fillRef>
-          <a:effectRef idx="0">
-            <a:schemeClr val="accent1"/>
-          </a:effectRef>
-          <a:fontRef idx="minor">
-            <a:schemeClr val="lt1"/>
-          </a:fontRef>
-        </p:style>
-        <p:txBody>
-          <a:bodyPr rtlCol="0" anchor="ctr"/>
-          <a:lstStyle/>
-          <a:p>
-            <a:pPr algn="ctr"/>
-            <a:r>
-              <a:rPr lang="fr-FR" sz="1000" dirty="0"/>
-              <a:t>Sommaire</a:t>
             </a:r>
           </a:p>
         </p:txBody>
@@ -19399,7 +18297,7 @@
           <p:cNvPr id="2" name="Titre 1">
             <a:extLst>
               <a:ext uri="{FF2B5EF4-FFF2-40B4-BE49-F238E27FC236}">
-                <a16:creationId xmlns:a16="http://schemas.microsoft.com/office/drawing/2014/main" id="{DB15C344-B2CD-41F5-B2DA-4FAD8C5FB686}"/>
+                <a16:creationId xmlns:a16="http://schemas.microsoft.com/office/drawing/2014/main" xmlns="" id="{DB15C344-B2CD-41F5-B2DA-4FAD8C5FB686}"/>
               </a:ext>
             </a:extLst>
           </p:cNvPr>
@@ -19433,7 +18331,7 @@
           <p:cNvPr id="5" name="Espace réservé du contenu 4">
             <a:extLst>
               <a:ext uri="{FF2B5EF4-FFF2-40B4-BE49-F238E27FC236}">
-                <a16:creationId xmlns:a16="http://schemas.microsoft.com/office/drawing/2014/main" id="{B081B917-465C-445E-BB8A-DBE60E3AA16D}"/>
+                <a16:creationId xmlns:a16="http://schemas.microsoft.com/office/drawing/2014/main" xmlns="" id="{B081B917-465C-445E-BB8A-DBE60E3AA16D}"/>
               </a:ext>
             </a:extLst>
           </p:cNvPr>
@@ -19463,7 +18361,7 @@
             <a:hlinkClick r:id="rId3" action="ppaction://hlinksldjump"/>
             <a:extLst>
               <a:ext uri="{FF2B5EF4-FFF2-40B4-BE49-F238E27FC236}">
-                <a16:creationId xmlns:a16="http://schemas.microsoft.com/office/drawing/2014/main" id="{AF9401F3-217A-4F4F-96E5-5E517B81858E}"/>
+                <a16:creationId xmlns:a16="http://schemas.microsoft.com/office/drawing/2014/main" xmlns="" id="{AF9401F3-217A-4F4F-96E5-5E517B81858E}"/>
               </a:ext>
             </a:extLst>
           </p:cNvPr>
@@ -19472,7 +18370,7 @@
         </p:nvSpPr>
         <p:spPr>
           <a:xfrm>
-            <a:off x="70768" y="3302355"/>
+            <a:off x="124992" y="1125363"/>
             <a:ext cx="1977656" cy="288961"/>
           </a:xfrm>
           <a:prstGeom prst="rect">
@@ -19513,7 +18411,7 @@
             <a:hlinkClick r:id="rId4" action="ppaction://hlinksldjump"/>
             <a:extLst>
               <a:ext uri="{FF2B5EF4-FFF2-40B4-BE49-F238E27FC236}">
-                <a16:creationId xmlns:a16="http://schemas.microsoft.com/office/drawing/2014/main" id="{BBA8489A-D2F6-40DD-A68D-78D7DD8C7EC5}"/>
+                <a16:creationId xmlns:a16="http://schemas.microsoft.com/office/drawing/2014/main" xmlns="" id="{BBA8489A-D2F6-40DD-A68D-78D7DD8C7EC5}"/>
               </a:ext>
             </a:extLst>
           </p:cNvPr>
@@ -19522,7 +18420,7 @@
         </p:nvSpPr>
         <p:spPr>
           <a:xfrm>
-            <a:off x="70768" y="3944263"/>
+            <a:off x="124992" y="1767271"/>
             <a:ext cx="1977656" cy="288961"/>
           </a:xfrm>
           <a:prstGeom prst="rect">
@@ -19563,7 +18461,7 @@
             <a:hlinkClick r:id="rId5" action="ppaction://hlinksldjump"/>
             <a:extLst>
               <a:ext uri="{FF2B5EF4-FFF2-40B4-BE49-F238E27FC236}">
-                <a16:creationId xmlns:a16="http://schemas.microsoft.com/office/drawing/2014/main" id="{B1B00B0A-339B-44AA-A03D-FAD4085D7805}"/>
+                <a16:creationId xmlns:a16="http://schemas.microsoft.com/office/drawing/2014/main" xmlns="" id="{B1B00B0A-339B-44AA-A03D-FAD4085D7805}"/>
               </a:ext>
             </a:extLst>
           </p:cNvPr>
@@ -19572,7 +18470,7 @@
         </p:nvSpPr>
         <p:spPr>
           <a:xfrm>
-            <a:off x="70768" y="3619385"/>
+            <a:off x="124992" y="1442393"/>
             <a:ext cx="1977656" cy="288961"/>
           </a:xfrm>
           <a:prstGeom prst="rect">
@@ -19613,7 +18511,7 @@
             <a:hlinkClick r:id="rId6" action="ppaction://hlinksldjump"/>
             <a:extLst>
               <a:ext uri="{FF2B5EF4-FFF2-40B4-BE49-F238E27FC236}">
-                <a16:creationId xmlns:a16="http://schemas.microsoft.com/office/drawing/2014/main" id="{C1161C9D-C888-4B84-BE84-D7B335BFBC7A}"/>
+                <a16:creationId xmlns:a16="http://schemas.microsoft.com/office/drawing/2014/main" xmlns="" id="{C1161C9D-C888-4B84-BE84-D7B335BFBC7A}"/>
               </a:ext>
             </a:extLst>
           </p:cNvPr>
@@ -19622,7 +18520,7 @@
         </p:nvSpPr>
         <p:spPr>
           <a:xfrm>
-            <a:off x="70768" y="4269141"/>
+            <a:off x="124992" y="2092149"/>
             <a:ext cx="1977656" cy="288480"/>
           </a:xfrm>
           <a:prstGeom prst="rect">
@@ -19663,7 +18561,7 @@
             <a:hlinkClick r:id="rId7" action="ppaction://hlinksldjump"/>
             <a:extLst>
               <a:ext uri="{FF2B5EF4-FFF2-40B4-BE49-F238E27FC236}">
-                <a16:creationId xmlns:a16="http://schemas.microsoft.com/office/drawing/2014/main" id="{C7E1ABAD-581C-485B-BED8-83535B64CE7A}"/>
+                <a16:creationId xmlns:a16="http://schemas.microsoft.com/office/drawing/2014/main" xmlns="" id="{C7E1ABAD-581C-485B-BED8-83535B64CE7A}"/>
               </a:ext>
             </a:extLst>
           </p:cNvPr>
@@ -19672,7 +18570,7 @@
         </p:nvSpPr>
         <p:spPr>
           <a:xfrm>
-            <a:off x="70768" y="4600031"/>
+            <a:off x="124992" y="2423039"/>
             <a:ext cx="1977656" cy="288480"/>
           </a:xfrm>
           <a:prstGeom prst="rect">
@@ -19713,7 +18611,7 @@
             <a:hlinkClick r:id="rId8" action="ppaction://hlinksldjump"/>
             <a:extLst>
               <a:ext uri="{FF2B5EF4-FFF2-40B4-BE49-F238E27FC236}">
-                <a16:creationId xmlns:a16="http://schemas.microsoft.com/office/drawing/2014/main" id="{7CDC70E0-4585-40AE-94DC-2B1207121A23}"/>
+                <a16:creationId xmlns:a16="http://schemas.microsoft.com/office/drawing/2014/main" xmlns="" id="{7CDC70E0-4585-40AE-94DC-2B1207121A23}"/>
               </a:ext>
             </a:extLst>
           </p:cNvPr>
@@ -19722,7 +18620,7 @@
         </p:nvSpPr>
         <p:spPr>
           <a:xfrm>
-            <a:off x="70768" y="4916580"/>
+            <a:off x="124992" y="2739588"/>
             <a:ext cx="1977656" cy="289829"/>
           </a:xfrm>
           <a:prstGeom prst="rect">
@@ -19763,7 +18661,7 @@
             <a:hlinkClick r:id="rId9" action="ppaction://hlinksldjump"/>
             <a:extLst>
               <a:ext uri="{FF2B5EF4-FFF2-40B4-BE49-F238E27FC236}">
-                <a16:creationId xmlns:a16="http://schemas.microsoft.com/office/drawing/2014/main" id="{6C53441F-56B3-4A66-B9DE-94FD339FB96E}"/>
+                <a16:creationId xmlns:a16="http://schemas.microsoft.com/office/drawing/2014/main" xmlns="" id="{6C53441F-56B3-4A66-B9DE-94FD339FB96E}"/>
               </a:ext>
             </a:extLst>
           </p:cNvPr>
@@ -19772,7 +18670,7 @@
         </p:nvSpPr>
         <p:spPr>
           <a:xfrm>
-            <a:off x="70768" y="5246458"/>
+            <a:off x="124992" y="3069466"/>
             <a:ext cx="1977656" cy="288961"/>
           </a:xfrm>
           <a:prstGeom prst="rect">
@@ -19813,7 +18711,7 @@
             <a:hlinkClick r:id="rId10" action="ppaction://hlinksldjump"/>
             <a:extLst>
               <a:ext uri="{FF2B5EF4-FFF2-40B4-BE49-F238E27FC236}">
-                <a16:creationId xmlns:a16="http://schemas.microsoft.com/office/drawing/2014/main" id="{0624727E-AC6D-49B8-8538-60F3D711408B}"/>
+                <a16:creationId xmlns:a16="http://schemas.microsoft.com/office/drawing/2014/main" xmlns="" id="{0624727E-AC6D-49B8-8538-60F3D711408B}"/>
               </a:ext>
             </a:extLst>
           </p:cNvPr>
@@ -19822,7 +18720,7 @@
         </p:nvSpPr>
         <p:spPr>
           <a:xfrm>
-            <a:off x="70768" y="5898575"/>
+            <a:off x="124992" y="3721583"/>
             <a:ext cx="1977656" cy="288961"/>
           </a:xfrm>
           <a:prstGeom prst="rect">
@@ -19863,7 +18761,7 @@
             <a:hlinkClick r:id="rId11" action="ppaction://hlinksldjump"/>
             <a:extLst>
               <a:ext uri="{FF2B5EF4-FFF2-40B4-BE49-F238E27FC236}">
-                <a16:creationId xmlns:a16="http://schemas.microsoft.com/office/drawing/2014/main" id="{5E97BF88-D40A-43A7-8A02-AA1F5FD7DE59}"/>
+                <a16:creationId xmlns:a16="http://schemas.microsoft.com/office/drawing/2014/main" xmlns="" id="{5E97BF88-D40A-43A7-8A02-AA1F5FD7DE59}"/>
               </a:ext>
             </a:extLst>
           </p:cNvPr>
@@ -19872,7 +18770,7 @@
         </p:nvSpPr>
         <p:spPr>
           <a:xfrm>
-            <a:off x="70768" y="5575468"/>
+            <a:off x="124992" y="3398476"/>
             <a:ext cx="1977656" cy="288961"/>
           </a:xfrm>
           <a:prstGeom prst="rect">
@@ -19913,7 +18811,7 @@
             <a:hlinkClick r:id="rId12" action="ppaction://hlinksldjump"/>
             <a:extLst>
               <a:ext uri="{FF2B5EF4-FFF2-40B4-BE49-F238E27FC236}">
-                <a16:creationId xmlns:a16="http://schemas.microsoft.com/office/drawing/2014/main" id="{959E7B24-61AB-4D28-9E3E-097267CD53ED}"/>
+                <a16:creationId xmlns:a16="http://schemas.microsoft.com/office/drawing/2014/main" xmlns="" id="{959E7B24-61AB-4D28-9E3E-097267CD53ED}"/>
               </a:ext>
             </a:extLst>
           </p:cNvPr>
@@ -19922,7 +18820,7 @@
         </p:nvSpPr>
         <p:spPr>
           <a:xfrm>
-            <a:off x="70768" y="6221682"/>
+            <a:off x="124992" y="4044690"/>
             <a:ext cx="1977656" cy="269944"/>
           </a:xfrm>
           <a:prstGeom prst="rect">
@@ -19963,7 +18861,7 @@
             <a:hlinkClick r:id="rId13" action="ppaction://hlinksldjump"/>
             <a:extLst>
               <a:ext uri="{FF2B5EF4-FFF2-40B4-BE49-F238E27FC236}">
-                <a16:creationId xmlns:a16="http://schemas.microsoft.com/office/drawing/2014/main" id="{C61BB2ED-8C75-45BC-BA2A-688D27EDCCF3}"/>
+                <a16:creationId xmlns:a16="http://schemas.microsoft.com/office/drawing/2014/main" xmlns="" id="{C61BB2ED-8C75-45BC-BA2A-688D27EDCCF3}"/>
               </a:ext>
             </a:extLst>
           </p:cNvPr>
@@ -19972,7 +18870,7 @@
         </p:nvSpPr>
         <p:spPr>
           <a:xfrm>
-            <a:off x="70768" y="6536930"/>
+            <a:off x="124992" y="4359938"/>
             <a:ext cx="1977656" cy="288961"/>
           </a:xfrm>
           <a:prstGeom prst="rect">
@@ -20013,7 +18911,7 @@
             <a:hlinkClick r:id="rId14" action="ppaction://hlinksldjump"/>
             <a:extLst>
               <a:ext uri="{FF2B5EF4-FFF2-40B4-BE49-F238E27FC236}">
-                <a16:creationId xmlns:a16="http://schemas.microsoft.com/office/drawing/2014/main" id="{2F7D40BF-05A7-4EAA-8078-3FB3B8FADC24}"/>
+                <a16:creationId xmlns:a16="http://schemas.microsoft.com/office/drawing/2014/main" xmlns="" id="{2F7D40BF-05A7-4EAA-8078-3FB3B8FADC24}"/>
               </a:ext>
             </a:extLst>
           </p:cNvPr>
@@ -20022,7 +18920,7 @@
         </p:nvSpPr>
         <p:spPr>
           <a:xfrm>
-            <a:off x="70768" y="2660057"/>
+            <a:off x="124992" y="483065"/>
             <a:ext cx="1977656" cy="282858"/>
           </a:xfrm>
           <a:prstGeom prst="rect">
@@ -20063,7 +18961,7 @@
             <a:hlinkClick r:id="rId15" action="ppaction://hlinksldjump"/>
             <a:extLst>
               <a:ext uri="{FF2B5EF4-FFF2-40B4-BE49-F238E27FC236}">
-                <a16:creationId xmlns:a16="http://schemas.microsoft.com/office/drawing/2014/main" id="{4F08FC88-E4F2-4859-B7C1-96AC2FBE1327}"/>
+                <a16:creationId xmlns:a16="http://schemas.microsoft.com/office/drawing/2014/main" xmlns="" id="{4F08FC88-E4F2-4859-B7C1-96AC2FBE1327}"/>
               </a:ext>
             </a:extLst>
           </p:cNvPr>
@@ -20072,7 +18970,7 @@
         </p:nvSpPr>
         <p:spPr>
           <a:xfrm>
-            <a:off x="70768" y="2335179"/>
+            <a:off x="124992" y="158187"/>
             <a:ext cx="1977656" cy="288961"/>
           </a:xfrm>
           <a:prstGeom prst="rect">
@@ -20113,7 +19011,7 @@
             <a:hlinkClick r:id="rId16" action="ppaction://hlinksldjump"/>
             <a:extLst>
               <a:ext uri="{FF2B5EF4-FFF2-40B4-BE49-F238E27FC236}">
-                <a16:creationId xmlns:a16="http://schemas.microsoft.com/office/drawing/2014/main" id="{95533C90-E59B-4B43-B175-A6137A26365B}"/>
+                <a16:creationId xmlns:a16="http://schemas.microsoft.com/office/drawing/2014/main" xmlns="" id="{95533C90-E59B-4B43-B175-A6137A26365B}"/>
               </a:ext>
             </a:extLst>
           </p:cNvPr>
@@ -20122,7 +19020,7 @@
         </p:nvSpPr>
         <p:spPr>
           <a:xfrm>
-            <a:off x="70768" y="2970984"/>
+            <a:off x="124992" y="793992"/>
             <a:ext cx="1977656" cy="288961"/>
           </a:xfrm>
           <a:prstGeom prst="rect">
@@ -20153,106 +19051,6 @@
             <a:r>
               <a:rPr lang="fr-FR" sz="1000" dirty="0"/>
               <a:t>Introduction</a:t>
-            </a:r>
-          </a:p>
-        </p:txBody>
-      </p:sp>
-      <p:sp>
-        <p:nvSpPr>
-          <p:cNvPr id="20" name="Rectangle 19">
-            <a:hlinkClick r:id="rId17" action="ppaction://hlinksldjump"/>
-            <a:extLst>
-              <a:ext uri="{FF2B5EF4-FFF2-40B4-BE49-F238E27FC236}">
-                <a16:creationId xmlns:a16="http://schemas.microsoft.com/office/drawing/2014/main" id="{D6312609-51D9-4325-A3AB-4C9F8F12E5EF}"/>
-              </a:ext>
-            </a:extLst>
-          </p:cNvPr>
-          <p:cNvSpPr/>
-          <p:nvPr/>
-        </p:nvSpPr>
-        <p:spPr>
-          <a:xfrm>
-            <a:off x="70768" y="1688085"/>
-            <a:ext cx="1977656" cy="288961"/>
-          </a:xfrm>
-          <a:prstGeom prst="rect">
-            <a:avLst/>
-          </a:prstGeom>
-        </p:spPr>
-        <p:style>
-          <a:lnRef idx="2">
-            <a:schemeClr val="accent1">
-              <a:shade val="50000"/>
-            </a:schemeClr>
-          </a:lnRef>
-          <a:fillRef idx="1">
-            <a:schemeClr val="accent1"/>
-          </a:fillRef>
-          <a:effectRef idx="0">
-            <a:schemeClr val="accent1"/>
-          </a:effectRef>
-          <a:fontRef idx="minor">
-            <a:schemeClr val="lt1"/>
-          </a:fontRef>
-        </p:style>
-        <p:txBody>
-          <a:bodyPr rtlCol="0" anchor="ctr"/>
-          <a:lstStyle/>
-          <a:p>
-            <a:pPr algn="ctr"/>
-            <a:r>
-              <a:rPr lang="fr-FR" sz="1000" dirty="0"/>
-              <a:t>Soutenance de stage</a:t>
-            </a:r>
-          </a:p>
-        </p:txBody>
-      </p:sp>
-      <p:sp>
-        <p:nvSpPr>
-          <p:cNvPr id="21" name="Rectangle 20">
-            <a:hlinkClick r:id="rId18" action="ppaction://hlinksldjump"/>
-            <a:extLst>
-              <a:ext uri="{FF2B5EF4-FFF2-40B4-BE49-F238E27FC236}">
-                <a16:creationId xmlns:a16="http://schemas.microsoft.com/office/drawing/2014/main" id="{8383D54A-0EC8-4CC2-8B3F-D7C928C984B6}"/>
-              </a:ext>
-            </a:extLst>
-          </p:cNvPr>
-          <p:cNvSpPr/>
-          <p:nvPr/>
-        </p:nvSpPr>
-        <p:spPr>
-          <a:xfrm>
-            <a:off x="70768" y="2012963"/>
-            <a:ext cx="1977656" cy="288961"/>
-          </a:xfrm>
-          <a:prstGeom prst="rect">
-            <a:avLst/>
-          </a:prstGeom>
-        </p:spPr>
-        <p:style>
-          <a:lnRef idx="2">
-            <a:schemeClr val="accent1">
-              <a:shade val="50000"/>
-            </a:schemeClr>
-          </a:lnRef>
-          <a:fillRef idx="1">
-            <a:schemeClr val="accent1"/>
-          </a:fillRef>
-          <a:effectRef idx="0">
-            <a:schemeClr val="accent1"/>
-          </a:effectRef>
-          <a:fontRef idx="minor">
-            <a:schemeClr val="lt1"/>
-          </a:fontRef>
-        </p:style>
-        <p:txBody>
-          <a:bodyPr rtlCol="0" anchor="ctr"/>
-          <a:lstStyle/>
-          <a:p>
-            <a:pPr algn="ctr"/>
-            <a:r>
-              <a:rPr lang="fr-FR" sz="1000" dirty="0"/>
-              <a:t>Sommaire</a:t>
             </a:r>
           </a:p>
         </p:txBody>
@@ -20292,7 +19090,7 @@
           <p:cNvPr id="2" name="Titre 1">
             <a:extLst>
               <a:ext uri="{FF2B5EF4-FFF2-40B4-BE49-F238E27FC236}">
-                <a16:creationId xmlns:a16="http://schemas.microsoft.com/office/drawing/2014/main" id="{4B057329-0ADC-45A2-831B-915348A28360}"/>
+                <a16:creationId xmlns:a16="http://schemas.microsoft.com/office/drawing/2014/main" xmlns="" id="{4B057329-0ADC-45A2-831B-915348A28360}"/>
               </a:ext>
             </a:extLst>
           </p:cNvPr>
@@ -20323,6 +19121,10 @@
             <a:br>
               <a:rPr lang="fr-FR" dirty="0"/>
             </a:br>
+            <a:r>
+              <a:rPr lang="fr-FR" dirty="0"/>
+              <a:t/>
+            </a:r>
             <a:br>
               <a:rPr lang="fr-FR" dirty="0"/>
             </a:br>
@@ -20335,7 +19137,7 @@
           <p:cNvPr id="6" name="Espace réservé du contenu 5">
             <a:extLst>
               <a:ext uri="{FF2B5EF4-FFF2-40B4-BE49-F238E27FC236}">
-                <a16:creationId xmlns:a16="http://schemas.microsoft.com/office/drawing/2014/main" id="{CC8DD170-16DB-4497-9FB7-3BDF8638D1B5}"/>
+                <a16:creationId xmlns:a16="http://schemas.microsoft.com/office/drawing/2014/main" xmlns="" id="{CC8DD170-16DB-4497-9FB7-3BDF8638D1B5}"/>
               </a:ext>
             </a:extLst>
           </p:cNvPr>
@@ -20367,7 +19169,7 @@
             <a:hlinkClick r:id="rId7" action="ppaction://hlinksldjump"/>
             <a:extLst>
               <a:ext uri="{FF2B5EF4-FFF2-40B4-BE49-F238E27FC236}">
-                <a16:creationId xmlns:a16="http://schemas.microsoft.com/office/drawing/2014/main" id="{87E432AC-35A2-4CAC-A65E-39C3F6277D22}"/>
+                <a16:creationId xmlns:a16="http://schemas.microsoft.com/office/drawing/2014/main" xmlns="" id="{87E432AC-35A2-4CAC-A65E-39C3F6277D22}"/>
               </a:ext>
             </a:extLst>
           </p:cNvPr>
@@ -20376,7 +19178,7 @@
         </p:nvSpPr>
         <p:spPr>
           <a:xfrm>
-            <a:off x="70768" y="3302355"/>
+            <a:off x="153532" y="1153896"/>
             <a:ext cx="1977656" cy="288961"/>
           </a:xfrm>
           <a:prstGeom prst="rect">
@@ -20417,7 +19219,7 @@
             <a:hlinkClick r:id="rId8" action="ppaction://hlinksldjump"/>
             <a:extLst>
               <a:ext uri="{FF2B5EF4-FFF2-40B4-BE49-F238E27FC236}">
-                <a16:creationId xmlns:a16="http://schemas.microsoft.com/office/drawing/2014/main" id="{A4085D87-76CD-4A51-BD7F-0717822E18E3}"/>
+                <a16:creationId xmlns:a16="http://schemas.microsoft.com/office/drawing/2014/main" xmlns="" id="{A4085D87-76CD-4A51-BD7F-0717822E18E3}"/>
               </a:ext>
             </a:extLst>
           </p:cNvPr>
@@ -20426,7 +19228,7 @@
         </p:nvSpPr>
         <p:spPr>
           <a:xfrm>
-            <a:off x="70768" y="3944263"/>
+            <a:off x="153532" y="1795804"/>
             <a:ext cx="1977656" cy="288961"/>
           </a:xfrm>
           <a:prstGeom prst="rect">
@@ -20467,7 +19269,7 @@
             <a:hlinkClick r:id="rId9" action="ppaction://hlinksldjump"/>
             <a:extLst>
               <a:ext uri="{FF2B5EF4-FFF2-40B4-BE49-F238E27FC236}">
-                <a16:creationId xmlns:a16="http://schemas.microsoft.com/office/drawing/2014/main" id="{6AD86722-0F8B-423D-9D41-469B37BA290C}"/>
+                <a16:creationId xmlns:a16="http://schemas.microsoft.com/office/drawing/2014/main" xmlns="" id="{6AD86722-0F8B-423D-9D41-469B37BA290C}"/>
               </a:ext>
             </a:extLst>
           </p:cNvPr>
@@ -20476,7 +19278,7 @@
         </p:nvSpPr>
         <p:spPr>
           <a:xfrm>
-            <a:off x="70768" y="3619385"/>
+            <a:off x="153532" y="1470926"/>
             <a:ext cx="1977656" cy="288961"/>
           </a:xfrm>
           <a:prstGeom prst="rect">
@@ -20517,7 +19319,7 @@
             <a:hlinkClick r:id="rId10" action="ppaction://hlinksldjump"/>
             <a:extLst>
               <a:ext uri="{FF2B5EF4-FFF2-40B4-BE49-F238E27FC236}">
-                <a16:creationId xmlns:a16="http://schemas.microsoft.com/office/drawing/2014/main" id="{A388E93B-8562-4E70-8B21-73AEE76582B1}"/>
+                <a16:creationId xmlns:a16="http://schemas.microsoft.com/office/drawing/2014/main" xmlns="" id="{A388E93B-8562-4E70-8B21-73AEE76582B1}"/>
               </a:ext>
             </a:extLst>
           </p:cNvPr>
@@ -20526,7 +19328,7 @@
         </p:nvSpPr>
         <p:spPr>
           <a:xfrm>
-            <a:off x="70768" y="4269141"/>
+            <a:off x="153532" y="2120682"/>
             <a:ext cx="1977656" cy="288480"/>
           </a:xfrm>
           <a:prstGeom prst="rect">
@@ -20567,7 +19369,7 @@
             <a:hlinkClick r:id="rId11" action="ppaction://hlinksldjump"/>
             <a:extLst>
               <a:ext uri="{FF2B5EF4-FFF2-40B4-BE49-F238E27FC236}">
-                <a16:creationId xmlns:a16="http://schemas.microsoft.com/office/drawing/2014/main" id="{C352EE5C-9BBA-46DA-A92C-0C21F42A3895}"/>
+                <a16:creationId xmlns:a16="http://schemas.microsoft.com/office/drawing/2014/main" xmlns="" id="{C352EE5C-9BBA-46DA-A92C-0C21F42A3895}"/>
               </a:ext>
             </a:extLst>
           </p:cNvPr>
@@ -20576,7 +19378,7 @@
         </p:nvSpPr>
         <p:spPr>
           <a:xfrm>
-            <a:off x="70768" y="4600031"/>
+            <a:off x="153532" y="2451572"/>
             <a:ext cx="1977656" cy="288480"/>
           </a:xfrm>
           <a:prstGeom prst="rect">
@@ -20617,7 +19419,7 @@
             <a:hlinkClick r:id="rId12" action="ppaction://hlinksldjump"/>
             <a:extLst>
               <a:ext uri="{FF2B5EF4-FFF2-40B4-BE49-F238E27FC236}">
-                <a16:creationId xmlns:a16="http://schemas.microsoft.com/office/drawing/2014/main" id="{8AC5AE6A-1EB4-453C-8EFB-425B45C9AD01}"/>
+                <a16:creationId xmlns:a16="http://schemas.microsoft.com/office/drawing/2014/main" xmlns="" id="{8AC5AE6A-1EB4-453C-8EFB-425B45C9AD01}"/>
               </a:ext>
             </a:extLst>
           </p:cNvPr>
@@ -20626,7 +19428,7 @@
         </p:nvSpPr>
         <p:spPr>
           <a:xfrm>
-            <a:off x="70768" y="4916580"/>
+            <a:off x="153532" y="2768121"/>
             <a:ext cx="1977656" cy="289829"/>
           </a:xfrm>
           <a:prstGeom prst="rect">
@@ -20667,7 +19469,7 @@
             <a:hlinkClick r:id="rId13" action="ppaction://hlinksldjump"/>
             <a:extLst>
               <a:ext uri="{FF2B5EF4-FFF2-40B4-BE49-F238E27FC236}">
-                <a16:creationId xmlns:a16="http://schemas.microsoft.com/office/drawing/2014/main" id="{A901AD92-C70D-4565-9EAC-E3B9716EC92A}"/>
+                <a16:creationId xmlns:a16="http://schemas.microsoft.com/office/drawing/2014/main" xmlns="" id="{A901AD92-C70D-4565-9EAC-E3B9716EC92A}"/>
               </a:ext>
             </a:extLst>
           </p:cNvPr>
@@ -20676,7 +19478,7 @@
         </p:nvSpPr>
         <p:spPr>
           <a:xfrm>
-            <a:off x="70768" y="5246458"/>
+            <a:off x="153532" y="3097999"/>
             <a:ext cx="1977656" cy="288961"/>
           </a:xfrm>
           <a:prstGeom prst="rect">
@@ -20717,7 +19519,7 @@
             <a:hlinkClick r:id="rId14" action="ppaction://hlinksldjump"/>
             <a:extLst>
               <a:ext uri="{FF2B5EF4-FFF2-40B4-BE49-F238E27FC236}">
-                <a16:creationId xmlns:a16="http://schemas.microsoft.com/office/drawing/2014/main" id="{0D5DEBEB-3CE2-4A8D-80E8-BE3048399D3B}"/>
+                <a16:creationId xmlns:a16="http://schemas.microsoft.com/office/drawing/2014/main" xmlns="" id="{0D5DEBEB-3CE2-4A8D-80E8-BE3048399D3B}"/>
               </a:ext>
             </a:extLst>
           </p:cNvPr>
@@ -20726,7 +19528,7 @@
         </p:nvSpPr>
         <p:spPr>
           <a:xfrm>
-            <a:off x="70768" y="5898575"/>
+            <a:off x="153532" y="3750116"/>
             <a:ext cx="1977656" cy="288961"/>
           </a:xfrm>
           <a:prstGeom prst="rect">
@@ -20767,7 +19569,7 @@
             <a:hlinkClick r:id="rId15" action="ppaction://hlinksldjump"/>
             <a:extLst>
               <a:ext uri="{FF2B5EF4-FFF2-40B4-BE49-F238E27FC236}">
-                <a16:creationId xmlns:a16="http://schemas.microsoft.com/office/drawing/2014/main" id="{1FF32B9D-2C48-4CF6-95B6-90D327EA26AF}"/>
+                <a16:creationId xmlns:a16="http://schemas.microsoft.com/office/drawing/2014/main" xmlns="" id="{1FF32B9D-2C48-4CF6-95B6-90D327EA26AF}"/>
               </a:ext>
             </a:extLst>
           </p:cNvPr>
@@ -20776,7 +19578,7 @@
         </p:nvSpPr>
         <p:spPr>
           <a:xfrm>
-            <a:off x="70768" y="5575468"/>
+            <a:off x="153532" y="3427009"/>
             <a:ext cx="1977656" cy="288961"/>
           </a:xfrm>
           <a:prstGeom prst="rect">
@@ -20817,7 +19619,7 @@
             <a:hlinkClick r:id="rId16" action="ppaction://hlinksldjump"/>
             <a:extLst>
               <a:ext uri="{FF2B5EF4-FFF2-40B4-BE49-F238E27FC236}">
-                <a16:creationId xmlns:a16="http://schemas.microsoft.com/office/drawing/2014/main" id="{BB62C681-22F2-4CCF-9517-1DFC046BE499}"/>
+                <a16:creationId xmlns:a16="http://schemas.microsoft.com/office/drawing/2014/main" xmlns="" id="{BB62C681-22F2-4CCF-9517-1DFC046BE499}"/>
               </a:ext>
             </a:extLst>
           </p:cNvPr>
@@ -20826,7 +19628,7 @@
         </p:nvSpPr>
         <p:spPr>
           <a:xfrm>
-            <a:off x="70768" y="6221682"/>
+            <a:off x="153532" y="4073223"/>
             <a:ext cx="1977656" cy="269944"/>
           </a:xfrm>
           <a:prstGeom prst="rect">
@@ -20867,7 +19669,7 @@
             <a:hlinkClick r:id="rId17" action="ppaction://hlinksldjump"/>
             <a:extLst>
               <a:ext uri="{FF2B5EF4-FFF2-40B4-BE49-F238E27FC236}">
-                <a16:creationId xmlns:a16="http://schemas.microsoft.com/office/drawing/2014/main" id="{A04CD958-3FE7-41D0-9B16-D39C21F73551}"/>
+                <a16:creationId xmlns:a16="http://schemas.microsoft.com/office/drawing/2014/main" xmlns="" id="{A04CD958-3FE7-41D0-9B16-D39C21F73551}"/>
               </a:ext>
             </a:extLst>
           </p:cNvPr>
@@ -20876,7 +19678,7 @@
         </p:nvSpPr>
         <p:spPr>
           <a:xfrm>
-            <a:off x="70768" y="6536930"/>
+            <a:off x="153532" y="4388471"/>
             <a:ext cx="1977656" cy="288961"/>
           </a:xfrm>
           <a:prstGeom prst="rect">
@@ -20917,7 +19719,7 @@
             <a:hlinkClick r:id="rId18" action="ppaction://hlinksldjump"/>
             <a:extLst>
               <a:ext uri="{FF2B5EF4-FFF2-40B4-BE49-F238E27FC236}">
-                <a16:creationId xmlns:a16="http://schemas.microsoft.com/office/drawing/2014/main" id="{BAAEC88C-7756-479F-B14B-71466C0E7D12}"/>
+                <a16:creationId xmlns:a16="http://schemas.microsoft.com/office/drawing/2014/main" xmlns="" id="{BAAEC88C-7756-479F-B14B-71466C0E7D12}"/>
               </a:ext>
             </a:extLst>
           </p:cNvPr>
@@ -20926,7 +19728,7 @@
         </p:nvSpPr>
         <p:spPr>
           <a:xfrm>
-            <a:off x="70768" y="2660057"/>
+            <a:off x="153532" y="511598"/>
             <a:ext cx="1977656" cy="282858"/>
           </a:xfrm>
           <a:prstGeom prst="rect">
@@ -20967,7 +19769,7 @@
             <a:hlinkClick r:id="rId19" action="ppaction://hlinksldjump"/>
             <a:extLst>
               <a:ext uri="{FF2B5EF4-FFF2-40B4-BE49-F238E27FC236}">
-                <a16:creationId xmlns:a16="http://schemas.microsoft.com/office/drawing/2014/main" id="{7FAB29DF-A9CE-43F3-88C6-B35EFD0E1D68}"/>
+                <a16:creationId xmlns:a16="http://schemas.microsoft.com/office/drawing/2014/main" xmlns="" id="{7FAB29DF-A9CE-43F3-88C6-B35EFD0E1D68}"/>
               </a:ext>
             </a:extLst>
           </p:cNvPr>
@@ -20976,7 +19778,7 @@
         </p:nvSpPr>
         <p:spPr>
           <a:xfrm>
-            <a:off x="70768" y="2335179"/>
+            <a:off x="153532" y="186720"/>
             <a:ext cx="1977656" cy="288961"/>
           </a:xfrm>
           <a:prstGeom prst="rect">
@@ -21017,7 +19819,7 @@
             <a:hlinkClick r:id="rId20" action="ppaction://hlinksldjump"/>
             <a:extLst>
               <a:ext uri="{FF2B5EF4-FFF2-40B4-BE49-F238E27FC236}">
-                <a16:creationId xmlns:a16="http://schemas.microsoft.com/office/drawing/2014/main" id="{FCC80ED7-13E0-4406-914A-D833164A3B2B}"/>
+                <a16:creationId xmlns:a16="http://schemas.microsoft.com/office/drawing/2014/main" xmlns="" id="{FCC80ED7-13E0-4406-914A-D833164A3B2B}"/>
               </a:ext>
             </a:extLst>
           </p:cNvPr>
@@ -21026,7 +19828,7 @@
         </p:nvSpPr>
         <p:spPr>
           <a:xfrm>
-            <a:off x="70768" y="2970984"/>
+            <a:off x="153532" y="822525"/>
             <a:ext cx="1977656" cy="288961"/>
           </a:xfrm>
           <a:prstGeom prst="rect">
@@ -21057,106 +19859,6 @@
             <a:r>
               <a:rPr lang="fr-FR" sz="1000" dirty="0"/>
               <a:t>Introduction</a:t>
-            </a:r>
-          </a:p>
-        </p:txBody>
-      </p:sp>
-      <p:sp>
-        <p:nvSpPr>
-          <p:cNvPr id="21" name="Rectangle 20">
-            <a:hlinkClick r:id="rId21" action="ppaction://hlinksldjump"/>
-            <a:extLst>
-              <a:ext uri="{FF2B5EF4-FFF2-40B4-BE49-F238E27FC236}">
-                <a16:creationId xmlns:a16="http://schemas.microsoft.com/office/drawing/2014/main" id="{22C36667-4D57-430F-BCEC-3FE8CC0B02CE}"/>
-              </a:ext>
-            </a:extLst>
-          </p:cNvPr>
-          <p:cNvSpPr/>
-          <p:nvPr/>
-        </p:nvSpPr>
-        <p:spPr>
-          <a:xfrm>
-            <a:off x="70768" y="1688085"/>
-            <a:ext cx="1977656" cy="288961"/>
-          </a:xfrm>
-          <a:prstGeom prst="rect">
-            <a:avLst/>
-          </a:prstGeom>
-        </p:spPr>
-        <p:style>
-          <a:lnRef idx="2">
-            <a:schemeClr val="accent1">
-              <a:shade val="50000"/>
-            </a:schemeClr>
-          </a:lnRef>
-          <a:fillRef idx="1">
-            <a:schemeClr val="accent1"/>
-          </a:fillRef>
-          <a:effectRef idx="0">
-            <a:schemeClr val="accent1"/>
-          </a:effectRef>
-          <a:fontRef idx="minor">
-            <a:schemeClr val="lt1"/>
-          </a:fontRef>
-        </p:style>
-        <p:txBody>
-          <a:bodyPr rtlCol="0" anchor="ctr"/>
-          <a:lstStyle/>
-          <a:p>
-            <a:pPr algn="ctr"/>
-            <a:r>
-              <a:rPr lang="fr-FR" sz="1000" dirty="0"/>
-              <a:t>Soutenance de stage</a:t>
-            </a:r>
-          </a:p>
-        </p:txBody>
-      </p:sp>
-      <p:sp>
-        <p:nvSpPr>
-          <p:cNvPr id="22" name="Rectangle 21">
-            <a:hlinkClick r:id="rId22" action="ppaction://hlinksldjump"/>
-            <a:extLst>
-              <a:ext uri="{FF2B5EF4-FFF2-40B4-BE49-F238E27FC236}">
-                <a16:creationId xmlns:a16="http://schemas.microsoft.com/office/drawing/2014/main" id="{5F74F8E1-16C4-45C0-9B46-D7FAF757556C}"/>
-              </a:ext>
-            </a:extLst>
-          </p:cNvPr>
-          <p:cNvSpPr/>
-          <p:nvPr/>
-        </p:nvSpPr>
-        <p:spPr>
-          <a:xfrm>
-            <a:off x="70768" y="2012963"/>
-            <a:ext cx="1977656" cy="288961"/>
-          </a:xfrm>
-          <a:prstGeom prst="rect">
-            <a:avLst/>
-          </a:prstGeom>
-        </p:spPr>
-        <p:style>
-          <a:lnRef idx="2">
-            <a:schemeClr val="accent1">
-              <a:shade val="50000"/>
-            </a:schemeClr>
-          </a:lnRef>
-          <a:fillRef idx="1">
-            <a:schemeClr val="accent1"/>
-          </a:fillRef>
-          <a:effectRef idx="0">
-            <a:schemeClr val="accent1"/>
-          </a:effectRef>
-          <a:fontRef idx="minor">
-            <a:schemeClr val="lt1"/>
-          </a:fontRef>
-        </p:style>
-        <p:txBody>
-          <a:bodyPr rtlCol="0" anchor="ctr"/>
-          <a:lstStyle/>
-          <a:p>
-            <a:pPr algn="ctr"/>
-            <a:r>
-              <a:rPr lang="fr-FR" sz="1000" dirty="0"/>
-              <a:t>Sommaire</a:t>
             </a:r>
           </a:p>
         </p:txBody>
@@ -21196,7 +19898,7 @@
           <p:cNvPr id="2" name="Titre 1">
             <a:extLst>
               <a:ext uri="{FF2B5EF4-FFF2-40B4-BE49-F238E27FC236}">
-                <a16:creationId xmlns:a16="http://schemas.microsoft.com/office/drawing/2014/main" id="{64035CA9-4574-434A-807C-0D5E98BFACDC}"/>
+                <a16:creationId xmlns:a16="http://schemas.microsoft.com/office/drawing/2014/main" xmlns="" id="{64035CA9-4574-434A-807C-0D5E98BFACDC}"/>
               </a:ext>
             </a:extLst>
           </p:cNvPr>
@@ -21230,7 +19932,7 @@
           <p:cNvPr id="3" name="Espace réservé du contenu 2">
             <a:extLst>
               <a:ext uri="{FF2B5EF4-FFF2-40B4-BE49-F238E27FC236}">
-                <a16:creationId xmlns:a16="http://schemas.microsoft.com/office/drawing/2014/main" id="{19D4F7CA-0EE1-477E-9BB4-E37DCE34F52F}"/>
+                <a16:creationId xmlns:a16="http://schemas.microsoft.com/office/drawing/2014/main" xmlns="" id="{19D4F7CA-0EE1-477E-9BB4-E37DCE34F52F}"/>
               </a:ext>
             </a:extLst>
           </p:cNvPr>
@@ -21307,7 +20009,7 @@
             <a:hlinkClick r:id="rId2" action="ppaction://hlinksldjump"/>
             <a:extLst>
               <a:ext uri="{FF2B5EF4-FFF2-40B4-BE49-F238E27FC236}">
-                <a16:creationId xmlns:a16="http://schemas.microsoft.com/office/drawing/2014/main" id="{10A8D9FB-56FF-4F89-BF05-60EFC5ADE940}"/>
+                <a16:creationId xmlns:a16="http://schemas.microsoft.com/office/drawing/2014/main" xmlns="" id="{10A8D9FB-56FF-4F89-BF05-60EFC5ADE940}"/>
               </a:ext>
             </a:extLst>
           </p:cNvPr>
@@ -21316,7 +20018,7 @@
         </p:nvSpPr>
         <p:spPr>
           <a:xfrm>
-            <a:off x="70768" y="3302355"/>
+            <a:off x="161384" y="1121922"/>
             <a:ext cx="1977656" cy="288961"/>
           </a:xfrm>
           <a:prstGeom prst="rect">
@@ -21357,7 +20059,7 @@
             <a:hlinkClick r:id="rId3" action="ppaction://hlinksldjump"/>
             <a:extLst>
               <a:ext uri="{FF2B5EF4-FFF2-40B4-BE49-F238E27FC236}">
-                <a16:creationId xmlns:a16="http://schemas.microsoft.com/office/drawing/2014/main" id="{E8BB9D5F-898B-4AE5-A346-0DEDA125708D}"/>
+                <a16:creationId xmlns:a16="http://schemas.microsoft.com/office/drawing/2014/main" xmlns="" id="{E8BB9D5F-898B-4AE5-A346-0DEDA125708D}"/>
               </a:ext>
             </a:extLst>
           </p:cNvPr>
@@ -21366,7 +20068,7 @@
         </p:nvSpPr>
         <p:spPr>
           <a:xfrm>
-            <a:off x="70768" y="3944263"/>
+            <a:off x="161384" y="1763830"/>
             <a:ext cx="1977656" cy="288961"/>
           </a:xfrm>
           <a:prstGeom prst="rect">
@@ -21407,7 +20109,7 @@
             <a:hlinkClick r:id="rId4" action="ppaction://hlinksldjump"/>
             <a:extLst>
               <a:ext uri="{FF2B5EF4-FFF2-40B4-BE49-F238E27FC236}">
-                <a16:creationId xmlns:a16="http://schemas.microsoft.com/office/drawing/2014/main" id="{77589FC9-25E2-458E-B216-8DA0245AA47B}"/>
+                <a16:creationId xmlns:a16="http://schemas.microsoft.com/office/drawing/2014/main" xmlns="" id="{77589FC9-25E2-458E-B216-8DA0245AA47B}"/>
               </a:ext>
             </a:extLst>
           </p:cNvPr>
@@ -21416,7 +20118,7 @@
         </p:nvSpPr>
         <p:spPr>
           <a:xfrm>
-            <a:off x="70768" y="3619385"/>
+            <a:off x="161384" y="1438952"/>
             <a:ext cx="1977656" cy="288961"/>
           </a:xfrm>
           <a:prstGeom prst="rect">
@@ -21457,7 +20159,7 @@
             <a:hlinkClick r:id="rId5" action="ppaction://hlinksldjump"/>
             <a:extLst>
               <a:ext uri="{FF2B5EF4-FFF2-40B4-BE49-F238E27FC236}">
-                <a16:creationId xmlns:a16="http://schemas.microsoft.com/office/drawing/2014/main" id="{0ACDF707-7C8C-4529-8BDF-D3559B722928}"/>
+                <a16:creationId xmlns:a16="http://schemas.microsoft.com/office/drawing/2014/main" xmlns="" id="{0ACDF707-7C8C-4529-8BDF-D3559B722928}"/>
               </a:ext>
             </a:extLst>
           </p:cNvPr>
@@ -21466,7 +20168,7 @@
         </p:nvSpPr>
         <p:spPr>
           <a:xfrm>
-            <a:off x="70768" y="4269141"/>
+            <a:off x="161384" y="2088708"/>
             <a:ext cx="1977656" cy="288480"/>
           </a:xfrm>
           <a:prstGeom prst="rect">
@@ -21507,7 +20209,7 @@
             <a:hlinkClick r:id="rId6" action="ppaction://hlinksldjump"/>
             <a:extLst>
               <a:ext uri="{FF2B5EF4-FFF2-40B4-BE49-F238E27FC236}">
-                <a16:creationId xmlns:a16="http://schemas.microsoft.com/office/drawing/2014/main" id="{A951459D-6E6B-4A9B-9B60-DF1A45FE4C95}"/>
+                <a16:creationId xmlns:a16="http://schemas.microsoft.com/office/drawing/2014/main" xmlns="" id="{A951459D-6E6B-4A9B-9B60-DF1A45FE4C95}"/>
               </a:ext>
             </a:extLst>
           </p:cNvPr>
@@ -21516,7 +20218,7 @@
         </p:nvSpPr>
         <p:spPr>
           <a:xfrm>
-            <a:off x="70768" y="4600031"/>
+            <a:off x="161384" y="2419598"/>
             <a:ext cx="1977656" cy="288480"/>
           </a:xfrm>
           <a:prstGeom prst="rect">
@@ -21557,7 +20259,7 @@
             <a:hlinkClick r:id="rId7" action="ppaction://hlinksldjump"/>
             <a:extLst>
               <a:ext uri="{FF2B5EF4-FFF2-40B4-BE49-F238E27FC236}">
-                <a16:creationId xmlns:a16="http://schemas.microsoft.com/office/drawing/2014/main" id="{C9A0BD26-B262-48B1-9A58-A030DCDCC59D}"/>
+                <a16:creationId xmlns:a16="http://schemas.microsoft.com/office/drawing/2014/main" xmlns="" id="{C9A0BD26-B262-48B1-9A58-A030DCDCC59D}"/>
               </a:ext>
             </a:extLst>
           </p:cNvPr>
@@ -21566,7 +20268,7 @@
         </p:nvSpPr>
         <p:spPr>
           <a:xfrm>
-            <a:off x="70768" y="4916580"/>
+            <a:off x="161384" y="2736147"/>
             <a:ext cx="1977656" cy="289829"/>
           </a:xfrm>
           <a:prstGeom prst="rect">
@@ -21607,7 +20309,7 @@
             <a:hlinkClick r:id="rId8" action="ppaction://hlinksldjump"/>
             <a:extLst>
               <a:ext uri="{FF2B5EF4-FFF2-40B4-BE49-F238E27FC236}">
-                <a16:creationId xmlns:a16="http://schemas.microsoft.com/office/drawing/2014/main" id="{3DF3CC27-861B-401F-8F32-0CED8C1268D6}"/>
+                <a16:creationId xmlns:a16="http://schemas.microsoft.com/office/drawing/2014/main" xmlns="" id="{3DF3CC27-861B-401F-8F32-0CED8C1268D6}"/>
               </a:ext>
             </a:extLst>
           </p:cNvPr>
@@ -21616,7 +20318,7 @@
         </p:nvSpPr>
         <p:spPr>
           <a:xfrm>
-            <a:off x="70768" y="5246458"/>
+            <a:off x="161384" y="3066025"/>
             <a:ext cx="1977656" cy="288961"/>
           </a:xfrm>
           <a:prstGeom prst="rect">
@@ -21657,7 +20359,7 @@
             <a:hlinkClick r:id="rId9" action="ppaction://hlinksldjump"/>
             <a:extLst>
               <a:ext uri="{FF2B5EF4-FFF2-40B4-BE49-F238E27FC236}">
-                <a16:creationId xmlns:a16="http://schemas.microsoft.com/office/drawing/2014/main" id="{8A8373EC-A24A-46FC-9024-051D8886FB26}"/>
+                <a16:creationId xmlns:a16="http://schemas.microsoft.com/office/drawing/2014/main" xmlns="" id="{8A8373EC-A24A-46FC-9024-051D8886FB26}"/>
               </a:ext>
             </a:extLst>
           </p:cNvPr>
@@ -21666,7 +20368,7 @@
         </p:nvSpPr>
         <p:spPr>
           <a:xfrm>
-            <a:off x="70768" y="5898575"/>
+            <a:off x="161384" y="3718142"/>
             <a:ext cx="1977656" cy="288961"/>
           </a:xfrm>
           <a:prstGeom prst="rect">
@@ -21707,7 +20409,7 @@
             <a:hlinkClick r:id="rId10" action="ppaction://hlinksldjump"/>
             <a:extLst>
               <a:ext uri="{FF2B5EF4-FFF2-40B4-BE49-F238E27FC236}">
-                <a16:creationId xmlns:a16="http://schemas.microsoft.com/office/drawing/2014/main" id="{0716009C-0EAB-4609-8A12-1963DEFE066B}"/>
+                <a16:creationId xmlns:a16="http://schemas.microsoft.com/office/drawing/2014/main" xmlns="" id="{0716009C-0EAB-4609-8A12-1963DEFE066B}"/>
               </a:ext>
             </a:extLst>
           </p:cNvPr>
@@ -21716,7 +20418,7 @@
         </p:nvSpPr>
         <p:spPr>
           <a:xfrm>
-            <a:off x="70768" y="5575468"/>
+            <a:off x="161384" y="3395035"/>
             <a:ext cx="1977656" cy="288961"/>
           </a:xfrm>
           <a:prstGeom prst="rect">
@@ -21757,7 +20459,7 @@
             <a:hlinkClick r:id="rId11" action="ppaction://hlinksldjump"/>
             <a:extLst>
               <a:ext uri="{FF2B5EF4-FFF2-40B4-BE49-F238E27FC236}">
-                <a16:creationId xmlns:a16="http://schemas.microsoft.com/office/drawing/2014/main" id="{C04413F2-0C0C-49C9-BB61-2D63E59F728C}"/>
+                <a16:creationId xmlns:a16="http://schemas.microsoft.com/office/drawing/2014/main" xmlns="" id="{C04413F2-0C0C-49C9-BB61-2D63E59F728C}"/>
               </a:ext>
             </a:extLst>
           </p:cNvPr>
@@ -21766,7 +20468,7 @@
         </p:nvSpPr>
         <p:spPr>
           <a:xfrm>
-            <a:off x="70768" y="6221682"/>
+            <a:off x="161384" y="4041249"/>
             <a:ext cx="1977656" cy="269944"/>
           </a:xfrm>
           <a:prstGeom prst="rect">
@@ -21807,7 +20509,7 @@
             <a:hlinkClick r:id="rId12" action="ppaction://hlinksldjump"/>
             <a:extLst>
               <a:ext uri="{FF2B5EF4-FFF2-40B4-BE49-F238E27FC236}">
-                <a16:creationId xmlns:a16="http://schemas.microsoft.com/office/drawing/2014/main" id="{4AACADB0-F87F-42DD-A1B5-1AD21DAABFAD}"/>
+                <a16:creationId xmlns:a16="http://schemas.microsoft.com/office/drawing/2014/main" xmlns="" id="{4AACADB0-F87F-42DD-A1B5-1AD21DAABFAD}"/>
               </a:ext>
             </a:extLst>
           </p:cNvPr>
@@ -21816,7 +20518,7 @@
         </p:nvSpPr>
         <p:spPr>
           <a:xfrm>
-            <a:off x="70768" y="6536930"/>
+            <a:off x="161384" y="4356497"/>
             <a:ext cx="1977656" cy="288961"/>
           </a:xfrm>
           <a:prstGeom prst="rect">
@@ -21857,7 +20559,7 @@
             <a:hlinkClick r:id="rId13" action="ppaction://hlinksldjump"/>
             <a:extLst>
               <a:ext uri="{FF2B5EF4-FFF2-40B4-BE49-F238E27FC236}">
-                <a16:creationId xmlns:a16="http://schemas.microsoft.com/office/drawing/2014/main" id="{A3CCA89C-F93B-4F72-8D31-79B802C8348D}"/>
+                <a16:creationId xmlns:a16="http://schemas.microsoft.com/office/drawing/2014/main" xmlns="" id="{A3CCA89C-F93B-4F72-8D31-79B802C8348D}"/>
               </a:ext>
             </a:extLst>
           </p:cNvPr>
@@ -21866,7 +20568,7 @@
         </p:nvSpPr>
         <p:spPr>
           <a:xfrm>
-            <a:off x="70768" y="2660057"/>
+            <a:off x="161384" y="479624"/>
             <a:ext cx="1977656" cy="282858"/>
           </a:xfrm>
           <a:prstGeom prst="rect">
@@ -21907,7 +20609,7 @@
             <a:hlinkClick r:id="rId14" action="ppaction://hlinksldjump"/>
             <a:extLst>
               <a:ext uri="{FF2B5EF4-FFF2-40B4-BE49-F238E27FC236}">
-                <a16:creationId xmlns:a16="http://schemas.microsoft.com/office/drawing/2014/main" id="{9D3E3B72-560B-47AA-85B9-4090CB2DABD2}"/>
+                <a16:creationId xmlns:a16="http://schemas.microsoft.com/office/drawing/2014/main" xmlns="" id="{9D3E3B72-560B-47AA-85B9-4090CB2DABD2}"/>
               </a:ext>
             </a:extLst>
           </p:cNvPr>
@@ -21916,7 +20618,7 @@
         </p:nvSpPr>
         <p:spPr>
           <a:xfrm>
-            <a:off x="70768" y="2335179"/>
+            <a:off x="161384" y="154746"/>
             <a:ext cx="1977656" cy="288961"/>
           </a:xfrm>
           <a:prstGeom prst="rect">
@@ -21957,7 +20659,7 @@
             <a:hlinkClick r:id="rId15" action="ppaction://hlinksldjump"/>
             <a:extLst>
               <a:ext uri="{FF2B5EF4-FFF2-40B4-BE49-F238E27FC236}">
-                <a16:creationId xmlns:a16="http://schemas.microsoft.com/office/drawing/2014/main" id="{35C1339E-0A5D-4FAB-945A-2A5A84163D43}"/>
+                <a16:creationId xmlns:a16="http://schemas.microsoft.com/office/drawing/2014/main" xmlns="" id="{35C1339E-0A5D-4FAB-945A-2A5A84163D43}"/>
               </a:ext>
             </a:extLst>
           </p:cNvPr>
@@ -21966,7 +20668,7 @@
         </p:nvSpPr>
         <p:spPr>
           <a:xfrm>
-            <a:off x="70768" y="2970984"/>
+            <a:off x="161384" y="790551"/>
             <a:ext cx="1977656" cy="288961"/>
           </a:xfrm>
           <a:prstGeom prst="rect">
@@ -21997,106 +20699,6 @@
             <a:r>
               <a:rPr lang="fr-FR" sz="1000" dirty="0"/>
               <a:t>Introduction</a:t>
-            </a:r>
-          </a:p>
-        </p:txBody>
-      </p:sp>
-      <p:sp>
-        <p:nvSpPr>
-          <p:cNvPr id="18" name="Rectangle 17">
-            <a:hlinkClick r:id="rId16" action="ppaction://hlinksldjump"/>
-            <a:extLst>
-              <a:ext uri="{FF2B5EF4-FFF2-40B4-BE49-F238E27FC236}">
-                <a16:creationId xmlns:a16="http://schemas.microsoft.com/office/drawing/2014/main" id="{37D5EB37-DC8C-4286-AAD1-A91BCEAB4B4C}"/>
-              </a:ext>
-            </a:extLst>
-          </p:cNvPr>
-          <p:cNvSpPr/>
-          <p:nvPr/>
-        </p:nvSpPr>
-        <p:spPr>
-          <a:xfrm>
-            <a:off x="70768" y="1688085"/>
-            <a:ext cx="1977656" cy="288961"/>
-          </a:xfrm>
-          <a:prstGeom prst="rect">
-            <a:avLst/>
-          </a:prstGeom>
-        </p:spPr>
-        <p:style>
-          <a:lnRef idx="2">
-            <a:schemeClr val="accent1">
-              <a:shade val="50000"/>
-            </a:schemeClr>
-          </a:lnRef>
-          <a:fillRef idx="1">
-            <a:schemeClr val="accent1"/>
-          </a:fillRef>
-          <a:effectRef idx="0">
-            <a:schemeClr val="accent1"/>
-          </a:effectRef>
-          <a:fontRef idx="minor">
-            <a:schemeClr val="lt1"/>
-          </a:fontRef>
-        </p:style>
-        <p:txBody>
-          <a:bodyPr rtlCol="0" anchor="ctr"/>
-          <a:lstStyle/>
-          <a:p>
-            <a:pPr algn="ctr"/>
-            <a:r>
-              <a:rPr lang="fr-FR" sz="1000" dirty="0"/>
-              <a:t>Soutenance de stage</a:t>
-            </a:r>
-          </a:p>
-        </p:txBody>
-      </p:sp>
-      <p:sp>
-        <p:nvSpPr>
-          <p:cNvPr id="19" name="Rectangle 18">
-            <a:hlinkClick r:id="rId17" action="ppaction://hlinksldjump"/>
-            <a:extLst>
-              <a:ext uri="{FF2B5EF4-FFF2-40B4-BE49-F238E27FC236}">
-                <a16:creationId xmlns:a16="http://schemas.microsoft.com/office/drawing/2014/main" id="{AAE66E18-17A4-4582-896E-41B07726EDAC}"/>
-              </a:ext>
-            </a:extLst>
-          </p:cNvPr>
-          <p:cNvSpPr/>
-          <p:nvPr/>
-        </p:nvSpPr>
-        <p:spPr>
-          <a:xfrm>
-            <a:off x="70768" y="2012963"/>
-            <a:ext cx="1977656" cy="288961"/>
-          </a:xfrm>
-          <a:prstGeom prst="rect">
-            <a:avLst/>
-          </a:prstGeom>
-        </p:spPr>
-        <p:style>
-          <a:lnRef idx="2">
-            <a:schemeClr val="accent1">
-              <a:shade val="50000"/>
-            </a:schemeClr>
-          </a:lnRef>
-          <a:fillRef idx="1">
-            <a:schemeClr val="accent1"/>
-          </a:fillRef>
-          <a:effectRef idx="0">
-            <a:schemeClr val="accent1"/>
-          </a:effectRef>
-          <a:fontRef idx="minor">
-            <a:schemeClr val="lt1"/>
-          </a:fontRef>
-        </p:style>
-        <p:txBody>
-          <a:bodyPr rtlCol="0" anchor="ctr"/>
-          <a:lstStyle/>
-          <a:p>
-            <a:pPr algn="ctr"/>
-            <a:r>
-              <a:rPr lang="fr-FR" sz="1000" dirty="0"/>
-              <a:t>Sommaire</a:t>
             </a:r>
           </a:p>
         </p:txBody>
@@ -22136,7 +20738,7 @@
           <p:cNvPr id="2" name="Titre 1">
             <a:extLst>
               <a:ext uri="{FF2B5EF4-FFF2-40B4-BE49-F238E27FC236}">
-                <a16:creationId xmlns:a16="http://schemas.microsoft.com/office/drawing/2014/main" id="{E01618AC-F422-42B2-A098-D5E6894D739C}"/>
+                <a16:creationId xmlns:a16="http://schemas.microsoft.com/office/drawing/2014/main" xmlns="" id="{E01618AC-F422-42B2-A098-D5E6894D739C}"/>
               </a:ext>
             </a:extLst>
           </p:cNvPr>
@@ -22149,7 +20751,7 @@
         </p:nvSpPr>
         <p:spPr>
           <a:xfrm>
-            <a:off x="550012" y="158187"/>
+            <a:off x="1356017" y="283028"/>
             <a:ext cx="8596668" cy="1320800"/>
           </a:xfrm>
         </p:spPr>
@@ -22170,7 +20772,7 @@
           <p:cNvPr id="3" name="Espace réservé du contenu 2">
             <a:extLst>
               <a:ext uri="{FF2B5EF4-FFF2-40B4-BE49-F238E27FC236}">
-                <a16:creationId xmlns:a16="http://schemas.microsoft.com/office/drawing/2014/main" id="{23089969-B263-4807-964E-D90754042C8C}"/>
+                <a16:creationId xmlns:a16="http://schemas.microsoft.com/office/drawing/2014/main" xmlns="" id="{23089969-B263-4807-964E-D90754042C8C}"/>
               </a:ext>
             </a:extLst>
           </p:cNvPr>
@@ -22178,14 +20780,20 @@
             <a:spLocks noGrp="1"/>
           </p:cNvSpPr>
           <p:nvPr>
-            <p:ph idx="1"/>
+            <p:ph sz="half" idx="1"/>
           </p:nvPr>
         </p:nvSpPr>
         <p:spPr>
           <a:xfrm>
-            <a:off x="2888099" y="1359923"/>
-            <a:ext cx="8596668" cy="5390147"/>
-          </a:xfrm>
+            <a:off x="1063690" y="1828800"/>
+            <a:ext cx="4509137" cy="4303179"/>
+          </a:xfrm>
+          <a:solidFill>
+            <a:schemeClr val="accent1">
+              <a:lumMod val="20000"/>
+              <a:lumOff val="80000"/>
+            </a:schemeClr>
+          </a:solidFill>
         </p:spPr>
         <p:txBody>
           <a:bodyPr>
@@ -22198,7 +20806,7 @@
               <a:buChar char="•"/>
             </a:pPr>
             <a:r>
-              <a:rPr lang="fr-FR" sz="1600" dirty="0"/>
+              <a:rPr lang="fr-FR" dirty="0" smtClean="0"/>
               <a:t>Présentation du stagiaire</a:t>
             </a:r>
           </a:p>
@@ -22208,9 +20816,10 @@
               <a:buChar char="•"/>
             </a:pPr>
             <a:r>
-              <a:rPr lang="fr-FR" sz="1600" dirty="0"/>
+              <a:rPr lang="fr-FR" dirty="0" smtClean="0"/>
               <a:t>Remerciements</a:t>
             </a:r>
+            <a:endParaRPr lang="fr-FR" dirty="0"/>
           </a:p>
           <a:p>
             <a:pPr>
@@ -22218,7 +20827,7 @@
               <a:buChar char="•"/>
             </a:pPr>
             <a:r>
-              <a:rPr lang="fr-FR" sz="1600" dirty="0"/>
+              <a:rPr lang="fr-FR" dirty="0"/>
               <a:t>Introduction</a:t>
             </a:r>
           </a:p>
@@ -22228,7 +20837,7 @@
               <a:buChar char="•"/>
             </a:pPr>
             <a:r>
-              <a:rPr lang="fr-FR" sz="1600" dirty="0"/>
+              <a:rPr lang="fr-FR" dirty="0"/>
               <a:t>Présentation de l’Entreprise</a:t>
             </a:r>
           </a:p>
@@ -22238,7 +20847,7 @@
               <a:buChar char="•"/>
             </a:pPr>
             <a:r>
-              <a:rPr lang="fr-FR" sz="1600" dirty="0"/>
+              <a:rPr lang="fr-FR" dirty="0"/>
               <a:t>Présentation de l’Entreprise(suite)</a:t>
             </a:r>
           </a:p>
@@ -22248,7 +20857,7 @@
               <a:buChar char="•"/>
             </a:pPr>
             <a:r>
-              <a:rPr lang="fr-FR" sz="1600" dirty="0"/>
+              <a:rPr lang="fr-FR" dirty="0"/>
               <a:t>Présentation de la demande</a:t>
             </a:r>
           </a:p>
@@ -22258,17 +20867,48 @@
               <a:buChar char="•"/>
             </a:pPr>
             <a:r>
-              <a:rPr lang="fr-FR" sz="1600" dirty="0"/>
-              <a:t>Réalisation de la demande</a:t>
-            </a:r>
-          </a:p>
+              <a:rPr lang="fr-FR" dirty="0"/>
+              <a:t>Réalisation de la </a:t>
+            </a:r>
+            <a:r>
+              <a:rPr lang="fr-FR" dirty="0" smtClean="0"/>
+              <a:t>demande</a:t>
+            </a:r>
+          </a:p>
+        </p:txBody>
+      </p:sp>
+      <p:sp>
+        <p:nvSpPr>
+          <p:cNvPr id="21" name="Espace réservé du contenu 20"/>
+          <p:cNvSpPr>
+            <a:spLocks noGrp="1"/>
+          </p:cNvSpPr>
+          <p:nvPr>
+            <p:ph sz="half" idx="2"/>
+          </p:nvPr>
+        </p:nvSpPr>
+        <p:spPr>
+          <a:xfrm>
+            <a:off x="5654351" y="1828800"/>
+            <a:ext cx="4385771" cy="4303179"/>
+          </a:xfrm>
+          <a:solidFill>
+            <a:schemeClr val="accent1">
+              <a:lumMod val="20000"/>
+              <a:lumOff val="80000"/>
+            </a:schemeClr>
+          </a:solidFill>
+        </p:spPr>
+        <p:txBody>
+          <a:bodyPr/>
+          <a:lstStyle/>
           <a:p>
             <a:pPr>
               <a:buFont typeface="Arial" panose="020B0604020202020204" pitchFamily="34" charset="0"/>
               <a:buChar char="•"/>
             </a:pPr>
             <a:r>
-              <a:rPr lang="fr-FR" sz="1600" dirty="0"/>
+              <a:rPr lang="fr-FR" dirty="0"/>
               <a:t>Réalisation de la demande 1</a:t>
             </a:r>
           </a:p>
@@ -22278,7 +20918,7 @@
               <a:buChar char="•"/>
             </a:pPr>
             <a:r>
-              <a:rPr lang="fr-FR" sz="1600" dirty="0"/>
+              <a:rPr lang="fr-FR" dirty="0"/>
               <a:t>Réalisation de la demande 2</a:t>
             </a:r>
           </a:p>
@@ -22288,7 +20928,7 @@
               <a:buChar char="•"/>
             </a:pPr>
             <a:r>
-              <a:rPr lang="fr-FR" sz="1600" dirty="0"/>
+              <a:rPr lang="fr-FR" dirty="0"/>
               <a:t>Réalisation de la demande 3</a:t>
             </a:r>
           </a:p>
@@ -22298,7 +20938,7 @@
               <a:buChar char="•"/>
             </a:pPr>
             <a:r>
-              <a:rPr lang="fr-FR" sz="1600" dirty="0"/>
+              <a:rPr lang="fr-FR" dirty="0"/>
               <a:t>Réalisation de la demande 4</a:t>
             </a:r>
           </a:p>
@@ -22308,7 +20948,7 @@
               <a:buChar char="•"/>
             </a:pPr>
             <a:r>
-              <a:rPr lang="fr-FR" sz="1600" dirty="0"/>
+              <a:rPr lang="fr-FR" dirty="0"/>
               <a:t>Résultats obtenus</a:t>
             </a:r>
           </a:p>
@@ -22318,7 +20958,7 @@
               <a:buChar char="•"/>
             </a:pPr>
             <a:r>
-              <a:rPr lang="fr-FR" sz="1600" dirty="0"/>
+              <a:rPr lang="fr-FR" dirty="0"/>
               <a:t>Ce que ce stage m’a apporté</a:t>
             </a:r>
           </a:p>
@@ -22328,809 +20968,12 @@
               <a:buChar char="•"/>
             </a:pPr>
             <a:r>
-              <a:rPr lang="fr-FR" sz="1600" dirty="0"/>
+              <a:rPr lang="fr-FR" dirty="0"/>
               <a:t>Conclusion</a:t>
             </a:r>
           </a:p>
-        </p:txBody>
-      </p:sp>
-      <p:sp>
-        <p:nvSpPr>
-          <p:cNvPr id="4" name="Rectangle 3">
-            <a:hlinkClick r:id="rId2" action="ppaction://hlinksldjump"/>
-            <a:extLst>
-              <a:ext uri="{FF2B5EF4-FFF2-40B4-BE49-F238E27FC236}">
-                <a16:creationId xmlns:a16="http://schemas.microsoft.com/office/drawing/2014/main" id="{338C1A25-9C5C-465A-ABFC-7C9B00C54ED2}"/>
-              </a:ext>
-            </a:extLst>
-          </p:cNvPr>
-          <p:cNvSpPr/>
-          <p:nvPr/>
-        </p:nvSpPr>
-        <p:spPr>
-          <a:xfrm>
-            <a:off x="70768" y="3302355"/>
-            <a:ext cx="1977656" cy="288961"/>
-          </a:xfrm>
-          <a:prstGeom prst="rect">
-            <a:avLst/>
-          </a:prstGeom>
-        </p:spPr>
-        <p:style>
-          <a:lnRef idx="2">
-            <a:schemeClr val="accent1">
-              <a:shade val="50000"/>
-            </a:schemeClr>
-          </a:lnRef>
-          <a:fillRef idx="1">
-            <a:schemeClr val="accent1"/>
-          </a:fillRef>
-          <a:effectRef idx="0">
-            <a:schemeClr val="accent1"/>
-          </a:effectRef>
-          <a:fontRef idx="minor">
-            <a:schemeClr val="lt1"/>
-          </a:fontRef>
-        </p:style>
-        <p:txBody>
-          <a:bodyPr rtlCol="0" anchor="ctr"/>
-          <a:lstStyle/>
-          <a:p>
-            <a:pPr algn="ctr"/>
-            <a:r>
-              <a:rPr lang="fr-FR" sz="1000" dirty="0"/>
-              <a:t>Présentation de l’Entreprise</a:t>
-            </a:r>
-          </a:p>
-        </p:txBody>
-      </p:sp>
-      <p:sp>
-        <p:nvSpPr>
-          <p:cNvPr id="5" name="Rectangle 4">
-            <a:hlinkClick r:id="rId3" action="ppaction://hlinksldjump"/>
-            <a:extLst>
-              <a:ext uri="{FF2B5EF4-FFF2-40B4-BE49-F238E27FC236}">
-                <a16:creationId xmlns:a16="http://schemas.microsoft.com/office/drawing/2014/main" id="{B6AEAAC2-DC87-4E52-8D15-0D6D474D0B82}"/>
-              </a:ext>
-            </a:extLst>
-          </p:cNvPr>
-          <p:cNvSpPr/>
-          <p:nvPr/>
-        </p:nvSpPr>
-        <p:spPr>
-          <a:xfrm>
-            <a:off x="70768" y="3944263"/>
-            <a:ext cx="1977656" cy="288961"/>
-          </a:xfrm>
-          <a:prstGeom prst="rect">
-            <a:avLst/>
-          </a:prstGeom>
-        </p:spPr>
-        <p:style>
-          <a:lnRef idx="2">
-            <a:schemeClr val="accent1">
-              <a:shade val="50000"/>
-            </a:schemeClr>
-          </a:lnRef>
-          <a:fillRef idx="1">
-            <a:schemeClr val="accent1"/>
-          </a:fillRef>
-          <a:effectRef idx="0">
-            <a:schemeClr val="accent1"/>
-          </a:effectRef>
-          <a:fontRef idx="minor">
-            <a:schemeClr val="lt1"/>
-          </a:fontRef>
-        </p:style>
-        <p:txBody>
-          <a:bodyPr rtlCol="0" anchor="ctr"/>
-          <a:lstStyle/>
-          <a:p>
-            <a:pPr algn="ctr"/>
-            <a:r>
-              <a:rPr lang="fr-FR" sz="1000" dirty="0"/>
-              <a:t>Présentation de la demande</a:t>
-            </a:r>
-          </a:p>
-        </p:txBody>
-      </p:sp>
-      <p:sp>
-        <p:nvSpPr>
-          <p:cNvPr id="6" name="Rectangle 5">
-            <a:hlinkClick r:id="rId4" action="ppaction://hlinksldjump"/>
-            <a:extLst>
-              <a:ext uri="{FF2B5EF4-FFF2-40B4-BE49-F238E27FC236}">
-                <a16:creationId xmlns:a16="http://schemas.microsoft.com/office/drawing/2014/main" id="{35F33C19-FDCA-47D9-BE4F-8BD12DA191E8}"/>
-              </a:ext>
-            </a:extLst>
-          </p:cNvPr>
-          <p:cNvSpPr/>
-          <p:nvPr/>
-        </p:nvSpPr>
-        <p:spPr>
-          <a:xfrm>
-            <a:off x="70768" y="3619385"/>
-            <a:ext cx="1977656" cy="288961"/>
-          </a:xfrm>
-          <a:prstGeom prst="rect">
-            <a:avLst/>
-          </a:prstGeom>
-        </p:spPr>
-        <p:style>
-          <a:lnRef idx="2">
-            <a:schemeClr val="accent1">
-              <a:shade val="50000"/>
-            </a:schemeClr>
-          </a:lnRef>
-          <a:fillRef idx="1">
-            <a:schemeClr val="accent1"/>
-          </a:fillRef>
-          <a:effectRef idx="0">
-            <a:schemeClr val="accent1"/>
-          </a:effectRef>
-          <a:fontRef idx="minor">
-            <a:schemeClr val="lt1"/>
-          </a:fontRef>
-        </p:style>
-        <p:txBody>
-          <a:bodyPr rtlCol="0" anchor="ctr"/>
-          <a:lstStyle/>
-          <a:p>
-            <a:pPr algn="ctr"/>
-            <a:r>
-              <a:rPr lang="fr-FR" sz="1000" dirty="0"/>
-              <a:t>Présentation de l’Entreprise (suite)</a:t>
-            </a:r>
-          </a:p>
-        </p:txBody>
-      </p:sp>
-      <p:sp>
-        <p:nvSpPr>
-          <p:cNvPr id="7" name="Rectangle 6">
-            <a:hlinkClick r:id="rId5" action="ppaction://hlinksldjump"/>
-            <a:extLst>
-              <a:ext uri="{FF2B5EF4-FFF2-40B4-BE49-F238E27FC236}">
-                <a16:creationId xmlns:a16="http://schemas.microsoft.com/office/drawing/2014/main" id="{CD443737-F63D-42D2-95A1-C228DF321654}"/>
-              </a:ext>
-            </a:extLst>
-          </p:cNvPr>
-          <p:cNvSpPr/>
-          <p:nvPr/>
-        </p:nvSpPr>
-        <p:spPr>
-          <a:xfrm>
-            <a:off x="70768" y="4269141"/>
-            <a:ext cx="1977656" cy="288480"/>
-          </a:xfrm>
-          <a:prstGeom prst="rect">
-            <a:avLst/>
-          </a:prstGeom>
-        </p:spPr>
-        <p:style>
-          <a:lnRef idx="2">
-            <a:schemeClr val="accent1">
-              <a:shade val="50000"/>
-            </a:schemeClr>
-          </a:lnRef>
-          <a:fillRef idx="1">
-            <a:schemeClr val="accent1"/>
-          </a:fillRef>
-          <a:effectRef idx="0">
-            <a:schemeClr val="accent1"/>
-          </a:effectRef>
-          <a:fontRef idx="minor">
-            <a:schemeClr val="lt1"/>
-          </a:fontRef>
-        </p:style>
-        <p:txBody>
-          <a:bodyPr rtlCol="0" anchor="ctr"/>
-          <a:lstStyle/>
-          <a:p>
-            <a:pPr algn="ctr"/>
-            <a:r>
-              <a:rPr lang="fr-FR" sz="1000" dirty="0"/>
-              <a:t>Réalisation de la demande </a:t>
-            </a:r>
-          </a:p>
-        </p:txBody>
-      </p:sp>
-      <p:sp>
-        <p:nvSpPr>
-          <p:cNvPr id="8" name="Rectangle 7">
-            <a:hlinkClick r:id="rId6" action="ppaction://hlinksldjump"/>
-            <a:extLst>
-              <a:ext uri="{FF2B5EF4-FFF2-40B4-BE49-F238E27FC236}">
-                <a16:creationId xmlns:a16="http://schemas.microsoft.com/office/drawing/2014/main" id="{C9388BBB-C73A-4469-A77C-215BB774C6F7}"/>
-              </a:ext>
-            </a:extLst>
-          </p:cNvPr>
-          <p:cNvSpPr/>
-          <p:nvPr/>
-        </p:nvSpPr>
-        <p:spPr>
-          <a:xfrm>
-            <a:off x="70768" y="4600031"/>
-            <a:ext cx="1977656" cy="288480"/>
-          </a:xfrm>
-          <a:prstGeom prst="rect">
-            <a:avLst/>
-          </a:prstGeom>
-        </p:spPr>
-        <p:style>
-          <a:lnRef idx="2">
-            <a:schemeClr val="accent1">
-              <a:shade val="50000"/>
-            </a:schemeClr>
-          </a:lnRef>
-          <a:fillRef idx="1">
-            <a:schemeClr val="accent1"/>
-          </a:fillRef>
-          <a:effectRef idx="0">
-            <a:schemeClr val="accent1"/>
-          </a:effectRef>
-          <a:fontRef idx="minor">
-            <a:schemeClr val="lt1"/>
-          </a:fontRef>
-        </p:style>
-        <p:txBody>
-          <a:bodyPr rtlCol="0" anchor="ctr"/>
-          <a:lstStyle/>
-          <a:p>
-            <a:pPr algn="ctr"/>
-            <a:r>
-              <a:rPr lang="fr-FR" sz="1000" dirty="0"/>
-              <a:t>Réalisation de la demande 1</a:t>
-            </a:r>
-          </a:p>
-        </p:txBody>
-      </p:sp>
-      <p:sp>
-        <p:nvSpPr>
-          <p:cNvPr id="9" name="Rectangle 8">
-            <a:hlinkClick r:id="rId7" action="ppaction://hlinksldjump"/>
-            <a:extLst>
-              <a:ext uri="{FF2B5EF4-FFF2-40B4-BE49-F238E27FC236}">
-                <a16:creationId xmlns:a16="http://schemas.microsoft.com/office/drawing/2014/main" id="{2DCB1E53-45D0-493B-8F8C-0B3F55495104}"/>
-              </a:ext>
-            </a:extLst>
-          </p:cNvPr>
-          <p:cNvSpPr/>
-          <p:nvPr/>
-        </p:nvSpPr>
-        <p:spPr>
-          <a:xfrm>
-            <a:off x="70768" y="4916580"/>
-            <a:ext cx="1977656" cy="289829"/>
-          </a:xfrm>
-          <a:prstGeom prst="rect">
-            <a:avLst/>
-          </a:prstGeom>
-        </p:spPr>
-        <p:style>
-          <a:lnRef idx="2">
-            <a:schemeClr val="accent1">
-              <a:shade val="50000"/>
-            </a:schemeClr>
-          </a:lnRef>
-          <a:fillRef idx="1">
-            <a:schemeClr val="accent1"/>
-          </a:fillRef>
-          <a:effectRef idx="0">
-            <a:schemeClr val="accent1"/>
-          </a:effectRef>
-          <a:fontRef idx="minor">
-            <a:schemeClr val="lt1"/>
-          </a:fontRef>
-        </p:style>
-        <p:txBody>
-          <a:bodyPr rtlCol="0" anchor="ctr"/>
-          <a:lstStyle/>
-          <a:p>
-            <a:pPr algn="ctr"/>
-            <a:r>
-              <a:rPr lang="fr-FR" sz="1000" dirty="0"/>
-              <a:t>Réalisation de la demande 2</a:t>
-            </a:r>
-          </a:p>
-        </p:txBody>
-      </p:sp>
-      <p:sp>
-        <p:nvSpPr>
-          <p:cNvPr id="10" name="Rectangle 9">
-            <a:hlinkClick r:id="rId8" action="ppaction://hlinksldjump"/>
-            <a:extLst>
-              <a:ext uri="{FF2B5EF4-FFF2-40B4-BE49-F238E27FC236}">
-                <a16:creationId xmlns:a16="http://schemas.microsoft.com/office/drawing/2014/main" id="{84337AD3-FF63-4410-B547-805BE0B9CB79}"/>
-              </a:ext>
-            </a:extLst>
-          </p:cNvPr>
-          <p:cNvSpPr/>
-          <p:nvPr/>
-        </p:nvSpPr>
-        <p:spPr>
-          <a:xfrm>
-            <a:off x="70768" y="5246458"/>
-            <a:ext cx="1977656" cy="288961"/>
-          </a:xfrm>
-          <a:prstGeom prst="rect">
-            <a:avLst/>
-          </a:prstGeom>
-        </p:spPr>
-        <p:style>
-          <a:lnRef idx="2">
-            <a:schemeClr val="accent1">
-              <a:shade val="50000"/>
-            </a:schemeClr>
-          </a:lnRef>
-          <a:fillRef idx="1">
-            <a:schemeClr val="accent1"/>
-          </a:fillRef>
-          <a:effectRef idx="0">
-            <a:schemeClr val="accent1"/>
-          </a:effectRef>
-          <a:fontRef idx="minor">
-            <a:schemeClr val="lt1"/>
-          </a:fontRef>
-        </p:style>
-        <p:txBody>
-          <a:bodyPr rtlCol="0" anchor="ctr"/>
-          <a:lstStyle/>
-          <a:p>
-            <a:pPr algn="ctr"/>
-            <a:r>
-              <a:rPr lang="fr-FR" sz="1000" dirty="0"/>
-              <a:t>Réalisation de la demande 3</a:t>
-            </a:r>
-          </a:p>
-        </p:txBody>
-      </p:sp>
-      <p:sp>
-        <p:nvSpPr>
-          <p:cNvPr id="11" name="Rectangle 10">
-            <a:hlinkClick r:id="rId9" action="ppaction://hlinksldjump"/>
-            <a:extLst>
-              <a:ext uri="{FF2B5EF4-FFF2-40B4-BE49-F238E27FC236}">
-                <a16:creationId xmlns:a16="http://schemas.microsoft.com/office/drawing/2014/main" id="{DF66426B-E56C-4779-B5F7-A99C597E27EC}"/>
-              </a:ext>
-            </a:extLst>
-          </p:cNvPr>
-          <p:cNvSpPr/>
-          <p:nvPr/>
-        </p:nvSpPr>
-        <p:spPr>
-          <a:xfrm>
-            <a:off x="70768" y="5898575"/>
-            <a:ext cx="1977656" cy="288961"/>
-          </a:xfrm>
-          <a:prstGeom prst="rect">
-            <a:avLst/>
-          </a:prstGeom>
-        </p:spPr>
-        <p:style>
-          <a:lnRef idx="2">
-            <a:schemeClr val="accent1">
-              <a:shade val="50000"/>
-            </a:schemeClr>
-          </a:lnRef>
-          <a:fillRef idx="1">
-            <a:schemeClr val="accent1"/>
-          </a:fillRef>
-          <a:effectRef idx="0">
-            <a:schemeClr val="accent1"/>
-          </a:effectRef>
-          <a:fontRef idx="minor">
-            <a:schemeClr val="lt1"/>
-          </a:fontRef>
-        </p:style>
-        <p:txBody>
-          <a:bodyPr rtlCol="0" anchor="ctr"/>
-          <a:lstStyle/>
-          <a:p>
-            <a:pPr algn="ctr"/>
-            <a:r>
-              <a:rPr lang="fr-FR" sz="1000" dirty="0"/>
-              <a:t>Résultats obtenus</a:t>
-            </a:r>
-          </a:p>
-        </p:txBody>
-      </p:sp>
-      <p:sp>
-        <p:nvSpPr>
-          <p:cNvPr id="12" name="Rectangle 11">
-            <a:hlinkClick r:id="rId10" action="ppaction://hlinksldjump"/>
-            <a:extLst>
-              <a:ext uri="{FF2B5EF4-FFF2-40B4-BE49-F238E27FC236}">
-                <a16:creationId xmlns:a16="http://schemas.microsoft.com/office/drawing/2014/main" id="{1B04210A-15D9-4B3C-B53A-C2AF6FD5407B}"/>
-              </a:ext>
-            </a:extLst>
-          </p:cNvPr>
-          <p:cNvSpPr/>
-          <p:nvPr/>
-        </p:nvSpPr>
-        <p:spPr>
-          <a:xfrm>
-            <a:off x="70768" y="5575468"/>
-            <a:ext cx="1977656" cy="288961"/>
-          </a:xfrm>
-          <a:prstGeom prst="rect">
-            <a:avLst/>
-          </a:prstGeom>
-        </p:spPr>
-        <p:style>
-          <a:lnRef idx="2">
-            <a:schemeClr val="accent1">
-              <a:shade val="50000"/>
-            </a:schemeClr>
-          </a:lnRef>
-          <a:fillRef idx="1">
-            <a:schemeClr val="accent1"/>
-          </a:fillRef>
-          <a:effectRef idx="0">
-            <a:schemeClr val="accent1"/>
-          </a:effectRef>
-          <a:fontRef idx="minor">
-            <a:schemeClr val="lt1"/>
-          </a:fontRef>
-        </p:style>
-        <p:txBody>
-          <a:bodyPr rtlCol="0" anchor="ctr"/>
-          <a:lstStyle/>
-          <a:p>
-            <a:pPr algn="ctr"/>
-            <a:r>
-              <a:rPr lang="fr-FR" sz="1000" dirty="0"/>
-              <a:t>Réalisation de la demande 4</a:t>
-            </a:r>
-          </a:p>
-        </p:txBody>
-      </p:sp>
-      <p:sp>
-        <p:nvSpPr>
-          <p:cNvPr id="13" name="Rectangle 12">
-            <a:hlinkClick r:id="rId11" action="ppaction://hlinksldjump"/>
-            <a:extLst>
-              <a:ext uri="{FF2B5EF4-FFF2-40B4-BE49-F238E27FC236}">
-                <a16:creationId xmlns:a16="http://schemas.microsoft.com/office/drawing/2014/main" id="{AB75A6F3-1CDF-4C97-BB02-7876916F516C}"/>
-              </a:ext>
-            </a:extLst>
-          </p:cNvPr>
-          <p:cNvSpPr/>
-          <p:nvPr/>
-        </p:nvSpPr>
-        <p:spPr>
-          <a:xfrm>
-            <a:off x="70768" y="6221682"/>
-            <a:ext cx="1977656" cy="269944"/>
-          </a:xfrm>
-          <a:prstGeom prst="rect">
-            <a:avLst/>
-          </a:prstGeom>
-        </p:spPr>
-        <p:style>
-          <a:lnRef idx="2">
-            <a:schemeClr val="accent1">
-              <a:shade val="50000"/>
-            </a:schemeClr>
-          </a:lnRef>
-          <a:fillRef idx="1">
-            <a:schemeClr val="accent1"/>
-          </a:fillRef>
-          <a:effectRef idx="0">
-            <a:schemeClr val="accent1"/>
-          </a:effectRef>
-          <a:fontRef idx="minor">
-            <a:schemeClr val="lt1"/>
-          </a:fontRef>
-        </p:style>
-        <p:txBody>
-          <a:bodyPr rtlCol="0" anchor="ctr"/>
-          <a:lstStyle/>
-          <a:p>
-            <a:pPr algn="ctr"/>
-            <a:r>
-              <a:rPr lang="fr-FR" sz="1000" dirty="0"/>
-              <a:t>Ce que ce stage m’a apporté</a:t>
-            </a:r>
-          </a:p>
-        </p:txBody>
-      </p:sp>
-      <p:sp>
-        <p:nvSpPr>
-          <p:cNvPr id="14" name="Rectangle 13">
-            <a:hlinkClick r:id="rId12" action="ppaction://hlinksldjump"/>
-            <a:extLst>
-              <a:ext uri="{FF2B5EF4-FFF2-40B4-BE49-F238E27FC236}">
-                <a16:creationId xmlns:a16="http://schemas.microsoft.com/office/drawing/2014/main" id="{7C884FBA-B360-441C-A62E-4A7AF90E8895}"/>
-              </a:ext>
-            </a:extLst>
-          </p:cNvPr>
-          <p:cNvSpPr/>
-          <p:nvPr/>
-        </p:nvSpPr>
-        <p:spPr>
-          <a:xfrm>
-            <a:off x="70768" y="6536930"/>
-            <a:ext cx="1977656" cy="288961"/>
-          </a:xfrm>
-          <a:prstGeom prst="rect">
-            <a:avLst/>
-          </a:prstGeom>
-        </p:spPr>
-        <p:style>
-          <a:lnRef idx="2">
-            <a:schemeClr val="accent1">
-              <a:shade val="50000"/>
-            </a:schemeClr>
-          </a:lnRef>
-          <a:fillRef idx="1">
-            <a:schemeClr val="accent1"/>
-          </a:fillRef>
-          <a:effectRef idx="0">
-            <a:schemeClr val="accent1"/>
-          </a:effectRef>
-          <a:fontRef idx="minor">
-            <a:schemeClr val="lt1"/>
-          </a:fontRef>
-        </p:style>
-        <p:txBody>
-          <a:bodyPr rtlCol="0" anchor="ctr"/>
-          <a:lstStyle/>
-          <a:p>
-            <a:pPr algn="ctr"/>
-            <a:r>
-              <a:rPr lang="fr-FR" sz="1000" dirty="0"/>
-              <a:t>Conclusion</a:t>
-            </a:r>
-          </a:p>
-        </p:txBody>
-      </p:sp>
-      <p:sp>
-        <p:nvSpPr>
-          <p:cNvPr id="15" name="Rectangle 14">
-            <a:hlinkClick r:id="rId13" action="ppaction://hlinksldjump"/>
-            <a:extLst>
-              <a:ext uri="{FF2B5EF4-FFF2-40B4-BE49-F238E27FC236}">
-                <a16:creationId xmlns:a16="http://schemas.microsoft.com/office/drawing/2014/main" id="{2102EE66-7F12-4D9C-A759-6385B0B39142}"/>
-              </a:ext>
-            </a:extLst>
-          </p:cNvPr>
-          <p:cNvSpPr/>
-          <p:nvPr/>
-        </p:nvSpPr>
-        <p:spPr>
-          <a:xfrm>
-            <a:off x="70768" y="2660057"/>
-            <a:ext cx="1977656" cy="282858"/>
-          </a:xfrm>
-          <a:prstGeom prst="rect">
-            <a:avLst/>
-          </a:prstGeom>
-        </p:spPr>
-        <p:style>
-          <a:lnRef idx="2">
-            <a:schemeClr val="accent1">
-              <a:shade val="50000"/>
-            </a:schemeClr>
-          </a:lnRef>
-          <a:fillRef idx="1">
-            <a:schemeClr val="accent1"/>
-          </a:fillRef>
-          <a:effectRef idx="0">
-            <a:schemeClr val="accent1"/>
-          </a:effectRef>
-          <a:fontRef idx="minor">
-            <a:schemeClr val="lt1"/>
-          </a:fontRef>
-        </p:style>
-        <p:txBody>
-          <a:bodyPr rtlCol="0" anchor="ctr"/>
-          <a:lstStyle/>
-          <a:p>
-            <a:pPr algn="ctr"/>
-            <a:r>
-              <a:rPr lang="fr-FR" sz="1000" dirty="0"/>
-              <a:t>Remerciements</a:t>
-            </a:r>
-          </a:p>
-        </p:txBody>
-      </p:sp>
-      <p:sp>
-        <p:nvSpPr>
-          <p:cNvPr id="16" name="Rectangle 15">
-            <a:hlinkClick r:id="rId14" action="ppaction://hlinksldjump"/>
-            <a:extLst>
-              <a:ext uri="{FF2B5EF4-FFF2-40B4-BE49-F238E27FC236}">
-                <a16:creationId xmlns:a16="http://schemas.microsoft.com/office/drawing/2014/main" id="{CECE008F-19B4-4BAA-A1F1-BC9E34D61DAB}"/>
-              </a:ext>
-            </a:extLst>
-          </p:cNvPr>
-          <p:cNvSpPr/>
-          <p:nvPr/>
-        </p:nvSpPr>
-        <p:spPr>
-          <a:xfrm>
-            <a:off x="70768" y="2335179"/>
-            <a:ext cx="1977656" cy="288961"/>
-          </a:xfrm>
-          <a:prstGeom prst="rect">
-            <a:avLst/>
-          </a:prstGeom>
-        </p:spPr>
-        <p:style>
-          <a:lnRef idx="2">
-            <a:schemeClr val="accent1">
-              <a:shade val="50000"/>
-            </a:schemeClr>
-          </a:lnRef>
-          <a:fillRef idx="1">
-            <a:schemeClr val="accent1"/>
-          </a:fillRef>
-          <a:effectRef idx="0">
-            <a:schemeClr val="accent1"/>
-          </a:effectRef>
-          <a:fontRef idx="minor">
-            <a:schemeClr val="lt1"/>
-          </a:fontRef>
-        </p:style>
-        <p:txBody>
-          <a:bodyPr rtlCol="0" anchor="ctr"/>
-          <a:lstStyle/>
-          <a:p>
-            <a:pPr algn="ctr"/>
-            <a:r>
-              <a:rPr lang="fr-FR" sz="1000" dirty="0"/>
-              <a:t>Présentation du stagiaire</a:t>
-            </a:r>
-          </a:p>
-        </p:txBody>
-      </p:sp>
-      <p:sp>
-        <p:nvSpPr>
-          <p:cNvPr id="17" name="Rectangle 16">
-            <a:hlinkClick r:id="rId15" action="ppaction://hlinksldjump"/>
-            <a:extLst>
-              <a:ext uri="{FF2B5EF4-FFF2-40B4-BE49-F238E27FC236}">
-                <a16:creationId xmlns:a16="http://schemas.microsoft.com/office/drawing/2014/main" id="{81CEBC43-AE9C-46F2-8CA8-A73F1C34BFF0}"/>
-              </a:ext>
-            </a:extLst>
-          </p:cNvPr>
-          <p:cNvSpPr/>
-          <p:nvPr/>
-        </p:nvSpPr>
-        <p:spPr>
-          <a:xfrm>
-            <a:off x="70768" y="2970984"/>
-            <a:ext cx="1977656" cy="288961"/>
-          </a:xfrm>
-          <a:prstGeom prst="rect">
-            <a:avLst/>
-          </a:prstGeom>
-        </p:spPr>
-        <p:style>
-          <a:lnRef idx="2">
-            <a:schemeClr val="accent1">
-              <a:shade val="50000"/>
-            </a:schemeClr>
-          </a:lnRef>
-          <a:fillRef idx="1">
-            <a:schemeClr val="accent1"/>
-          </a:fillRef>
-          <a:effectRef idx="0">
-            <a:schemeClr val="accent1"/>
-          </a:effectRef>
-          <a:fontRef idx="minor">
-            <a:schemeClr val="lt1"/>
-          </a:fontRef>
-        </p:style>
-        <p:txBody>
-          <a:bodyPr rtlCol="0" anchor="ctr"/>
-          <a:lstStyle/>
-          <a:p>
-            <a:pPr algn="ctr"/>
-            <a:r>
-              <a:rPr lang="fr-FR" sz="1000" dirty="0"/>
-              <a:t>Introduction</a:t>
-            </a:r>
-          </a:p>
-        </p:txBody>
-      </p:sp>
-      <p:sp>
-        <p:nvSpPr>
-          <p:cNvPr id="18" name="Rectangle 17">
-            <a:hlinkClick r:id="rId16" action="ppaction://hlinksldjump"/>
-            <a:extLst>
-              <a:ext uri="{FF2B5EF4-FFF2-40B4-BE49-F238E27FC236}">
-                <a16:creationId xmlns:a16="http://schemas.microsoft.com/office/drawing/2014/main" id="{47750F09-819F-477A-B52B-4821B0853172}"/>
-              </a:ext>
-            </a:extLst>
-          </p:cNvPr>
-          <p:cNvSpPr/>
-          <p:nvPr/>
-        </p:nvSpPr>
-        <p:spPr>
-          <a:xfrm>
-            <a:off x="70768" y="1688085"/>
-            <a:ext cx="1977656" cy="288961"/>
-          </a:xfrm>
-          <a:prstGeom prst="rect">
-            <a:avLst/>
-          </a:prstGeom>
-        </p:spPr>
-        <p:style>
-          <a:lnRef idx="2">
-            <a:schemeClr val="accent1">
-              <a:shade val="50000"/>
-            </a:schemeClr>
-          </a:lnRef>
-          <a:fillRef idx="1">
-            <a:schemeClr val="accent1"/>
-          </a:fillRef>
-          <a:effectRef idx="0">
-            <a:schemeClr val="accent1"/>
-          </a:effectRef>
-          <a:fontRef idx="minor">
-            <a:schemeClr val="lt1"/>
-          </a:fontRef>
-        </p:style>
-        <p:txBody>
-          <a:bodyPr rtlCol="0" anchor="ctr"/>
-          <a:lstStyle/>
-          <a:p>
-            <a:pPr algn="ctr"/>
-            <a:r>
-              <a:rPr lang="fr-FR" sz="1000" dirty="0"/>
-              <a:t>Soutenance de stage</a:t>
-            </a:r>
-          </a:p>
-        </p:txBody>
-      </p:sp>
-      <p:sp>
-        <p:nvSpPr>
-          <p:cNvPr id="19" name="Rectangle 18">
-            <a:hlinkClick r:id="rId17" action="ppaction://hlinksldjump"/>
-            <a:extLst>
-              <a:ext uri="{FF2B5EF4-FFF2-40B4-BE49-F238E27FC236}">
-                <a16:creationId xmlns:a16="http://schemas.microsoft.com/office/drawing/2014/main" id="{B96F88D8-028E-48A1-9FF5-B3ABB3398502}"/>
-              </a:ext>
-            </a:extLst>
-          </p:cNvPr>
-          <p:cNvSpPr/>
-          <p:nvPr/>
-        </p:nvSpPr>
-        <p:spPr>
-          <a:xfrm>
-            <a:off x="70768" y="2012963"/>
-            <a:ext cx="1977656" cy="288961"/>
-          </a:xfrm>
-          <a:prstGeom prst="rect">
-            <a:avLst/>
-          </a:prstGeom>
-        </p:spPr>
-        <p:style>
-          <a:lnRef idx="2">
-            <a:schemeClr val="accent5">
-              <a:shade val="50000"/>
-            </a:schemeClr>
-          </a:lnRef>
-          <a:fillRef idx="1">
-            <a:schemeClr val="accent5"/>
-          </a:fillRef>
-          <a:effectRef idx="0">
-            <a:schemeClr val="accent5"/>
-          </a:effectRef>
-          <a:fontRef idx="minor">
-            <a:schemeClr val="lt1"/>
-          </a:fontRef>
-        </p:style>
-        <p:txBody>
-          <a:bodyPr rtlCol="0" anchor="ctr"/>
-          <a:lstStyle/>
-          <a:p>
-            <a:pPr algn="ctr"/>
-            <a:r>
-              <a:rPr lang="fr-FR" sz="1000" dirty="0"/>
-              <a:t>Sommaire</a:t>
-            </a:r>
+          <a:p>
+            <a:endParaRPr lang="fr-FR" dirty="0"/>
           </a:p>
         </p:txBody>
       </p:sp>
@@ -23169,7 +21012,7 @@
           <p:cNvPr id="5" name="Espace réservé du contenu 5">
             <a:extLst>
               <a:ext uri="{FF2B5EF4-FFF2-40B4-BE49-F238E27FC236}">
-                <a16:creationId xmlns:a16="http://schemas.microsoft.com/office/drawing/2014/main" id="{C25B24DD-800C-4861-BEE2-46604BCCFB74}"/>
+                <a16:creationId xmlns:a16="http://schemas.microsoft.com/office/drawing/2014/main" xmlns="" id="{C25B24DD-800C-4861-BEE2-46604BCCFB74}"/>
               </a:ext>
             </a:extLst>
           </p:cNvPr>
@@ -23188,7 +21031,7 @@
         </p:blipFill>
         <p:spPr>
           <a:xfrm>
-            <a:off x="6942609" y="1315636"/>
+            <a:off x="6473250" y="1339291"/>
             <a:ext cx="3881437" cy="3881437"/>
           </a:xfrm>
         </p:spPr>
@@ -23198,7 +21041,7 @@
           <p:cNvPr id="6" name="Espace réservé du contenu 2">
             <a:extLst>
               <a:ext uri="{FF2B5EF4-FFF2-40B4-BE49-F238E27FC236}">
-                <a16:creationId xmlns:a16="http://schemas.microsoft.com/office/drawing/2014/main" id="{68580186-D7C3-45D6-AA30-D1F80D001DF9}"/>
+                <a16:creationId xmlns:a16="http://schemas.microsoft.com/office/drawing/2014/main" xmlns="" id="{68580186-D7C3-45D6-AA30-D1F80D001DF9}"/>
               </a:ext>
             </a:extLst>
           </p:cNvPr>
@@ -23211,7 +21054,7 @@
         </p:nvSpPr>
         <p:spPr>
           <a:xfrm>
-            <a:off x="4381233" y="2636436"/>
+            <a:off x="3560140" y="2492487"/>
             <a:ext cx="4184035" cy="3880772"/>
           </a:xfrm>
         </p:spPr>
@@ -23245,7 +21088,7 @@
           <p:cNvPr id="7" name="Titre 1">
             <a:extLst>
               <a:ext uri="{FF2B5EF4-FFF2-40B4-BE49-F238E27FC236}">
-                <a16:creationId xmlns:a16="http://schemas.microsoft.com/office/drawing/2014/main" id="{555FB08A-13D7-49F8-813B-E02062107F1E}"/>
+                <a16:creationId xmlns:a16="http://schemas.microsoft.com/office/drawing/2014/main" xmlns="" id="{555FB08A-13D7-49F8-813B-E02062107F1E}"/>
               </a:ext>
             </a:extLst>
           </p:cNvPr>
@@ -23258,7 +21101,7 @@
         </p:nvSpPr>
         <p:spPr>
           <a:xfrm>
-            <a:off x="1522286" y="227635"/>
+            <a:off x="1835324" y="241086"/>
             <a:ext cx="8596668" cy="1320800"/>
           </a:xfrm>
         </p:spPr>
@@ -23284,7 +21127,7 @@
             <a:hlinkClick r:id="rId3" action="ppaction://hlinksldjump"/>
             <a:extLst>
               <a:ext uri="{FF2B5EF4-FFF2-40B4-BE49-F238E27FC236}">
-                <a16:creationId xmlns:a16="http://schemas.microsoft.com/office/drawing/2014/main" id="{7CFFB609-A375-4352-B4BA-54A6D461B078}"/>
+                <a16:creationId xmlns:a16="http://schemas.microsoft.com/office/drawing/2014/main" xmlns="" id="{7CFFB609-A375-4352-B4BA-54A6D461B078}"/>
               </a:ext>
             </a:extLst>
           </p:cNvPr>
@@ -23293,7 +21136,7 @@
         </p:nvSpPr>
         <p:spPr>
           <a:xfrm>
-            <a:off x="70768" y="3302355"/>
+            <a:off x="144799" y="1194811"/>
             <a:ext cx="1977656" cy="288961"/>
           </a:xfrm>
           <a:prstGeom prst="rect">
@@ -23334,7 +21177,7 @@
             <a:hlinkClick r:id="rId4" action="ppaction://hlinksldjump"/>
             <a:extLst>
               <a:ext uri="{FF2B5EF4-FFF2-40B4-BE49-F238E27FC236}">
-                <a16:creationId xmlns:a16="http://schemas.microsoft.com/office/drawing/2014/main" id="{1BE904D1-38A8-4E9B-8B7D-02476F10CC4D}"/>
+                <a16:creationId xmlns:a16="http://schemas.microsoft.com/office/drawing/2014/main" xmlns="" id="{1BE904D1-38A8-4E9B-8B7D-02476F10CC4D}"/>
               </a:ext>
             </a:extLst>
           </p:cNvPr>
@@ -23343,7 +21186,7 @@
         </p:nvSpPr>
         <p:spPr>
           <a:xfrm>
-            <a:off x="70768" y="3944263"/>
+            <a:off x="144799" y="1836719"/>
             <a:ext cx="1977656" cy="288961"/>
           </a:xfrm>
           <a:prstGeom prst="rect">
@@ -23384,7 +21227,7 @@
             <a:hlinkClick r:id="rId5" action="ppaction://hlinksldjump"/>
             <a:extLst>
               <a:ext uri="{FF2B5EF4-FFF2-40B4-BE49-F238E27FC236}">
-                <a16:creationId xmlns:a16="http://schemas.microsoft.com/office/drawing/2014/main" id="{B4AA5809-DE80-4EDD-B5CF-F21C9B02CA17}"/>
+                <a16:creationId xmlns:a16="http://schemas.microsoft.com/office/drawing/2014/main" xmlns="" id="{B4AA5809-DE80-4EDD-B5CF-F21C9B02CA17}"/>
               </a:ext>
             </a:extLst>
           </p:cNvPr>
@@ -23393,7 +21236,7 @@
         </p:nvSpPr>
         <p:spPr>
           <a:xfrm>
-            <a:off x="70768" y="3619385"/>
+            <a:off x="144799" y="1511841"/>
             <a:ext cx="1977656" cy="288961"/>
           </a:xfrm>
           <a:prstGeom prst="rect">
@@ -23434,7 +21277,7 @@
             <a:hlinkClick r:id="rId6" action="ppaction://hlinksldjump"/>
             <a:extLst>
               <a:ext uri="{FF2B5EF4-FFF2-40B4-BE49-F238E27FC236}">
-                <a16:creationId xmlns:a16="http://schemas.microsoft.com/office/drawing/2014/main" id="{0090B853-E1C3-41DD-ADF2-858FA7CFE074}"/>
+                <a16:creationId xmlns:a16="http://schemas.microsoft.com/office/drawing/2014/main" xmlns="" id="{0090B853-E1C3-41DD-ADF2-858FA7CFE074}"/>
               </a:ext>
             </a:extLst>
           </p:cNvPr>
@@ -23443,7 +21286,7 @@
         </p:nvSpPr>
         <p:spPr>
           <a:xfrm>
-            <a:off x="70768" y="4269141"/>
+            <a:off x="144799" y="2161597"/>
             <a:ext cx="1977656" cy="288480"/>
           </a:xfrm>
           <a:prstGeom prst="rect">
@@ -23484,7 +21327,7 @@
             <a:hlinkClick r:id="rId7" action="ppaction://hlinksldjump"/>
             <a:extLst>
               <a:ext uri="{FF2B5EF4-FFF2-40B4-BE49-F238E27FC236}">
-                <a16:creationId xmlns:a16="http://schemas.microsoft.com/office/drawing/2014/main" id="{BB1180C2-DDD8-4EC9-B9BB-B3FEE1C2B1DD}"/>
+                <a16:creationId xmlns:a16="http://schemas.microsoft.com/office/drawing/2014/main" xmlns="" id="{BB1180C2-DDD8-4EC9-B9BB-B3FEE1C2B1DD}"/>
               </a:ext>
             </a:extLst>
           </p:cNvPr>
@@ -23493,7 +21336,7 @@
         </p:nvSpPr>
         <p:spPr>
           <a:xfrm>
-            <a:off x="70768" y="4600031"/>
+            <a:off x="144799" y="2492487"/>
             <a:ext cx="1977656" cy="288480"/>
           </a:xfrm>
           <a:prstGeom prst="rect">
@@ -23534,7 +21377,7 @@
             <a:hlinkClick r:id="rId8" action="ppaction://hlinksldjump"/>
             <a:extLst>
               <a:ext uri="{FF2B5EF4-FFF2-40B4-BE49-F238E27FC236}">
-                <a16:creationId xmlns:a16="http://schemas.microsoft.com/office/drawing/2014/main" id="{1E352299-D80D-4447-93F6-F0F4FDC083EC}"/>
+                <a16:creationId xmlns:a16="http://schemas.microsoft.com/office/drawing/2014/main" xmlns="" id="{1E352299-D80D-4447-93F6-F0F4FDC083EC}"/>
               </a:ext>
             </a:extLst>
           </p:cNvPr>
@@ -23543,7 +21386,7 @@
         </p:nvSpPr>
         <p:spPr>
           <a:xfrm>
-            <a:off x="70768" y="4916580"/>
+            <a:off x="144799" y="2809036"/>
             <a:ext cx="1977656" cy="289829"/>
           </a:xfrm>
           <a:prstGeom prst="rect">
@@ -23584,7 +21427,7 @@
             <a:hlinkClick r:id="rId9" action="ppaction://hlinksldjump"/>
             <a:extLst>
               <a:ext uri="{FF2B5EF4-FFF2-40B4-BE49-F238E27FC236}">
-                <a16:creationId xmlns:a16="http://schemas.microsoft.com/office/drawing/2014/main" id="{B4D0F719-056D-4404-AF97-A5A6983A14AC}"/>
+                <a16:creationId xmlns:a16="http://schemas.microsoft.com/office/drawing/2014/main" xmlns="" id="{B4D0F719-056D-4404-AF97-A5A6983A14AC}"/>
               </a:ext>
             </a:extLst>
           </p:cNvPr>
@@ -23593,7 +21436,7 @@
         </p:nvSpPr>
         <p:spPr>
           <a:xfrm>
-            <a:off x="70768" y="5246458"/>
+            <a:off x="144799" y="3138914"/>
             <a:ext cx="1977656" cy="288961"/>
           </a:xfrm>
           <a:prstGeom prst="rect">
@@ -23634,7 +21477,7 @@
             <a:hlinkClick r:id="rId10" action="ppaction://hlinksldjump"/>
             <a:extLst>
               <a:ext uri="{FF2B5EF4-FFF2-40B4-BE49-F238E27FC236}">
-                <a16:creationId xmlns:a16="http://schemas.microsoft.com/office/drawing/2014/main" id="{B0C7724E-DF90-449E-96F6-9E03D052F2A3}"/>
+                <a16:creationId xmlns:a16="http://schemas.microsoft.com/office/drawing/2014/main" xmlns="" id="{B0C7724E-DF90-449E-96F6-9E03D052F2A3}"/>
               </a:ext>
             </a:extLst>
           </p:cNvPr>
@@ -23643,7 +21486,7 @@
         </p:nvSpPr>
         <p:spPr>
           <a:xfrm>
-            <a:off x="70768" y="5898575"/>
+            <a:off x="144799" y="3791031"/>
             <a:ext cx="1977656" cy="288961"/>
           </a:xfrm>
           <a:prstGeom prst="rect">
@@ -23684,7 +21527,7 @@
             <a:hlinkClick r:id="rId11" action="ppaction://hlinksldjump"/>
             <a:extLst>
               <a:ext uri="{FF2B5EF4-FFF2-40B4-BE49-F238E27FC236}">
-                <a16:creationId xmlns:a16="http://schemas.microsoft.com/office/drawing/2014/main" id="{62A3A7E8-3951-4A52-950D-186DDCE804B2}"/>
+                <a16:creationId xmlns:a16="http://schemas.microsoft.com/office/drawing/2014/main" xmlns="" id="{62A3A7E8-3951-4A52-950D-186DDCE804B2}"/>
               </a:ext>
             </a:extLst>
           </p:cNvPr>
@@ -23693,7 +21536,7 @@
         </p:nvSpPr>
         <p:spPr>
           <a:xfrm>
-            <a:off x="70768" y="5575468"/>
+            <a:off x="144799" y="3467924"/>
             <a:ext cx="1977656" cy="288961"/>
           </a:xfrm>
           <a:prstGeom prst="rect">
@@ -23734,7 +21577,7 @@
             <a:hlinkClick r:id="rId12" action="ppaction://hlinksldjump"/>
             <a:extLst>
               <a:ext uri="{FF2B5EF4-FFF2-40B4-BE49-F238E27FC236}">
-                <a16:creationId xmlns:a16="http://schemas.microsoft.com/office/drawing/2014/main" id="{954D421B-8617-4A77-A092-764173221A8D}"/>
+                <a16:creationId xmlns:a16="http://schemas.microsoft.com/office/drawing/2014/main" xmlns="" id="{954D421B-8617-4A77-A092-764173221A8D}"/>
               </a:ext>
             </a:extLst>
           </p:cNvPr>
@@ -23743,7 +21586,7 @@
         </p:nvSpPr>
         <p:spPr>
           <a:xfrm>
-            <a:off x="70768" y="6221682"/>
+            <a:off x="144799" y="4114138"/>
             <a:ext cx="1977656" cy="269944"/>
           </a:xfrm>
           <a:prstGeom prst="rect">
@@ -23784,7 +21627,7 @@
             <a:hlinkClick r:id="rId13" action="ppaction://hlinksldjump"/>
             <a:extLst>
               <a:ext uri="{FF2B5EF4-FFF2-40B4-BE49-F238E27FC236}">
-                <a16:creationId xmlns:a16="http://schemas.microsoft.com/office/drawing/2014/main" id="{CA78ABD4-1EFE-4051-8922-6AD898F3EFCE}"/>
+                <a16:creationId xmlns:a16="http://schemas.microsoft.com/office/drawing/2014/main" xmlns="" id="{CA78ABD4-1EFE-4051-8922-6AD898F3EFCE}"/>
               </a:ext>
             </a:extLst>
           </p:cNvPr>
@@ -23793,7 +21636,7 @@
         </p:nvSpPr>
         <p:spPr>
           <a:xfrm>
-            <a:off x="70768" y="6536930"/>
+            <a:off x="144799" y="4429386"/>
             <a:ext cx="1977656" cy="288961"/>
           </a:xfrm>
           <a:prstGeom prst="rect">
@@ -23834,7 +21677,7 @@
             <a:hlinkClick r:id="rId14" action="ppaction://hlinksldjump"/>
             <a:extLst>
               <a:ext uri="{FF2B5EF4-FFF2-40B4-BE49-F238E27FC236}">
-                <a16:creationId xmlns:a16="http://schemas.microsoft.com/office/drawing/2014/main" id="{803E6E67-C5FB-4E28-AD5F-E3B57A603F38}"/>
+                <a16:creationId xmlns:a16="http://schemas.microsoft.com/office/drawing/2014/main" xmlns="" id="{803E6E67-C5FB-4E28-AD5F-E3B57A603F38}"/>
               </a:ext>
             </a:extLst>
           </p:cNvPr>
@@ -23843,7 +21686,7 @@
         </p:nvSpPr>
         <p:spPr>
           <a:xfrm>
-            <a:off x="70768" y="2660057"/>
+            <a:off x="144799" y="552513"/>
             <a:ext cx="1977656" cy="282858"/>
           </a:xfrm>
           <a:prstGeom prst="rect">
@@ -23884,7 +21727,7 @@
             <a:hlinkClick r:id="rId15" action="ppaction://hlinksldjump"/>
             <a:extLst>
               <a:ext uri="{FF2B5EF4-FFF2-40B4-BE49-F238E27FC236}">
-                <a16:creationId xmlns:a16="http://schemas.microsoft.com/office/drawing/2014/main" id="{4CC6A6B2-3E1D-4244-BCE0-87553B579C0F}"/>
+                <a16:creationId xmlns:a16="http://schemas.microsoft.com/office/drawing/2014/main" xmlns="" id="{4CC6A6B2-3E1D-4244-BCE0-87553B579C0F}"/>
               </a:ext>
             </a:extLst>
           </p:cNvPr>
@@ -23893,7 +21736,7 @@
         </p:nvSpPr>
         <p:spPr>
           <a:xfrm>
-            <a:off x="70768" y="2335179"/>
+            <a:off x="144799" y="227635"/>
             <a:ext cx="1977656" cy="288961"/>
           </a:xfrm>
           <a:prstGeom prst="rect">
@@ -23934,7 +21777,7 @@
             <a:hlinkClick r:id="rId16" action="ppaction://hlinksldjump"/>
             <a:extLst>
               <a:ext uri="{FF2B5EF4-FFF2-40B4-BE49-F238E27FC236}">
-                <a16:creationId xmlns:a16="http://schemas.microsoft.com/office/drawing/2014/main" id="{930535BF-9258-49A2-928F-353BD1FF2D8E}"/>
+                <a16:creationId xmlns:a16="http://schemas.microsoft.com/office/drawing/2014/main" xmlns="" id="{930535BF-9258-49A2-928F-353BD1FF2D8E}"/>
               </a:ext>
             </a:extLst>
           </p:cNvPr>
@@ -23943,7 +21786,7 @@
         </p:nvSpPr>
         <p:spPr>
           <a:xfrm>
-            <a:off x="70768" y="2970984"/>
+            <a:off x="144799" y="863440"/>
             <a:ext cx="1977656" cy="288961"/>
           </a:xfrm>
           <a:prstGeom prst="rect">
@@ -23974,106 +21817,6 @@
             <a:r>
               <a:rPr lang="fr-FR" sz="1000" dirty="0"/>
               <a:t>Introduction</a:t>
-            </a:r>
-          </a:p>
-        </p:txBody>
-      </p:sp>
-      <p:sp>
-        <p:nvSpPr>
-          <p:cNvPr id="22" name="Rectangle 21">
-            <a:hlinkClick r:id="rId17" action="ppaction://hlinksldjump"/>
-            <a:extLst>
-              <a:ext uri="{FF2B5EF4-FFF2-40B4-BE49-F238E27FC236}">
-                <a16:creationId xmlns:a16="http://schemas.microsoft.com/office/drawing/2014/main" id="{9F4C83E3-A5AF-4A04-8EDE-AB04DF153039}"/>
-              </a:ext>
-            </a:extLst>
-          </p:cNvPr>
-          <p:cNvSpPr/>
-          <p:nvPr/>
-        </p:nvSpPr>
-        <p:spPr>
-          <a:xfrm>
-            <a:off x="70768" y="1688085"/>
-            <a:ext cx="1977656" cy="288961"/>
-          </a:xfrm>
-          <a:prstGeom prst="rect">
-            <a:avLst/>
-          </a:prstGeom>
-        </p:spPr>
-        <p:style>
-          <a:lnRef idx="2">
-            <a:schemeClr val="accent1">
-              <a:shade val="50000"/>
-            </a:schemeClr>
-          </a:lnRef>
-          <a:fillRef idx="1">
-            <a:schemeClr val="accent1"/>
-          </a:fillRef>
-          <a:effectRef idx="0">
-            <a:schemeClr val="accent1"/>
-          </a:effectRef>
-          <a:fontRef idx="minor">
-            <a:schemeClr val="lt1"/>
-          </a:fontRef>
-        </p:style>
-        <p:txBody>
-          <a:bodyPr rtlCol="0" anchor="ctr"/>
-          <a:lstStyle/>
-          <a:p>
-            <a:pPr algn="ctr"/>
-            <a:r>
-              <a:rPr lang="fr-FR" sz="1000" dirty="0"/>
-              <a:t>Soutenance de stage</a:t>
-            </a:r>
-          </a:p>
-        </p:txBody>
-      </p:sp>
-      <p:sp>
-        <p:nvSpPr>
-          <p:cNvPr id="23" name="Rectangle 22">
-            <a:hlinkClick r:id="rId18" action="ppaction://hlinksldjump"/>
-            <a:extLst>
-              <a:ext uri="{FF2B5EF4-FFF2-40B4-BE49-F238E27FC236}">
-                <a16:creationId xmlns:a16="http://schemas.microsoft.com/office/drawing/2014/main" id="{B258A10C-6DB6-4901-BCC5-B1FA46CE71CD}"/>
-              </a:ext>
-            </a:extLst>
-          </p:cNvPr>
-          <p:cNvSpPr/>
-          <p:nvPr/>
-        </p:nvSpPr>
-        <p:spPr>
-          <a:xfrm>
-            <a:off x="70768" y="2012963"/>
-            <a:ext cx="1977656" cy="288961"/>
-          </a:xfrm>
-          <a:prstGeom prst="rect">
-            <a:avLst/>
-          </a:prstGeom>
-        </p:spPr>
-        <p:style>
-          <a:lnRef idx="2">
-            <a:schemeClr val="accent1">
-              <a:shade val="50000"/>
-            </a:schemeClr>
-          </a:lnRef>
-          <a:fillRef idx="1">
-            <a:schemeClr val="accent1"/>
-          </a:fillRef>
-          <a:effectRef idx="0">
-            <a:schemeClr val="accent1"/>
-          </a:effectRef>
-          <a:fontRef idx="minor">
-            <a:schemeClr val="lt1"/>
-          </a:fontRef>
-        </p:style>
-        <p:txBody>
-          <a:bodyPr rtlCol="0" anchor="ctr"/>
-          <a:lstStyle/>
-          <a:p>
-            <a:pPr algn="ctr"/>
-            <a:r>
-              <a:rPr lang="fr-FR" sz="1000" dirty="0"/>
-              <a:t>Sommaire</a:t>
             </a:r>
           </a:p>
         </p:txBody>
@@ -24113,7 +21856,7 @@
           <p:cNvPr id="2" name="Titre 1">
             <a:extLst>
               <a:ext uri="{FF2B5EF4-FFF2-40B4-BE49-F238E27FC236}">
-                <a16:creationId xmlns:a16="http://schemas.microsoft.com/office/drawing/2014/main" id="{855ECB63-7298-4270-B53B-CA002E9C99F2}"/>
+                <a16:creationId xmlns:a16="http://schemas.microsoft.com/office/drawing/2014/main" xmlns="" id="{855ECB63-7298-4270-B53B-CA002E9C99F2}"/>
               </a:ext>
             </a:extLst>
           </p:cNvPr>
@@ -24126,7 +21869,7 @@
         </p:nvSpPr>
         <p:spPr>
           <a:xfrm>
-            <a:off x="399542" y="164512"/>
+            <a:off x="1783499" y="234530"/>
             <a:ext cx="8596668" cy="1320800"/>
           </a:xfrm>
         </p:spPr>
@@ -24151,7 +21894,7 @@
           <p:cNvPr id="3" name="Espace réservé du contenu 2">
             <a:extLst>
               <a:ext uri="{FF2B5EF4-FFF2-40B4-BE49-F238E27FC236}">
-                <a16:creationId xmlns:a16="http://schemas.microsoft.com/office/drawing/2014/main" id="{E0777ED1-FA19-49E9-8954-A2BB8E24E6C5}"/>
+                <a16:creationId xmlns:a16="http://schemas.microsoft.com/office/drawing/2014/main" xmlns="" id="{E0777ED1-FA19-49E9-8954-A2BB8E24E6C5}"/>
               </a:ext>
             </a:extLst>
           </p:cNvPr>
@@ -24200,7 +21943,7 @@
           <p:cNvPr id="9" name="Image 8">
             <a:extLst>
               <a:ext uri="{FF2B5EF4-FFF2-40B4-BE49-F238E27FC236}">
-                <a16:creationId xmlns:a16="http://schemas.microsoft.com/office/drawing/2014/main" id="{9FD92A33-495F-4F0D-84AB-C8B389EBED80}"/>
+                <a16:creationId xmlns:a16="http://schemas.microsoft.com/office/drawing/2014/main" xmlns="" id="{9FD92A33-495F-4F0D-84AB-C8B389EBED80}"/>
               </a:ext>
             </a:extLst>
           </p:cNvPr>
@@ -24230,7 +21973,7 @@
           <p:cNvPr id="11" name="Image 10">
             <a:extLst>
               <a:ext uri="{FF2B5EF4-FFF2-40B4-BE49-F238E27FC236}">
-                <a16:creationId xmlns:a16="http://schemas.microsoft.com/office/drawing/2014/main" id="{789F6388-7CBC-4F2B-85D8-EEBA5FADFAA9}"/>
+                <a16:creationId xmlns:a16="http://schemas.microsoft.com/office/drawing/2014/main" xmlns="" id="{789F6388-7CBC-4F2B-85D8-EEBA5FADFAA9}"/>
               </a:ext>
             </a:extLst>
           </p:cNvPr>
@@ -24247,8 +21990,8 @@
         </p:blipFill>
         <p:spPr>
           <a:xfrm>
-            <a:off x="7712341" y="1093538"/>
-            <a:ext cx="4079380" cy="2951747"/>
+            <a:off x="7775403" y="1188530"/>
+            <a:ext cx="3666629" cy="2653090"/>
           </a:xfrm>
           <a:prstGeom prst="rect">
             <a:avLst/>
@@ -24261,7 +22004,7 @@
             <a:hlinkClick r:id="rId4" action="ppaction://hlinksldjump"/>
             <a:extLst>
               <a:ext uri="{FF2B5EF4-FFF2-40B4-BE49-F238E27FC236}">
-                <a16:creationId xmlns:a16="http://schemas.microsoft.com/office/drawing/2014/main" id="{E3A6FA6A-723E-4394-829F-F6C5A32C0CD0}"/>
+                <a16:creationId xmlns:a16="http://schemas.microsoft.com/office/drawing/2014/main" xmlns="" id="{E3A6FA6A-723E-4394-829F-F6C5A32C0CD0}"/>
               </a:ext>
             </a:extLst>
           </p:cNvPr>
@@ -24270,7 +22013,7 @@
         </p:nvSpPr>
         <p:spPr>
           <a:xfrm>
-            <a:off x="70768" y="3302355"/>
+            <a:off x="194336" y="1201706"/>
             <a:ext cx="1977656" cy="288961"/>
           </a:xfrm>
           <a:prstGeom prst="rect">
@@ -24311,7 +22054,7 @@
             <a:hlinkClick r:id="rId5" action="ppaction://hlinksldjump"/>
             <a:extLst>
               <a:ext uri="{FF2B5EF4-FFF2-40B4-BE49-F238E27FC236}">
-                <a16:creationId xmlns:a16="http://schemas.microsoft.com/office/drawing/2014/main" id="{6355BA35-9151-4E2D-ABCF-86F32F3333E1}"/>
+                <a16:creationId xmlns:a16="http://schemas.microsoft.com/office/drawing/2014/main" xmlns="" id="{6355BA35-9151-4E2D-ABCF-86F32F3333E1}"/>
               </a:ext>
             </a:extLst>
           </p:cNvPr>
@@ -24320,7 +22063,7 @@
         </p:nvSpPr>
         <p:spPr>
           <a:xfrm>
-            <a:off x="70768" y="3944263"/>
+            <a:off x="194336" y="1843614"/>
             <a:ext cx="1977656" cy="288961"/>
           </a:xfrm>
           <a:prstGeom prst="rect">
@@ -24361,7 +22104,7 @@
             <a:hlinkClick r:id="rId6" action="ppaction://hlinksldjump"/>
             <a:extLst>
               <a:ext uri="{FF2B5EF4-FFF2-40B4-BE49-F238E27FC236}">
-                <a16:creationId xmlns:a16="http://schemas.microsoft.com/office/drawing/2014/main" id="{7A96E927-1B17-43FE-B653-D748B16CB653}"/>
+                <a16:creationId xmlns:a16="http://schemas.microsoft.com/office/drawing/2014/main" xmlns="" id="{7A96E927-1B17-43FE-B653-D748B16CB653}"/>
               </a:ext>
             </a:extLst>
           </p:cNvPr>
@@ -24370,7 +22113,7 @@
         </p:nvSpPr>
         <p:spPr>
           <a:xfrm>
-            <a:off x="70768" y="3619385"/>
+            <a:off x="194336" y="1518736"/>
             <a:ext cx="1977656" cy="288961"/>
           </a:xfrm>
           <a:prstGeom prst="rect">
@@ -24411,7 +22154,7 @@
             <a:hlinkClick r:id="rId7" action="ppaction://hlinksldjump"/>
             <a:extLst>
               <a:ext uri="{FF2B5EF4-FFF2-40B4-BE49-F238E27FC236}">
-                <a16:creationId xmlns:a16="http://schemas.microsoft.com/office/drawing/2014/main" id="{556041F6-2576-45D0-8A06-855DB63E479D}"/>
+                <a16:creationId xmlns:a16="http://schemas.microsoft.com/office/drawing/2014/main" xmlns="" id="{556041F6-2576-45D0-8A06-855DB63E479D}"/>
               </a:ext>
             </a:extLst>
           </p:cNvPr>
@@ -24420,7 +22163,7 @@
         </p:nvSpPr>
         <p:spPr>
           <a:xfrm>
-            <a:off x="70768" y="4269141"/>
+            <a:off x="194336" y="2168492"/>
             <a:ext cx="1977656" cy="288480"/>
           </a:xfrm>
           <a:prstGeom prst="rect">
@@ -24461,7 +22204,7 @@
             <a:hlinkClick r:id="rId8" action="ppaction://hlinksldjump"/>
             <a:extLst>
               <a:ext uri="{FF2B5EF4-FFF2-40B4-BE49-F238E27FC236}">
-                <a16:creationId xmlns:a16="http://schemas.microsoft.com/office/drawing/2014/main" id="{A45FE1BF-E923-4998-86F0-9537FBBC6E21}"/>
+                <a16:creationId xmlns:a16="http://schemas.microsoft.com/office/drawing/2014/main" xmlns="" id="{A45FE1BF-E923-4998-86F0-9537FBBC6E21}"/>
               </a:ext>
             </a:extLst>
           </p:cNvPr>
@@ -24470,7 +22213,7 @@
         </p:nvSpPr>
         <p:spPr>
           <a:xfrm>
-            <a:off x="70768" y="4600031"/>
+            <a:off x="194336" y="2499382"/>
             <a:ext cx="1977656" cy="288480"/>
           </a:xfrm>
           <a:prstGeom prst="rect">
@@ -24511,7 +22254,7 @@
             <a:hlinkClick r:id="rId9" action="ppaction://hlinksldjump"/>
             <a:extLst>
               <a:ext uri="{FF2B5EF4-FFF2-40B4-BE49-F238E27FC236}">
-                <a16:creationId xmlns:a16="http://schemas.microsoft.com/office/drawing/2014/main" id="{9D581E27-BA29-4A8C-90B7-8AE72185B3C1}"/>
+                <a16:creationId xmlns:a16="http://schemas.microsoft.com/office/drawing/2014/main" xmlns="" id="{9D581E27-BA29-4A8C-90B7-8AE72185B3C1}"/>
               </a:ext>
             </a:extLst>
           </p:cNvPr>
@@ -24520,7 +22263,7 @@
         </p:nvSpPr>
         <p:spPr>
           <a:xfrm>
-            <a:off x="70768" y="4916580"/>
+            <a:off x="194336" y="2815931"/>
             <a:ext cx="1977656" cy="289829"/>
           </a:xfrm>
           <a:prstGeom prst="rect">
@@ -24561,7 +22304,7 @@
             <a:hlinkClick r:id="rId10" action="ppaction://hlinksldjump"/>
             <a:extLst>
               <a:ext uri="{FF2B5EF4-FFF2-40B4-BE49-F238E27FC236}">
-                <a16:creationId xmlns:a16="http://schemas.microsoft.com/office/drawing/2014/main" id="{022DF8B7-208F-4DC7-B0D5-1994E43374E4}"/>
+                <a16:creationId xmlns:a16="http://schemas.microsoft.com/office/drawing/2014/main" xmlns="" id="{022DF8B7-208F-4DC7-B0D5-1994E43374E4}"/>
               </a:ext>
             </a:extLst>
           </p:cNvPr>
@@ -24570,7 +22313,7 @@
         </p:nvSpPr>
         <p:spPr>
           <a:xfrm>
-            <a:off x="70768" y="5246458"/>
+            <a:off x="194336" y="3145809"/>
             <a:ext cx="1977656" cy="288961"/>
           </a:xfrm>
           <a:prstGeom prst="rect">
@@ -24611,7 +22354,7 @@
             <a:hlinkClick r:id="rId11" action="ppaction://hlinksldjump"/>
             <a:extLst>
               <a:ext uri="{FF2B5EF4-FFF2-40B4-BE49-F238E27FC236}">
-                <a16:creationId xmlns:a16="http://schemas.microsoft.com/office/drawing/2014/main" id="{C43D2879-5740-47CD-8C8D-3E47C50644D9}"/>
+                <a16:creationId xmlns:a16="http://schemas.microsoft.com/office/drawing/2014/main" xmlns="" id="{C43D2879-5740-47CD-8C8D-3E47C50644D9}"/>
               </a:ext>
             </a:extLst>
           </p:cNvPr>
@@ -24620,7 +22363,7 @@
         </p:nvSpPr>
         <p:spPr>
           <a:xfrm>
-            <a:off x="70768" y="5898575"/>
+            <a:off x="194336" y="3797926"/>
             <a:ext cx="1977656" cy="288961"/>
           </a:xfrm>
           <a:prstGeom prst="rect">
@@ -24661,7 +22404,7 @@
             <a:hlinkClick r:id="rId12" action="ppaction://hlinksldjump"/>
             <a:extLst>
               <a:ext uri="{FF2B5EF4-FFF2-40B4-BE49-F238E27FC236}">
-                <a16:creationId xmlns:a16="http://schemas.microsoft.com/office/drawing/2014/main" id="{606D9C22-0772-402B-9D26-7BE42074D559}"/>
+                <a16:creationId xmlns:a16="http://schemas.microsoft.com/office/drawing/2014/main" xmlns="" id="{606D9C22-0772-402B-9D26-7BE42074D559}"/>
               </a:ext>
             </a:extLst>
           </p:cNvPr>
@@ -24670,7 +22413,7 @@
         </p:nvSpPr>
         <p:spPr>
           <a:xfrm>
-            <a:off x="70768" y="5575468"/>
+            <a:off x="194336" y="3474819"/>
             <a:ext cx="1977656" cy="288961"/>
           </a:xfrm>
           <a:prstGeom prst="rect">
@@ -24711,7 +22454,7 @@
             <a:hlinkClick r:id="rId13" action="ppaction://hlinksldjump"/>
             <a:extLst>
               <a:ext uri="{FF2B5EF4-FFF2-40B4-BE49-F238E27FC236}">
-                <a16:creationId xmlns:a16="http://schemas.microsoft.com/office/drawing/2014/main" id="{DFB612E3-346B-4847-B95D-ACD932C19DF4}"/>
+                <a16:creationId xmlns:a16="http://schemas.microsoft.com/office/drawing/2014/main" xmlns="" id="{DFB612E3-346B-4847-B95D-ACD932C19DF4}"/>
               </a:ext>
             </a:extLst>
           </p:cNvPr>
@@ -24720,7 +22463,7 @@
         </p:nvSpPr>
         <p:spPr>
           <a:xfrm>
-            <a:off x="70768" y="6221682"/>
+            <a:off x="194336" y="4121033"/>
             <a:ext cx="1977656" cy="269944"/>
           </a:xfrm>
           <a:prstGeom prst="rect">
@@ -24761,7 +22504,7 @@
             <a:hlinkClick r:id="rId14" action="ppaction://hlinksldjump"/>
             <a:extLst>
               <a:ext uri="{FF2B5EF4-FFF2-40B4-BE49-F238E27FC236}">
-                <a16:creationId xmlns:a16="http://schemas.microsoft.com/office/drawing/2014/main" id="{F5EE61E5-074C-4010-84A4-40F6DAA937E9}"/>
+                <a16:creationId xmlns:a16="http://schemas.microsoft.com/office/drawing/2014/main" xmlns="" id="{F5EE61E5-074C-4010-84A4-40F6DAA937E9}"/>
               </a:ext>
             </a:extLst>
           </p:cNvPr>
@@ -24770,7 +22513,7 @@
         </p:nvSpPr>
         <p:spPr>
           <a:xfrm>
-            <a:off x="70768" y="6536930"/>
+            <a:off x="194336" y="4436281"/>
             <a:ext cx="1977656" cy="288961"/>
           </a:xfrm>
           <a:prstGeom prst="rect">
@@ -24811,7 +22554,7 @@
             <a:hlinkClick r:id="rId15" action="ppaction://hlinksldjump"/>
             <a:extLst>
               <a:ext uri="{FF2B5EF4-FFF2-40B4-BE49-F238E27FC236}">
-                <a16:creationId xmlns:a16="http://schemas.microsoft.com/office/drawing/2014/main" id="{C390A526-100A-4353-B4B7-6CF4A89D9E7C}"/>
+                <a16:creationId xmlns:a16="http://schemas.microsoft.com/office/drawing/2014/main" xmlns="" id="{C390A526-100A-4353-B4B7-6CF4A89D9E7C}"/>
               </a:ext>
             </a:extLst>
           </p:cNvPr>
@@ -24820,7 +22563,7 @@
         </p:nvSpPr>
         <p:spPr>
           <a:xfrm>
-            <a:off x="70768" y="2660057"/>
+            <a:off x="194336" y="559408"/>
             <a:ext cx="1977656" cy="282858"/>
           </a:xfrm>
           <a:prstGeom prst="rect">
@@ -24861,7 +22604,7 @@
             <a:hlinkClick r:id="rId16" action="ppaction://hlinksldjump"/>
             <a:extLst>
               <a:ext uri="{FF2B5EF4-FFF2-40B4-BE49-F238E27FC236}">
-                <a16:creationId xmlns:a16="http://schemas.microsoft.com/office/drawing/2014/main" id="{5ACA7DBF-CCDE-42F2-8A56-B1CE4643CA8F}"/>
+                <a16:creationId xmlns:a16="http://schemas.microsoft.com/office/drawing/2014/main" xmlns="" id="{5ACA7DBF-CCDE-42F2-8A56-B1CE4643CA8F}"/>
               </a:ext>
             </a:extLst>
           </p:cNvPr>
@@ -24870,7 +22613,7 @@
         </p:nvSpPr>
         <p:spPr>
           <a:xfrm>
-            <a:off x="70768" y="2335179"/>
+            <a:off x="194336" y="234530"/>
             <a:ext cx="1977656" cy="288961"/>
           </a:xfrm>
           <a:prstGeom prst="rect">
@@ -24911,7 +22654,7 @@
             <a:hlinkClick r:id="rId17" action="ppaction://hlinksldjump"/>
             <a:extLst>
               <a:ext uri="{FF2B5EF4-FFF2-40B4-BE49-F238E27FC236}">
-                <a16:creationId xmlns:a16="http://schemas.microsoft.com/office/drawing/2014/main" id="{35F5E0F5-3324-42EB-BF94-1839304A63E4}"/>
+                <a16:creationId xmlns:a16="http://schemas.microsoft.com/office/drawing/2014/main" xmlns="" id="{35F5E0F5-3324-42EB-BF94-1839304A63E4}"/>
               </a:ext>
             </a:extLst>
           </p:cNvPr>
@@ -24920,7 +22663,7 @@
         </p:nvSpPr>
         <p:spPr>
           <a:xfrm>
-            <a:off x="70768" y="2970984"/>
+            <a:off x="194336" y="870335"/>
             <a:ext cx="1977656" cy="288961"/>
           </a:xfrm>
           <a:prstGeom prst="rect">
@@ -24951,106 +22694,6 @@
             <a:r>
               <a:rPr lang="fr-FR" sz="1000" dirty="0"/>
               <a:t>Introduction</a:t>
-            </a:r>
-          </a:p>
-        </p:txBody>
-      </p:sp>
-      <p:sp>
-        <p:nvSpPr>
-          <p:cNvPr id="22" name="Rectangle 21">
-            <a:hlinkClick r:id="rId18" action="ppaction://hlinksldjump"/>
-            <a:extLst>
-              <a:ext uri="{FF2B5EF4-FFF2-40B4-BE49-F238E27FC236}">
-                <a16:creationId xmlns:a16="http://schemas.microsoft.com/office/drawing/2014/main" id="{C0949E2E-D4C1-4E40-B8D9-FD4689667B89}"/>
-              </a:ext>
-            </a:extLst>
-          </p:cNvPr>
-          <p:cNvSpPr/>
-          <p:nvPr/>
-        </p:nvSpPr>
-        <p:spPr>
-          <a:xfrm>
-            <a:off x="70768" y="1688085"/>
-            <a:ext cx="1977656" cy="288961"/>
-          </a:xfrm>
-          <a:prstGeom prst="rect">
-            <a:avLst/>
-          </a:prstGeom>
-        </p:spPr>
-        <p:style>
-          <a:lnRef idx="2">
-            <a:schemeClr val="accent1">
-              <a:shade val="50000"/>
-            </a:schemeClr>
-          </a:lnRef>
-          <a:fillRef idx="1">
-            <a:schemeClr val="accent1"/>
-          </a:fillRef>
-          <a:effectRef idx="0">
-            <a:schemeClr val="accent1"/>
-          </a:effectRef>
-          <a:fontRef idx="minor">
-            <a:schemeClr val="lt1"/>
-          </a:fontRef>
-        </p:style>
-        <p:txBody>
-          <a:bodyPr rtlCol="0" anchor="ctr"/>
-          <a:lstStyle/>
-          <a:p>
-            <a:pPr algn="ctr"/>
-            <a:r>
-              <a:rPr lang="fr-FR" sz="1000" dirty="0"/>
-              <a:t>Soutenance de stage</a:t>
-            </a:r>
-          </a:p>
-        </p:txBody>
-      </p:sp>
-      <p:sp>
-        <p:nvSpPr>
-          <p:cNvPr id="23" name="Rectangle 22">
-            <a:hlinkClick r:id="rId19" action="ppaction://hlinksldjump"/>
-            <a:extLst>
-              <a:ext uri="{FF2B5EF4-FFF2-40B4-BE49-F238E27FC236}">
-                <a16:creationId xmlns:a16="http://schemas.microsoft.com/office/drawing/2014/main" id="{2D595C7B-4A22-4E59-9479-3D13C9250226}"/>
-              </a:ext>
-            </a:extLst>
-          </p:cNvPr>
-          <p:cNvSpPr/>
-          <p:nvPr/>
-        </p:nvSpPr>
-        <p:spPr>
-          <a:xfrm>
-            <a:off x="70768" y="2012963"/>
-            <a:ext cx="1977656" cy="288961"/>
-          </a:xfrm>
-          <a:prstGeom prst="rect">
-            <a:avLst/>
-          </a:prstGeom>
-        </p:spPr>
-        <p:style>
-          <a:lnRef idx="2">
-            <a:schemeClr val="accent1">
-              <a:shade val="50000"/>
-            </a:schemeClr>
-          </a:lnRef>
-          <a:fillRef idx="1">
-            <a:schemeClr val="accent1"/>
-          </a:fillRef>
-          <a:effectRef idx="0">
-            <a:schemeClr val="accent1"/>
-          </a:effectRef>
-          <a:fontRef idx="minor">
-            <a:schemeClr val="lt1"/>
-          </a:fontRef>
-        </p:style>
-        <p:txBody>
-          <a:bodyPr rtlCol="0" anchor="ctr"/>
-          <a:lstStyle/>
-          <a:p>
-            <a:pPr algn="ctr"/>
-            <a:r>
-              <a:rPr lang="fr-FR" sz="1000" dirty="0"/>
-              <a:t>Sommaire</a:t>
             </a:r>
           </a:p>
         </p:txBody>
@@ -25090,7 +22733,7 @@
           <p:cNvPr id="2" name="Titre 1">
             <a:extLst>
               <a:ext uri="{FF2B5EF4-FFF2-40B4-BE49-F238E27FC236}">
-                <a16:creationId xmlns:a16="http://schemas.microsoft.com/office/drawing/2014/main" id="{454E8868-41ED-425F-A6FD-EE03536981F1}"/>
+                <a16:creationId xmlns:a16="http://schemas.microsoft.com/office/drawing/2014/main" xmlns="" id="{454E8868-41ED-425F-A6FD-EE03536981F1}"/>
               </a:ext>
             </a:extLst>
           </p:cNvPr>
@@ -25103,7 +22746,7 @@
         </p:nvSpPr>
         <p:spPr>
           <a:xfrm>
-            <a:off x="387967" y="321981"/>
+            <a:off x="2076724" y="177500"/>
             <a:ext cx="8596668" cy="1320800"/>
           </a:xfrm>
         </p:spPr>
@@ -25124,7 +22767,7 @@
           <p:cNvPr id="7" name="Espace réservé du contenu 6">
             <a:extLst>
               <a:ext uri="{FF2B5EF4-FFF2-40B4-BE49-F238E27FC236}">
-                <a16:creationId xmlns:a16="http://schemas.microsoft.com/office/drawing/2014/main" id="{C692D287-8E8A-49E9-AA66-15EDFA7F9080}"/>
+                <a16:creationId xmlns:a16="http://schemas.microsoft.com/office/drawing/2014/main" xmlns="" id="{C692D287-8E8A-49E9-AA66-15EDFA7F9080}"/>
               </a:ext>
             </a:extLst>
           </p:cNvPr>
@@ -25135,13 +22778,13 @@
             <p:ph idx="1"/>
             <p:extLst>
               <p:ext uri="{D42A27DB-BD31-4B8C-83A1-F6EECF244321}">
-                <p14:modId xmlns:p14="http://schemas.microsoft.com/office/powerpoint/2010/main" val="2916754296"/>
+                <p14:modId xmlns:p14="http://schemas.microsoft.com/office/powerpoint/2010/main" val="2620582536"/>
               </p:ext>
             </p:extLst>
           </p:nvPr>
         </p:nvGraphicFramePr>
         <p:xfrm>
-          <a:off x="2298117" y="1791619"/>
+          <a:off x="2429922" y="1432610"/>
           <a:ext cx="8596312" cy="5226802"/>
         </p:xfrm>
         <a:graphic>
@@ -25156,7 +22799,7 @@
             <a:hlinkClick r:id="rId7" action="ppaction://hlinksldjump"/>
             <a:extLst>
               <a:ext uri="{FF2B5EF4-FFF2-40B4-BE49-F238E27FC236}">
-                <a16:creationId xmlns:a16="http://schemas.microsoft.com/office/drawing/2014/main" id="{8E630A6C-9BA5-47DB-B5C8-0EDB74166B86}"/>
+                <a16:creationId xmlns:a16="http://schemas.microsoft.com/office/drawing/2014/main" xmlns="" id="{8E630A6C-9BA5-47DB-B5C8-0EDB74166B86}"/>
               </a:ext>
             </a:extLst>
           </p:cNvPr>
@@ -25165,7 +22808,7 @@
         </p:nvSpPr>
         <p:spPr>
           <a:xfrm>
-            <a:off x="70768" y="3302355"/>
+            <a:off x="169622" y="1144676"/>
             <a:ext cx="1977656" cy="288961"/>
           </a:xfrm>
           <a:prstGeom prst="rect">
@@ -25206,7 +22849,7 @@
             <a:hlinkClick r:id="rId8" action="ppaction://hlinksldjump"/>
             <a:extLst>
               <a:ext uri="{FF2B5EF4-FFF2-40B4-BE49-F238E27FC236}">
-                <a16:creationId xmlns:a16="http://schemas.microsoft.com/office/drawing/2014/main" id="{917C43C0-342C-46CF-91B2-EA373F62DE00}"/>
+                <a16:creationId xmlns:a16="http://schemas.microsoft.com/office/drawing/2014/main" xmlns="" id="{917C43C0-342C-46CF-91B2-EA373F62DE00}"/>
               </a:ext>
             </a:extLst>
           </p:cNvPr>
@@ -25215,7 +22858,7 @@
         </p:nvSpPr>
         <p:spPr>
           <a:xfrm>
-            <a:off x="70768" y="3944263"/>
+            <a:off x="169622" y="1786584"/>
             <a:ext cx="1977656" cy="288961"/>
           </a:xfrm>
           <a:prstGeom prst="rect">
@@ -25256,7 +22899,7 @@
             <a:hlinkClick r:id="rId9" action="ppaction://hlinksldjump"/>
             <a:extLst>
               <a:ext uri="{FF2B5EF4-FFF2-40B4-BE49-F238E27FC236}">
-                <a16:creationId xmlns:a16="http://schemas.microsoft.com/office/drawing/2014/main" id="{A340ADAD-1CD5-48B9-8FEB-5AEF06BA8551}"/>
+                <a16:creationId xmlns:a16="http://schemas.microsoft.com/office/drawing/2014/main" xmlns="" id="{A340ADAD-1CD5-48B9-8FEB-5AEF06BA8551}"/>
               </a:ext>
             </a:extLst>
           </p:cNvPr>
@@ -25265,7 +22908,7 @@
         </p:nvSpPr>
         <p:spPr>
           <a:xfrm>
-            <a:off x="70768" y="3619385"/>
+            <a:off x="169622" y="1461706"/>
             <a:ext cx="1977656" cy="288961"/>
           </a:xfrm>
           <a:prstGeom prst="rect">
@@ -25306,7 +22949,7 @@
             <a:hlinkClick r:id="rId10" action="ppaction://hlinksldjump"/>
             <a:extLst>
               <a:ext uri="{FF2B5EF4-FFF2-40B4-BE49-F238E27FC236}">
-                <a16:creationId xmlns:a16="http://schemas.microsoft.com/office/drawing/2014/main" id="{13D06CF7-82BB-450D-AB24-0035FA069CC8}"/>
+                <a16:creationId xmlns:a16="http://schemas.microsoft.com/office/drawing/2014/main" xmlns="" id="{13D06CF7-82BB-450D-AB24-0035FA069CC8}"/>
               </a:ext>
             </a:extLst>
           </p:cNvPr>
@@ -25315,7 +22958,7 @@
         </p:nvSpPr>
         <p:spPr>
           <a:xfrm>
-            <a:off x="70768" y="4269141"/>
+            <a:off x="169622" y="2111462"/>
             <a:ext cx="1977656" cy="288480"/>
           </a:xfrm>
           <a:prstGeom prst="rect">
@@ -25356,7 +22999,7 @@
             <a:hlinkClick r:id="rId11" action="ppaction://hlinksldjump"/>
             <a:extLst>
               <a:ext uri="{FF2B5EF4-FFF2-40B4-BE49-F238E27FC236}">
-                <a16:creationId xmlns:a16="http://schemas.microsoft.com/office/drawing/2014/main" id="{4C8BF37D-7EBD-4335-9B4D-372004B699B5}"/>
+                <a16:creationId xmlns:a16="http://schemas.microsoft.com/office/drawing/2014/main" xmlns="" id="{4C8BF37D-7EBD-4335-9B4D-372004B699B5}"/>
               </a:ext>
             </a:extLst>
           </p:cNvPr>
@@ -25365,7 +23008,7 @@
         </p:nvSpPr>
         <p:spPr>
           <a:xfrm>
-            <a:off x="70768" y="4600031"/>
+            <a:off x="169622" y="2442352"/>
             <a:ext cx="1977656" cy="288480"/>
           </a:xfrm>
           <a:prstGeom prst="rect">
@@ -25406,7 +23049,7 @@
             <a:hlinkClick r:id="rId12" action="ppaction://hlinksldjump"/>
             <a:extLst>
               <a:ext uri="{FF2B5EF4-FFF2-40B4-BE49-F238E27FC236}">
-                <a16:creationId xmlns:a16="http://schemas.microsoft.com/office/drawing/2014/main" id="{0E996F5D-F7DD-4A13-961F-9C4DBD0EC125}"/>
+                <a16:creationId xmlns:a16="http://schemas.microsoft.com/office/drawing/2014/main" xmlns="" id="{0E996F5D-F7DD-4A13-961F-9C4DBD0EC125}"/>
               </a:ext>
             </a:extLst>
           </p:cNvPr>
@@ -25415,7 +23058,7 @@
         </p:nvSpPr>
         <p:spPr>
           <a:xfrm>
-            <a:off x="70768" y="4916580"/>
+            <a:off x="169622" y="2758901"/>
             <a:ext cx="1977656" cy="289829"/>
           </a:xfrm>
           <a:prstGeom prst="rect">
@@ -25456,7 +23099,7 @@
             <a:hlinkClick r:id="rId13" action="ppaction://hlinksldjump"/>
             <a:extLst>
               <a:ext uri="{FF2B5EF4-FFF2-40B4-BE49-F238E27FC236}">
-                <a16:creationId xmlns:a16="http://schemas.microsoft.com/office/drawing/2014/main" id="{856B8E11-B85D-406C-9178-1FCE33C2DBA2}"/>
+                <a16:creationId xmlns:a16="http://schemas.microsoft.com/office/drawing/2014/main" xmlns="" id="{856B8E11-B85D-406C-9178-1FCE33C2DBA2}"/>
               </a:ext>
             </a:extLst>
           </p:cNvPr>
@@ -25465,7 +23108,7 @@
         </p:nvSpPr>
         <p:spPr>
           <a:xfrm>
-            <a:off x="70768" y="5246458"/>
+            <a:off x="169622" y="3088779"/>
             <a:ext cx="1977656" cy="288961"/>
           </a:xfrm>
           <a:prstGeom prst="rect">
@@ -25506,7 +23149,7 @@
             <a:hlinkClick r:id="rId14" action="ppaction://hlinksldjump"/>
             <a:extLst>
               <a:ext uri="{FF2B5EF4-FFF2-40B4-BE49-F238E27FC236}">
-                <a16:creationId xmlns:a16="http://schemas.microsoft.com/office/drawing/2014/main" id="{B4B74D14-EABB-41B0-B4F3-40E10AA84BEA}"/>
+                <a16:creationId xmlns:a16="http://schemas.microsoft.com/office/drawing/2014/main" xmlns="" id="{B4B74D14-EABB-41B0-B4F3-40E10AA84BEA}"/>
               </a:ext>
             </a:extLst>
           </p:cNvPr>
@@ -25515,7 +23158,7 @@
         </p:nvSpPr>
         <p:spPr>
           <a:xfrm>
-            <a:off x="70768" y="5898575"/>
+            <a:off x="169622" y="3740896"/>
             <a:ext cx="1977656" cy="288961"/>
           </a:xfrm>
           <a:prstGeom prst="rect">
@@ -25556,7 +23199,7 @@
             <a:hlinkClick r:id="rId15" action="ppaction://hlinksldjump"/>
             <a:extLst>
               <a:ext uri="{FF2B5EF4-FFF2-40B4-BE49-F238E27FC236}">
-                <a16:creationId xmlns:a16="http://schemas.microsoft.com/office/drawing/2014/main" id="{6C3A2628-4C8D-4648-9ECB-D3D928C75862}"/>
+                <a16:creationId xmlns:a16="http://schemas.microsoft.com/office/drawing/2014/main" xmlns="" id="{6C3A2628-4C8D-4648-9ECB-D3D928C75862}"/>
               </a:ext>
             </a:extLst>
           </p:cNvPr>
@@ -25565,7 +23208,7 @@
         </p:nvSpPr>
         <p:spPr>
           <a:xfrm>
-            <a:off x="70768" y="5575468"/>
+            <a:off x="169622" y="3417789"/>
             <a:ext cx="1977656" cy="288961"/>
           </a:xfrm>
           <a:prstGeom prst="rect">
@@ -25606,7 +23249,7 @@
             <a:hlinkClick r:id="rId16" action="ppaction://hlinksldjump"/>
             <a:extLst>
               <a:ext uri="{FF2B5EF4-FFF2-40B4-BE49-F238E27FC236}">
-                <a16:creationId xmlns:a16="http://schemas.microsoft.com/office/drawing/2014/main" id="{C06AE8BE-FA25-4B48-95F3-CE489DAC5295}"/>
+                <a16:creationId xmlns:a16="http://schemas.microsoft.com/office/drawing/2014/main" xmlns="" id="{C06AE8BE-FA25-4B48-95F3-CE489DAC5295}"/>
               </a:ext>
             </a:extLst>
           </p:cNvPr>
@@ -25615,7 +23258,7 @@
         </p:nvSpPr>
         <p:spPr>
           <a:xfrm>
-            <a:off x="70768" y="6221682"/>
+            <a:off x="169622" y="4064003"/>
             <a:ext cx="1977656" cy="269944"/>
           </a:xfrm>
           <a:prstGeom prst="rect">
@@ -25656,7 +23299,7 @@
             <a:hlinkClick r:id="rId17" action="ppaction://hlinksldjump"/>
             <a:extLst>
               <a:ext uri="{FF2B5EF4-FFF2-40B4-BE49-F238E27FC236}">
-                <a16:creationId xmlns:a16="http://schemas.microsoft.com/office/drawing/2014/main" id="{8CEF996B-A17D-4AEF-900E-8AD2F10DAF4D}"/>
+                <a16:creationId xmlns:a16="http://schemas.microsoft.com/office/drawing/2014/main" xmlns="" id="{8CEF996B-A17D-4AEF-900E-8AD2F10DAF4D}"/>
               </a:ext>
             </a:extLst>
           </p:cNvPr>
@@ -25665,7 +23308,7 @@
         </p:nvSpPr>
         <p:spPr>
           <a:xfrm>
-            <a:off x="70768" y="6536930"/>
+            <a:off x="169622" y="4379251"/>
             <a:ext cx="1977656" cy="288961"/>
           </a:xfrm>
           <a:prstGeom prst="rect">
@@ -25706,7 +23349,7 @@
             <a:hlinkClick r:id="rId18" action="ppaction://hlinksldjump"/>
             <a:extLst>
               <a:ext uri="{FF2B5EF4-FFF2-40B4-BE49-F238E27FC236}">
-                <a16:creationId xmlns:a16="http://schemas.microsoft.com/office/drawing/2014/main" id="{242770BF-AC38-4C62-BE69-BC4943323E90}"/>
+                <a16:creationId xmlns:a16="http://schemas.microsoft.com/office/drawing/2014/main" xmlns="" id="{242770BF-AC38-4C62-BE69-BC4943323E90}"/>
               </a:ext>
             </a:extLst>
           </p:cNvPr>
@@ -25715,7 +23358,7 @@
         </p:nvSpPr>
         <p:spPr>
           <a:xfrm>
-            <a:off x="70768" y="2660057"/>
+            <a:off x="169622" y="502378"/>
             <a:ext cx="1977656" cy="282858"/>
           </a:xfrm>
           <a:prstGeom prst="rect">
@@ -25756,7 +23399,7 @@
             <a:hlinkClick r:id="rId19" action="ppaction://hlinksldjump"/>
             <a:extLst>
               <a:ext uri="{FF2B5EF4-FFF2-40B4-BE49-F238E27FC236}">
-                <a16:creationId xmlns:a16="http://schemas.microsoft.com/office/drawing/2014/main" id="{ED260749-993C-4AEA-8C8D-7F5CE568EAE4}"/>
+                <a16:creationId xmlns:a16="http://schemas.microsoft.com/office/drawing/2014/main" xmlns="" id="{ED260749-993C-4AEA-8C8D-7F5CE568EAE4}"/>
               </a:ext>
             </a:extLst>
           </p:cNvPr>
@@ -25765,7 +23408,7 @@
         </p:nvSpPr>
         <p:spPr>
           <a:xfrm>
-            <a:off x="70768" y="2335179"/>
+            <a:off x="169622" y="177500"/>
             <a:ext cx="1977656" cy="288961"/>
           </a:xfrm>
           <a:prstGeom prst="rect">
@@ -25806,7 +23449,7 @@
             <a:hlinkClick r:id="rId20" action="ppaction://hlinksldjump"/>
             <a:extLst>
               <a:ext uri="{FF2B5EF4-FFF2-40B4-BE49-F238E27FC236}">
-                <a16:creationId xmlns:a16="http://schemas.microsoft.com/office/drawing/2014/main" id="{CD9D6B7C-A6A8-4B24-84FD-FDBFE88813A6}"/>
+                <a16:creationId xmlns:a16="http://schemas.microsoft.com/office/drawing/2014/main" xmlns="" id="{CD9D6B7C-A6A8-4B24-84FD-FDBFE88813A6}"/>
               </a:ext>
             </a:extLst>
           </p:cNvPr>
@@ -25815,7 +23458,7 @@
         </p:nvSpPr>
         <p:spPr>
           <a:xfrm>
-            <a:off x="70768" y="2970984"/>
+            <a:off x="169622" y="813305"/>
             <a:ext cx="1977656" cy="288961"/>
           </a:xfrm>
           <a:prstGeom prst="rect">
@@ -25846,106 +23489,6 @@
             <a:r>
               <a:rPr lang="fr-FR" sz="1000" dirty="0"/>
               <a:t>Introduction</a:t>
-            </a:r>
-          </a:p>
-        </p:txBody>
-      </p:sp>
-      <p:sp>
-        <p:nvSpPr>
-          <p:cNvPr id="19" name="Rectangle 18">
-            <a:hlinkClick r:id="rId21" action="ppaction://hlinksldjump"/>
-            <a:extLst>
-              <a:ext uri="{FF2B5EF4-FFF2-40B4-BE49-F238E27FC236}">
-                <a16:creationId xmlns:a16="http://schemas.microsoft.com/office/drawing/2014/main" id="{A380F738-E17F-44E2-84CB-664BD3130F02}"/>
-              </a:ext>
-            </a:extLst>
-          </p:cNvPr>
-          <p:cNvSpPr/>
-          <p:nvPr/>
-        </p:nvSpPr>
-        <p:spPr>
-          <a:xfrm>
-            <a:off x="70768" y="1688085"/>
-            <a:ext cx="1977656" cy="288961"/>
-          </a:xfrm>
-          <a:prstGeom prst="rect">
-            <a:avLst/>
-          </a:prstGeom>
-        </p:spPr>
-        <p:style>
-          <a:lnRef idx="2">
-            <a:schemeClr val="accent1">
-              <a:shade val="50000"/>
-            </a:schemeClr>
-          </a:lnRef>
-          <a:fillRef idx="1">
-            <a:schemeClr val="accent1"/>
-          </a:fillRef>
-          <a:effectRef idx="0">
-            <a:schemeClr val="accent1"/>
-          </a:effectRef>
-          <a:fontRef idx="minor">
-            <a:schemeClr val="lt1"/>
-          </a:fontRef>
-        </p:style>
-        <p:txBody>
-          <a:bodyPr rtlCol="0" anchor="ctr"/>
-          <a:lstStyle/>
-          <a:p>
-            <a:pPr algn="ctr"/>
-            <a:r>
-              <a:rPr lang="fr-FR" sz="1000" dirty="0"/>
-              <a:t>Soutenance de stage</a:t>
-            </a:r>
-          </a:p>
-        </p:txBody>
-      </p:sp>
-      <p:sp>
-        <p:nvSpPr>
-          <p:cNvPr id="20" name="Rectangle 19">
-            <a:hlinkClick r:id="rId22" action="ppaction://hlinksldjump"/>
-            <a:extLst>
-              <a:ext uri="{FF2B5EF4-FFF2-40B4-BE49-F238E27FC236}">
-                <a16:creationId xmlns:a16="http://schemas.microsoft.com/office/drawing/2014/main" id="{9AD56059-28A9-4C7E-9401-6BFCC9D68D64}"/>
-              </a:ext>
-            </a:extLst>
-          </p:cNvPr>
-          <p:cNvSpPr/>
-          <p:nvPr/>
-        </p:nvSpPr>
-        <p:spPr>
-          <a:xfrm>
-            <a:off x="70768" y="2012963"/>
-            <a:ext cx="1977656" cy="288961"/>
-          </a:xfrm>
-          <a:prstGeom prst="rect">
-            <a:avLst/>
-          </a:prstGeom>
-        </p:spPr>
-        <p:style>
-          <a:lnRef idx="2">
-            <a:schemeClr val="accent1">
-              <a:shade val="50000"/>
-            </a:schemeClr>
-          </a:lnRef>
-          <a:fillRef idx="1">
-            <a:schemeClr val="accent1"/>
-          </a:fillRef>
-          <a:effectRef idx="0">
-            <a:schemeClr val="accent1"/>
-          </a:effectRef>
-          <a:fontRef idx="minor">
-            <a:schemeClr val="lt1"/>
-          </a:fontRef>
-        </p:style>
-        <p:txBody>
-          <a:bodyPr rtlCol="0" anchor="ctr"/>
-          <a:lstStyle/>
-          <a:p>
-            <a:pPr algn="ctr"/>
-            <a:r>
-              <a:rPr lang="fr-FR" sz="1000" dirty="0"/>
-              <a:t>Sommaire</a:t>
             </a:r>
           </a:p>
         </p:txBody>
@@ -25985,7 +23528,7 @@
           <p:cNvPr id="2" name="Titre 1">
             <a:extLst>
               <a:ext uri="{FF2B5EF4-FFF2-40B4-BE49-F238E27FC236}">
-                <a16:creationId xmlns:a16="http://schemas.microsoft.com/office/drawing/2014/main" id="{A25D6C6A-222C-4915-8BCC-EA82178836F2}"/>
+                <a16:creationId xmlns:a16="http://schemas.microsoft.com/office/drawing/2014/main" xmlns="" id="{A25D6C6A-222C-4915-8BCC-EA82178836F2}"/>
               </a:ext>
             </a:extLst>
           </p:cNvPr>
@@ -25998,7 +23541,7 @@
         </p:nvSpPr>
         <p:spPr>
           <a:xfrm>
-            <a:off x="677334" y="321981"/>
+            <a:off x="1715302" y="198414"/>
             <a:ext cx="8596668" cy="1320800"/>
           </a:xfrm>
         </p:spPr>
@@ -26019,7 +23562,7 @@
           <p:cNvPr id="3" name="Espace réservé du contenu 2">
             <a:extLst>
               <a:ext uri="{FF2B5EF4-FFF2-40B4-BE49-F238E27FC236}">
-                <a16:creationId xmlns:a16="http://schemas.microsoft.com/office/drawing/2014/main" id="{2C493FBA-FDCA-4FDA-868D-C865B1A993FC}"/>
+                <a16:creationId xmlns:a16="http://schemas.microsoft.com/office/drawing/2014/main" xmlns="" id="{2C493FBA-FDCA-4FDA-868D-C865B1A993FC}"/>
               </a:ext>
             </a:extLst>
           </p:cNvPr>
@@ -26106,7 +23649,7 @@
             <a:hlinkClick r:id="rId2" action="ppaction://hlinksldjump"/>
             <a:extLst>
               <a:ext uri="{FF2B5EF4-FFF2-40B4-BE49-F238E27FC236}">
-                <a16:creationId xmlns:a16="http://schemas.microsoft.com/office/drawing/2014/main" id="{1434F19A-0F1B-4ED8-891B-81D077F2338D}"/>
+                <a16:creationId xmlns:a16="http://schemas.microsoft.com/office/drawing/2014/main" xmlns="" id="{1434F19A-0F1B-4ED8-891B-81D077F2338D}"/>
               </a:ext>
             </a:extLst>
           </p:cNvPr>
@@ -26115,7 +23658,7 @@
         </p:nvSpPr>
         <p:spPr>
           <a:xfrm>
-            <a:off x="70768" y="3302355"/>
+            <a:off x="161385" y="1165590"/>
             <a:ext cx="1977656" cy="288961"/>
           </a:xfrm>
           <a:prstGeom prst="rect">
@@ -26156,7 +23699,7 @@
             <a:hlinkClick r:id="rId3" action="ppaction://hlinksldjump"/>
             <a:extLst>
               <a:ext uri="{FF2B5EF4-FFF2-40B4-BE49-F238E27FC236}">
-                <a16:creationId xmlns:a16="http://schemas.microsoft.com/office/drawing/2014/main" id="{9F246033-285A-4F0C-9DB1-CE6808C930B8}"/>
+                <a16:creationId xmlns:a16="http://schemas.microsoft.com/office/drawing/2014/main" xmlns="" id="{9F246033-285A-4F0C-9DB1-CE6808C930B8}"/>
               </a:ext>
             </a:extLst>
           </p:cNvPr>
@@ -26165,7 +23708,7 @@
         </p:nvSpPr>
         <p:spPr>
           <a:xfrm>
-            <a:off x="70768" y="3944263"/>
+            <a:off x="161385" y="1807498"/>
             <a:ext cx="1977656" cy="288961"/>
           </a:xfrm>
           <a:prstGeom prst="rect">
@@ -26206,7 +23749,7 @@
             <a:hlinkClick r:id="rId4" action="ppaction://hlinksldjump"/>
             <a:extLst>
               <a:ext uri="{FF2B5EF4-FFF2-40B4-BE49-F238E27FC236}">
-                <a16:creationId xmlns:a16="http://schemas.microsoft.com/office/drawing/2014/main" id="{FE396936-55E3-4658-B4A6-8FDDA543B937}"/>
+                <a16:creationId xmlns:a16="http://schemas.microsoft.com/office/drawing/2014/main" xmlns="" id="{FE396936-55E3-4658-B4A6-8FDDA543B937}"/>
               </a:ext>
             </a:extLst>
           </p:cNvPr>
@@ -26215,7 +23758,7 @@
         </p:nvSpPr>
         <p:spPr>
           <a:xfrm>
-            <a:off x="70768" y="3619385"/>
+            <a:off x="161385" y="1482620"/>
             <a:ext cx="1977656" cy="288961"/>
           </a:xfrm>
           <a:prstGeom prst="rect">
@@ -26256,7 +23799,7 @@
             <a:hlinkClick r:id="rId5" action="ppaction://hlinksldjump"/>
             <a:extLst>
               <a:ext uri="{FF2B5EF4-FFF2-40B4-BE49-F238E27FC236}">
-                <a16:creationId xmlns:a16="http://schemas.microsoft.com/office/drawing/2014/main" id="{64333636-1521-4482-80C1-261E553AA5F8}"/>
+                <a16:creationId xmlns:a16="http://schemas.microsoft.com/office/drawing/2014/main" xmlns="" id="{64333636-1521-4482-80C1-261E553AA5F8}"/>
               </a:ext>
             </a:extLst>
           </p:cNvPr>
@@ -26265,7 +23808,7 @@
         </p:nvSpPr>
         <p:spPr>
           <a:xfrm>
-            <a:off x="70768" y="4269141"/>
+            <a:off x="161385" y="2132376"/>
             <a:ext cx="1977656" cy="288480"/>
           </a:xfrm>
           <a:prstGeom prst="rect">
@@ -26306,7 +23849,7 @@
             <a:hlinkClick r:id="rId6" action="ppaction://hlinksldjump"/>
             <a:extLst>
               <a:ext uri="{FF2B5EF4-FFF2-40B4-BE49-F238E27FC236}">
-                <a16:creationId xmlns:a16="http://schemas.microsoft.com/office/drawing/2014/main" id="{3C443D87-3B44-4EEB-97B8-AB4DC84E6426}"/>
+                <a16:creationId xmlns:a16="http://schemas.microsoft.com/office/drawing/2014/main" xmlns="" id="{3C443D87-3B44-4EEB-97B8-AB4DC84E6426}"/>
               </a:ext>
             </a:extLst>
           </p:cNvPr>
@@ -26315,7 +23858,7 @@
         </p:nvSpPr>
         <p:spPr>
           <a:xfrm>
-            <a:off x="70768" y="4600031"/>
+            <a:off x="161385" y="2463266"/>
             <a:ext cx="1977656" cy="288480"/>
           </a:xfrm>
           <a:prstGeom prst="rect">
@@ -26356,7 +23899,7 @@
             <a:hlinkClick r:id="rId7" action="ppaction://hlinksldjump"/>
             <a:extLst>
               <a:ext uri="{FF2B5EF4-FFF2-40B4-BE49-F238E27FC236}">
-                <a16:creationId xmlns:a16="http://schemas.microsoft.com/office/drawing/2014/main" id="{EDA41A17-FD9F-4D81-9EB6-79195007A760}"/>
+                <a16:creationId xmlns:a16="http://schemas.microsoft.com/office/drawing/2014/main" xmlns="" id="{EDA41A17-FD9F-4D81-9EB6-79195007A760}"/>
               </a:ext>
             </a:extLst>
           </p:cNvPr>
@@ -26365,7 +23908,7 @@
         </p:nvSpPr>
         <p:spPr>
           <a:xfrm>
-            <a:off x="70768" y="4916580"/>
+            <a:off x="161385" y="2779815"/>
             <a:ext cx="1977656" cy="289829"/>
           </a:xfrm>
           <a:prstGeom prst="rect">
@@ -26406,7 +23949,7 @@
             <a:hlinkClick r:id="rId8" action="ppaction://hlinksldjump"/>
             <a:extLst>
               <a:ext uri="{FF2B5EF4-FFF2-40B4-BE49-F238E27FC236}">
-                <a16:creationId xmlns:a16="http://schemas.microsoft.com/office/drawing/2014/main" id="{4D66613C-4B2B-4E28-961E-CC243EE02510}"/>
+                <a16:creationId xmlns:a16="http://schemas.microsoft.com/office/drawing/2014/main" xmlns="" id="{4D66613C-4B2B-4E28-961E-CC243EE02510}"/>
               </a:ext>
             </a:extLst>
           </p:cNvPr>
@@ -26415,7 +23958,7 @@
         </p:nvSpPr>
         <p:spPr>
           <a:xfrm>
-            <a:off x="70768" y="5246458"/>
+            <a:off x="161385" y="3109693"/>
             <a:ext cx="1977656" cy="288961"/>
           </a:xfrm>
           <a:prstGeom prst="rect">
@@ -26456,7 +23999,7 @@
             <a:hlinkClick r:id="rId9" action="ppaction://hlinksldjump"/>
             <a:extLst>
               <a:ext uri="{FF2B5EF4-FFF2-40B4-BE49-F238E27FC236}">
-                <a16:creationId xmlns:a16="http://schemas.microsoft.com/office/drawing/2014/main" id="{C7634FD5-B0C0-42BD-ACD4-540D96B4A5EE}"/>
+                <a16:creationId xmlns:a16="http://schemas.microsoft.com/office/drawing/2014/main" xmlns="" id="{C7634FD5-B0C0-42BD-ACD4-540D96B4A5EE}"/>
               </a:ext>
             </a:extLst>
           </p:cNvPr>
@@ -26465,7 +24008,7 @@
         </p:nvSpPr>
         <p:spPr>
           <a:xfrm>
-            <a:off x="70768" y="5898575"/>
+            <a:off x="161385" y="3761810"/>
             <a:ext cx="1977656" cy="288961"/>
           </a:xfrm>
           <a:prstGeom prst="rect">
@@ -26506,7 +24049,7 @@
             <a:hlinkClick r:id="rId10" action="ppaction://hlinksldjump"/>
             <a:extLst>
               <a:ext uri="{FF2B5EF4-FFF2-40B4-BE49-F238E27FC236}">
-                <a16:creationId xmlns:a16="http://schemas.microsoft.com/office/drawing/2014/main" id="{47F28671-D096-48DA-8958-313DCF3E42D6}"/>
+                <a16:creationId xmlns:a16="http://schemas.microsoft.com/office/drawing/2014/main" xmlns="" id="{47F28671-D096-48DA-8958-313DCF3E42D6}"/>
               </a:ext>
             </a:extLst>
           </p:cNvPr>
@@ -26515,7 +24058,7 @@
         </p:nvSpPr>
         <p:spPr>
           <a:xfrm>
-            <a:off x="70768" y="5575468"/>
+            <a:off x="161385" y="3438703"/>
             <a:ext cx="1977656" cy="288961"/>
           </a:xfrm>
           <a:prstGeom prst="rect">
@@ -26556,7 +24099,7 @@
             <a:hlinkClick r:id="rId11" action="ppaction://hlinksldjump"/>
             <a:extLst>
               <a:ext uri="{FF2B5EF4-FFF2-40B4-BE49-F238E27FC236}">
-                <a16:creationId xmlns:a16="http://schemas.microsoft.com/office/drawing/2014/main" id="{4C6E8EE0-F732-43E5-AD13-759DB310D931}"/>
+                <a16:creationId xmlns:a16="http://schemas.microsoft.com/office/drawing/2014/main" xmlns="" id="{4C6E8EE0-F732-43E5-AD13-759DB310D931}"/>
               </a:ext>
             </a:extLst>
           </p:cNvPr>
@@ -26565,7 +24108,7 @@
         </p:nvSpPr>
         <p:spPr>
           <a:xfrm>
-            <a:off x="70768" y="6221682"/>
+            <a:off x="161385" y="4084917"/>
             <a:ext cx="1977656" cy="269944"/>
           </a:xfrm>
           <a:prstGeom prst="rect">
@@ -26606,7 +24149,7 @@
             <a:hlinkClick r:id="rId12" action="ppaction://hlinksldjump"/>
             <a:extLst>
               <a:ext uri="{FF2B5EF4-FFF2-40B4-BE49-F238E27FC236}">
-                <a16:creationId xmlns:a16="http://schemas.microsoft.com/office/drawing/2014/main" id="{B8EF52BC-84F1-45D9-A010-1270E5BE6398}"/>
+                <a16:creationId xmlns:a16="http://schemas.microsoft.com/office/drawing/2014/main" xmlns="" id="{B8EF52BC-84F1-45D9-A010-1270E5BE6398}"/>
               </a:ext>
             </a:extLst>
           </p:cNvPr>
@@ -26615,7 +24158,7 @@
         </p:nvSpPr>
         <p:spPr>
           <a:xfrm>
-            <a:off x="70768" y="6536930"/>
+            <a:off x="161385" y="4400165"/>
             <a:ext cx="1977656" cy="288961"/>
           </a:xfrm>
           <a:prstGeom prst="rect">
@@ -26656,7 +24199,7 @@
             <a:hlinkClick r:id="rId13" action="ppaction://hlinksldjump"/>
             <a:extLst>
               <a:ext uri="{FF2B5EF4-FFF2-40B4-BE49-F238E27FC236}">
-                <a16:creationId xmlns:a16="http://schemas.microsoft.com/office/drawing/2014/main" id="{24674340-244A-4A10-8907-A3A36B9ECD59}"/>
+                <a16:creationId xmlns:a16="http://schemas.microsoft.com/office/drawing/2014/main" xmlns="" id="{24674340-244A-4A10-8907-A3A36B9ECD59}"/>
               </a:ext>
             </a:extLst>
           </p:cNvPr>
@@ -26665,7 +24208,7 @@
         </p:nvSpPr>
         <p:spPr>
           <a:xfrm>
-            <a:off x="70768" y="2660057"/>
+            <a:off x="161385" y="523292"/>
             <a:ext cx="1977656" cy="282858"/>
           </a:xfrm>
           <a:prstGeom prst="rect">
@@ -26706,7 +24249,7 @@
             <a:hlinkClick r:id="rId14" action="ppaction://hlinksldjump"/>
             <a:extLst>
               <a:ext uri="{FF2B5EF4-FFF2-40B4-BE49-F238E27FC236}">
-                <a16:creationId xmlns:a16="http://schemas.microsoft.com/office/drawing/2014/main" id="{0A580F83-B0AB-4910-8F7A-EBF075ADEE98}"/>
+                <a16:creationId xmlns:a16="http://schemas.microsoft.com/office/drawing/2014/main" xmlns="" id="{0A580F83-B0AB-4910-8F7A-EBF075ADEE98}"/>
               </a:ext>
             </a:extLst>
           </p:cNvPr>
@@ -26715,7 +24258,7 @@
         </p:nvSpPr>
         <p:spPr>
           <a:xfrm>
-            <a:off x="70768" y="2335179"/>
+            <a:off x="161385" y="198414"/>
             <a:ext cx="1977656" cy="288961"/>
           </a:xfrm>
           <a:prstGeom prst="rect">
@@ -26756,7 +24299,7 @@
             <a:hlinkClick r:id="rId15" action="ppaction://hlinksldjump"/>
             <a:extLst>
               <a:ext uri="{FF2B5EF4-FFF2-40B4-BE49-F238E27FC236}">
-                <a16:creationId xmlns:a16="http://schemas.microsoft.com/office/drawing/2014/main" id="{1A81CA02-1665-495C-9ABA-09F58944BD75}"/>
+                <a16:creationId xmlns:a16="http://schemas.microsoft.com/office/drawing/2014/main" xmlns="" id="{1A81CA02-1665-495C-9ABA-09F58944BD75}"/>
               </a:ext>
             </a:extLst>
           </p:cNvPr>
@@ -26765,7 +24308,7 @@
         </p:nvSpPr>
         <p:spPr>
           <a:xfrm>
-            <a:off x="70768" y="2970984"/>
+            <a:off x="161385" y="834219"/>
             <a:ext cx="1977656" cy="288961"/>
           </a:xfrm>
           <a:prstGeom prst="rect">
@@ -26796,106 +24339,6 @@
             <a:r>
               <a:rPr lang="fr-FR" sz="1000" dirty="0"/>
               <a:t>Introduction</a:t>
-            </a:r>
-          </a:p>
-        </p:txBody>
-      </p:sp>
-      <p:sp>
-        <p:nvSpPr>
-          <p:cNvPr id="18" name="Rectangle 17">
-            <a:hlinkClick r:id="rId16" action="ppaction://hlinksldjump"/>
-            <a:extLst>
-              <a:ext uri="{FF2B5EF4-FFF2-40B4-BE49-F238E27FC236}">
-                <a16:creationId xmlns:a16="http://schemas.microsoft.com/office/drawing/2014/main" id="{92AFD10B-00E8-4EBA-8C52-FA6B0EB50D00}"/>
-              </a:ext>
-            </a:extLst>
-          </p:cNvPr>
-          <p:cNvSpPr/>
-          <p:nvPr/>
-        </p:nvSpPr>
-        <p:spPr>
-          <a:xfrm>
-            <a:off x="70768" y="1688085"/>
-            <a:ext cx="1977656" cy="288961"/>
-          </a:xfrm>
-          <a:prstGeom prst="rect">
-            <a:avLst/>
-          </a:prstGeom>
-        </p:spPr>
-        <p:style>
-          <a:lnRef idx="2">
-            <a:schemeClr val="accent1">
-              <a:shade val="50000"/>
-            </a:schemeClr>
-          </a:lnRef>
-          <a:fillRef idx="1">
-            <a:schemeClr val="accent1"/>
-          </a:fillRef>
-          <a:effectRef idx="0">
-            <a:schemeClr val="accent1"/>
-          </a:effectRef>
-          <a:fontRef idx="minor">
-            <a:schemeClr val="lt1"/>
-          </a:fontRef>
-        </p:style>
-        <p:txBody>
-          <a:bodyPr rtlCol="0" anchor="ctr"/>
-          <a:lstStyle/>
-          <a:p>
-            <a:pPr algn="ctr"/>
-            <a:r>
-              <a:rPr lang="fr-FR" sz="1000" dirty="0"/>
-              <a:t>Soutenance de stage</a:t>
-            </a:r>
-          </a:p>
-        </p:txBody>
-      </p:sp>
-      <p:sp>
-        <p:nvSpPr>
-          <p:cNvPr id="19" name="Rectangle 18">
-            <a:hlinkClick r:id="rId17" action="ppaction://hlinksldjump"/>
-            <a:extLst>
-              <a:ext uri="{FF2B5EF4-FFF2-40B4-BE49-F238E27FC236}">
-                <a16:creationId xmlns:a16="http://schemas.microsoft.com/office/drawing/2014/main" id="{02DCB4DF-A0AC-42E1-A3C6-AF3289D3FC4E}"/>
-              </a:ext>
-            </a:extLst>
-          </p:cNvPr>
-          <p:cNvSpPr/>
-          <p:nvPr/>
-        </p:nvSpPr>
-        <p:spPr>
-          <a:xfrm>
-            <a:off x="70768" y="2012963"/>
-            <a:ext cx="1977656" cy="288961"/>
-          </a:xfrm>
-          <a:prstGeom prst="rect">
-            <a:avLst/>
-          </a:prstGeom>
-        </p:spPr>
-        <p:style>
-          <a:lnRef idx="2">
-            <a:schemeClr val="accent1">
-              <a:shade val="50000"/>
-            </a:schemeClr>
-          </a:lnRef>
-          <a:fillRef idx="1">
-            <a:schemeClr val="accent1"/>
-          </a:fillRef>
-          <a:effectRef idx="0">
-            <a:schemeClr val="accent1"/>
-          </a:effectRef>
-          <a:fontRef idx="minor">
-            <a:schemeClr val="lt1"/>
-          </a:fontRef>
-        </p:style>
-        <p:txBody>
-          <a:bodyPr rtlCol="0" anchor="ctr"/>
-          <a:lstStyle/>
-          <a:p>
-            <a:pPr algn="ctr"/>
-            <a:r>
-              <a:rPr lang="fr-FR" sz="1000" dirty="0"/>
-              <a:t>Sommaire</a:t>
             </a:r>
           </a:p>
         </p:txBody>
@@ -26935,7 +24378,7 @@
           <p:cNvPr id="2" name="Titre 1">
             <a:extLst>
               <a:ext uri="{FF2B5EF4-FFF2-40B4-BE49-F238E27FC236}">
-                <a16:creationId xmlns:a16="http://schemas.microsoft.com/office/drawing/2014/main" id="{7BCB0FA0-EE06-407F-B381-4054DDE38B9B}"/>
+                <a16:creationId xmlns:a16="http://schemas.microsoft.com/office/drawing/2014/main" xmlns="" id="{7BCB0FA0-EE06-407F-B381-4054DDE38B9B}"/>
               </a:ext>
             </a:extLst>
           </p:cNvPr>
@@ -26948,7 +24391,7 @@
         </p:nvSpPr>
         <p:spPr>
           <a:xfrm>
-            <a:off x="654184" y="167376"/>
+            <a:off x="2048424" y="186665"/>
             <a:ext cx="8596668" cy="1320800"/>
           </a:xfrm>
         </p:spPr>
@@ -26969,7 +24412,7 @@
           <p:cNvPr id="3" name="Espace réservé du contenu 2">
             <a:extLst>
               <a:ext uri="{FF2B5EF4-FFF2-40B4-BE49-F238E27FC236}">
-                <a16:creationId xmlns:a16="http://schemas.microsoft.com/office/drawing/2014/main" id="{4DD5BB57-B8FC-4C3D-A000-C14E9E318AD6}"/>
+                <a16:creationId xmlns:a16="http://schemas.microsoft.com/office/drawing/2014/main" xmlns="" id="{4DD5BB57-B8FC-4C3D-A000-C14E9E318AD6}"/>
               </a:ext>
             </a:extLst>
           </p:cNvPr>
@@ -26982,7 +24425,7 @@
         </p:nvSpPr>
         <p:spPr>
           <a:xfrm>
-            <a:off x="2166203" y="861099"/>
+            <a:off x="2438052" y="849930"/>
             <a:ext cx="8596668" cy="3880773"/>
           </a:xfrm>
         </p:spPr>
@@ -27002,7 +24445,7 @@
           <p:cNvPr id="5" name="Image 4">
             <a:extLst>
               <a:ext uri="{FF2B5EF4-FFF2-40B4-BE49-F238E27FC236}">
-                <a16:creationId xmlns:a16="http://schemas.microsoft.com/office/drawing/2014/main" id="{88FCA87E-C3FE-4B49-9966-AF0825D74E51}"/>
+                <a16:creationId xmlns:a16="http://schemas.microsoft.com/office/drawing/2014/main" xmlns="" id="{88FCA87E-C3FE-4B49-9966-AF0825D74E51}"/>
               </a:ext>
             </a:extLst>
           </p:cNvPr>
@@ -27033,7 +24476,7 @@
             <a:hlinkClick r:id="rId3" action="ppaction://hlinksldjump"/>
             <a:extLst>
               <a:ext uri="{FF2B5EF4-FFF2-40B4-BE49-F238E27FC236}">
-                <a16:creationId xmlns:a16="http://schemas.microsoft.com/office/drawing/2014/main" id="{FA0911E8-5FF1-4E58-BF09-62B093A2C2BC}"/>
+                <a16:creationId xmlns:a16="http://schemas.microsoft.com/office/drawing/2014/main" xmlns="" id="{FA0911E8-5FF1-4E58-BF09-62B093A2C2BC}"/>
               </a:ext>
             </a:extLst>
           </p:cNvPr>
@@ -27042,7 +24485,7 @@
         </p:nvSpPr>
         <p:spPr>
           <a:xfrm>
-            <a:off x="70768" y="3302355"/>
+            <a:off x="129658" y="1153841"/>
             <a:ext cx="1977656" cy="288961"/>
           </a:xfrm>
           <a:prstGeom prst="rect">
@@ -27083,7 +24526,7 @@
             <a:hlinkClick r:id="rId4" action="ppaction://hlinksldjump"/>
             <a:extLst>
               <a:ext uri="{FF2B5EF4-FFF2-40B4-BE49-F238E27FC236}">
-                <a16:creationId xmlns:a16="http://schemas.microsoft.com/office/drawing/2014/main" id="{9FEEDF4D-54A3-45FA-B444-33C72C05DB17}"/>
+                <a16:creationId xmlns:a16="http://schemas.microsoft.com/office/drawing/2014/main" xmlns="" id="{9FEEDF4D-54A3-45FA-B444-33C72C05DB17}"/>
               </a:ext>
             </a:extLst>
           </p:cNvPr>
@@ -27092,7 +24535,7 @@
         </p:nvSpPr>
         <p:spPr>
           <a:xfrm>
-            <a:off x="70768" y="3944263"/>
+            <a:off x="129658" y="1795749"/>
             <a:ext cx="1977656" cy="288961"/>
           </a:xfrm>
           <a:prstGeom prst="rect">
@@ -27133,7 +24576,7 @@
             <a:hlinkClick r:id="rId5" action="ppaction://hlinksldjump"/>
             <a:extLst>
               <a:ext uri="{FF2B5EF4-FFF2-40B4-BE49-F238E27FC236}">
-                <a16:creationId xmlns:a16="http://schemas.microsoft.com/office/drawing/2014/main" id="{1A82AE69-5550-46D6-AA51-618A14329A2E}"/>
+                <a16:creationId xmlns:a16="http://schemas.microsoft.com/office/drawing/2014/main" xmlns="" id="{1A82AE69-5550-46D6-AA51-618A14329A2E}"/>
               </a:ext>
             </a:extLst>
           </p:cNvPr>
@@ -27142,7 +24585,7 @@
         </p:nvSpPr>
         <p:spPr>
           <a:xfrm>
-            <a:off x="70768" y="3619385"/>
+            <a:off x="129658" y="1470871"/>
             <a:ext cx="1977656" cy="288961"/>
           </a:xfrm>
           <a:prstGeom prst="rect">
@@ -27183,7 +24626,7 @@
             <a:hlinkClick r:id="rId6" action="ppaction://hlinksldjump"/>
             <a:extLst>
               <a:ext uri="{FF2B5EF4-FFF2-40B4-BE49-F238E27FC236}">
-                <a16:creationId xmlns:a16="http://schemas.microsoft.com/office/drawing/2014/main" id="{3047BD2A-42BC-4904-B8F7-F842B7CFD54A}"/>
+                <a16:creationId xmlns:a16="http://schemas.microsoft.com/office/drawing/2014/main" xmlns="" id="{3047BD2A-42BC-4904-B8F7-F842B7CFD54A}"/>
               </a:ext>
             </a:extLst>
           </p:cNvPr>
@@ -27192,7 +24635,7 @@
         </p:nvSpPr>
         <p:spPr>
           <a:xfrm>
-            <a:off x="70768" y="4269141"/>
+            <a:off x="129658" y="2120627"/>
             <a:ext cx="1977656" cy="288480"/>
           </a:xfrm>
           <a:prstGeom prst="rect">
@@ -27233,7 +24676,7 @@
             <a:hlinkClick r:id="rId7" action="ppaction://hlinksldjump"/>
             <a:extLst>
               <a:ext uri="{FF2B5EF4-FFF2-40B4-BE49-F238E27FC236}">
-                <a16:creationId xmlns:a16="http://schemas.microsoft.com/office/drawing/2014/main" id="{A4387B08-87EA-46FB-AC48-F7B956709558}"/>
+                <a16:creationId xmlns:a16="http://schemas.microsoft.com/office/drawing/2014/main" xmlns="" id="{A4387B08-87EA-46FB-AC48-F7B956709558}"/>
               </a:ext>
             </a:extLst>
           </p:cNvPr>
@@ -27242,7 +24685,7 @@
         </p:nvSpPr>
         <p:spPr>
           <a:xfrm>
-            <a:off x="70768" y="4600031"/>
+            <a:off x="129658" y="2451517"/>
             <a:ext cx="1977656" cy="288480"/>
           </a:xfrm>
           <a:prstGeom prst="rect">
@@ -27283,7 +24726,7 @@
             <a:hlinkClick r:id="rId8" action="ppaction://hlinksldjump"/>
             <a:extLst>
               <a:ext uri="{FF2B5EF4-FFF2-40B4-BE49-F238E27FC236}">
-                <a16:creationId xmlns:a16="http://schemas.microsoft.com/office/drawing/2014/main" id="{7F6D6112-0C37-451B-8E06-8D91996F8281}"/>
+                <a16:creationId xmlns:a16="http://schemas.microsoft.com/office/drawing/2014/main" xmlns="" id="{7F6D6112-0C37-451B-8E06-8D91996F8281}"/>
               </a:ext>
             </a:extLst>
           </p:cNvPr>
@@ -27292,7 +24735,7 @@
         </p:nvSpPr>
         <p:spPr>
           <a:xfrm>
-            <a:off x="70768" y="4916580"/>
+            <a:off x="129658" y="2768066"/>
             <a:ext cx="1977656" cy="289829"/>
           </a:xfrm>
           <a:prstGeom prst="rect">
@@ -27333,7 +24776,7 @@
             <a:hlinkClick r:id="rId9" action="ppaction://hlinksldjump"/>
             <a:extLst>
               <a:ext uri="{FF2B5EF4-FFF2-40B4-BE49-F238E27FC236}">
-                <a16:creationId xmlns:a16="http://schemas.microsoft.com/office/drawing/2014/main" id="{01573EFD-DAE2-44BB-B0BA-2B2101494621}"/>
+                <a16:creationId xmlns:a16="http://schemas.microsoft.com/office/drawing/2014/main" xmlns="" id="{01573EFD-DAE2-44BB-B0BA-2B2101494621}"/>
               </a:ext>
             </a:extLst>
           </p:cNvPr>
@@ -27342,7 +24785,7 @@
         </p:nvSpPr>
         <p:spPr>
           <a:xfrm>
-            <a:off x="70768" y="5246458"/>
+            <a:off x="129658" y="3097944"/>
             <a:ext cx="1977656" cy="288961"/>
           </a:xfrm>
           <a:prstGeom prst="rect">
@@ -27383,7 +24826,7 @@
             <a:hlinkClick r:id="rId10" action="ppaction://hlinksldjump"/>
             <a:extLst>
               <a:ext uri="{FF2B5EF4-FFF2-40B4-BE49-F238E27FC236}">
-                <a16:creationId xmlns:a16="http://schemas.microsoft.com/office/drawing/2014/main" id="{FCCA1F55-1E54-4E20-AC8A-35C3C6092B1F}"/>
+                <a16:creationId xmlns:a16="http://schemas.microsoft.com/office/drawing/2014/main" xmlns="" id="{FCCA1F55-1E54-4E20-AC8A-35C3C6092B1F}"/>
               </a:ext>
             </a:extLst>
           </p:cNvPr>
@@ -27392,7 +24835,7 @@
         </p:nvSpPr>
         <p:spPr>
           <a:xfrm>
-            <a:off x="70768" y="5898575"/>
+            <a:off x="129658" y="3750061"/>
             <a:ext cx="1977656" cy="288961"/>
           </a:xfrm>
           <a:prstGeom prst="rect">
@@ -27433,7 +24876,7 @@
             <a:hlinkClick r:id="rId11" action="ppaction://hlinksldjump"/>
             <a:extLst>
               <a:ext uri="{FF2B5EF4-FFF2-40B4-BE49-F238E27FC236}">
-                <a16:creationId xmlns:a16="http://schemas.microsoft.com/office/drawing/2014/main" id="{D4F2549A-6F70-4600-B6F0-FF3E1ED863E1}"/>
+                <a16:creationId xmlns:a16="http://schemas.microsoft.com/office/drawing/2014/main" xmlns="" id="{D4F2549A-6F70-4600-B6F0-FF3E1ED863E1}"/>
               </a:ext>
             </a:extLst>
           </p:cNvPr>
@@ -27442,7 +24885,7 @@
         </p:nvSpPr>
         <p:spPr>
           <a:xfrm>
-            <a:off x="70768" y="5575468"/>
+            <a:off x="129658" y="3426954"/>
             <a:ext cx="1977656" cy="288961"/>
           </a:xfrm>
           <a:prstGeom prst="rect">
@@ -27483,7 +24926,7 @@
             <a:hlinkClick r:id="rId12" action="ppaction://hlinksldjump"/>
             <a:extLst>
               <a:ext uri="{FF2B5EF4-FFF2-40B4-BE49-F238E27FC236}">
-                <a16:creationId xmlns:a16="http://schemas.microsoft.com/office/drawing/2014/main" id="{5EF38E9F-1DA6-4B35-A78B-AE84A9CDA3CA}"/>
+                <a16:creationId xmlns:a16="http://schemas.microsoft.com/office/drawing/2014/main" xmlns="" id="{5EF38E9F-1DA6-4B35-A78B-AE84A9CDA3CA}"/>
               </a:ext>
             </a:extLst>
           </p:cNvPr>
@@ -27492,7 +24935,7 @@
         </p:nvSpPr>
         <p:spPr>
           <a:xfrm>
-            <a:off x="70768" y="6221682"/>
+            <a:off x="129658" y="4073168"/>
             <a:ext cx="1977656" cy="269944"/>
           </a:xfrm>
           <a:prstGeom prst="rect">
@@ -27533,7 +24976,7 @@
             <a:hlinkClick r:id="rId13" action="ppaction://hlinksldjump"/>
             <a:extLst>
               <a:ext uri="{FF2B5EF4-FFF2-40B4-BE49-F238E27FC236}">
-                <a16:creationId xmlns:a16="http://schemas.microsoft.com/office/drawing/2014/main" id="{5C7C8AE2-4B5D-44E7-9D78-995C3C653D64}"/>
+                <a16:creationId xmlns:a16="http://schemas.microsoft.com/office/drawing/2014/main" xmlns="" id="{5C7C8AE2-4B5D-44E7-9D78-995C3C653D64}"/>
               </a:ext>
             </a:extLst>
           </p:cNvPr>
@@ -27542,7 +24985,7 @@
         </p:nvSpPr>
         <p:spPr>
           <a:xfrm>
-            <a:off x="70768" y="6536930"/>
+            <a:off x="129658" y="4388416"/>
             <a:ext cx="1977656" cy="288961"/>
           </a:xfrm>
           <a:prstGeom prst="rect">
@@ -27583,7 +25026,7 @@
             <a:hlinkClick r:id="rId14" action="ppaction://hlinksldjump"/>
             <a:extLst>
               <a:ext uri="{FF2B5EF4-FFF2-40B4-BE49-F238E27FC236}">
-                <a16:creationId xmlns:a16="http://schemas.microsoft.com/office/drawing/2014/main" id="{2A15F965-23CB-4E0E-B922-851BF242DF5C}"/>
+                <a16:creationId xmlns:a16="http://schemas.microsoft.com/office/drawing/2014/main" xmlns="" id="{2A15F965-23CB-4E0E-B922-851BF242DF5C}"/>
               </a:ext>
             </a:extLst>
           </p:cNvPr>
@@ -27592,7 +25035,7 @@
         </p:nvSpPr>
         <p:spPr>
           <a:xfrm>
-            <a:off x="70768" y="2660057"/>
+            <a:off x="129658" y="511543"/>
             <a:ext cx="1977656" cy="282858"/>
           </a:xfrm>
           <a:prstGeom prst="rect">
@@ -27633,7 +25076,7 @@
             <a:hlinkClick r:id="rId15" action="ppaction://hlinksldjump"/>
             <a:extLst>
               <a:ext uri="{FF2B5EF4-FFF2-40B4-BE49-F238E27FC236}">
-                <a16:creationId xmlns:a16="http://schemas.microsoft.com/office/drawing/2014/main" id="{1398798C-4B49-4B7A-8266-B7D1627685C8}"/>
+                <a16:creationId xmlns:a16="http://schemas.microsoft.com/office/drawing/2014/main" xmlns="" id="{1398798C-4B49-4B7A-8266-B7D1627685C8}"/>
               </a:ext>
             </a:extLst>
           </p:cNvPr>
@@ -27642,7 +25085,7 @@
         </p:nvSpPr>
         <p:spPr>
           <a:xfrm>
-            <a:off x="70768" y="2335179"/>
+            <a:off x="129658" y="186665"/>
             <a:ext cx="1977656" cy="288961"/>
           </a:xfrm>
           <a:prstGeom prst="rect">
@@ -27683,7 +25126,7 @@
             <a:hlinkClick r:id="rId16" action="ppaction://hlinksldjump"/>
             <a:extLst>
               <a:ext uri="{FF2B5EF4-FFF2-40B4-BE49-F238E27FC236}">
-                <a16:creationId xmlns:a16="http://schemas.microsoft.com/office/drawing/2014/main" id="{0C3F9B6E-A8D9-43F2-8692-CB2807F71E0A}"/>
+                <a16:creationId xmlns:a16="http://schemas.microsoft.com/office/drawing/2014/main" xmlns="" id="{0C3F9B6E-A8D9-43F2-8692-CB2807F71E0A}"/>
               </a:ext>
             </a:extLst>
           </p:cNvPr>
@@ -27692,7 +25135,7 @@
         </p:nvSpPr>
         <p:spPr>
           <a:xfrm>
-            <a:off x="70768" y="2970984"/>
+            <a:off x="129658" y="822470"/>
             <a:ext cx="1977656" cy="288961"/>
           </a:xfrm>
           <a:prstGeom prst="rect">
@@ -27723,106 +25166,6 @@
             <a:r>
               <a:rPr lang="fr-FR" sz="1000" dirty="0"/>
               <a:t>Introduction</a:t>
-            </a:r>
-          </a:p>
-        </p:txBody>
-      </p:sp>
-      <p:sp>
-        <p:nvSpPr>
-          <p:cNvPr id="20" name="Rectangle 19">
-            <a:hlinkClick r:id="rId17" action="ppaction://hlinksldjump"/>
-            <a:extLst>
-              <a:ext uri="{FF2B5EF4-FFF2-40B4-BE49-F238E27FC236}">
-                <a16:creationId xmlns:a16="http://schemas.microsoft.com/office/drawing/2014/main" id="{32159347-B498-4CF1-AA61-901461870D3D}"/>
-              </a:ext>
-            </a:extLst>
-          </p:cNvPr>
-          <p:cNvSpPr/>
-          <p:nvPr/>
-        </p:nvSpPr>
-        <p:spPr>
-          <a:xfrm>
-            <a:off x="70768" y="1688085"/>
-            <a:ext cx="1977656" cy="288961"/>
-          </a:xfrm>
-          <a:prstGeom prst="rect">
-            <a:avLst/>
-          </a:prstGeom>
-        </p:spPr>
-        <p:style>
-          <a:lnRef idx="2">
-            <a:schemeClr val="accent1">
-              <a:shade val="50000"/>
-            </a:schemeClr>
-          </a:lnRef>
-          <a:fillRef idx="1">
-            <a:schemeClr val="accent1"/>
-          </a:fillRef>
-          <a:effectRef idx="0">
-            <a:schemeClr val="accent1"/>
-          </a:effectRef>
-          <a:fontRef idx="minor">
-            <a:schemeClr val="lt1"/>
-          </a:fontRef>
-        </p:style>
-        <p:txBody>
-          <a:bodyPr rtlCol="0" anchor="ctr"/>
-          <a:lstStyle/>
-          <a:p>
-            <a:pPr algn="ctr"/>
-            <a:r>
-              <a:rPr lang="fr-FR" sz="1000" dirty="0"/>
-              <a:t>Soutenance de stage</a:t>
-            </a:r>
-          </a:p>
-        </p:txBody>
-      </p:sp>
-      <p:sp>
-        <p:nvSpPr>
-          <p:cNvPr id="21" name="Rectangle 20">
-            <a:hlinkClick r:id="rId18" action="ppaction://hlinksldjump"/>
-            <a:extLst>
-              <a:ext uri="{FF2B5EF4-FFF2-40B4-BE49-F238E27FC236}">
-                <a16:creationId xmlns:a16="http://schemas.microsoft.com/office/drawing/2014/main" id="{5FC04484-5AD4-40F8-9849-4D9CCAAA4366}"/>
-              </a:ext>
-            </a:extLst>
-          </p:cNvPr>
-          <p:cNvSpPr/>
-          <p:nvPr/>
-        </p:nvSpPr>
-        <p:spPr>
-          <a:xfrm>
-            <a:off x="70768" y="2012963"/>
-            <a:ext cx="1977656" cy="288961"/>
-          </a:xfrm>
-          <a:prstGeom prst="rect">
-            <a:avLst/>
-          </a:prstGeom>
-        </p:spPr>
-        <p:style>
-          <a:lnRef idx="2">
-            <a:schemeClr val="accent1">
-              <a:shade val="50000"/>
-            </a:schemeClr>
-          </a:lnRef>
-          <a:fillRef idx="1">
-            <a:schemeClr val="accent1"/>
-          </a:fillRef>
-          <a:effectRef idx="0">
-            <a:schemeClr val="accent1"/>
-          </a:effectRef>
-          <a:fontRef idx="minor">
-            <a:schemeClr val="lt1"/>
-          </a:fontRef>
-        </p:style>
-        <p:txBody>
-          <a:bodyPr rtlCol="0" anchor="ctr"/>
-          <a:lstStyle/>
-          <a:p>
-            <a:pPr algn="ctr"/>
-            <a:r>
-              <a:rPr lang="fr-FR" sz="1000" dirty="0"/>
-              <a:t>Sommaire</a:t>
             </a:r>
           </a:p>
         </p:txBody>
@@ -27862,7 +25205,7 @@
           <p:cNvPr id="2" name="Titre 1">
             <a:extLst>
               <a:ext uri="{FF2B5EF4-FFF2-40B4-BE49-F238E27FC236}">
-                <a16:creationId xmlns:a16="http://schemas.microsoft.com/office/drawing/2014/main" id="{B355947E-12BD-4E89-AA67-C9F64238FB05}"/>
+                <a16:creationId xmlns:a16="http://schemas.microsoft.com/office/drawing/2014/main" xmlns="" id="{B355947E-12BD-4E89-AA67-C9F64238FB05}"/>
               </a:ext>
             </a:extLst>
           </p:cNvPr>
@@ -27875,7 +25218,7 @@
         </p:nvSpPr>
         <p:spPr>
           <a:xfrm>
-            <a:off x="607886" y="585313"/>
+            <a:off x="1464621" y="145544"/>
             <a:ext cx="8596668" cy="1320800"/>
           </a:xfrm>
         </p:spPr>
@@ -27896,7 +25239,7 @@
           <p:cNvPr id="5" name="Espace réservé du contenu 4">
             <a:extLst>
               <a:ext uri="{FF2B5EF4-FFF2-40B4-BE49-F238E27FC236}">
-                <a16:creationId xmlns:a16="http://schemas.microsoft.com/office/drawing/2014/main" id="{B3274778-9AB2-4A86-AD45-62C29BC0321A}"/>
+                <a16:creationId xmlns:a16="http://schemas.microsoft.com/office/drawing/2014/main" xmlns="" id="{B3274778-9AB2-4A86-AD45-62C29BC0321A}"/>
               </a:ext>
             </a:extLst>
           </p:cNvPr>
@@ -27907,14 +25250,14 @@
             <p:ph idx="1"/>
             <p:extLst>
               <p:ext uri="{D42A27DB-BD31-4B8C-83A1-F6EECF244321}">
-                <p14:modId xmlns:p14="http://schemas.microsoft.com/office/powerpoint/2010/main" val="2030756009"/>
+                <p14:modId xmlns:p14="http://schemas.microsoft.com/office/powerpoint/2010/main" val="2759591205"/>
               </p:ext>
             </p:extLst>
           </p:nvPr>
         </p:nvGraphicFramePr>
         <p:xfrm>
-          <a:off x="2533284" y="1566700"/>
-          <a:ext cx="7347284" cy="4924926"/>
+          <a:off x="2537927" y="1142821"/>
+          <a:ext cx="7375593" cy="5066947"/>
         </p:xfrm>
         <a:graphic>
           <a:graphicData uri="http://schemas.openxmlformats.org/drawingml/2006/diagram">
@@ -27928,7 +25271,7 @@
             <a:hlinkClick r:id="rId7" action="ppaction://hlinksldjump"/>
             <a:extLst>
               <a:ext uri="{FF2B5EF4-FFF2-40B4-BE49-F238E27FC236}">
-                <a16:creationId xmlns:a16="http://schemas.microsoft.com/office/drawing/2014/main" id="{E45B16FC-1F7E-44CD-AA5A-B5006433F7DC}"/>
+                <a16:creationId xmlns:a16="http://schemas.microsoft.com/office/drawing/2014/main" xmlns="" id="{E45B16FC-1F7E-44CD-AA5A-B5006433F7DC}"/>
               </a:ext>
             </a:extLst>
           </p:cNvPr>
@@ -27937,7 +25280,7 @@
         </p:nvSpPr>
         <p:spPr>
           <a:xfrm>
-            <a:off x="70768" y="3302355"/>
+            <a:off x="153146" y="1185231"/>
             <a:ext cx="1977656" cy="288961"/>
           </a:xfrm>
           <a:prstGeom prst="rect">
@@ -27978,7 +25321,7 @@
             <a:hlinkClick r:id="rId8" action="ppaction://hlinksldjump"/>
             <a:extLst>
               <a:ext uri="{FF2B5EF4-FFF2-40B4-BE49-F238E27FC236}">
-                <a16:creationId xmlns:a16="http://schemas.microsoft.com/office/drawing/2014/main" id="{4593EFB1-D020-4312-BAB0-3508A5A43EA4}"/>
+                <a16:creationId xmlns:a16="http://schemas.microsoft.com/office/drawing/2014/main" xmlns="" id="{4593EFB1-D020-4312-BAB0-3508A5A43EA4}"/>
               </a:ext>
             </a:extLst>
           </p:cNvPr>
@@ -27987,7 +25330,7 @@
         </p:nvSpPr>
         <p:spPr>
           <a:xfrm>
-            <a:off x="70768" y="3944263"/>
+            <a:off x="153146" y="1827139"/>
             <a:ext cx="1977656" cy="288961"/>
           </a:xfrm>
           <a:prstGeom prst="rect">
@@ -28028,7 +25371,7 @@
             <a:hlinkClick r:id="rId9" action="ppaction://hlinksldjump"/>
             <a:extLst>
               <a:ext uri="{FF2B5EF4-FFF2-40B4-BE49-F238E27FC236}">
-                <a16:creationId xmlns:a16="http://schemas.microsoft.com/office/drawing/2014/main" id="{BCDD9738-4722-416E-93F5-F4C92FF9820F}"/>
+                <a16:creationId xmlns:a16="http://schemas.microsoft.com/office/drawing/2014/main" xmlns="" id="{BCDD9738-4722-416E-93F5-F4C92FF9820F}"/>
               </a:ext>
             </a:extLst>
           </p:cNvPr>
@@ -28037,7 +25380,7 @@
         </p:nvSpPr>
         <p:spPr>
           <a:xfrm>
-            <a:off x="70768" y="3619385"/>
+            <a:off x="153146" y="1502261"/>
             <a:ext cx="1977656" cy="288961"/>
           </a:xfrm>
           <a:prstGeom prst="rect">
@@ -28078,7 +25421,7 @@
             <a:hlinkClick r:id="rId10" action="ppaction://hlinksldjump"/>
             <a:extLst>
               <a:ext uri="{FF2B5EF4-FFF2-40B4-BE49-F238E27FC236}">
-                <a16:creationId xmlns:a16="http://schemas.microsoft.com/office/drawing/2014/main" id="{EB926E46-FFC5-4C17-AD3A-865DD35F1DFA}"/>
+                <a16:creationId xmlns:a16="http://schemas.microsoft.com/office/drawing/2014/main" xmlns="" id="{EB926E46-FFC5-4C17-AD3A-865DD35F1DFA}"/>
               </a:ext>
             </a:extLst>
           </p:cNvPr>
@@ -28087,7 +25430,7 @@
         </p:nvSpPr>
         <p:spPr>
           <a:xfrm>
-            <a:off x="70768" y="4269141"/>
+            <a:off x="153146" y="2152017"/>
             <a:ext cx="1977656" cy="288480"/>
           </a:xfrm>
           <a:prstGeom prst="rect">
@@ -28128,7 +25471,7 @@
             <a:hlinkClick r:id="rId11" action="ppaction://hlinksldjump"/>
             <a:extLst>
               <a:ext uri="{FF2B5EF4-FFF2-40B4-BE49-F238E27FC236}">
-                <a16:creationId xmlns:a16="http://schemas.microsoft.com/office/drawing/2014/main" id="{12D26C6B-2956-4ED3-88ED-552237F15448}"/>
+                <a16:creationId xmlns:a16="http://schemas.microsoft.com/office/drawing/2014/main" xmlns="" id="{12D26C6B-2956-4ED3-88ED-552237F15448}"/>
               </a:ext>
             </a:extLst>
           </p:cNvPr>
@@ -28137,7 +25480,7 @@
         </p:nvSpPr>
         <p:spPr>
           <a:xfrm>
-            <a:off x="70768" y="4600031"/>
+            <a:off x="153146" y="2482907"/>
             <a:ext cx="1977656" cy="288480"/>
           </a:xfrm>
           <a:prstGeom prst="rect">
@@ -28178,7 +25521,7 @@
             <a:hlinkClick r:id="rId12" action="ppaction://hlinksldjump"/>
             <a:extLst>
               <a:ext uri="{FF2B5EF4-FFF2-40B4-BE49-F238E27FC236}">
-                <a16:creationId xmlns:a16="http://schemas.microsoft.com/office/drawing/2014/main" id="{E57A545D-E633-429F-BDF3-ADF4B6C0E9E8}"/>
+                <a16:creationId xmlns:a16="http://schemas.microsoft.com/office/drawing/2014/main" xmlns="" id="{E57A545D-E633-429F-BDF3-ADF4B6C0E9E8}"/>
               </a:ext>
             </a:extLst>
           </p:cNvPr>
@@ -28187,7 +25530,7 @@
         </p:nvSpPr>
         <p:spPr>
           <a:xfrm>
-            <a:off x="70768" y="4916580"/>
+            <a:off x="153146" y="2799456"/>
             <a:ext cx="1977656" cy="289829"/>
           </a:xfrm>
           <a:prstGeom prst="rect">
@@ -28228,7 +25571,7 @@
             <a:hlinkClick r:id="rId13" action="ppaction://hlinksldjump"/>
             <a:extLst>
               <a:ext uri="{FF2B5EF4-FFF2-40B4-BE49-F238E27FC236}">
-                <a16:creationId xmlns:a16="http://schemas.microsoft.com/office/drawing/2014/main" id="{1C68C04A-55F7-43FA-8F51-63E428250861}"/>
+                <a16:creationId xmlns:a16="http://schemas.microsoft.com/office/drawing/2014/main" xmlns="" id="{1C68C04A-55F7-43FA-8F51-63E428250861}"/>
               </a:ext>
             </a:extLst>
           </p:cNvPr>
@@ -28237,7 +25580,7 @@
         </p:nvSpPr>
         <p:spPr>
           <a:xfrm>
-            <a:off x="70768" y="5246458"/>
+            <a:off x="153146" y="3129334"/>
             <a:ext cx="1977656" cy="288961"/>
           </a:xfrm>
           <a:prstGeom prst="rect">
@@ -28278,7 +25621,7 @@
             <a:hlinkClick r:id="rId14" action="ppaction://hlinksldjump"/>
             <a:extLst>
               <a:ext uri="{FF2B5EF4-FFF2-40B4-BE49-F238E27FC236}">
-                <a16:creationId xmlns:a16="http://schemas.microsoft.com/office/drawing/2014/main" id="{A54E4DC1-7234-4262-8960-25B0989E0EE7}"/>
+                <a16:creationId xmlns:a16="http://schemas.microsoft.com/office/drawing/2014/main" xmlns="" id="{A54E4DC1-7234-4262-8960-25B0989E0EE7}"/>
               </a:ext>
             </a:extLst>
           </p:cNvPr>
@@ -28287,7 +25630,7 @@
         </p:nvSpPr>
         <p:spPr>
           <a:xfrm>
-            <a:off x="70768" y="5898575"/>
+            <a:off x="153146" y="3781451"/>
             <a:ext cx="1977656" cy="288961"/>
           </a:xfrm>
           <a:prstGeom prst="rect">
@@ -28328,7 +25671,7 @@
             <a:hlinkClick r:id="rId15" action="ppaction://hlinksldjump"/>
             <a:extLst>
               <a:ext uri="{FF2B5EF4-FFF2-40B4-BE49-F238E27FC236}">
-                <a16:creationId xmlns:a16="http://schemas.microsoft.com/office/drawing/2014/main" id="{5D8CF717-1E5D-412C-97F0-D75493F690B6}"/>
+                <a16:creationId xmlns:a16="http://schemas.microsoft.com/office/drawing/2014/main" xmlns="" id="{5D8CF717-1E5D-412C-97F0-D75493F690B6}"/>
               </a:ext>
             </a:extLst>
           </p:cNvPr>
@@ -28337,7 +25680,7 @@
         </p:nvSpPr>
         <p:spPr>
           <a:xfrm>
-            <a:off x="70768" y="5575468"/>
+            <a:off x="153146" y="3458344"/>
             <a:ext cx="1977656" cy="288961"/>
           </a:xfrm>
           <a:prstGeom prst="rect">
@@ -28378,7 +25721,7 @@
             <a:hlinkClick r:id="rId16" action="ppaction://hlinksldjump"/>
             <a:extLst>
               <a:ext uri="{FF2B5EF4-FFF2-40B4-BE49-F238E27FC236}">
-                <a16:creationId xmlns:a16="http://schemas.microsoft.com/office/drawing/2014/main" id="{3C13D7EA-90D9-467C-B3D8-81467B2A4682}"/>
+                <a16:creationId xmlns:a16="http://schemas.microsoft.com/office/drawing/2014/main" xmlns="" id="{3C13D7EA-90D9-467C-B3D8-81467B2A4682}"/>
               </a:ext>
             </a:extLst>
           </p:cNvPr>
@@ -28387,7 +25730,7 @@
         </p:nvSpPr>
         <p:spPr>
           <a:xfrm>
-            <a:off x="70768" y="6221682"/>
+            <a:off x="153146" y="4104558"/>
             <a:ext cx="1977656" cy="269944"/>
           </a:xfrm>
           <a:prstGeom prst="rect">
@@ -28428,7 +25771,7 @@
             <a:hlinkClick r:id="rId17" action="ppaction://hlinksldjump"/>
             <a:extLst>
               <a:ext uri="{FF2B5EF4-FFF2-40B4-BE49-F238E27FC236}">
-                <a16:creationId xmlns:a16="http://schemas.microsoft.com/office/drawing/2014/main" id="{E0A5E0AE-3D3D-4832-BD3B-DB9A55CE8DDE}"/>
+                <a16:creationId xmlns:a16="http://schemas.microsoft.com/office/drawing/2014/main" xmlns="" id="{E0A5E0AE-3D3D-4832-BD3B-DB9A55CE8DDE}"/>
               </a:ext>
             </a:extLst>
           </p:cNvPr>
@@ -28437,7 +25780,7 @@
         </p:nvSpPr>
         <p:spPr>
           <a:xfrm>
-            <a:off x="70768" y="6536930"/>
+            <a:off x="153146" y="4419806"/>
             <a:ext cx="1977656" cy="288961"/>
           </a:xfrm>
           <a:prstGeom prst="rect">
@@ -28478,7 +25821,7 @@
             <a:hlinkClick r:id="rId18" action="ppaction://hlinksldjump"/>
             <a:extLst>
               <a:ext uri="{FF2B5EF4-FFF2-40B4-BE49-F238E27FC236}">
-                <a16:creationId xmlns:a16="http://schemas.microsoft.com/office/drawing/2014/main" id="{4D6A1A4A-C745-4D54-AC0C-D1A210AD30A2}"/>
+                <a16:creationId xmlns:a16="http://schemas.microsoft.com/office/drawing/2014/main" xmlns="" id="{4D6A1A4A-C745-4D54-AC0C-D1A210AD30A2}"/>
               </a:ext>
             </a:extLst>
           </p:cNvPr>
@@ -28487,7 +25830,7 @@
         </p:nvSpPr>
         <p:spPr>
           <a:xfrm>
-            <a:off x="70768" y="2660057"/>
+            <a:off x="153146" y="542933"/>
             <a:ext cx="1977656" cy="282858"/>
           </a:xfrm>
           <a:prstGeom prst="rect">
@@ -28528,7 +25871,7 @@
             <a:hlinkClick r:id="rId19" action="ppaction://hlinksldjump"/>
             <a:extLst>
               <a:ext uri="{FF2B5EF4-FFF2-40B4-BE49-F238E27FC236}">
-                <a16:creationId xmlns:a16="http://schemas.microsoft.com/office/drawing/2014/main" id="{B7C43C72-49A2-4C39-AB96-649DB6EBCD7F}"/>
+                <a16:creationId xmlns:a16="http://schemas.microsoft.com/office/drawing/2014/main" xmlns="" id="{B7C43C72-49A2-4C39-AB96-649DB6EBCD7F}"/>
               </a:ext>
             </a:extLst>
           </p:cNvPr>
@@ -28537,7 +25880,7 @@
         </p:nvSpPr>
         <p:spPr>
           <a:xfrm>
-            <a:off x="70768" y="2335179"/>
+            <a:off x="153146" y="218055"/>
             <a:ext cx="1977656" cy="288961"/>
           </a:xfrm>
           <a:prstGeom prst="rect">
@@ -28578,7 +25921,7 @@
             <a:hlinkClick r:id="rId20" action="ppaction://hlinksldjump"/>
             <a:extLst>
               <a:ext uri="{FF2B5EF4-FFF2-40B4-BE49-F238E27FC236}">
-                <a16:creationId xmlns:a16="http://schemas.microsoft.com/office/drawing/2014/main" id="{0FD6B36A-E29B-4AC5-B8C8-29730E1DCF64}"/>
+                <a16:creationId xmlns:a16="http://schemas.microsoft.com/office/drawing/2014/main" xmlns="" id="{0FD6B36A-E29B-4AC5-B8C8-29730E1DCF64}"/>
               </a:ext>
             </a:extLst>
           </p:cNvPr>
@@ -28587,7 +25930,7 @@
         </p:nvSpPr>
         <p:spPr>
           <a:xfrm>
-            <a:off x="70768" y="2970984"/>
+            <a:off x="153146" y="853860"/>
             <a:ext cx="1977656" cy="288961"/>
           </a:xfrm>
           <a:prstGeom prst="rect">
@@ -28618,106 +25961,6 @@
             <a:r>
               <a:rPr lang="fr-FR" sz="1000" dirty="0"/>
               <a:t>Introduction</a:t>
-            </a:r>
-          </a:p>
-        </p:txBody>
-      </p:sp>
-      <p:sp>
-        <p:nvSpPr>
-          <p:cNvPr id="19" name="Rectangle 18">
-            <a:hlinkClick r:id="rId21" action="ppaction://hlinksldjump"/>
-            <a:extLst>
-              <a:ext uri="{FF2B5EF4-FFF2-40B4-BE49-F238E27FC236}">
-                <a16:creationId xmlns:a16="http://schemas.microsoft.com/office/drawing/2014/main" id="{2FE73DE4-7B5E-4C1F-87E9-A6D1F1AFD7E4}"/>
-              </a:ext>
-            </a:extLst>
-          </p:cNvPr>
-          <p:cNvSpPr/>
-          <p:nvPr/>
-        </p:nvSpPr>
-        <p:spPr>
-          <a:xfrm>
-            <a:off x="70768" y="1688085"/>
-            <a:ext cx="1977656" cy="288961"/>
-          </a:xfrm>
-          <a:prstGeom prst="rect">
-            <a:avLst/>
-          </a:prstGeom>
-        </p:spPr>
-        <p:style>
-          <a:lnRef idx="2">
-            <a:schemeClr val="accent1">
-              <a:shade val="50000"/>
-            </a:schemeClr>
-          </a:lnRef>
-          <a:fillRef idx="1">
-            <a:schemeClr val="accent1"/>
-          </a:fillRef>
-          <a:effectRef idx="0">
-            <a:schemeClr val="accent1"/>
-          </a:effectRef>
-          <a:fontRef idx="minor">
-            <a:schemeClr val="lt1"/>
-          </a:fontRef>
-        </p:style>
-        <p:txBody>
-          <a:bodyPr rtlCol="0" anchor="ctr"/>
-          <a:lstStyle/>
-          <a:p>
-            <a:pPr algn="ctr"/>
-            <a:r>
-              <a:rPr lang="fr-FR" sz="1000" dirty="0"/>
-              <a:t>Soutenance de stage</a:t>
-            </a:r>
-          </a:p>
-        </p:txBody>
-      </p:sp>
-      <p:sp>
-        <p:nvSpPr>
-          <p:cNvPr id="20" name="Rectangle 19">
-            <a:hlinkClick r:id="rId22" action="ppaction://hlinksldjump"/>
-            <a:extLst>
-              <a:ext uri="{FF2B5EF4-FFF2-40B4-BE49-F238E27FC236}">
-                <a16:creationId xmlns:a16="http://schemas.microsoft.com/office/drawing/2014/main" id="{61BFC1BD-2D24-459B-8FC4-CF7F400E0E1D}"/>
-              </a:ext>
-            </a:extLst>
-          </p:cNvPr>
-          <p:cNvSpPr/>
-          <p:nvPr/>
-        </p:nvSpPr>
-        <p:spPr>
-          <a:xfrm>
-            <a:off x="70768" y="2012963"/>
-            <a:ext cx="1977656" cy="288961"/>
-          </a:xfrm>
-          <a:prstGeom prst="rect">
-            <a:avLst/>
-          </a:prstGeom>
-        </p:spPr>
-        <p:style>
-          <a:lnRef idx="2">
-            <a:schemeClr val="accent1">
-              <a:shade val="50000"/>
-            </a:schemeClr>
-          </a:lnRef>
-          <a:fillRef idx="1">
-            <a:schemeClr val="accent1"/>
-          </a:fillRef>
-          <a:effectRef idx="0">
-            <a:schemeClr val="accent1"/>
-          </a:effectRef>
-          <a:fontRef idx="minor">
-            <a:schemeClr val="lt1"/>
-          </a:fontRef>
-        </p:style>
-        <p:txBody>
-          <a:bodyPr rtlCol="0" anchor="ctr"/>
-          <a:lstStyle/>
-          <a:p>
-            <a:pPr algn="ctr"/>
-            <a:r>
-              <a:rPr lang="fr-FR" sz="1000" dirty="0"/>
-              <a:t>Sommaire</a:t>
             </a:r>
           </a:p>
         </p:txBody>
@@ -28757,7 +26000,7 @@
           <p:cNvPr id="2" name="Titre 1">
             <a:extLst>
               <a:ext uri="{FF2B5EF4-FFF2-40B4-BE49-F238E27FC236}">
-                <a16:creationId xmlns:a16="http://schemas.microsoft.com/office/drawing/2014/main" id="{6A263BF2-E661-423E-9DDE-380E6F08279D}"/>
+                <a16:creationId xmlns:a16="http://schemas.microsoft.com/office/drawing/2014/main" xmlns="" id="{6A263BF2-E661-423E-9DDE-380E6F08279D}"/>
               </a:ext>
             </a:extLst>
           </p:cNvPr>
@@ -28770,7 +26013,7 @@
         </p:nvSpPr>
         <p:spPr>
           <a:xfrm>
-            <a:off x="1406538" y="305021"/>
+            <a:off x="1315922" y="135945"/>
             <a:ext cx="8596668" cy="1320800"/>
           </a:xfrm>
         </p:spPr>
@@ -28791,7 +26034,7 @@
           <p:cNvPr id="3" name="Espace réservé du contenu 2">
             <a:extLst>
               <a:ext uri="{FF2B5EF4-FFF2-40B4-BE49-F238E27FC236}">
-                <a16:creationId xmlns:a16="http://schemas.microsoft.com/office/drawing/2014/main" id="{F89E0DC4-C7E8-4E4D-BA35-46D9349F9C1D}"/>
+                <a16:creationId xmlns:a16="http://schemas.microsoft.com/office/drawing/2014/main" xmlns="" id="{F89E0DC4-C7E8-4E4D-BA35-46D9349F9C1D}"/>
               </a:ext>
             </a:extLst>
           </p:cNvPr>
@@ -28824,7 +26067,7 @@
           <p:cNvPr id="5" name="Image 4">
             <a:extLst>
               <a:ext uri="{FF2B5EF4-FFF2-40B4-BE49-F238E27FC236}">
-                <a16:creationId xmlns:a16="http://schemas.microsoft.com/office/drawing/2014/main" id="{D215E327-68F2-4740-A2A9-AFCBA6F233CA}"/>
+                <a16:creationId xmlns:a16="http://schemas.microsoft.com/office/drawing/2014/main" xmlns="" id="{D215E327-68F2-4740-A2A9-AFCBA6F233CA}"/>
               </a:ext>
             </a:extLst>
           </p:cNvPr>
@@ -28855,7 +26098,7 @@
             <a:hlinkClick r:id="rId3" action="ppaction://hlinksldjump"/>
             <a:extLst>
               <a:ext uri="{FF2B5EF4-FFF2-40B4-BE49-F238E27FC236}">
-                <a16:creationId xmlns:a16="http://schemas.microsoft.com/office/drawing/2014/main" id="{6B720908-CED6-49B0-9B64-E6B713B8458D}"/>
+                <a16:creationId xmlns:a16="http://schemas.microsoft.com/office/drawing/2014/main" xmlns="" id="{6B720908-CED6-49B0-9B64-E6B713B8458D}"/>
               </a:ext>
             </a:extLst>
           </p:cNvPr>
@@ -28864,7 +26107,7 @@
         </p:nvSpPr>
         <p:spPr>
           <a:xfrm>
-            <a:off x="70768" y="3302355"/>
+            <a:off x="136671" y="1127716"/>
             <a:ext cx="1977656" cy="288961"/>
           </a:xfrm>
           <a:prstGeom prst="rect">
@@ -28905,7 +26148,7 @@
             <a:hlinkClick r:id="rId4" action="ppaction://hlinksldjump"/>
             <a:extLst>
               <a:ext uri="{FF2B5EF4-FFF2-40B4-BE49-F238E27FC236}">
-                <a16:creationId xmlns:a16="http://schemas.microsoft.com/office/drawing/2014/main" id="{8C71A905-10A9-4377-8AAA-518DDB46ED8E}"/>
+                <a16:creationId xmlns:a16="http://schemas.microsoft.com/office/drawing/2014/main" xmlns="" id="{8C71A905-10A9-4377-8AAA-518DDB46ED8E}"/>
               </a:ext>
             </a:extLst>
           </p:cNvPr>
@@ -28914,7 +26157,7 @@
         </p:nvSpPr>
         <p:spPr>
           <a:xfrm>
-            <a:off x="70768" y="3944263"/>
+            <a:off x="136671" y="1769624"/>
             <a:ext cx="1977656" cy="288961"/>
           </a:xfrm>
           <a:prstGeom prst="rect">
@@ -28955,7 +26198,7 @@
             <a:hlinkClick r:id="rId5" action="ppaction://hlinksldjump"/>
             <a:extLst>
               <a:ext uri="{FF2B5EF4-FFF2-40B4-BE49-F238E27FC236}">
-                <a16:creationId xmlns:a16="http://schemas.microsoft.com/office/drawing/2014/main" id="{E49D0612-DC25-4204-8354-5FECDC24A38C}"/>
+                <a16:creationId xmlns:a16="http://schemas.microsoft.com/office/drawing/2014/main" xmlns="" id="{E49D0612-DC25-4204-8354-5FECDC24A38C}"/>
               </a:ext>
             </a:extLst>
           </p:cNvPr>
@@ -28964,7 +26207,7 @@
         </p:nvSpPr>
         <p:spPr>
           <a:xfrm>
-            <a:off x="70768" y="3619385"/>
+            <a:off x="136671" y="1444746"/>
             <a:ext cx="1977656" cy="288961"/>
           </a:xfrm>
           <a:prstGeom prst="rect">
@@ -29005,7 +26248,7 @@
             <a:hlinkClick r:id="rId6" action="ppaction://hlinksldjump"/>
             <a:extLst>
               <a:ext uri="{FF2B5EF4-FFF2-40B4-BE49-F238E27FC236}">
-                <a16:creationId xmlns:a16="http://schemas.microsoft.com/office/drawing/2014/main" id="{892786A8-8657-4894-BACD-3F58658B33B2}"/>
+                <a16:creationId xmlns:a16="http://schemas.microsoft.com/office/drawing/2014/main" xmlns="" id="{892786A8-8657-4894-BACD-3F58658B33B2}"/>
               </a:ext>
             </a:extLst>
           </p:cNvPr>
@@ -29014,7 +26257,7 @@
         </p:nvSpPr>
         <p:spPr>
           <a:xfrm>
-            <a:off x="70768" y="4269141"/>
+            <a:off x="136671" y="2094502"/>
             <a:ext cx="1977656" cy="288480"/>
           </a:xfrm>
           <a:prstGeom prst="rect">
@@ -29055,7 +26298,7 @@
             <a:hlinkClick r:id="rId7" action="ppaction://hlinksldjump"/>
             <a:extLst>
               <a:ext uri="{FF2B5EF4-FFF2-40B4-BE49-F238E27FC236}">
-                <a16:creationId xmlns:a16="http://schemas.microsoft.com/office/drawing/2014/main" id="{7E106A7C-C278-4770-B44C-8FFC88DD87A7}"/>
+                <a16:creationId xmlns:a16="http://schemas.microsoft.com/office/drawing/2014/main" xmlns="" id="{7E106A7C-C278-4770-B44C-8FFC88DD87A7}"/>
               </a:ext>
             </a:extLst>
           </p:cNvPr>
@@ -29064,7 +26307,7 @@
         </p:nvSpPr>
         <p:spPr>
           <a:xfrm>
-            <a:off x="70768" y="4600031"/>
+            <a:off x="136671" y="2425392"/>
             <a:ext cx="1977656" cy="288480"/>
           </a:xfrm>
           <a:prstGeom prst="rect">
@@ -29105,7 +26348,7 @@
             <a:hlinkClick r:id="rId8" action="ppaction://hlinksldjump"/>
             <a:extLst>
               <a:ext uri="{FF2B5EF4-FFF2-40B4-BE49-F238E27FC236}">
-                <a16:creationId xmlns:a16="http://schemas.microsoft.com/office/drawing/2014/main" id="{FC62D372-EB03-408F-A041-ECFC3D8A3EF2}"/>
+                <a16:creationId xmlns:a16="http://schemas.microsoft.com/office/drawing/2014/main" xmlns="" id="{FC62D372-EB03-408F-A041-ECFC3D8A3EF2}"/>
               </a:ext>
             </a:extLst>
           </p:cNvPr>
@@ -29114,7 +26357,7 @@
         </p:nvSpPr>
         <p:spPr>
           <a:xfrm>
-            <a:off x="70768" y="4916580"/>
+            <a:off x="136671" y="2741941"/>
             <a:ext cx="1977656" cy="289829"/>
           </a:xfrm>
           <a:prstGeom prst="rect">
@@ -29155,7 +26398,7 @@
             <a:hlinkClick r:id="rId9" action="ppaction://hlinksldjump"/>
             <a:extLst>
               <a:ext uri="{FF2B5EF4-FFF2-40B4-BE49-F238E27FC236}">
-                <a16:creationId xmlns:a16="http://schemas.microsoft.com/office/drawing/2014/main" id="{00D84C3F-6E0A-42F3-94C4-EC050198A2A1}"/>
+                <a16:creationId xmlns:a16="http://schemas.microsoft.com/office/drawing/2014/main" xmlns="" id="{00D84C3F-6E0A-42F3-94C4-EC050198A2A1}"/>
               </a:ext>
             </a:extLst>
           </p:cNvPr>
@@ -29164,7 +26407,7 @@
         </p:nvSpPr>
         <p:spPr>
           <a:xfrm>
-            <a:off x="70768" y="5246458"/>
+            <a:off x="136671" y="3071819"/>
             <a:ext cx="1977656" cy="288961"/>
           </a:xfrm>
           <a:prstGeom prst="rect">
@@ -29205,7 +26448,7 @@
             <a:hlinkClick r:id="rId10" action="ppaction://hlinksldjump"/>
             <a:extLst>
               <a:ext uri="{FF2B5EF4-FFF2-40B4-BE49-F238E27FC236}">
-                <a16:creationId xmlns:a16="http://schemas.microsoft.com/office/drawing/2014/main" id="{23C67AC7-2581-40FC-A348-7E0DE389AD29}"/>
+                <a16:creationId xmlns:a16="http://schemas.microsoft.com/office/drawing/2014/main" xmlns="" id="{23C67AC7-2581-40FC-A348-7E0DE389AD29}"/>
               </a:ext>
             </a:extLst>
           </p:cNvPr>
@@ -29214,7 +26457,7 @@
         </p:nvSpPr>
         <p:spPr>
           <a:xfrm>
-            <a:off x="70768" y="5898575"/>
+            <a:off x="136671" y="3723936"/>
             <a:ext cx="1977656" cy="288961"/>
           </a:xfrm>
           <a:prstGeom prst="rect">
@@ -29255,7 +26498,7 @@
             <a:hlinkClick r:id="rId11" action="ppaction://hlinksldjump"/>
             <a:extLst>
               <a:ext uri="{FF2B5EF4-FFF2-40B4-BE49-F238E27FC236}">
-                <a16:creationId xmlns:a16="http://schemas.microsoft.com/office/drawing/2014/main" id="{22156206-EFF9-4F39-8559-829F850F0D40}"/>
+                <a16:creationId xmlns:a16="http://schemas.microsoft.com/office/drawing/2014/main" xmlns="" id="{22156206-EFF9-4F39-8559-829F850F0D40}"/>
               </a:ext>
             </a:extLst>
           </p:cNvPr>
@@ -29264,7 +26507,7 @@
         </p:nvSpPr>
         <p:spPr>
           <a:xfrm>
-            <a:off x="70768" y="5575468"/>
+            <a:off x="136671" y="3400829"/>
             <a:ext cx="1977656" cy="288961"/>
           </a:xfrm>
           <a:prstGeom prst="rect">
@@ -29305,7 +26548,7 @@
             <a:hlinkClick r:id="rId12" action="ppaction://hlinksldjump"/>
             <a:extLst>
               <a:ext uri="{FF2B5EF4-FFF2-40B4-BE49-F238E27FC236}">
-                <a16:creationId xmlns:a16="http://schemas.microsoft.com/office/drawing/2014/main" id="{B4EE160D-8B9A-4048-93D2-6F366E5EEBDC}"/>
+                <a16:creationId xmlns:a16="http://schemas.microsoft.com/office/drawing/2014/main" xmlns="" id="{B4EE160D-8B9A-4048-93D2-6F366E5EEBDC}"/>
               </a:ext>
             </a:extLst>
           </p:cNvPr>
@@ -29314,7 +26557,7 @@
         </p:nvSpPr>
         <p:spPr>
           <a:xfrm>
-            <a:off x="70768" y="6221682"/>
+            <a:off x="136671" y="4047043"/>
             <a:ext cx="1977656" cy="269944"/>
           </a:xfrm>
           <a:prstGeom prst="rect">
@@ -29355,7 +26598,7 @@
             <a:hlinkClick r:id="rId13" action="ppaction://hlinksldjump"/>
             <a:extLst>
               <a:ext uri="{FF2B5EF4-FFF2-40B4-BE49-F238E27FC236}">
-                <a16:creationId xmlns:a16="http://schemas.microsoft.com/office/drawing/2014/main" id="{FFECB788-D0D5-4B6D-BFE2-D5B0B3388AAD}"/>
+                <a16:creationId xmlns:a16="http://schemas.microsoft.com/office/drawing/2014/main" xmlns="" id="{FFECB788-D0D5-4B6D-BFE2-D5B0B3388AAD}"/>
               </a:ext>
             </a:extLst>
           </p:cNvPr>
@@ -29364,7 +26607,7 @@
         </p:nvSpPr>
         <p:spPr>
           <a:xfrm>
-            <a:off x="70768" y="6536930"/>
+            <a:off x="136671" y="4362291"/>
             <a:ext cx="1977656" cy="288961"/>
           </a:xfrm>
           <a:prstGeom prst="rect">
@@ -29405,7 +26648,7 @@
             <a:hlinkClick r:id="rId14" action="ppaction://hlinksldjump"/>
             <a:extLst>
               <a:ext uri="{FF2B5EF4-FFF2-40B4-BE49-F238E27FC236}">
-                <a16:creationId xmlns:a16="http://schemas.microsoft.com/office/drawing/2014/main" id="{5D63D838-0519-4D1C-99EE-394C56EC9C90}"/>
+                <a16:creationId xmlns:a16="http://schemas.microsoft.com/office/drawing/2014/main" xmlns="" id="{5D63D838-0519-4D1C-99EE-394C56EC9C90}"/>
               </a:ext>
             </a:extLst>
           </p:cNvPr>
@@ -29414,7 +26657,7 @@
         </p:nvSpPr>
         <p:spPr>
           <a:xfrm>
-            <a:off x="70768" y="2660057"/>
+            <a:off x="136671" y="485418"/>
             <a:ext cx="1977656" cy="282858"/>
           </a:xfrm>
           <a:prstGeom prst="rect">
@@ -29455,7 +26698,7 @@
             <a:hlinkClick r:id="rId15" action="ppaction://hlinksldjump"/>
             <a:extLst>
               <a:ext uri="{FF2B5EF4-FFF2-40B4-BE49-F238E27FC236}">
-                <a16:creationId xmlns:a16="http://schemas.microsoft.com/office/drawing/2014/main" id="{4D3C9206-129E-4822-BB3C-0FF9843BED57}"/>
+                <a16:creationId xmlns:a16="http://schemas.microsoft.com/office/drawing/2014/main" xmlns="" id="{4D3C9206-129E-4822-BB3C-0FF9843BED57}"/>
               </a:ext>
             </a:extLst>
           </p:cNvPr>
@@ -29464,7 +26707,7 @@
         </p:nvSpPr>
         <p:spPr>
           <a:xfrm>
-            <a:off x="70768" y="2335179"/>
+            <a:off x="136671" y="160540"/>
             <a:ext cx="1977656" cy="288961"/>
           </a:xfrm>
           <a:prstGeom prst="rect">
@@ -29505,7 +26748,7 @@
             <a:hlinkClick r:id="rId16" action="ppaction://hlinksldjump"/>
             <a:extLst>
               <a:ext uri="{FF2B5EF4-FFF2-40B4-BE49-F238E27FC236}">
-                <a16:creationId xmlns:a16="http://schemas.microsoft.com/office/drawing/2014/main" id="{F39809A1-7B21-4036-A129-43B793742CB6}"/>
+                <a16:creationId xmlns:a16="http://schemas.microsoft.com/office/drawing/2014/main" xmlns="" id="{F39809A1-7B21-4036-A129-43B793742CB6}"/>
               </a:ext>
             </a:extLst>
           </p:cNvPr>
@@ -29514,7 +26757,7 @@
         </p:nvSpPr>
         <p:spPr>
           <a:xfrm>
-            <a:off x="70768" y="2970984"/>
+            <a:off x="136671" y="796345"/>
             <a:ext cx="1977656" cy="288961"/>
           </a:xfrm>
           <a:prstGeom prst="rect">
@@ -29545,106 +26788,6 @@
             <a:r>
               <a:rPr lang="fr-FR" sz="1000" dirty="0"/>
               <a:t>Introduction</a:t>
-            </a:r>
-          </a:p>
-        </p:txBody>
-      </p:sp>
-      <p:sp>
-        <p:nvSpPr>
-          <p:cNvPr id="20" name="Rectangle 19">
-            <a:hlinkClick r:id="rId17" action="ppaction://hlinksldjump"/>
-            <a:extLst>
-              <a:ext uri="{FF2B5EF4-FFF2-40B4-BE49-F238E27FC236}">
-                <a16:creationId xmlns:a16="http://schemas.microsoft.com/office/drawing/2014/main" id="{FF9E7A7C-5B15-4248-A7D4-985AF56C76CB}"/>
-              </a:ext>
-            </a:extLst>
-          </p:cNvPr>
-          <p:cNvSpPr/>
-          <p:nvPr/>
-        </p:nvSpPr>
-        <p:spPr>
-          <a:xfrm>
-            <a:off x="70768" y="1688085"/>
-            <a:ext cx="1977656" cy="288961"/>
-          </a:xfrm>
-          <a:prstGeom prst="rect">
-            <a:avLst/>
-          </a:prstGeom>
-        </p:spPr>
-        <p:style>
-          <a:lnRef idx="2">
-            <a:schemeClr val="accent1">
-              <a:shade val="50000"/>
-            </a:schemeClr>
-          </a:lnRef>
-          <a:fillRef idx="1">
-            <a:schemeClr val="accent1"/>
-          </a:fillRef>
-          <a:effectRef idx="0">
-            <a:schemeClr val="accent1"/>
-          </a:effectRef>
-          <a:fontRef idx="minor">
-            <a:schemeClr val="lt1"/>
-          </a:fontRef>
-        </p:style>
-        <p:txBody>
-          <a:bodyPr rtlCol="0" anchor="ctr"/>
-          <a:lstStyle/>
-          <a:p>
-            <a:pPr algn="ctr"/>
-            <a:r>
-              <a:rPr lang="fr-FR" sz="1000" dirty="0"/>
-              <a:t>Soutenance de stage</a:t>
-            </a:r>
-          </a:p>
-        </p:txBody>
-      </p:sp>
-      <p:sp>
-        <p:nvSpPr>
-          <p:cNvPr id="21" name="Rectangle 20">
-            <a:hlinkClick r:id="rId18" action="ppaction://hlinksldjump"/>
-            <a:extLst>
-              <a:ext uri="{FF2B5EF4-FFF2-40B4-BE49-F238E27FC236}">
-                <a16:creationId xmlns:a16="http://schemas.microsoft.com/office/drawing/2014/main" id="{8C0BFB88-81E5-45B5-9CED-48D985B57645}"/>
-              </a:ext>
-            </a:extLst>
-          </p:cNvPr>
-          <p:cNvSpPr/>
-          <p:nvPr/>
-        </p:nvSpPr>
-        <p:spPr>
-          <a:xfrm>
-            <a:off x="70768" y="2012963"/>
-            <a:ext cx="1977656" cy="288961"/>
-          </a:xfrm>
-          <a:prstGeom prst="rect">
-            <a:avLst/>
-          </a:prstGeom>
-        </p:spPr>
-        <p:style>
-          <a:lnRef idx="2">
-            <a:schemeClr val="accent1">
-              <a:shade val="50000"/>
-            </a:schemeClr>
-          </a:lnRef>
-          <a:fillRef idx="1">
-            <a:schemeClr val="accent1"/>
-          </a:fillRef>
-          <a:effectRef idx="0">
-            <a:schemeClr val="accent1"/>
-          </a:effectRef>
-          <a:fontRef idx="minor">
-            <a:schemeClr val="lt1"/>
-          </a:fontRef>
-        </p:style>
-        <p:txBody>
-          <a:bodyPr rtlCol="0" anchor="ctr"/>
-          <a:lstStyle/>
-          <a:p>
-            <a:pPr algn="ctr"/>
-            <a:r>
-              <a:rPr lang="fr-FR" sz="1000" dirty="0"/>
-              <a:t>Sommaire</a:t>
             </a:r>
           </a:p>
         </p:txBody>

--- a/SOUTENANCE/Soutenance de stage.pptx
+++ b/SOUTENANCE/Soutenance de stage.pptx
@@ -2594,6 +2594,13 @@
     <dgm:pt modelId="{DCE7615C-55AC-43E8-AFAD-5A5F1153E9E9}" type="doc">
       <dgm:prSet loTypeId="urn:microsoft.com/office/officeart/2005/8/layout/vList3" loCatId="list" qsTypeId="urn:microsoft.com/office/officeart/2005/8/quickstyle/simple1" qsCatId="simple" csTypeId="urn:microsoft.com/office/officeart/2005/8/colors/accent1_2" csCatId="accent1" phldr="1"/>
       <dgm:spPr/>
+      <dgm:t>
+        <a:bodyPr/>
+        <a:lstStyle/>
+        <a:p>
+          <a:endParaRPr lang="fr-FR"/>
+        </a:p>
+      </dgm:t>
     </dgm:pt>
     <dgm:pt modelId="{FE745F6D-9D99-45FB-9A74-AE9A34579525}">
       <dgm:prSet phldrT="[Texte]"/>
@@ -2629,42 +2636,6 @@
       </dgm:t>
     </dgm:pt>
     <dgm:pt modelId="{89FF397D-5BC5-4717-9FFB-9611CFCC29EA}" type="sibTrans" cxnId="{E4A1E083-AF66-497E-9FF5-C938E8B05762}">
-      <dgm:prSet/>
-      <dgm:spPr/>
-      <dgm:t>
-        <a:bodyPr/>
-        <a:lstStyle/>
-        <a:p>
-          <a:endParaRPr lang="fr-FR"/>
-        </a:p>
-      </dgm:t>
-    </dgm:pt>
-    <dgm:pt modelId="{079ADC9D-8350-45E6-9563-0407FC0F1F10}">
-      <dgm:prSet phldrT="[Texte]"/>
-      <dgm:spPr/>
-      <dgm:t>
-        <a:bodyPr/>
-        <a:lstStyle/>
-        <a:p>
-          <a:r>
-            <a:rPr lang="fr-FR" dirty="0"/>
-            <a:t>Créer les fiches des différents produits</a:t>
-          </a:r>
-        </a:p>
-      </dgm:t>
-    </dgm:pt>
-    <dgm:pt modelId="{11396BE9-F3A4-45C1-B03A-8AACC90DC1C2}" type="parTrans" cxnId="{54A496CD-01D7-4909-87D3-1DE905F75A04}">
-      <dgm:prSet/>
-      <dgm:spPr/>
-      <dgm:t>
-        <a:bodyPr/>
-        <a:lstStyle/>
-        <a:p>
-          <a:endParaRPr lang="fr-FR"/>
-        </a:p>
-      </dgm:t>
-    </dgm:pt>
-    <dgm:pt modelId="{A07090C2-9DD4-4CE0-8C90-54F78B321461}" type="sibTrans" cxnId="{54A496CD-01D7-4909-87D3-1DE905F75A04}">
       <dgm:prSet/>
       <dgm:spPr/>
       <dgm:t>
@@ -2711,6 +2682,79 @@
         </a:p>
       </dgm:t>
     </dgm:pt>
+    <dgm:pt modelId="{D83AA39F-888C-4C2F-87D0-017961FFBEE0}">
+      <dgm:prSet phldrT="[Texte]"/>
+      <dgm:spPr/>
+      <dgm:t>
+        <a:bodyPr/>
+        <a:lstStyle/>
+        <a:p>
+          <a:r>
+            <a:rPr lang="fr-FR" dirty="0"/>
+            <a:t>Créer les fiches des différents produits</a:t>
+          </a:r>
+        </a:p>
+      </dgm:t>
+    </dgm:pt>
+    <dgm:pt modelId="{68F816B9-2969-4C03-9EB0-A07D18928FFF}" type="parTrans" cxnId="{7FFED189-1594-46A2-A872-A5B758466651}">
+      <dgm:prSet/>
+      <dgm:spPr/>
+      <dgm:t>
+        <a:bodyPr/>
+        <a:lstStyle/>
+        <a:p>
+          <a:endParaRPr lang="fr-FR"/>
+        </a:p>
+      </dgm:t>
+    </dgm:pt>
+    <dgm:pt modelId="{91FA846C-8EC7-4D9A-AB03-3E31E446C342}" type="sibTrans" cxnId="{7FFED189-1594-46A2-A872-A5B758466651}">
+      <dgm:prSet/>
+      <dgm:spPr/>
+      <dgm:t>
+        <a:bodyPr/>
+        <a:lstStyle/>
+        <a:p>
+          <a:endParaRPr lang="fr-FR"/>
+        </a:p>
+      </dgm:t>
+    </dgm:pt>
+    <dgm:pt modelId="{8E11AEE2-9867-463D-B01F-BCAA15EFA03C}">
+      <dgm:prSet phldrT="[Texte]"/>
+      <dgm:spPr/>
+      <dgm:t>
+        <a:bodyPr/>
+        <a:lstStyle/>
+        <a:p>
+          <a:r>
+            <a:rPr lang="fr-FR" dirty="0" smtClean="0"/>
+            <a:t>Utilisation de différents langages HTML, CSS et JAVASCRIPT </a:t>
+          </a:r>
+          <a:endParaRPr lang="fr-FR" dirty="0"/>
+        </a:p>
+      </dgm:t>
+    </dgm:pt>
+    <dgm:pt modelId="{C2A2D0B5-537A-4A7F-82CE-E9AB2A5B3CE9}" type="parTrans" cxnId="{2F620297-805F-4074-BEF5-01672300119A}">
+      <dgm:prSet/>
+      <dgm:spPr/>
+      <dgm:t>
+        <a:bodyPr/>
+        <a:lstStyle/>
+        <a:p>
+          <a:endParaRPr lang="fr-FR"/>
+        </a:p>
+      </dgm:t>
+    </dgm:pt>
+    <dgm:pt modelId="{AFC2799B-0625-4536-85E7-B84FF06D4418}" type="sibTrans" cxnId="{2F620297-805F-4074-BEF5-01672300119A}">
+      <dgm:prSet/>
+      <dgm:spPr/>
+      <dgm:t>
+        <a:bodyPr/>
+        <a:lstStyle/>
+        <a:p>
+          <a:endParaRPr lang="fr-FR"/>
+        </a:p>
+      </dgm:t>
+    </dgm:pt>
     <dgm:pt modelId="{66BF7D26-9E65-4651-A907-E96462535EE0}" type="pres">
       <dgm:prSet presAssocID="{DCE7615C-55AC-43E8-AFAD-5A5F1153E9E9}" presName="linearFlow" presStyleCnt="0">
         <dgm:presLayoutVars>
@@ -2725,7 +2769,7 @@
       <dgm:spPr/>
     </dgm:pt>
     <dgm:pt modelId="{46622112-5E23-4DEB-97D2-F6D528782321}" type="pres">
-      <dgm:prSet presAssocID="{FE745F6D-9D99-45FB-9A74-AE9A34579525}" presName="imgShp" presStyleLbl="fgImgPlace1" presStyleIdx="0" presStyleCnt="3"/>
+      <dgm:prSet presAssocID="{FE745F6D-9D99-45FB-9A74-AE9A34579525}" presName="imgShp" presStyleLbl="fgImgPlace1" presStyleIdx="0" presStyleCnt="4" custLinFactNeighborX="2188" custLinFactNeighborY="9125"/>
       <dgm:spPr>
         <a:blipFill dpi="0" rotWithShape="1">
           <a:blip xmlns:r="http://schemas.openxmlformats.org/officeDocument/2006/relationships" r:embed="rId1">
@@ -2743,7 +2787,7 @@
       </dgm:spPr>
     </dgm:pt>
     <dgm:pt modelId="{4A3D31EA-F1C2-43DC-922C-71F6928D0635}" type="pres">
-      <dgm:prSet presAssocID="{FE745F6D-9D99-45FB-9A74-AE9A34579525}" presName="txShp" presStyleLbl="node1" presStyleIdx="0" presStyleCnt="3" custScaleX="100202" custScaleY="105664">
+      <dgm:prSet presAssocID="{FE745F6D-9D99-45FB-9A74-AE9A34579525}" presName="txShp" presStyleLbl="node1" presStyleIdx="0" presStyleCnt="4" custScaleX="100202" custScaleY="105664" custLinFactNeighborX="190" custLinFactNeighborY="9133">
         <dgm:presLayoutVars>
           <dgm:bulletEnabled val="1"/>
         </dgm:presLayoutVars>
@@ -2761,56 +2805,15 @@
       <dgm:prSet presAssocID="{89FF397D-5BC5-4717-9FFB-9611CFCC29EA}" presName="spacing" presStyleCnt="0"/>
       <dgm:spPr/>
     </dgm:pt>
-    <dgm:pt modelId="{6E7DF9FD-5A89-469F-9CE5-82D66C3E15BF}" type="pres">
-      <dgm:prSet presAssocID="{079ADC9D-8350-45E6-9563-0407FC0F1F10}" presName="composite" presStyleCnt="0"/>
-      <dgm:spPr/>
-    </dgm:pt>
-    <dgm:pt modelId="{85FBE9D7-6A3D-46C5-967B-E40E519C304D}" type="pres">
-      <dgm:prSet presAssocID="{079ADC9D-8350-45E6-9563-0407FC0F1F10}" presName="imgShp" presStyleLbl="fgImgPlace1" presStyleIdx="1" presStyleCnt="3" custLinFactNeighborX="-860" custLinFactNeighborY="-251"/>
-      <dgm:spPr>
-        <a:blipFill dpi="0" rotWithShape="1">
-          <a:blip xmlns:r="http://schemas.openxmlformats.org/officeDocument/2006/relationships" r:embed="rId2">
-            <a:extLst>
-              <a:ext uri="{28A0092B-C50C-407E-A947-70E740481C1C}">
-                <a14:useLocalDpi xmlns:a14="http://schemas.microsoft.com/office/drawing/2010/main" val="0"/>
-              </a:ext>
-            </a:extLst>
-          </a:blip>
-          <a:srcRect/>
-          <a:stretch>
-            <a:fillRect t="16818" b="16818"/>
-          </a:stretch>
-        </a:blipFill>
-      </dgm:spPr>
-    </dgm:pt>
-    <dgm:pt modelId="{3C28FEB3-88EA-45D8-844F-9364627D0B47}" type="pres">
-      <dgm:prSet presAssocID="{079ADC9D-8350-45E6-9563-0407FC0F1F10}" presName="txShp" presStyleLbl="node1" presStyleIdx="1" presStyleCnt="3">
-        <dgm:presLayoutVars>
-          <dgm:bulletEnabled val="1"/>
-        </dgm:presLayoutVars>
-      </dgm:prSet>
-      <dgm:spPr/>
-      <dgm:t>
-        <a:bodyPr/>
-        <a:lstStyle/>
-        <a:p>
-          <a:endParaRPr lang="fr-FR"/>
-        </a:p>
-      </dgm:t>
-    </dgm:pt>
-    <dgm:pt modelId="{A674AAE8-05D2-4475-AC21-8C7BB555197B}" type="pres">
-      <dgm:prSet presAssocID="{A07090C2-9DD4-4CE0-8C90-54F78B321461}" presName="spacing" presStyleCnt="0"/>
-      <dgm:spPr/>
-    </dgm:pt>
     <dgm:pt modelId="{B7BA80C6-BC47-487C-B1AA-9D7BC8D46BF3}" type="pres">
       <dgm:prSet presAssocID="{104071D2-8A57-465E-8069-473C93968D59}" presName="composite" presStyleCnt="0"/>
       <dgm:spPr/>
     </dgm:pt>
     <dgm:pt modelId="{96F1EE87-2EC2-4BD6-831A-33E367545868}" type="pres">
-      <dgm:prSet presAssocID="{104071D2-8A57-465E-8069-473C93968D59}" presName="imgShp" presStyleLbl="fgImgPlace1" presStyleIdx="2" presStyleCnt="3"/>
+      <dgm:prSet presAssocID="{104071D2-8A57-465E-8069-473C93968D59}" presName="imgShp" presStyleLbl="fgImgPlace1" presStyleIdx="1" presStyleCnt="4" custLinFactNeighborX="1824" custLinFactNeighborY="4716"/>
       <dgm:spPr>
         <a:blipFill dpi="0" rotWithShape="1">
-          <a:blip xmlns:r="http://schemas.openxmlformats.org/officeDocument/2006/relationships" r:embed="rId3">
+          <a:blip xmlns:r="http://schemas.openxmlformats.org/officeDocument/2006/relationships" r:embed="rId2">
             <a:extLst>
               <a:ext uri="{28A0092B-C50C-407E-A947-70E740481C1C}">
                 <a14:useLocalDpi xmlns:a14="http://schemas.microsoft.com/office/drawing/2010/main" val="0"/>
@@ -2825,7 +2828,96 @@
       </dgm:spPr>
     </dgm:pt>
     <dgm:pt modelId="{7889CA99-B335-4A02-8324-ED07E0382493}" type="pres">
-      <dgm:prSet presAssocID="{104071D2-8A57-465E-8069-473C93968D59}" presName="txShp" presStyleLbl="node1" presStyleIdx="2" presStyleCnt="3">
+      <dgm:prSet presAssocID="{104071D2-8A57-465E-8069-473C93968D59}" presName="txShp" presStyleLbl="node1" presStyleIdx="1" presStyleCnt="4" custLinFactNeighborX="380" custLinFactNeighborY="4716">
+        <dgm:presLayoutVars>
+          <dgm:bulletEnabled val="1"/>
+        </dgm:presLayoutVars>
+      </dgm:prSet>
+      <dgm:spPr/>
+      <dgm:t>
+        <a:bodyPr/>
+        <a:lstStyle/>
+        <a:p>
+          <a:endParaRPr lang="fr-FR"/>
+        </a:p>
+      </dgm:t>
+    </dgm:pt>
+    <dgm:pt modelId="{D3CC1834-C713-4994-80E5-DC7907B43DCB}" type="pres">
+      <dgm:prSet presAssocID="{D2E4AF21-8B78-4270-8A77-361819031BDB}" presName="spacing" presStyleCnt="0"/>
+      <dgm:spPr/>
+    </dgm:pt>
+    <dgm:pt modelId="{7C7ABFFC-A493-445E-A7DD-D586EC4A06ED}" type="pres">
+      <dgm:prSet presAssocID="{8E11AEE2-9867-463D-B01F-BCAA15EFA03C}" presName="composite" presStyleCnt="0"/>
+      <dgm:spPr/>
+    </dgm:pt>
+    <dgm:pt modelId="{57C10AB4-DB06-4854-B976-4910AE847C29}" type="pres">
+      <dgm:prSet presAssocID="{8E11AEE2-9867-463D-B01F-BCAA15EFA03C}" presName="imgShp" presStyleLbl="fgImgPlace1" presStyleIdx="2" presStyleCnt="4" custLinFactNeighborX="2736" custLinFactNeighborY="489"/>
+      <dgm:spPr>
+        <a:blipFill>
+          <a:blip xmlns:r="http://schemas.openxmlformats.org/officeDocument/2006/relationships" r:embed="rId3">
+            <a:extLst>
+              <a:ext uri="{28A0092B-C50C-407E-A947-70E740481C1C}">
+                <a14:useLocalDpi xmlns:a14="http://schemas.microsoft.com/office/drawing/2010/main" val="0"/>
+              </a:ext>
+            </a:extLst>
+          </a:blip>
+          <a:srcRect/>
+          <a:stretch>
+            <a:fillRect l="-20000" r="-20000"/>
+          </a:stretch>
+        </a:blipFill>
+      </dgm:spPr>
+    </dgm:pt>
+    <dgm:pt modelId="{2D5A8F5C-C73B-4022-9450-855CC3D996BC}" type="pres">
+      <dgm:prSet presAssocID="{8E11AEE2-9867-463D-B01F-BCAA15EFA03C}" presName="txShp" presStyleLbl="node1" presStyleIdx="2" presStyleCnt="4" custLinFactNeighborX="570" custLinFactNeighborY="489">
+        <dgm:presLayoutVars>
+          <dgm:bulletEnabled val="1"/>
+        </dgm:presLayoutVars>
+      </dgm:prSet>
+      <dgm:spPr/>
+      <dgm:t>
+        <a:bodyPr/>
+        <a:lstStyle/>
+        <a:p>
+          <a:endParaRPr lang="fr-FR"/>
+        </a:p>
+      </dgm:t>
+    </dgm:pt>
+    <dgm:pt modelId="{CA21F730-AF21-4997-9233-0F71877E97F5}" type="pres">
+      <dgm:prSet presAssocID="{AFC2799B-0625-4536-85E7-B84FF06D4418}" presName="spacing" presStyleCnt="0"/>
+      <dgm:spPr/>
+    </dgm:pt>
+    <dgm:pt modelId="{36CB4E5E-F655-472A-9522-DDFA7616468E}" type="pres">
+      <dgm:prSet presAssocID="{D83AA39F-888C-4C2F-87D0-017961FFBEE0}" presName="composite" presStyleCnt="0"/>
+      <dgm:spPr/>
+    </dgm:pt>
+    <dgm:pt modelId="{01CEE01E-429D-4DC3-9F82-6E3AE495F3FF}" type="pres">
+      <dgm:prSet presAssocID="{D83AA39F-888C-4C2F-87D0-017961FFBEE0}" presName="imgShp" presStyleLbl="fgImgPlace1" presStyleIdx="3" presStyleCnt="4" custLinFactNeighborX="1824" custLinFactNeighborY="-8208"/>
+      <dgm:spPr>
+        <a:blipFill>
+          <a:blip xmlns:r="http://schemas.openxmlformats.org/officeDocument/2006/relationships" r:embed="rId4">
+            <a:extLst>
+              <a:ext uri="{28A0092B-C50C-407E-A947-70E740481C1C}">
+                <a14:useLocalDpi xmlns:a14="http://schemas.microsoft.com/office/drawing/2010/main" val="0"/>
+              </a:ext>
+            </a:extLst>
+          </a:blip>
+          <a:srcRect/>
+          <a:stretch>
+            <a:fillRect l="-32000" r="-32000"/>
+          </a:stretch>
+        </a:blipFill>
+      </dgm:spPr>
+      <dgm:t>
+        <a:bodyPr/>
+        <a:lstStyle/>
+        <a:p>
+          <a:endParaRPr lang="fr-FR"/>
+        </a:p>
+      </dgm:t>
+    </dgm:pt>
+    <dgm:pt modelId="{AAC4C58A-688A-4470-97F9-CC66F4A27A0C}" type="pres">
+      <dgm:prSet presAssocID="{D83AA39F-888C-4C2F-87D0-017961FFBEE0}" presName="txShp" presStyleLbl="node1" presStyleIdx="3" presStyleCnt="4" custLinFactNeighborX="380" custLinFactNeighborY="-8208">
         <dgm:presLayoutVars>
           <dgm:bulletEnabled val="1"/>
         </dgm:presLayoutVars>
@@ -2842,23 +2934,29 @@
   </dgm:ptLst>
   <dgm:cxnLst>
     <dgm:cxn modelId="{6EE82AFD-0753-4623-B7B5-1607F69F936E}" type="presOf" srcId="{FE745F6D-9D99-45FB-9A74-AE9A34579525}" destId="{4A3D31EA-F1C2-43DC-922C-71F6928D0635}" srcOrd="0" destOrd="0" presId="urn:microsoft.com/office/officeart/2005/8/layout/vList3"/>
+    <dgm:cxn modelId="{BF0497D3-B82D-4F6E-866D-91B3F1E771DE}" type="presOf" srcId="{8E11AEE2-9867-463D-B01F-BCAA15EFA03C}" destId="{2D5A8F5C-C73B-4022-9450-855CC3D996BC}" srcOrd="0" destOrd="0" presId="urn:microsoft.com/office/officeart/2005/8/layout/vList3"/>
+    <dgm:cxn modelId="{7FFED189-1594-46A2-A872-A5B758466651}" srcId="{DCE7615C-55AC-43E8-AFAD-5A5F1153E9E9}" destId="{D83AA39F-888C-4C2F-87D0-017961FFBEE0}" srcOrd="3" destOrd="0" parTransId="{68F816B9-2969-4C03-9EB0-A07D18928FFF}" sibTransId="{91FA846C-8EC7-4D9A-AB03-3E31E446C342}"/>
     <dgm:cxn modelId="{E4A1E083-AF66-497E-9FF5-C938E8B05762}" srcId="{DCE7615C-55AC-43E8-AFAD-5A5F1153E9E9}" destId="{FE745F6D-9D99-45FB-9A74-AE9A34579525}" srcOrd="0" destOrd="0" parTransId="{86EE4119-ACDA-4500-B7DD-CEBF114CC88C}" sibTransId="{89FF397D-5BC5-4717-9FFB-9611CFCC29EA}"/>
-    <dgm:cxn modelId="{54A496CD-01D7-4909-87D3-1DE905F75A04}" srcId="{DCE7615C-55AC-43E8-AFAD-5A5F1153E9E9}" destId="{079ADC9D-8350-45E6-9563-0407FC0F1F10}" srcOrd="1" destOrd="0" parTransId="{11396BE9-F3A4-45C1-B03A-8AACC90DC1C2}" sibTransId="{A07090C2-9DD4-4CE0-8C90-54F78B321461}"/>
-    <dgm:cxn modelId="{1E733B33-5A09-40A4-83E7-705A809D0DB3}" srcId="{DCE7615C-55AC-43E8-AFAD-5A5F1153E9E9}" destId="{104071D2-8A57-465E-8069-473C93968D59}" srcOrd="2" destOrd="0" parTransId="{1BF65AC2-34BD-44EF-A8F6-6FCCF2BF267E}" sibTransId="{D2E4AF21-8B78-4270-8A77-361819031BDB}"/>
-    <dgm:cxn modelId="{3A8A385D-1254-499D-94CA-3E5C2691E484}" type="presOf" srcId="{079ADC9D-8350-45E6-9563-0407FC0F1F10}" destId="{3C28FEB3-88EA-45D8-844F-9364627D0B47}" srcOrd="0" destOrd="0" presId="urn:microsoft.com/office/officeart/2005/8/layout/vList3"/>
+    <dgm:cxn modelId="{54EB85D3-342A-4380-8C4C-3408353A7E05}" type="presOf" srcId="{104071D2-8A57-465E-8069-473C93968D59}" destId="{7889CA99-B335-4A02-8324-ED07E0382493}" srcOrd="0" destOrd="0" presId="urn:microsoft.com/office/officeart/2005/8/layout/vList3"/>
+    <dgm:cxn modelId="{2F620297-805F-4074-BEF5-01672300119A}" srcId="{DCE7615C-55AC-43E8-AFAD-5A5F1153E9E9}" destId="{8E11AEE2-9867-463D-B01F-BCAA15EFA03C}" srcOrd="2" destOrd="0" parTransId="{C2A2D0B5-537A-4A7F-82CE-E9AB2A5B3CE9}" sibTransId="{AFC2799B-0625-4536-85E7-B84FF06D4418}"/>
+    <dgm:cxn modelId="{1E733B33-5A09-40A4-83E7-705A809D0DB3}" srcId="{DCE7615C-55AC-43E8-AFAD-5A5F1153E9E9}" destId="{104071D2-8A57-465E-8069-473C93968D59}" srcOrd="1" destOrd="0" parTransId="{1BF65AC2-34BD-44EF-A8F6-6FCCF2BF267E}" sibTransId="{D2E4AF21-8B78-4270-8A77-361819031BDB}"/>
     <dgm:cxn modelId="{119DDF50-D84A-4FE4-8D80-0DBCCB1826AB}" type="presOf" srcId="{DCE7615C-55AC-43E8-AFAD-5A5F1153E9E9}" destId="{66BF7D26-9E65-4651-A907-E96462535EE0}" srcOrd="0" destOrd="0" presId="urn:microsoft.com/office/officeart/2005/8/layout/vList3"/>
-    <dgm:cxn modelId="{54EB85D3-342A-4380-8C4C-3408353A7E05}" type="presOf" srcId="{104071D2-8A57-465E-8069-473C93968D59}" destId="{7889CA99-B335-4A02-8324-ED07E0382493}" srcOrd="0" destOrd="0" presId="urn:microsoft.com/office/officeart/2005/8/layout/vList3"/>
+    <dgm:cxn modelId="{042757F7-1F4E-42CD-B096-C510B27DC2CB}" type="presOf" srcId="{D83AA39F-888C-4C2F-87D0-017961FFBEE0}" destId="{AAC4C58A-688A-4470-97F9-CC66F4A27A0C}" srcOrd="0" destOrd="0" presId="urn:microsoft.com/office/officeart/2005/8/layout/vList3"/>
     <dgm:cxn modelId="{5AF7A819-DD4E-49C6-AF76-92C963FB02E9}" type="presParOf" srcId="{66BF7D26-9E65-4651-A907-E96462535EE0}" destId="{1C3CE909-9B69-4235-972B-F8371EBBDFBC}" srcOrd="0" destOrd="0" presId="urn:microsoft.com/office/officeart/2005/8/layout/vList3"/>
     <dgm:cxn modelId="{23531251-2341-4D03-A5F5-0B7E4949DE71}" type="presParOf" srcId="{1C3CE909-9B69-4235-972B-F8371EBBDFBC}" destId="{46622112-5E23-4DEB-97D2-F6D528782321}" srcOrd="0" destOrd="0" presId="urn:microsoft.com/office/officeart/2005/8/layout/vList3"/>
     <dgm:cxn modelId="{FDCA1296-EADF-4317-9A75-DD035B2E2AEB}" type="presParOf" srcId="{1C3CE909-9B69-4235-972B-F8371EBBDFBC}" destId="{4A3D31EA-F1C2-43DC-922C-71F6928D0635}" srcOrd="1" destOrd="0" presId="urn:microsoft.com/office/officeart/2005/8/layout/vList3"/>
     <dgm:cxn modelId="{5ED926BB-B7E6-473C-90B4-A9C9BB3A0238}" type="presParOf" srcId="{66BF7D26-9E65-4651-A907-E96462535EE0}" destId="{6D59B982-98E3-4768-A2A6-9A159E5C13C3}" srcOrd="1" destOrd="0" presId="urn:microsoft.com/office/officeart/2005/8/layout/vList3"/>
-    <dgm:cxn modelId="{D836ECE9-4581-4CCD-8B9F-ADD774154403}" type="presParOf" srcId="{66BF7D26-9E65-4651-A907-E96462535EE0}" destId="{6E7DF9FD-5A89-469F-9CE5-82D66C3E15BF}" srcOrd="2" destOrd="0" presId="urn:microsoft.com/office/officeart/2005/8/layout/vList3"/>
-    <dgm:cxn modelId="{CEC14E97-2E47-4D76-B947-0D0F65698670}" type="presParOf" srcId="{6E7DF9FD-5A89-469F-9CE5-82D66C3E15BF}" destId="{85FBE9D7-6A3D-46C5-967B-E40E519C304D}" srcOrd="0" destOrd="0" presId="urn:microsoft.com/office/officeart/2005/8/layout/vList3"/>
-    <dgm:cxn modelId="{2C3FD874-C345-4550-A579-C0E7721A901A}" type="presParOf" srcId="{6E7DF9FD-5A89-469F-9CE5-82D66C3E15BF}" destId="{3C28FEB3-88EA-45D8-844F-9364627D0B47}" srcOrd="1" destOrd="0" presId="urn:microsoft.com/office/officeart/2005/8/layout/vList3"/>
-    <dgm:cxn modelId="{15EFB972-15BA-4FE2-A82A-1A0B09BDAE05}" type="presParOf" srcId="{66BF7D26-9E65-4651-A907-E96462535EE0}" destId="{A674AAE8-05D2-4475-AC21-8C7BB555197B}" srcOrd="3" destOrd="0" presId="urn:microsoft.com/office/officeart/2005/8/layout/vList3"/>
-    <dgm:cxn modelId="{A3E28E7F-87F2-4862-8F5C-B7FE1F94746D}" type="presParOf" srcId="{66BF7D26-9E65-4651-A907-E96462535EE0}" destId="{B7BA80C6-BC47-487C-B1AA-9D7BC8D46BF3}" srcOrd="4" destOrd="0" presId="urn:microsoft.com/office/officeart/2005/8/layout/vList3"/>
+    <dgm:cxn modelId="{A3E28E7F-87F2-4862-8F5C-B7FE1F94746D}" type="presParOf" srcId="{66BF7D26-9E65-4651-A907-E96462535EE0}" destId="{B7BA80C6-BC47-487C-B1AA-9D7BC8D46BF3}" srcOrd="2" destOrd="0" presId="urn:microsoft.com/office/officeart/2005/8/layout/vList3"/>
     <dgm:cxn modelId="{C274D4D3-C8D8-4F04-BEE0-D7551EE4274E}" type="presParOf" srcId="{B7BA80C6-BC47-487C-B1AA-9D7BC8D46BF3}" destId="{96F1EE87-2EC2-4BD6-831A-33E367545868}" srcOrd="0" destOrd="0" presId="urn:microsoft.com/office/officeart/2005/8/layout/vList3"/>
     <dgm:cxn modelId="{EA407C8C-DFA2-4098-9D49-6432989F0B02}" type="presParOf" srcId="{B7BA80C6-BC47-487C-B1AA-9D7BC8D46BF3}" destId="{7889CA99-B335-4A02-8324-ED07E0382493}" srcOrd="1" destOrd="0" presId="urn:microsoft.com/office/officeart/2005/8/layout/vList3"/>
+    <dgm:cxn modelId="{988CDA5C-D8C1-4221-A555-3FB7546EAFF8}" type="presParOf" srcId="{66BF7D26-9E65-4651-A907-E96462535EE0}" destId="{D3CC1834-C713-4994-80E5-DC7907B43DCB}" srcOrd="3" destOrd="0" presId="urn:microsoft.com/office/officeart/2005/8/layout/vList3"/>
+    <dgm:cxn modelId="{C3DD0A37-B053-44AA-9724-47DDD02C19A0}" type="presParOf" srcId="{66BF7D26-9E65-4651-A907-E96462535EE0}" destId="{7C7ABFFC-A493-445E-A7DD-D586EC4A06ED}" srcOrd="4" destOrd="0" presId="urn:microsoft.com/office/officeart/2005/8/layout/vList3"/>
+    <dgm:cxn modelId="{B6819695-3392-4026-B733-C93F5A7FDC67}" type="presParOf" srcId="{7C7ABFFC-A493-445E-A7DD-D586EC4A06ED}" destId="{57C10AB4-DB06-4854-B976-4910AE847C29}" srcOrd="0" destOrd="0" presId="urn:microsoft.com/office/officeart/2005/8/layout/vList3"/>
+    <dgm:cxn modelId="{93E3A4BE-5A52-4250-B25D-E356DEBE37D6}" type="presParOf" srcId="{7C7ABFFC-A493-445E-A7DD-D586EC4A06ED}" destId="{2D5A8F5C-C73B-4022-9450-855CC3D996BC}" srcOrd="1" destOrd="0" presId="urn:microsoft.com/office/officeart/2005/8/layout/vList3"/>
+    <dgm:cxn modelId="{FC5E71B9-5C0F-4EA4-9144-0EEB46BEEEF8}" type="presParOf" srcId="{66BF7D26-9E65-4651-A907-E96462535EE0}" destId="{CA21F730-AF21-4997-9233-0F71877E97F5}" srcOrd="5" destOrd="0" presId="urn:microsoft.com/office/officeart/2005/8/layout/vList3"/>
+    <dgm:cxn modelId="{BA29DD53-F42E-415C-B714-A0F91ACBD7C0}" type="presParOf" srcId="{66BF7D26-9E65-4651-A907-E96462535EE0}" destId="{36CB4E5E-F655-472A-9522-DDFA7616468E}" srcOrd="6" destOrd="0" presId="urn:microsoft.com/office/officeart/2005/8/layout/vList3"/>
+    <dgm:cxn modelId="{37C9F25D-8A4C-41B1-AC6F-11512D2C630D}" type="presParOf" srcId="{36CB4E5E-F655-472A-9522-DDFA7616468E}" destId="{01CEE01E-429D-4DC3-9F82-6E3AE495F3FF}" srcOrd="0" destOrd="0" presId="urn:microsoft.com/office/officeart/2005/8/layout/vList3"/>
+    <dgm:cxn modelId="{435F861E-9CD5-4AD4-9AA7-D420B082A6DB}" type="presParOf" srcId="{36CB4E5E-F655-472A-9522-DDFA7616468E}" destId="{AAC4C58A-688A-4470-97F9-CC66F4A27A0C}" srcOrd="1" destOrd="0" presId="urn:microsoft.com/office/officeart/2005/8/layout/vList3"/>
   </dgm:cxnLst>
   <dgm:bg>
     <a:solidFill>
@@ -3492,8 +3590,8 @@
       </dsp:nvSpPr>
       <dsp:spPr>
         <a:xfrm rot="10800000">
-          <a:off x="1574234" y="3294"/>
-          <a:ext cx="4914676" cy="1463459"/>
+          <a:off x="1545894" y="99490"/>
+          <a:ext cx="5060955" cy="1148641"/>
         </a:xfrm>
         <a:prstGeom prst="homePlate">
           <a:avLst/>
@@ -3534,12 +3632,12 @@
         </a:fontRef>
       </dsp:style>
       <dsp:txBody>
-        <a:bodyPr spcFirstLastPara="0" vert="horz" wrap="square" lIns="610752" tIns="99060" rIns="184912" bIns="99060" numCol="1" spcCol="1270" anchor="ctr" anchorCtr="0">
+        <a:bodyPr spcFirstLastPara="0" vert="horz" wrap="square" lIns="479368" tIns="83820" rIns="156464" bIns="83820" numCol="1" spcCol="1270" anchor="ctr" anchorCtr="0">
           <a:noAutofit/>
         </a:bodyPr>
         <a:lstStyle/>
         <a:p>
-          <a:pPr lvl="0" algn="ctr" defTabSz="1155700">
+          <a:pPr lvl="0" algn="ctr" defTabSz="977900">
             <a:lnSpc>
               <a:spcPct val="90000"/>
             </a:lnSpc>
@@ -3551,22 +3649,22 @@
             </a:spcAft>
           </a:pPr>
           <a:r>
-            <a:rPr lang="fr-FR" sz="2600" kern="1200" dirty="0"/>
+            <a:rPr lang="fr-FR" sz="2200" kern="1200" dirty="0"/>
             <a:t>Faire la mise en place d’un site en </a:t>
           </a:r>
           <a:r>
-            <a:rPr lang="fr-FR" sz="2600" kern="1200" dirty="0" err="1"/>
+            <a:rPr lang="fr-FR" sz="2200" kern="1200" dirty="0" err="1"/>
             <a:t>osCommerce</a:t>
           </a:r>
           <a:r>
-            <a:rPr lang="fr-FR" sz="2600" kern="1200" dirty="0"/>
+            <a:rPr lang="fr-FR" sz="2200" kern="1200" dirty="0"/>
             <a:t> sur internet</a:t>
           </a:r>
         </a:p>
       </dsp:txBody>
       <dsp:txXfrm rot="10800000">
-        <a:off x="1940099" y="3294"/>
-        <a:ext cx="4548811" cy="1463459"/>
+        <a:off x="1833054" y="99490"/>
+        <a:ext cx="4773795" cy="1148641"/>
       </dsp:txXfrm>
     </dsp:sp>
     <dsp:sp modelId="{46622112-5E23-4DEB-97D2-F6D528782321}">
@@ -3576,8 +3674,8 @@
       </dsp:nvSpPr>
       <dsp:spPr>
         <a:xfrm>
-          <a:off x="886681" y="42518"/>
-          <a:ext cx="1385012" cy="1385012"/>
+          <a:off x="1021649" y="130189"/>
+          <a:ext cx="1087069" cy="1087069"/>
         </a:xfrm>
         <a:prstGeom prst="ellipse">
           <a:avLst/>
@@ -3621,15 +3719,15 @@
         <a:fontRef idx="minor"/>
       </dsp:style>
     </dsp:sp>
-    <dsp:sp modelId="{3C28FEB3-88EA-45D8-844F-9364627D0B47}">
+    <dsp:sp modelId="{7889CA99-B335-4A02-8324-ED07E0382493}">
       <dsp:nvSpPr>
         <dsp:cNvPr id="0" name=""/>
         <dsp:cNvSpPr/>
       </dsp:nvSpPr>
       <dsp:spPr>
         <a:xfrm rot="10800000">
-          <a:off x="1581664" y="1880190"/>
-          <a:ext cx="4904769" cy="1385012"/>
+          <a:off x="1563142" y="1524614"/>
+          <a:ext cx="5050753" cy="1087069"/>
         </a:xfrm>
         <a:prstGeom prst="homePlate">
           <a:avLst/>
@@ -3670,12 +3768,12 @@
         </a:fontRef>
       </dsp:style>
       <dsp:txBody>
-        <a:bodyPr spcFirstLastPara="0" vert="horz" wrap="square" lIns="610752" tIns="99060" rIns="184912" bIns="99060" numCol="1" spcCol="1270" anchor="ctr" anchorCtr="0">
+        <a:bodyPr spcFirstLastPara="0" vert="horz" wrap="square" lIns="479368" tIns="83820" rIns="156464" bIns="83820" numCol="1" spcCol="1270" anchor="ctr" anchorCtr="0">
           <a:noAutofit/>
         </a:bodyPr>
         <a:lstStyle/>
         <a:p>
-          <a:pPr lvl="0" algn="ctr" defTabSz="1155700">
+          <a:pPr lvl="0" algn="ctr" defTabSz="977900">
             <a:lnSpc>
               <a:spcPct val="90000"/>
             </a:lnSpc>
@@ -3687,25 +3785,25 @@
             </a:spcAft>
           </a:pPr>
           <a:r>
-            <a:rPr lang="fr-FR" sz="2600" kern="1200" dirty="0"/>
-            <a:t>Créer les fiches des différents produits</a:t>
+            <a:rPr lang="fr-FR" sz="2200" kern="1200" dirty="0"/>
+            <a:t>Rechercher les infos des produits sur internet</a:t>
           </a:r>
         </a:p>
       </dsp:txBody>
       <dsp:txXfrm rot="10800000">
-        <a:off x="1927917" y="1880190"/>
-        <a:ext cx="4558516" cy="1385012"/>
+        <a:off x="1834909" y="1524614"/>
+        <a:ext cx="4778986" cy="1087069"/>
       </dsp:txXfrm>
     </dsp:sp>
-    <dsp:sp modelId="{85FBE9D7-6A3D-46C5-967B-E40E519C304D}">
+    <dsp:sp modelId="{96F1EE87-2EC2-4BD6-831A-33E367545868}">
       <dsp:nvSpPr>
         <dsp:cNvPr id="0" name=""/>
         <dsp:cNvSpPr/>
       </dsp:nvSpPr>
       <dsp:spPr>
         <a:xfrm>
-          <a:off x="877247" y="1876714"/>
-          <a:ext cx="1385012" cy="1385012"/>
+          <a:off x="1020242" y="1524614"/>
+          <a:ext cx="1087069" cy="1087069"/>
         </a:xfrm>
         <a:prstGeom prst="ellipse">
           <a:avLst/>
@@ -3720,7 +3818,7 @@
           </a:blip>
           <a:srcRect/>
           <a:stretch>
-            <a:fillRect t="16818" b="16818"/>
+            <a:fillRect t="9750" b="9750"/>
           </a:stretch>
         </a:blipFill>
         <a:ln w="19050" cap="rnd" cmpd="sng" algn="ctr">
@@ -3749,15 +3847,15 @@
         <a:fontRef idx="minor"/>
       </dsp:style>
     </dsp:sp>
-    <dsp:sp modelId="{7889CA99-B335-4A02-8324-ED07E0382493}">
+    <dsp:sp modelId="{2D5A8F5C-C73B-4022-9450-855CC3D996BC}">
       <dsp:nvSpPr>
         <dsp:cNvPr id="0" name=""/>
         <dsp:cNvSpPr/>
       </dsp:nvSpPr>
       <dsp:spPr>
         <a:xfrm rot="10800000">
-          <a:off x="1581664" y="3678639"/>
-          <a:ext cx="4904769" cy="1385012"/>
+          <a:off x="1572739" y="2890232"/>
+          <a:ext cx="5050753" cy="1087069"/>
         </a:xfrm>
         <a:prstGeom prst="homePlate">
           <a:avLst/>
@@ -3798,12 +3896,12 @@
         </a:fontRef>
       </dsp:style>
       <dsp:txBody>
-        <a:bodyPr spcFirstLastPara="0" vert="horz" wrap="square" lIns="610752" tIns="99060" rIns="184912" bIns="99060" numCol="1" spcCol="1270" anchor="ctr" anchorCtr="0">
+        <a:bodyPr spcFirstLastPara="0" vert="horz" wrap="square" lIns="479368" tIns="83820" rIns="156464" bIns="83820" numCol="1" spcCol="1270" anchor="ctr" anchorCtr="0">
           <a:noAutofit/>
         </a:bodyPr>
         <a:lstStyle/>
         <a:p>
-          <a:pPr lvl="0" algn="ctr" defTabSz="1155700">
+          <a:pPr lvl="0" algn="ctr" defTabSz="977900">
             <a:lnSpc>
               <a:spcPct val="90000"/>
             </a:lnSpc>
@@ -3815,30 +3913,31 @@
             </a:spcAft>
           </a:pPr>
           <a:r>
-            <a:rPr lang="fr-FR" sz="2600" kern="1200" dirty="0"/>
-            <a:t>Rechercher les infos des produits sur internet</a:t>
+            <a:rPr lang="fr-FR" sz="2200" kern="1200" dirty="0" smtClean="0"/>
+            <a:t>Utilisation de différents langages HTML, CSS et JAVASCRIPT </a:t>
           </a:r>
+          <a:endParaRPr lang="fr-FR" sz="2200" kern="1200" dirty="0"/>
         </a:p>
       </dsp:txBody>
       <dsp:txXfrm rot="10800000">
-        <a:off x="1927917" y="3678639"/>
-        <a:ext cx="4558516" cy="1385012"/>
+        <a:off x="1844506" y="2890232"/>
+        <a:ext cx="4778986" cy="1087069"/>
       </dsp:txXfrm>
     </dsp:sp>
-    <dsp:sp modelId="{96F1EE87-2EC2-4BD6-831A-33E367545868}">
+    <dsp:sp modelId="{57C10AB4-DB06-4854-B976-4910AE847C29}">
       <dsp:nvSpPr>
         <dsp:cNvPr id="0" name=""/>
         <dsp:cNvSpPr/>
       </dsp:nvSpPr>
       <dsp:spPr>
         <a:xfrm>
-          <a:off x="889158" y="3678639"/>
-          <a:ext cx="1385012" cy="1385012"/>
+          <a:off x="1030157" y="2890232"/>
+          <a:ext cx="1087069" cy="1087069"/>
         </a:xfrm>
         <a:prstGeom prst="ellipse">
           <a:avLst/>
         </a:prstGeom>
-        <a:blipFill dpi="0" rotWithShape="1">
+        <a:blipFill>
           <a:blip xmlns:r="http://schemas.openxmlformats.org/officeDocument/2006/relationships" r:embed="rId3">
             <a:extLst>
               <a:ext uri="{28A0092B-C50C-407E-A947-70E740481C1C}">
@@ -3848,7 +3947,135 @@
           </a:blip>
           <a:srcRect/>
           <a:stretch>
-            <a:fillRect t="9750" b="9750"/>
+            <a:fillRect l="-20000" r="-20000"/>
+          </a:stretch>
+        </a:blipFill>
+        <a:ln w="19050" cap="rnd" cmpd="sng" algn="ctr">
+          <a:solidFill>
+            <a:schemeClr val="lt1">
+              <a:hueOff val="0"/>
+              <a:satOff val="0"/>
+              <a:lumOff val="0"/>
+              <a:alphaOff val="0"/>
+            </a:schemeClr>
+          </a:solidFill>
+          <a:prstDash val="solid"/>
+        </a:ln>
+        <a:effectLst/>
+      </dsp:spPr>
+      <dsp:style>
+        <a:lnRef idx="2">
+          <a:scrgbClr r="0" g="0" b="0"/>
+        </a:lnRef>
+        <a:fillRef idx="1">
+          <a:scrgbClr r="0" g="0" b="0"/>
+        </a:fillRef>
+        <a:effectRef idx="0">
+          <a:scrgbClr r="0" g="0" b="0"/>
+        </a:effectRef>
+        <a:fontRef idx="minor"/>
+      </dsp:style>
+    </dsp:sp>
+    <dsp:sp modelId="{AAC4C58A-688A-4470-97F9-CC66F4A27A0C}">
+      <dsp:nvSpPr>
+        <dsp:cNvPr id="0" name=""/>
+        <dsp:cNvSpPr/>
+      </dsp:nvSpPr>
+      <dsp:spPr>
+        <a:xfrm rot="10800000">
+          <a:off x="1563142" y="4207258"/>
+          <a:ext cx="5050753" cy="1087069"/>
+        </a:xfrm>
+        <a:prstGeom prst="homePlate">
+          <a:avLst/>
+        </a:prstGeom>
+        <a:solidFill>
+          <a:schemeClr val="accent1">
+            <a:hueOff val="0"/>
+            <a:satOff val="0"/>
+            <a:lumOff val="0"/>
+            <a:alphaOff val="0"/>
+          </a:schemeClr>
+        </a:solidFill>
+        <a:ln w="19050" cap="rnd" cmpd="sng" algn="ctr">
+          <a:solidFill>
+            <a:schemeClr val="lt1">
+              <a:hueOff val="0"/>
+              <a:satOff val="0"/>
+              <a:lumOff val="0"/>
+              <a:alphaOff val="0"/>
+            </a:schemeClr>
+          </a:solidFill>
+          <a:prstDash val="solid"/>
+        </a:ln>
+        <a:effectLst/>
+      </dsp:spPr>
+      <dsp:style>
+        <a:lnRef idx="2">
+          <a:scrgbClr r="0" g="0" b="0"/>
+        </a:lnRef>
+        <a:fillRef idx="1">
+          <a:scrgbClr r="0" g="0" b="0"/>
+        </a:fillRef>
+        <a:effectRef idx="0">
+          <a:scrgbClr r="0" g="0" b="0"/>
+        </a:effectRef>
+        <a:fontRef idx="minor">
+          <a:schemeClr val="lt1"/>
+        </a:fontRef>
+      </dsp:style>
+      <dsp:txBody>
+        <a:bodyPr spcFirstLastPara="0" vert="horz" wrap="square" lIns="479368" tIns="83820" rIns="156464" bIns="83820" numCol="1" spcCol="1270" anchor="ctr" anchorCtr="0">
+          <a:noAutofit/>
+        </a:bodyPr>
+        <a:lstStyle/>
+        <a:p>
+          <a:pPr lvl="0" algn="ctr" defTabSz="977900">
+            <a:lnSpc>
+              <a:spcPct val="90000"/>
+            </a:lnSpc>
+            <a:spcBef>
+              <a:spcPct val="0"/>
+            </a:spcBef>
+            <a:spcAft>
+              <a:spcPct val="35000"/>
+            </a:spcAft>
+          </a:pPr>
+          <a:r>
+            <a:rPr lang="fr-FR" sz="2200" kern="1200" dirty="0"/>
+            <a:t>Créer les fiches des différents produits</a:t>
+          </a:r>
+        </a:p>
+      </dsp:txBody>
+      <dsp:txXfrm rot="10800000">
+        <a:off x="1834909" y="4207258"/>
+        <a:ext cx="4778986" cy="1087069"/>
+      </dsp:txXfrm>
+    </dsp:sp>
+    <dsp:sp modelId="{01CEE01E-429D-4DC3-9F82-6E3AE495F3FF}">
+      <dsp:nvSpPr>
+        <dsp:cNvPr id="0" name=""/>
+        <dsp:cNvSpPr/>
+      </dsp:nvSpPr>
+      <dsp:spPr>
+        <a:xfrm>
+          <a:off x="1020242" y="4207258"/>
+          <a:ext cx="1087069" cy="1087069"/>
+        </a:xfrm>
+        <a:prstGeom prst="ellipse">
+          <a:avLst/>
+        </a:prstGeom>
+        <a:blipFill>
+          <a:blip xmlns:r="http://schemas.openxmlformats.org/officeDocument/2006/relationships" r:embed="rId4">
+            <a:extLst>
+              <a:ext uri="{28A0092B-C50C-407E-A947-70E740481C1C}">
+                <a14:useLocalDpi xmlns:a14="http://schemas.microsoft.com/office/drawing/2010/main" val="0"/>
+              </a:ext>
+            </a:extLst>
+          </a:blip>
+          <a:srcRect/>
+          <a:stretch>
+            <a:fillRect l="-32000" r="-32000"/>
           </a:stretch>
         </a:blipFill>
         <a:ln w="19050" cap="rnd" cmpd="sng" algn="ctr">
@@ -14953,72 +15180,10 @@
           </a:p>
         </p:txBody>
       </p:sp>
-      <p:pic>
-        <p:nvPicPr>
-          <p:cNvPr id="8" name="Espace réservé du contenu 7">
-            <a:extLst>
-              <a:ext uri="{FF2B5EF4-FFF2-40B4-BE49-F238E27FC236}">
-                <a16:creationId xmlns:a16="http://schemas.microsoft.com/office/drawing/2014/main" xmlns="" id="{15C4A421-2DCC-42BE-9369-C16457B6CBE7}"/>
-              </a:ext>
-            </a:extLst>
-          </p:cNvPr>
-          <p:cNvPicPr>
-            <a:picLocks noGrp="1" noChangeAspect="1"/>
-          </p:cNvPicPr>
-          <p:nvPr>
-            <p:ph idx="1"/>
-          </p:nvPr>
-        </p:nvPicPr>
-        <p:blipFill>
-          <a:blip r:embed="rId2"/>
-          <a:stretch>
-            <a:fillRect/>
-          </a:stretch>
-        </p:blipFill>
-        <p:spPr>
-          <a:xfrm>
-            <a:off x="2467379" y="1843762"/>
-            <a:ext cx="8306396" cy="4778923"/>
-          </a:xfrm>
-        </p:spPr>
-      </p:pic>
-      <p:sp>
-        <p:nvSpPr>
-          <p:cNvPr id="3" name="Espace réservé du texte 2">
-            <a:extLst>
-              <a:ext uri="{FF2B5EF4-FFF2-40B4-BE49-F238E27FC236}">
-                <a16:creationId xmlns:a16="http://schemas.microsoft.com/office/drawing/2014/main" xmlns="" id="{A588FB93-330A-4513-AFB9-A1050487AE95}"/>
-              </a:ext>
-            </a:extLst>
-          </p:cNvPr>
-          <p:cNvSpPr>
-            <a:spLocks noGrp="1"/>
-          </p:cNvSpPr>
-          <p:nvPr>
-            <p:ph type="body" idx="4294967295"/>
-          </p:nvPr>
-        </p:nvSpPr>
-        <p:spPr>
-          <a:xfrm>
-            <a:off x="2434339" y="1075556"/>
-            <a:ext cx="4186238" cy="577850"/>
-          </a:xfrm>
-        </p:spPr>
-        <p:txBody>
-          <a:bodyPr/>
-          <a:lstStyle/>
-          <a:p>
-            <a:r>
-              <a:rPr lang="fr-FR" dirty="0"/>
-              <a:t>Fiche produit avant</a:t>
-            </a:r>
-          </a:p>
-        </p:txBody>
-      </p:sp>
       <p:sp>
         <p:nvSpPr>
           <p:cNvPr id="5" name="Rectangle 4">
-            <a:hlinkClick r:id="rId3" action="ppaction://hlinksldjump"/>
+            <a:hlinkClick r:id="rId2" action="ppaction://hlinksldjump"/>
             <a:extLst>
               <a:ext uri="{FF2B5EF4-FFF2-40B4-BE49-F238E27FC236}">
                 <a16:creationId xmlns:a16="http://schemas.microsoft.com/office/drawing/2014/main" xmlns="" id="{256447FB-39C8-4589-AFE7-65FE1BA6B90D}"/>
@@ -15068,7 +15233,7 @@
       <p:sp>
         <p:nvSpPr>
           <p:cNvPr id="6" name="Rectangle 5">
-            <a:hlinkClick r:id="rId4" action="ppaction://hlinksldjump"/>
+            <a:hlinkClick r:id="rId3" action="ppaction://hlinksldjump"/>
             <a:extLst>
               <a:ext uri="{FF2B5EF4-FFF2-40B4-BE49-F238E27FC236}">
                 <a16:creationId xmlns:a16="http://schemas.microsoft.com/office/drawing/2014/main" xmlns="" id="{F26606A9-DDF5-49C1-A309-7F29A1BAF71C}"/>
@@ -15118,7 +15283,7 @@
       <p:sp>
         <p:nvSpPr>
           <p:cNvPr id="7" name="Rectangle 6">
-            <a:hlinkClick r:id="rId5" action="ppaction://hlinksldjump"/>
+            <a:hlinkClick r:id="rId4" action="ppaction://hlinksldjump"/>
             <a:extLst>
               <a:ext uri="{FF2B5EF4-FFF2-40B4-BE49-F238E27FC236}">
                 <a16:creationId xmlns:a16="http://schemas.microsoft.com/office/drawing/2014/main" xmlns="" id="{4614E60E-C487-44CA-A29B-9F53AC1B7DB5}"/>
@@ -15168,7 +15333,7 @@
       <p:sp>
         <p:nvSpPr>
           <p:cNvPr id="9" name="Rectangle 8">
-            <a:hlinkClick r:id="rId6" action="ppaction://hlinksldjump"/>
+            <a:hlinkClick r:id="rId5" action="ppaction://hlinksldjump"/>
             <a:extLst>
               <a:ext uri="{FF2B5EF4-FFF2-40B4-BE49-F238E27FC236}">
                 <a16:creationId xmlns:a16="http://schemas.microsoft.com/office/drawing/2014/main" xmlns="" id="{ADAA4361-DCE0-4275-95E8-A8307BBD28CF}"/>
@@ -15218,7 +15383,7 @@
       <p:sp>
         <p:nvSpPr>
           <p:cNvPr id="10" name="Rectangle 9">
-            <a:hlinkClick r:id="rId7" action="ppaction://hlinksldjump"/>
+            <a:hlinkClick r:id="rId6" action="ppaction://hlinksldjump"/>
             <a:extLst>
               <a:ext uri="{FF2B5EF4-FFF2-40B4-BE49-F238E27FC236}">
                 <a16:creationId xmlns:a16="http://schemas.microsoft.com/office/drawing/2014/main" xmlns="" id="{1C0196C7-2CD2-470F-B853-9E3059316969}"/>
@@ -15268,7 +15433,7 @@
       <p:sp>
         <p:nvSpPr>
           <p:cNvPr id="11" name="Rectangle 10">
-            <a:hlinkClick r:id="rId8" action="ppaction://hlinksldjump"/>
+            <a:hlinkClick r:id="rId7" action="ppaction://hlinksldjump"/>
             <a:extLst>
               <a:ext uri="{FF2B5EF4-FFF2-40B4-BE49-F238E27FC236}">
                 <a16:creationId xmlns:a16="http://schemas.microsoft.com/office/drawing/2014/main" xmlns="" id="{C4135642-5838-4C60-8BC1-50A24593DF9B}"/>
@@ -15318,7 +15483,7 @@
       <p:sp>
         <p:nvSpPr>
           <p:cNvPr id="12" name="Rectangle 11">
-            <a:hlinkClick r:id="rId9" action="ppaction://hlinksldjump"/>
+            <a:hlinkClick r:id="rId8" action="ppaction://hlinksldjump"/>
             <a:extLst>
               <a:ext uri="{FF2B5EF4-FFF2-40B4-BE49-F238E27FC236}">
                 <a16:creationId xmlns:a16="http://schemas.microsoft.com/office/drawing/2014/main" xmlns="" id="{67EE920E-59FE-43FC-A2EF-CCC773FCBEF2}"/>
@@ -15368,7 +15533,7 @@
       <p:sp>
         <p:nvSpPr>
           <p:cNvPr id="13" name="Rectangle 12">
-            <a:hlinkClick r:id="rId10" action="ppaction://hlinksldjump"/>
+            <a:hlinkClick r:id="rId9" action="ppaction://hlinksldjump"/>
             <a:extLst>
               <a:ext uri="{FF2B5EF4-FFF2-40B4-BE49-F238E27FC236}">
                 <a16:creationId xmlns:a16="http://schemas.microsoft.com/office/drawing/2014/main" xmlns="" id="{3785047F-79E3-44B4-A580-67117990D3BB}"/>
@@ -15418,7 +15583,7 @@
       <p:sp>
         <p:nvSpPr>
           <p:cNvPr id="14" name="Rectangle 13">
-            <a:hlinkClick r:id="rId11" action="ppaction://hlinksldjump"/>
+            <a:hlinkClick r:id="rId10" action="ppaction://hlinksldjump"/>
             <a:extLst>
               <a:ext uri="{FF2B5EF4-FFF2-40B4-BE49-F238E27FC236}">
                 <a16:creationId xmlns:a16="http://schemas.microsoft.com/office/drawing/2014/main" xmlns="" id="{45112855-50CE-40AC-8ED8-18A6A536C19A}"/>
@@ -15468,7 +15633,7 @@
       <p:sp>
         <p:nvSpPr>
           <p:cNvPr id="15" name="Rectangle 14">
-            <a:hlinkClick r:id="rId12" action="ppaction://hlinksldjump"/>
+            <a:hlinkClick r:id="rId11" action="ppaction://hlinksldjump"/>
             <a:extLst>
               <a:ext uri="{FF2B5EF4-FFF2-40B4-BE49-F238E27FC236}">
                 <a16:creationId xmlns:a16="http://schemas.microsoft.com/office/drawing/2014/main" xmlns="" id="{F6219350-FAE8-4A8A-B02C-BA458C80D042}"/>
@@ -15518,7 +15683,7 @@
       <p:sp>
         <p:nvSpPr>
           <p:cNvPr id="16" name="Rectangle 15">
-            <a:hlinkClick r:id="rId13" action="ppaction://hlinksldjump"/>
+            <a:hlinkClick r:id="rId12" action="ppaction://hlinksldjump"/>
             <a:extLst>
               <a:ext uri="{FF2B5EF4-FFF2-40B4-BE49-F238E27FC236}">
                 <a16:creationId xmlns:a16="http://schemas.microsoft.com/office/drawing/2014/main" xmlns="" id="{C3222AC8-D714-4A2E-9BDA-5A09BCDDBFFD}"/>
@@ -15568,7 +15733,7 @@
       <p:sp>
         <p:nvSpPr>
           <p:cNvPr id="17" name="Rectangle 16">
-            <a:hlinkClick r:id="rId14" action="ppaction://hlinksldjump"/>
+            <a:hlinkClick r:id="rId13" action="ppaction://hlinksldjump"/>
             <a:extLst>
               <a:ext uri="{FF2B5EF4-FFF2-40B4-BE49-F238E27FC236}">
                 <a16:creationId xmlns:a16="http://schemas.microsoft.com/office/drawing/2014/main" xmlns="" id="{7FD9B532-4549-4349-B50A-5E95A0509121}"/>
@@ -15618,7 +15783,7 @@
       <p:sp>
         <p:nvSpPr>
           <p:cNvPr id="18" name="Rectangle 17">
-            <a:hlinkClick r:id="rId15" action="ppaction://hlinksldjump"/>
+            <a:hlinkClick r:id="rId14" action="ppaction://hlinksldjump"/>
             <a:extLst>
               <a:ext uri="{FF2B5EF4-FFF2-40B4-BE49-F238E27FC236}">
                 <a16:creationId xmlns:a16="http://schemas.microsoft.com/office/drawing/2014/main" xmlns="" id="{DDAC5A56-39F6-46F0-ABF7-CC04BCD432D0}"/>
@@ -15668,7 +15833,7 @@
       <p:sp>
         <p:nvSpPr>
           <p:cNvPr id="19" name="Rectangle 18">
-            <a:hlinkClick r:id="rId16" action="ppaction://hlinksldjump"/>
+            <a:hlinkClick r:id="rId15" action="ppaction://hlinksldjump"/>
             <a:extLst>
               <a:ext uri="{FF2B5EF4-FFF2-40B4-BE49-F238E27FC236}">
                 <a16:creationId xmlns:a16="http://schemas.microsoft.com/office/drawing/2014/main" xmlns="" id="{E65B7979-ACF9-46DD-8714-23B329DE4031}"/>
@@ -15715,6 +15880,64 @@
           </a:p>
         </p:txBody>
       </p:sp>
+      <p:sp>
+        <p:nvSpPr>
+          <p:cNvPr id="4" name="Espace réservé du contenu 3"/>
+          <p:cNvSpPr>
+            <a:spLocks noGrp="1"/>
+          </p:cNvSpPr>
+          <p:nvPr>
+            <p:ph idx="1"/>
+          </p:nvPr>
+        </p:nvSpPr>
+        <p:spPr>
+          <a:xfrm>
+            <a:off x="2307474" y="915177"/>
+            <a:ext cx="8596668" cy="3880773"/>
+          </a:xfrm>
+        </p:spPr>
+        <p:txBody>
+          <a:bodyPr/>
+          <a:lstStyle/>
+          <a:p>
+            <a:r>
+              <a:rPr lang="fr-FR" dirty="0" smtClean="0"/>
+              <a:t>Maquette</a:t>
+            </a:r>
+            <a:endParaRPr lang="fr-FR" dirty="0"/>
+          </a:p>
+        </p:txBody>
+      </p:sp>
+      <p:pic>
+        <p:nvPicPr>
+          <p:cNvPr id="22" name="Image 21">
+            <a:extLst>
+              <a:ext uri="{FF2B5EF4-FFF2-40B4-BE49-F238E27FC236}">
+                <a16:creationId xmlns:a16="http://schemas.microsoft.com/office/drawing/2014/main" xmlns="" id="{D215E327-68F2-4740-A2A9-AFCBA6F233CA}"/>
+              </a:ext>
+            </a:extLst>
+          </p:cNvPr>
+          <p:cNvPicPr>
+            <a:picLocks noChangeAspect="1"/>
+          </p:cNvPicPr>
+          <p:nvPr/>
+        </p:nvPicPr>
+        <p:blipFill>
+          <a:blip r:embed="rId16"/>
+          <a:stretch>
+            <a:fillRect/>
+          </a:stretch>
+        </p:blipFill>
+        <p:spPr>
+          <a:xfrm>
+            <a:off x="2307474" y="1534764"/>
+            <a:ext cx="8506569" cy="5043287"/>
+          </a:xfrm>
+          <a:prstGeom prst="rect">
+            <a:avLst/>
+          </a:prstGeom>
+        </p:spPr>
+      </p:pic>
     </p:spTree>
     <p:extLst>
       <p:ext uri="{BB962C8B-B14F-4D97-AF65-F5344CB8AC3E}">
@@ -15725,6 +15948,13 @@
   <p:clrMapOvr>
     <a:masterClrMapping/>
   </p:clrMapOvr>
+  <p:timing>
+    <p:tnLst>
+      <p:par>
+        <p:cTn id="1" dur="indefinite" restart="never" nodeType="tmRoot"/>
+      </p:par>
+    </p:tnLst>
+  </p:timing>
 </p:sld>
 </file>
 
@@ -16584,6 +16814,13 @@
   <p:clrMapOvr>
     <a:masterClrMapping/>
   </p:clrMapOvr>
+  <p:timing>
+    <p:tnLst>
+      <p:par>
+        <p:cTn id="1" dur="indefinite" restart="never" nodeType="tmRoot"/>
+      </p:par>
+    </p:tnLst>
+  </p:timing>
 </p:sld>
 </file>
 
@@ -17412,6 +17649,13 @@
   <p:clrMapOvr>
     <a:masterClrMapping/>
   </p:clrMapOvr>
+  <p:timing>
+    <p:tnLst>
+      <p:par>
+        <p:cTn id="1" dur="indefinite" restart="never" nodeType="tmRoot"/>
+      </p:par>
+    </p:tnLst>
+  </p:timing>
 </p:sld>
 </file>
 
@@ -18272,6 +18516,13 @@
   <p:clrMapOvr>
     <a:masterClrMapping/>
   </p:clrMapOvr>
+  <p:timing>
+    <p:tnLst>
+      <p:par>
+        <p:cTn id="1" dur="indefinite" restart="never" nodeType="tmRoot"/>
+      </p:par>
+    </p:tnLst>
+  </p:timing>
 </p:sld>
 </file>
 
@@ -19065,6 +19316,13 @@
   <p:clrMapOvr>
     <a:masterClrMapping/>
   </p:clrMapOvr>
+  <p:timing>
+    <p:tnLst>
+      <p:par>
+        <p:cTn id="1" dur="indefinite" restart="never" nodeType="tmRoot"/>
+      </p:par>
+    </p:tnLst>
+  </p:timing>
 </p:sld>
 </file>
 
@@ -19873,6 +20131,13 @@
   <p:clrMapOvr>
     <a:masterClrMapping/>
   </p:clrMapOvr>
+  <p:timing>
+    <p:tnLst>
+      <p:par>
+        <p:cTn id="1" dur="indefinite" restart="never" nodeType="tmRoot"/>
+      </p:par>
+    </p:tnLst>
+  </p:timing>
 </p:sld>
 </file>
 
@@ -20713,6 +20978,13 @@
   <p:clrMapOvr>
     <a:masterClrMapping/>
   </p:clrMapOvr>
+  <p:timing>
+    <p:tnLst>
+      <p:par>
+        <p:cTn id="1" dur="indefinite" restart="never" nodeType="tmRoot"/>
+      </p:par>
+    </p:tnLst>
+  </p:timing>
 </p:sld>
 </file>
 
@@ -25250,14 +25522,14 @@
             <p:ph idx="1"/>
             <p:extLst>
               <p:ext uri="{D42A27DB-BD31-4B8C-83A1-F6EECF244321}">
-                <p14:modId xmlns:p14="http://schemas.microsoft.com/office/powerpoint/2010/main" val="2759591205"/>
+                <p14:modId xmlns:p14="http://schemas.microsoft.com/office/powerpoint/2010/main" val="2943738293"/>
               </p:ext>
             </p:extLst>
           </p:nvPr>
         </p:nvGraphicFramePr>
         <p:xfrm>
-          <a:off x="2537927" y="1142821"/>
-          <a:ext cx="7375593" cy="5066947"/>
+          <a:off x="2715209" y="961052"/>
+          <a:ext cx="7595118" cy="5383763"/>
         </p:xfrm>
         <a:graphic>
           <a:graphicData uri="http://schemas.openxmlformats.org/drawingml/2006/diagram">
@@ -25975,6 +26247,13 @@
   <p:clrMapOvr>
     <a:masterClrMapping/>
   </p:clrMapOvr>
+  <p:timing>
+    <p:tnLst>
+      <p:par>
+        <p:cTn id="1" dur="indefinite" restart="never" nodeType="tmRoot"/>
+      </p:par>
+    </p:tnLst>
+  </p:timing>
 </p:sld>
 </file>
 
@@ -26013,7 +26292,7 @@
         </p:nvSpPr>
         <p:spPr>
           <a:xfrm>
-            <a:off x="1315922" y="135945"/>
+            <a:off x="1862322" y="151006"/>
             <a:ext cx="8596668" cy="1320800"/>
           </a:xfrm>
         </p:spPr>
@@ -26031,71 +26310,8 @@
       </p:sp>
       <p:sp>
         <p:nvSpPr>
-          <p:cNvPr id="3" name="Espace réservé du contenu 2">
-            <a:extLst>
-              <a:ext uri="{FF2B5EF4-FFF2-40B4-BE49-F238E27FC236}">
-                <a16:creationId xmlns:a16="http://schemas.microsoft.com/office/drawing/2014/main" xmlns="" id="{F89E0DC4-C7E8-4E4D-BA35-46D9349F9C1D}"/>
-              </a:ext>
-            </a:extLst>
-          </p:cNvPr>
-          <p:cNvSpPr>
-            <a:spLocks noGrp="1"/>
-          </p:cNvSpPr>
-          <p:nvPr>
-            <p:ph idx="1"/>
-          </p:nvPr>
-        </p:nvSpPr>
-        <p:spPr>
-          <a:xfrm>
-            <a:off x="2217375" y="1079946"/>
-            <a:ext cx="9148455" cy="5058358"/>
-          </a:xfrm>
-        </p:spPr>
-        <p:txBody>
-          <a:bodyPr/>
-          <a:lstStyle/>
-          <a:p>
-            <a:r>
-              <a:rPr lang="fr-FR" dirty="0"/>
-              <a:t>Maquette</a:t>
-            </a:r>
-          </a:p>
-        </p:txBody>
-      </p:sp>
-      <p:pic>
-        <p:nvPicPr>
-          <p:cNvPr id="5" name="Image 4">
-            <a:extLst>
-              <a:ext uri="{FF2B5EF4-FFF2-40B4-BE49-F238E27FC236}">
-                <a16:creationId xmlns:a16="http://schemas.microsoft.com/office/drawing/2014/main" xmlns="" id="{D215E327-68F2-4740-A2A9-AFCBA6F233CA}"/>
-              </a:ext>
-            </a:extLst>
-          </p:cNvPr>
-          <p:cNvPicPr>
-            <a:picLocks noChangeAspect="1"/>
-          </p:cNvPicPr>
-          <p:nvPr/>
-        </p:nvPicPr>
-        <p:blipFill>
-          <a:blip r:embed="rId2"/>
-          <a:stretch>
-            <a:fillRect/>
-          </a:stretch>
-        </p:blipFill>
-        <p:spPr>
-          <a:xfrm>
-            <a:off x="2307474" y="1534764"/>
-            <a:ext cx="8506569" cy="5043287"/>
-          </a:xfrm>
-          <a:prstGeom prst="rect">
-            <a:avLst/>
-          </a:prstGeom>
-        </p:spPr>
-      </p:pic>
-      <p:sp>
-        <p:nvSpPr>
           <p:cNvPr id="6" name="Rectangle 5">
-            <a:hlinkClick r:id="rId3" action="ppaction://hlinksldjump"/>
+            <a:hlinkClick r:id="rId2" action="ppaction://hlinksldjump"/>
             <a:extLst>
               <a:ext uri="{FF2B5EF4-FFF2-40B4-BE49-F238E27FC236}">
                 <a16:creationId xmlns:a16="http://schemas.microsoft.com/office/drawing/2014/main" xmlns="" id="{6B720908-CED6-49B0-9B64-E6B713B8458D}"/>
@@ -26145,7 +26361,7 @@
       <p:sp>
         <p:nvSpPr>
           <p:cNvPr id="7" name="Rectangle 6">
-            <a:hlinkClick r:id="rId4" action="ppaction://hlinksldjump"/>
+            <a:hlinkClick r:id="rId3" action="ppaction://hlinksldjump"/>
             <a:extLst>
               <a:ext uri="{FF2B5EF4-FFF2-40B4-BE49-F238E27FC236}">
                 <a16:creationId xmlns:a16="http://schemas.microsoft.com/office/drawing/2014/main" xmlns="" id="{8C71A905-10A9-4377-8AAA-518DDB46ED8E}"/>
@@ -26195,7 +26411,7 @@
       <p:sp>
         <p:nvSpPr>
           <p:cNvPr id="8" name="Rectangle 7">
-            <a:hlinkClick r:id="rId5" action="ppaction://hlinksldjump"/>
+            <a:hlinkClick r:id="rId4" action="ppaction://hlinksldjump"/>
             <a:extLst>
               <a:ext uri="{FF2B5EF4-FFF2-40B4-BE49-F238E27FC236}">
                 <a16:creationId xmlns:a16="http://schemas.microsoft.com/office/drawing/2014/main" xmlns="" id="{E49D0612-DC25-4204-8354-5FECDC24A38C}"/>
@@ -26245,7 +26461,7 @@
       <p:sp>
         <p:nvSpPr>
           <p:cNvPr id="9" name="Rectangle 8">
-            <a:hlinkClick r:id="rId6" action="ppaction://hlinksldjump"/>
+            <a:hlinkClick r:id="rId5" action="ppaction://hlinksldjump"/>
             <a:extLst>
               <a:ext uri="{FF2B5EF4-FFF2-40B4-BE49-F238E27FC236}">
                 <a16:creationId xmlns:a16="http://schemas.microsoft.com/office/drawing/2014/main" xmlns="" id="{892786A8-8657-4894-BACD-3F58658B33B2}"/>
@@ -26295,7 +26511,7 @@
       <p:sp>
         <p:nvSpPr>
           <p:cNvPr id="10" name="Rectangle 9">
-            <a:hlinkClick r:id="rId7" action="ppaction://hlinksldjump"/>
+            <a:hlinkClick r:id="rId6" action="ppaction://hlinksldjump"/>
             <a:extLst>
               <a:ext uri="{FF2B5EF4-FFF2-40B4-BE49-F238E27FC236}">
                 <a16:creationId xmlns:a16="http://schemas.microsoft.com/office/drawing/2014/main" xmlns="" id="{7E106A7C-C278-4770-B44C-8FFC88DD87A7}"/>
@@ -26345,7 +26561,7 @@
       <p:sp>
         <p:nvSpPr>
           <p:cNvPr id="11" name="Rectangle 10">
-            <a:hlinkClick r:id="rId8" action="ppaction://hlinksldjump"/>
+            <a:hlinkClick r:id="rId7" action="ppaction://hlinksldjump"/>
             <a:extLst>
               <a:ext uri="{FF2B5EF4-FFF2-40B4-BE49-F238E27FC236}">
                 <a16:creationId xmlns:a16="http://schemas.microsoft.com/office/drawing/2014/main" xmlns="" id="{FC62D372-EB03-408F-A041-ECFC3D8A3EF2}"/>
@@ -26395,7 +26611,7 @@
       <p:sp>
         <p:nvSpPr>
           <p:cNvPr id="12" name="Rectangle 11">
-            <a:hlinkClick r:id="rId9" action="ppaction://hlinksldjump"/>
+            <a:hlinkClick r:id="rId8" action="ppaction://hlinksldjump"/>
             <a:extLst>
               <a:ext uri="{FF2B5EF4-FFF2-40B4-BE49-F238E27FC236}">
                 <a16:creationId xmlns:a16="http://schemas.microsoft.com/office/drawing/2014/main" xmlns="" id="{00D84C3F-6E0A-42F3-94C4-EC050198A2A1}"/>
@@ -26445,7 +26661,7 @@
       <p:sp>
         <p:nvSpPr>
           <p:cNvPr id="13" name="Rectangle 12">
-            <a:hlinkClick r:id="rId10" action="ppaction://hlinksldjump"/>
+            <a:hlinkClick r:id="rId9" action="ppaction://hlinksldjump"/>
             <a:extLst>
               <a:ext uri="{FF2B5EF4-FFF2-40B4-BE49-F238E27FC236}">
                 <a16:creationId xmlns:a16="http://schemas.microsoft.com/office/drawing/2014/main" xmlns="" id="{23C67AC7-2581-40FC-A348-7E0DE389AD29}"/>
@@ -26495,7 +26711,7 @@
       <p:sp>
         <p:nvSpPr>
           <p:cNvPr id="14" name="Rectangle 13">
-            <a:hlinkClick r:id="rId11" action="ppaction://hlinksldjump"/>
+            <a:hlinkClick r:id="rId10" action="ppaction://hlinksldjump"/>
             <a:extLst>
               <a:ext uri="{FF2B5EF4-FFF2-40B4-BE49-F238E27FC236}">
                 <a16:creationId xmlns:a16="http://schemas.microsoft.com/office/drawing/2014/main" xmlns="" id="{22156206-EFF9-4F39-8559-829F850F0D40}"/>
@@ -26545,7 +26761,7 @@
       <p:sp>
         <p:nvSpPr>
           <p:cNvPr id="15" name="Rectangle 14">
-            <a:hlinkClick r:id="rId12" action="ppaction://hlinksldjump"/>
+            <a:hlinkClick r:id="rId11" action="ppaction://hlinksldjump"/>
             <a:extLst>
               <a:ext uri="{FF2B5EF4-FFF2-40B4-BE49-F238E27FC236}">
                 <a16:creationId xmlns:a16="http://schemas.microsoft.com/office/drawing/2014/main" xmlns="" id="{B4EE160D-8B9A-4048-93D2-6F366E5EEBDC}"/>
@@ -26595,7 +26811,7 @@
       <p:sp>
         <p:nvSpPr>
           <p:cNvPr id="16" name="Rectangle 15">
-            <a:hlinkClick r:id="rId13" action="ppaction://hlinksldjump"/>
+            <a:hlinkClick r:id="rId12" action="ppaction://hlinksldjump"/>
             <a:extLst>
               <a:ext uri="{FF2B5EF4-FFF2-40B4-BE49-F238E27FC236}">
                 <a16:creationId xmlns:a16="http://schemas.microsoft.com/office/drawing/2014/main" xmlns="" id="{FFECB788-D0D5-4B6D-BFE2-D5B0B3388AAD}"/>
@@ -26645,7 +26861,7 @@
       <p:sp>
         <p:nvSpPr>
           <p:cNvPr id="17" name="Rectangle 16">
-            <a:hlinkClick r:id="rId14" action="ppaction://hlinksldjump"/>
+            <a:hlinkClick r:id="rId13" action="ppaction://hlinksldjump"/>
             <a:extLst>
               <a:ext uri="{FF2B5EF4-FFF2-40B4-BE49-F238E27FC236}">
                 <a16:creationId xmlns:a16="http://schemas.microsoft.com/office/drawing/2014/main" xmlns="" id="{5D63D838-0519-4D1C-99EE-394C56EC9C90}"/>
@@ -26695,7 +26911,7 @@
       <p:sp>
         <p:nvSpPr>
           <p:cNvPr id="18" name="Rectangle 17">
-            <a:hlinkClick r:id="rId15" action="ppaction://hlinksldjump"/>
+            <a:hlinkClick r:id="rId14" action="ppaction://hlinksldjump"/>
             <a:extLst>
               <a:ext uri="{FF2B5EF4-FFF2-40B4-BE49-F238E27FC236}">
                 <a16:creationId xmlns:a16="http://schemas.microsoft.com/office/drawing/2014/main" xmlns="" id="{4D3C9206-129E-4822-BB3C-0FF9843BED57}"/>
@@ -26745,7 +26961,7 @@
       <p:sp>
         <p:nvSpPr>
           <p:cNvPr id="19" name="Rectangle 18">
-            <a:hlinkClick r:id="rId16" action="ppaction://hlinksldjump"/>
+            <a:hlinkClick r:id="rId15" action="ppaction://hlinksldjump"/>
             <a:extLst>
               <a:ext uri="{FF2B5EF4-FFF2-40B4-BE49-F238E27FC236}">
                 <a16:creationId xmlns:a16="http://schemas.microsoft.com/office/drawing/2014/main" xmlns="" id="{F39809A1-7B21-4036-A129-43B793742CB6}"/>
@@ -26792,6 +27008,301 @@
           </a:p>
         </p:txBody>
       </p:sp>
+      <p:sp>
+        <p:nvSpPr>
+          <p:cNvPr id="24" name="Espace réservé du texte 2">
+            <a:extLst>
+              <a:ext uri="{FF2B5EF4-FFF2-40B4-BE49-F238E27FC236}">
+                <a16:creationId xmlns:a16="http://schemas.microsoft.com/office/drawing/2014/main" xmlns="" id="{A588FB93-330A-4513-AFB9-A1050487AE95}"/>
+              </a:ext>
+            </a:extLst>
+          </p:cNvPr>
+          <p:cNvSpPr txBox="1">
+            <a:spLocks/>
+          </p:cNvSpPr>
+          <p:nvPr/>
+        </p:nvSpPr>
+        <p:spPr>
+          <a:xfrm>
+            <a:off x="2434339" y="838827"/>
+            <a:ext cx="4186238" cy="577850"/>
+          </a:xfrm>
+          <a:prstGeom prst="rect">
+            <a:avLst/>
+          </a:prstGeom>
+        </p:spPr>
+        <p:txBody>
+          <a:bodyPr vert="horz" lIns="91440" tIns="45720" rIns="91440" bIns="45720" rtlCol="0">
+            <a:normAutofit/>
+          </a:bodyPr>
+          <a:lstStyle>
+            <a:lvl1pPr marL="342900" indent="-342900" algn="l" defTabSz="457200" rtl="0" eaLnBrk="1" latinLnBrk="0" hangingPunct="1">
+              <a:spcBef>
+                <a:spcPts val="1000"/>
+              </a:spcBef>
+              <a:spcAft>
+                <a:spcPts val="0"/>
+              </a:spcAft>
+              <a:buClr>
+                <a:schemeClr val="accent1"/>
+              </a:buClr>
+              <a:buSzPct val="80000"/>
+              <a:buFont typeface="Wingdings 3" charset="2"/>
+              <a:buChar char=""/>
+              <a:defRPr sz="1800" kern="1200">
+                <a:solidFill>
+                  <a:schemeClr val="tx1">
+                    <a:lumMod val="75000"/>
+                    <a:lumOff val="25000"/>
+                  </a:schemeClr>
+                </a:solidFill>
+                <a:latin typeface="+mn-lt"/>
+                <a:ea typeface="+mn-ea"/>
+                <a:cs typeface="+mn-cs"/>
+              </a:defRPr>
+            </a:lvl1pPr>
+            <a:lvl2pPr marL="742950" indent="-285750" algn="l" defTabSz="457200" rtl="0" eaLnBrk="1" latinLnBrk="0" hangingPunct="1">
+              <a:spcBef>
+                <a:spcPts val="1000"/>
+              </a:spcBef>
+              <a:spcAft>
+                <a:spcPts val="0"/>
+              </a:spcAft>
+              <a:buClr>
+                <a:schemeClr val="accent1"/>
+              </a:buClr>
+              <a:buSzPct val="80000"/>
+              <a:buFont typeface="Wingdings 3" charset="2"/>
+              <a:buChar char=""/>
+              <a:defRPr sz="1600" kern="1200">
+                <a:solidFill>
+                  <a:schemeClr val="tx1">
+                    <a:lumMod val="75000"/>
+                    <a:lumOff val="25000"/>
+                  </a:schemeClr>
+                </a:solidFill>
+                <a:latin typeface="+mn-lt"/>
+                <a:ea typeface="+mn-ea"/>
+                <a:cs typeface="+mn-cs"/>
+              </a:defRPr>
+            </a:lvl2pPr>
+            <a:lvl3pPr marL="1143000" indent="-228600" algn="l" defTabSz="457200" rtl="0" eaLnBrk="1" latinLnBrk="0" hangingPunct="1">
+              <a:spcBef>
+                <a:spcPts val="1000"/>
+              </a:spcBef>
+              <a:spcAft>
+                <a:spcPts val="0"/>
+              </a:spcAft>
+              <a:buClr>
+                <a:schemeClr val="accent1"/>
+              </a:buClr>
+              <a:buSzPct val="80000"/>
+              <a:buFont typeface="Wingdings 3" charset="2"/>
+              <a:buChar char=""/>
+              <a:defRPr sz="1400" kern="1200">
+                <a:solidFill>
+                  <a:schemeClr val="tx1">
+                    <a:lumMod val="75000"/>
+                    <a:lumOff val="25000"/>
+                  </a:schemeClr>
+                </a:solidFill>
+                <a:latin typeface="+mn-lt"/>
+                <a:ea typeface="+mn-ea"/>
+                <a:cs typeface="+mn-cs"/>
+              </a:defRPr>
+            </a:lvl3pPr>
+            <a:lvl4pPr marL="1600200" indent="-228600" algn="l" defTabSz="457200" rtl="0" eaLnBrk="1" latinLnBrk="0" hangingPunct="1">
+              <a:spcBef>
+                <a:spcPts val="1000"/>
+              </a:spcBef>
+              <a:spcAft>
+                <a:spcPts val="0"/>
+              </a:spcAft>
+              <a:buClr>
+                <a:schemeClr val="accent1"/>
+              </a:buClr>
+              <a:buSzPct val="80000"/>
+              <a:buFont typeface="Wingdings 3" charset="2"/>
+              <a:buChar char=""/>
+              <a:defRPr sz="1200" kern="1200">
+                <a:solidFill>
+                  <a:schemeClr val="tx1">
+                    <a:lumMod val="75000"/>
+                    <a:lumOff val="25000"/>
+                  </a:schemeClr>
+                </a:solidFill>
+                <a:latin typeface="+mn-lt"/>
+                <a:ea typeface="+mn-ea"/>
+                <a:cs typeface="+mn-cs"/>
+              </a:defRPr>
+            </a:lvl4pPr>
+            <a:lvl5pPr marL="2057400" indent="-228600" algn="l" defTabSz="457200" rtl="0" eaLnBrk="1" latinLnBrk="0" hangingPunct="1">
+              <a:spcBef>
+                <a:spcPts val="1000"/>
+              </a:spcBef>
+              <a:spcAft>
+                <a:spcPts val="0"/>
+              </a:spcAft>
+              <a:buClr>
+                <a:schemeClr val="accent1"/>
+              </a:buClr>
+              <a:buSzPct val="80000"/>
+              <a:buFont typeface="Wingdings 3" charset="2"/>
+              <a:buChar char=""/>
+              <a:defRPr sz="1200" kern="1200">
+                <a:solidFill>
+                  <a:schemeClr val="tx1">
+                    <a:lumMod val="75000"/>
+                    <a:lumOff val="25000"/>
+                  </a:schemeClr>
+                </a:solidFill>
+                <a:latin typeface="+mn-lt"/>
+                <a:ea typeface="+mn-ea"/>
+                <a:cs typeface="+mn-cs"/>
+              </a:defRPr>
+            </a:lvl5pPr>
+            <a:lvl6pPr marL="2514600" indent="-228600" algn="l" defTabSz="457200" rtl="0" eaLnBrk="1" latinLnBrk="0" hangingPunct="1">
+              <a:spcBef>
+                <a:spcPts val="1000"/>
+              </a:spcBef>
+              <a:spcAft>
+                <a:spcPts val="0"/>
+              </a:spcAft>
+              <a:buClr>
+                <a:schemeClr val="accent1"/>
+              </a:buClr>
+              <a:buSzPct val="80000"/>
+              <a:buFont typeface="Wingdings 3" charset="2"/>
+              <a:buChar char=""/>
+              <a:defRPr sz="1200" kern="1200">
+                <a:solidFill>
+                  <a:schemeClr val="tx1">
+                    <a:lumMod val="75000"/>
+                    <a:lumOff val="25000"/>
+                  </a:schemeClr>
+                </a:solidFill>
+                <a:latin typeface="+mn-lt"/>
+                <a:ea typeface="+mn-ea"/>
+                <a:cs typeface="+mn-cs"/>
+              </a:defRPr>
+            </a:lvl6pPr>
+            <a:lvl7pPr marL="2971800" indent="-228600" algn="l" defTabSz="457200" rtl="0" eaLnBrk="1" latinLnBrk="0" hangingPunct="1">
+              <a:spcBef>
+                <a:spcPts val="1000"/>
+              </a:spcBef>
+              <a:spcAft>
+                <a:spcPts val="0"/>
+              </a:spcAft>
+              <a:buClr>
+                <a:schemeClr val="accent1"/>
+              </a:buClr>
+              <a:buSzPct val="80000"/>
+              <a:buFont typeface="Wingdings 3" charset="2"/>
+              <a:buChar char=""/>
+              <a:defRPr sz="1200" kern="1200">
+                <a:solidFill>
+                  <a:schemeClr val="tx1">
+                    <a:lumMod val="75000"/>
+                    <a:lumOff val="25000"/>
+                  </a:schemeClr>
+                </a:solidFill>
+                <a:latin typeface="+mn-lt"/>
+                <a:ea typeface="+mn-ea"/>
+                <a:cs typeface="+mn-cs"/>
+              </a:defRPr>
+            </a:lvl7pPr>
+            <a:lvl8pPr marL="3429000" indent="-228600" algn="l" defTabSz="457200" rtl="0" eaLnBrk="1" latinLnBrk="0" hangingPunct="1">
+              <a:spcBef>
+                <a:spcPts val="1000"/>
+              </a:spcBef>
+              <a:spcAft>
+                <a:spcPts val="0"/>
+              </a:spcAft>
+              <a:buClr>
+                <a:schemeClr val="accent1"/>
+              </a:buClr>
+              <a:buSzPct val="80000"/>
+              <a:buFont typeface="Wingdings 3" charset="2"/>
+              <a:buChar char=""/>
+              <a:defRPr sz="1200" kern="1200">
+                <a:solidFill>
+                  <a:schemeClr val="tx1">
+                    <a:lumMod val="75000"/>
+                    <a:lumOff val="25000"/>
+                  </a:schemeClr>
+                </a:solidFill>
+                <a:latin typeface="+mn-lt"/>
+                <a:ea typeface="+mn-ea"/>
+                <a:cs typeface="+mn-cs"/>
+              </a:defRPr>
+            </a:lvl8pPr>
+            <a:lvl9pPr marL="3886200" indent="-228600" algn="l" defTabSz="457200" rtl="0" eaLnBrk="1" latinLnBrk="0" hangingPunct="1">
+              <a:spcBef>
+                <a:spcPts val="1000"/>
+              </a:spcBef>
+              <a:spcAft>
+                <a:spcPts val="0"/>
+              </a:spcAft>
+              <a:buClr>
+                <a:schemeClr val="accent1"/>
+              </a:buClr>
+              <a:buSzPct val="80000"/>
+              <a:buFont typeface="Wingdings 3" charset="2"/>
+              <a:buChar char=""/>
+              <a:defRPr sz="1200" kern="1200">
+                <a:solidFill>
+                  <a:schemeClr val="tx1">
+                    <a:lumMod val="75000"/>
+                    <a:lumOff val="25000"/>
+                  </a:schemeClr>
+                </a:solidFill>
+                <a:latin typeface="+mn-lt"/>
+                <a:ea typeface="+mn-ea"/>
+                <a:cs typeface="+mn-cs"/>
+              </a:defRPr>
+            </a:lvl9pPr>
+          </a:lstStyle>
+          <a:p>
+            <a:r>
+              <a:rPr lang="fr-FR" dirty="0" smtClean="0"/>
+              <a:t>Fiche produit avant</a:t>
+            </a:r>
+            <a:endParaRPr lang="fr-FR" dirty="0"/>
+          </a:p>
+        </p:txBody>
+      </p:sp>
+      <p:pic>
+        <p:nvPicPr>
+          <p:cNvPr id="26" name="Espace réservé du contenu 7">
+            <a:extLst>
+              <a:ext uri="{FF2B5EF4-FFF2-40B4-BE49-F238E27FC236}">
+                <a16:creationId xmlns:a16="http://schemas.microsoft.com/office/drawing/2014/main" xmlns="" id="{15C4A421-2DCC-42BE-9369-C16457B6CBE7}"/>
+              </a:ext>
+            </a:extLst>
+          </p:cNvPr>
+          <p:cNvPicPr>
+            <a:picLocks noGrp="1" noChangeAspect="1"/>
+          </p:cNvPicPr>
+          <p:nvPr>
+            <p:ph idx="1"/>
+          </p:nvPr>
+        </p:nvPicPr>
+        <p:blipFill>
+          <a:blip r:embed="rId16"/>
+          <a:stretch>
+            <a:fillRect/>
+          </a:stretch>
+        </p:blipFill>
+        <p:spPr>
+          <a:xfrm>
+            <a:off x="2582510" y="1567093"/>
+            <a:ext cx="8502258" cy="4891608"/>
+          </a:xfrm>
+          <a:prstGeom prst="rect">
+            <a:avLst/>
+          </a:prstGeom>
+        </p:spPr>
+      </p:pic>
     </p:spTree>
     <p:extLst>
       <p:ext uri="{BB962C8B-B14F-4D97-AF65-F5344CB8AC3E}">
@@ -26802,6 +27313,13 @@
   <p:clrMapOvr>
     <a:masterClrMapping/>
   </p:clrMapOvr>
+  <p:timing>
+    <p:tnLst>
+      <p:par>
+        <p:cTn id="1" dur="indefinite" restart="never" nodeType="tmRoot"/>
+      </p:par>
+    </p:tnLst>
+  </p:timing>
 </p:sld>
 </file>
 

--- a/SOUTENANCE/Soutenance de stage.pptx
+++ b/SOUTENANCE/Soutenance de stage.pptx
@@ -22,6 +22,7 @@
     <p:sldId id="269" r:id="rId16"/>
     <p:sldId id="270" r:id="rId17"/>
     <p:sldId id="271" r:id="rId18"/>
+    <p:sldId id="274" r:id="rId19"/>
   </p:sldIdLst>
   <p:sldSz cx="12192000" cy="6858000"/>
   <p:notesSz cx="6858000" cy="9144000"/>
@@ -2727,6 +2728,13 @@
         </dgm:presLayoutVars>
       </dgm:prSet>
       <dgm:spPr/>
+      <dgm:t>
+        <a:bodyPr/>
+        <a:lstStyle/>
+        <a:p>
+          <a:endParaRPr lang="fr-FR"/>
+        </a:p>
+      </dgm:t>
     </dgm:pt>
     <dgm:pt modelId="{1C3CE909-9B69-4235-972B-F8371EBBDFBC}" type="pres">
       <dgm:prSet presAssocID="{FE745F6D-9D99-45FB-9A74-AE9A34579525}" presName="composite" presStyleCnt="0"/>
@@ -2857,12 +2865,12 @@
   </dgm:ptLst>
   <dgm:cxnLst>
     <dgm:cxn modelId="{6EE82AFD-0753-4623-B7B5-1607F69F936E}" type="presOf" srcId="{FE745F6D-9D99-45FB-9A74-AE9A34579525}" destId="{4A3D31EA-F1C2-43DC-922C-71F6928D0635}" srcOrd="0" destOrd="0" presId="urn:microsoft.com/office/officeart/2005/8/layout/vList3"/>
+    <dgm:cxn modelId="{E4A1E083-AF66-497E-9FF5-C938E8B05762}" srcId="{DCE7615C-55AC-43E8-AFAD-5A5F1153E9E9}" destId="{FE745F6D-9D99-45FB-9A74-AE9A34579525}" srcOrd="0" destOrd="0" parTransId="{86EE4119-ACDA-4500-B7DD-CEBF114CC88C}" sibTransId="{89FF397D-5BC5-4717-9FFB-9611CFCC29EA}"/>
     <dgm:cxn modelId="{7FFED189-1594-46A2-A872-A5B758466651}" srcId="{DCE7615C-55AC-43E8-AFAD-5A5F1153E9E9}" destId="{D83AA39F-888C-4C2F-87D0-017961FFBEE0}" srcOrd="2" destOrd="0" parTransId="{68F816B9-2969-4C03-9EB0-A07D18928FFF}" sibTransId="{91FA846C-8EC7-4D9A-AB03-3E31E446C342}"/>
-    <dgm:cxn modelId="{E4A1E083-AF66-497E-9FF5-C938E8B05762}" srcId="{DCE7615C-55AC-43E8-AFAD-5A5F1153E9E9}" destId="{FE745F6D-9D99-45FB-9A74-AE9A34579525}" srcOrd="0" destOrd="0" parTransId="{86EE4119-ACDA-4500-B7DD-CEBF114CC88C}" sibTransId="{89FF397D-5BC5-4717-9FFB-9611CFCC29EA}"/>
+    <dgm:cxn modelId="{1E733B33-5A09-40A4-83E7-705A809D0DB3}" srcId="{DCE7615C-55AC-43E8-AFAD-5A5F1153E9E9}" destId="{104071D2-8A57-465E-8069-473C93968D59}" srcOrd="1" destOrd="0" parTransId="{1BF65AC2-34BD-44EF-A8F6-6FCCF2BF267E}" sibTransId="{D2E4AF21-8B78-4270-8A77-361819031BDB}"/>
+    <dgm:cxn modelId="{042757F7-1F4E-42CD-B096-C510B27DC2CB}" type="presOf" srcId="{D83AA39F-888C-4C2F-87D0-017961FFBEE0}" destId="{AAC4C58A-688A-4470-97F9-CC66F4A27A0C}" srcOrd="0" destOrd="0" presId="urn:microsoft.com/office/officeart/2005/8/layout/vList3"/>
+    <dgm:cxn modelId="{119DDF50-D84A-4FE4-8D80-0DBCCB1826AB}" type="presOf" srcId="{DCE7615C-55AC-43E8-AFAD-5A5F1153E9E9}" destId="{66BF7D26-9E65-4651-A907-E96462535EE0}" srcOrd="0" destOrd="0" presId="urn:microsoft.com/office/officeart/2005/8/layout/vList3"/>
     <dgm:cxn modelId="{54EB85D3-342A-4380-8C4C-3408353A7E05}" type="presOf" srcId="{104071D2-8A57-465E-8069-473C93968D59}" destId="{7889CA99-B335-4A02-8324-ED07E0382493}" srcOrd="0" destOrd="0" presId="urn:microsoft.com/office/officeart/2005/8/layout/vList3"/>
-    <dgm:cxn modelId="{1E733B33-5A09-40A4-83E7-705A809D0DB3}" srcId="{DCE7615C-55AC-43E8-AFAD-5A5F1153E9E9}" destId="{104071D2-8A57-465E-8069-473C93968D59}" srcOrd="1" destOrd="0" parTransId="{1BF65AC2-34BD-44EF-A8F6-6FCCF2BF267E}" sibTransId="{D2E4AF21-8B78-4270-8A77-361819031BDB}"/>
-    <dgm:cxn modelId="{119DDF50-D84A-4FE4-8D80-0DBCCB1826AB}" type="presOf" srcId="{DCE7615C-55AC-43E8-AFAD-5A5F1153E9E9}" destId="{66BF7D26-9E65-4651-A907-E96462535EE0}" srcOrd="0" destOrd="0" presId="urn:microsoft.com/office/officeart/2005/8/layout/vList3"/>
-    <dgm:cxn modelId="{042757F7-1F4E-42CD-B096-C510B27DC2CB}" type="presOf" srcId="{D83AA39F-888C-4C2F-87D0-017961FFBEE0}" destId="{AAC4C58A-688A-4470-97F9-CC66F4A27A0C}" srcOrd="0" destOrd="0" presId="urn:microsoft.com/office/officeart/2005/8/layout/vList3"/>
     <dgm:cxn modelId="{5AF7A819-DD4E-49C6-AF76-92C963FB02E9}" type="presParOf" srcId="{66BF7D26-9E65-4651-A907-E96462535EE0}" destId="{1C3CE909-9B69-4235-972B-F8371EBBDFBC}" srcOrd="0" destOrd="0" presId="urn:microsoft.com/office/officeart/2005/8/layout/vList3"/>
     <dgm:cxn modelId="{23531251-2341-4D03-A5F5-0B7E4949DE71}" type="presParOf" srcId="{1C3CE909-9B69-4235-972B-F8371EBBDFBC}" destId="{46622112-5E23-4DEB-97D2-F6D528782321}" srcOrd="0" destOrd="0" presId="urn:microsoft.com/office/officeart/2005/8/layout/vList3"/>
     <dgm:cxn modelId="{FDCA1296-EADF-4317-9A75-DD035B2E2AEB}" type="presParOf" srcId="{1C3CE909-9B69-4235-972B-F8371EBBDFBC}" destId="{4A3D31EA-F1C2-43DC-922C-71F6928D0635}" srcOrd="1" destOrd="0" presId="urn:microsoft.com/office/officeart/2005/8/layout/vList3"/>
@@ -14805,7 +14813,7 @@
           <p:cNvPr id="2" name="Titre 1">
             <a:extLst>
               <a:ext uri="{FF2B5EF4-FFF2-40B4-BE49-F238E27FC236}">
-                <a16:creationId xmlns:a16="http://schemas.microsoft.com/office/drawing/2014/main" xmlns="" id="{84691D67-00D7-42AC-A908-AE1EDD7DF621}"/>
+                <a16:creationId xmlns="" xmlns:a16="http://schemas.microsoft.com/office/drawing/2014/main" id="{84691D67-00D7-42AC-A908-AE1EDD7DF621}"/>
               </a:ext>
             </a:extLst>
           </p:cNvPr>
@@ -14839,7 +14847,7 @@
           <p:cNvPr id="3" name="Sous-titre 2">
             <a:extLst>
               <a:ext uri="{FF2B5EF4-FFF2-40B4-BE49-F238E27FC236}">
-                <a16:creationId xmlns:a16="http://schemas.microsoft.com/office/drawing/2014/main" xmlns="" id="{B8F682A6-EE08-4C6E-8679-06B139378BA7}"/>
+                <a16:creationId xmlns="" xmlns:a16="http://schemas.microsoft.com/office/drawing/2014/main" id="{B8F682A6-EE08-4C6E-8679-06B139378BA7}"/>
               </a:ext>
             </a:extLst>
           </p:cNvPr>
@@ -14964,7 +14972,7 @@
             <a:hlinkClick r:id="rId2" action="ppaction://hlinksldjump"/>
             <a:extLst>
               <a:ext uri="{FF2B5EF4-FFF2-40B4-BE49-F238E27FC236}">
-                <a16:creationId xmlns:a16="http://schemas.microsoft.com/office/drawing/2014/main" xmlns="" id="{BB1180C2-DDD8-4EC9-B9BB-B3FEE1C2B1DD}"/>
+                <a16:creationId xmlns="" xmlns:a16="http://schemas.microsoft.com/office/drawing/2014/main" id="{BB1180C2-DDD8-4EC9-B9BB-B3FEE1C2B1DD}"/>
               </a:ext>
             </a:extLst>
           </p:cNvPr>
@@ -15014,7 +15022,7 @@
             <a:hlinkClick r:id="rId3" action="ppaction://hlinksldjump"/>
             <a:extLst>
               <a:ext uri="{FF2B5EF4-FFF2-40B4-BE49-F238E27FC236}">
-                <a16:creationId xmlns:a16="http://schemas.microsoft.com/office/drawing/2014/main" xmlns="" id="{1E352299-D80D-4447-93F6-F0F4FDC083EC}"/>
+                <a16:creationId xmlns="" xmlns:a16="http://schemas.microsoft.com/office/drawing/2014/main" id="{1E352299-D80D-4447-93F6-F0F4FDC083EC}"/>
               </a:ext>
             </a:extLst>
           </p:cNvPr>
@@ -15069,7 +15077,7 @@
             <a:hlinkClick r:id="rId4" action="ppaction://hlinksldjump"/>
             <a:extLst>
               <a:ext uri="{FF2B5EF4-FFF2-40B4-BE49-F238E27FC236}">
-                <a16:creationId xmlns:a16="http://schemas.microsoft.com/office/drawing/2014/main" xmlns="" id="{B4D0F719-056D-4404-AF97-A5A6983A14AC}"/>
+                <a16:creationId xmlns="" xmlns:a16="http://schemas.microsoft.com/office/drawing/2014/main" id="{B4D0F719-056D-4404-AF97-A5A6983A14AC}"/>
               </a:ext>
             </a:extLst>
           </p:cNvPr>
@@ -15124,7 +15132,7 @@
             <a:hlinkClick r:id="rId5" action="ppaction://hlinksldjump"/>
             <a:extLst>
               <a:ext uri="{FF2B5EF4-FFF2-40B4-BE49-F238E27FC236}">
-                <a16:creationId xmlns:a16="http://schemas.microsoft.com/office/drawing/2014/main" xmlns="" id="{B0C7724E-DF90-449E-96F6-9E03D052F2A3}"/>
+                <a16:creationId xmlns="" xmlns:a16="http://schemas.microsoft.com/office/drawing/2014/main" id="{B0C7724E-DF90-449E-96F6-9E03D052F2A3}"/>
               </a:ext>
             </a:extLst>
           </p:cNvPr>
@@ -15174,7 +15182,7 @@
             <a:hlinkClick r:id="rId6" action="ppaction://hlinksldjump"/>
             <a:extLst>
               <a:ext uri="{FF2B5EF4-FFF2-40B4-BE49-F238E27FC236}">
-                <a16:creationId xmlns:a16="http://schemas.microsoft.com/office/drawing/2014/main" xmlns="" id="{62A3A7E8-3951-4A52-950D-186DDCE804B2}"/>
+                <a16:creationId xmlns="" xmlns:a16="http://schemas.microsoft.com/office/drawing/2014/main" id="{62A3A7E8-3951-4A52-950D-186DDCE804B2}"/>
               </a:ext>
             </a:extLst>
           </p:cNvPr>
@@ -15229,7 +15237,7 @@
             <a:hlinkClick r:id="rId7" action="ppaction://hlinksldjump"/>
             <a:extLst>
               <a:ext uri="{FF2B5EF4-FFF2-40B4-BE49-F238E27FC236}">
-                <a16:creationId xmlns:a16="http://schemas.microsoft.com/office/drawing/2014/main" xmlns="" id="{954D421B-8617-4A77-A092-764173221A8D}"/>
+                <a16:creationId xmlns="" xmlns:a16="http://schemas.microsoft.com/office/drawing/2014/main" id="{954D421B-8617-4A77-A092-764173221A8D}"/>
               </a:ext>
             </a:extLst>
           </p:cNvPr>
@@ -15279,7 +15287,7 @@
             <a:hlinkClick r:id="rId8" action="ppaction://hlinksldjump"/>
             <a:extLst>
               <a:ext uri="{FF2B5EF4-FFF2-40B4-BE49-F238E27FC236}">
-                <a16:creationId xmlns:a16="http://schemas.microsoft.com/office/drawing/2014/main" xmlns="" id="{CA78ABD4-1EFE-4051-8922-6AD898F3EFCE}"/>
+                <a16:creationId xmlns="" xmlns:a16="http://schemas.microsoft.com/office/drawing/2014/main" id="{CA78ABD4-1EFE-4051-8922-6AD898F3EFCE}"/>
               </a:ext>
             </a:extLst>
           </p:cNvPr>
@@ -15329,7 +15337,7 @@
             <a:hlinkClick r:id="rId9" action="ppaction://hlinksldjump"/>
             <a:extLst>
               <a:ext uri="{FF2B5EF4-FFF2-40B4-BE49-F238E27FC236}">
-                <a16:creationId xmlns:a16="http://schemas.microsoft.com/office/drawing/2014/main" xmlns="" id="{0090B853-E1C3-41DD-ADF2-858FA7CFE074}"/>
+                <a16:creationId xmlns="" xmlns:a16="http://schemas.microsoft.com/office/drawing/2014/main" id="{0090B853-E1C3-41DD-ADF2-858FA7CFE074}"/>
               </a:ext>
             </a:extLst>
           </p:cNvPr>
@@ -15380,7 +15388,7 @@
             <a:hlinkClick r:id="rId10" action="ppaction://hlinksldjump"/>
             <a:extLst>
               <a:ext uri="{FF2B5EF4-FFF2-40B4-BE49-F238E27FC236}">
-                <a16:creationId xmlns:a16="http://schemas.microsoft.com/office/drawing/2014/main" xmlns="" id="{7CFFB609-A375-4352-B4BA-54A6D461B078}"/>
+                <a16:creationId xmlns="" xmlns:a16="http://schemas.microsoft.com/office/drawing/2014/main" id="{7CFFB609-A375-4352-B4BA-54A6D461B078}"/>
               </a:ext>
             </a:extLst>
           </p:cNvPr>
@@ -15430,7 +15438,7 @@
             <a:hlinkClick r:id="rId11" action="ppaction://hlinksldjump"/>
             <a:extLst>
               <a:ext uri="{FF2B5EF4-FFF2-40B4-BE49-F238E27FC236}">
-                <a16:creationId xmlns:a16="http://schemas.microsoft.com/office/drawing/2014/main" xmlns="" id="{1BE904D1-38A8-4E9B-8B7D-02476F10CC4D}"/>
+                <a16:creationId xmlns="" xmlns:a16="http://schemas.microsoft.com/office/drawing/2014/main" id="{1BE904D1-38A8-4E9B-8B7D-02476F10CC4D}"/>
               </a:ext>
             </a:extLst>
           </p:cNvPr>
@@ -15480,7 +15488,7 @@
             <a:hlinkClick r:id="rId12" action="ppaction://hlinksldjump"/>
             <a:extLst>
               <a:ext uri="{FF2B5EF4-FFF2-40B4-BE49-F238E27FC236}">
-                <a16:creationId xmlns:a16="http://schemas.microsoft.com/office/drawing/2014/main" xmlns="" id="{B4AA5809-DE80-4EDD-B5CF-F21C9B02CA17}"/>
+                <a16:creationId xmlns="" xmlns:a16="http://schemas.microsoft.com/office/drawing/2014/main" id="{B4AA5809-DE80-4EDD-B5CF-F21C9B02CA17}"/>
               </a:ext>
             </a:extLst>
           </p:cNvPr>
@@ -15535,7 +15543,7 @@
             <a:hlinkClick r:id="rId13" action="ppaction://hlinksldjump"/>
             <a:extLst>
               <a:ext uri="{FF2B5EF4-FFF2-40B4-BE49-F238E27FC236}">
-                <a16:creationId xmlns:a16="http://schemas.microsoft.com/office/drawing/2014/main" xmlns="" id="{0090B853-E1C3-41DD-ADF2-858FA7CFE074}"/>
+                <a16:creationId xmlns="" xmlns:a16="http://schemas.microsoft.com/office/drawing/2014/main" id="{0090B853-E1C3-41DD-ADF2-858FA7CFE074}"/>
               </a:ext>
             </a:extLst>
           </p:cNvPr>
@@ -15576,7 +15584,6 @@
               <a:rPr lang="fr-FR" sz="1000" dirty="0"/>
               <a:t>Fiche avant modification</a:t>
             </a:r>
-            <a:endParaRPr lang="fr-FR" sz="1000" dirty="0"/>
           </a:p>
         </p:txBody>
       </p:sp>
@@ -15586,7 +15593,7 @@
             <a:hlinkClick r:id="rId14" action="ppaction://hlinksldjump"/>
             <a:extLst>
               <a:ext uri="{FF2B5EF4-FFF2-40B4-BE49-F238E27FC236}">
-                <a16:creationId xmlns:a16="http://schemas.microsoft.com/office/drawing/2014/main" xmlns="" id="{803E6E67-C5FB-4E28-AD5F-E3B57A603F38}"/>
+                <a16:creationId xmlns="" xmlns:a16="http://schemas.microsoft.com/office/drawing/2014/main" id="{803E6E67-C5FB-4E28-AD5F-E3B57A603F38}"/>
               </a:ext>
             </a:extLst>
           </p:cNvPr>
@@ -15636,7 +15643,7 @@
             <a:hlinkClick r:id="rId15" action="ppaction://hlinksldjump"/>
             <a:extLst>
               <a:ext uri="{FF2B5EF4-FFF2-40B4-BE49-F238E27FC236}">
-                <a16:creationId xmlns:a16="http://schemas.microsoft.com/office/drawing/2014/main" xmlns="" id="{4CC6A6B2-3E1D-4244-BCE0-87553B579C0F}"/>
+                <a16:creationId xmlns="" xmlns:a16="http://schemas.microsoft.com/office/drawing/2014/main" id="{4CC6A6B2-3E1D-4244-BCE0-87553B579C0F}"/>
               </a:ext>
             </a:extLst>
           </p:cNvPr>
@@ -15686,7 +15693,7 @@
             <a:hlinkClick r:id="rId16" action="ppaction://hlinksldjump"/>
             <a:extLst>
               <a:ext uri="{FF2B5EF4-FFF2-40B4-BE49-F238E27FC236}">
-                <a16:creationId xmlns:a16="http://schemas.microsoft.com/office/drawing/2014/main" xmlns="" id="{930535BF-9258-49A2-928F-353BD1FF2D8E}"/>
+                <a16:creationId xmlns="" xmlns:a16="http://schemas.microsoft.com/office/drawing/2014/main" id="{930535BF-9258-49A2-928F-353BD1FF2D8E}"/>
               </a:ext>
             </a:extLst>
           </p:cNvPr>
@@ -16005,7 +16012,7 @@
           <p:cNvPr id="2" name="Titre 1">
             <a:extLst>
               <a:ext uri="{FF2B5EF4-FFF2-40B4-BE49-F238E27FC236}">
-                <a16:creationId xmlns:a16="http://schemas.microsoft.com/office/drawing/2014/main" xmlns="" id="{F652441F-AEF7-4868-BB23-238B713FFC89}"/>
+                <a16:creationId xmlns="" xmlns:a16="http://schemas.microsoft.com/office/drawing/2014/main" id="{F652441F-AEF7-4868-BB23-238B713FFC89}"/>
               </a:ext>
             </a:extLst>
           </p:cNvPr>
@@ -16071,7 +16078,7 @@
           <p:cNvPr id="22" name="Image 21">
             <a:extLst>
               <a:ext uri="{FF2B5EF4-FFF2-40B4-BE49-F238E27FC236}">
-                <a16:creationId xmlns:a16="http://schemas.microsoft.com/office/drawing/2014/main" xmlns="" id="{D215E327-68F2-4740-A2A9-AFCBA6F233CA}"/>
+                <a16:creationId xmlns="" xmlns:a16="http://schemas.microsoft.com/office/drawing/2014/main" id="{D215E327-68F2-4740-A2A9-AFCBA6F233CA}"/>
               </a:ext>
             </a:extLst>
           </p:cNvPr>
@@ -16102,7 +16109,7 @@
             <a:hlinkClick r:id="rId3" action="ppaction://hlinksldjump"/>
             <a:extLst>
               <a:ext uri="{FF2B5EF4-FFF2-40B4-BE49-F238E27FC236}">
-                <a16:creationId xmlns:a16="http://schemas.microsoft.com/office/drawing/2014/main" xmlns="" id="{BB1180C2-DDD8-4EC9-B9BB-B3FEE1C2B1DD}"/>
+                <a16:creationId xmlns="" xmlns:a16="http://schemas.microsoft.com/office/drawing/2014/main" id="{BB1180C2-DDD8-4EC9-B9BB-B3FEE1C2B1DD}"/>
               </a:ext>
             </a:extLst>
           </p:cNvPr>
@@ -16152,7 +16159,7 @@
             <a:hlinkClick r:id="rId4" action="ppaction://hlinksldjump"/>
             <a:extLst>
               <a:ext uri="{FF2B5EF4-FFF2-40B4-BE49-F238E27FC236}">
-                <a16:creationId xmlns:a16="http://schemas.microsoft.com/office/drawing/2014/main" xmlns="" id="{1E352299-D80D-4447-93F6-F0F4FDC083EC}"/>
+                <a16:creationId xmlns="" xmlns:a16="http://schemas.microsoft.com/office/drawing/2014/main" id="{1E352299-D80D-4447-93F6-F0F4FDC083EC}"/>
               </a:ext>
             </a:extLst>
           </p:cNvPr>
@@ -16207,7 +16214,7 @@
             <a:hlinkClick r:id="rId5" action="ppaction://hlinksldjump"/>
             <a:extLst>
               <a:ext uri="{FF2B5EF4-FFF2-40B4-BE49-F238E27FC236}">
-                <a16:creationId xmlns:a16="http://schemas.microsoft.com/office/drawing/2014/main" xmlns="" id="{B4D0F719-056D-4404-AF97-A5A6983A14AC}"/>
+                <a16:creationId xmlns="" xmlns:a16="http://schemas.microsoft.com/office/drawing/2014/main" id="{B4D0F719-056D-4404-AF97-A5A6983A14AC}"/>
               </a:ext>
             </a:extLst>
           </p:cNvPr>
@@ -16262,7 +16269,7 @@
             <a:hlinkClick r:id="rId6" action="ppaction://hlinksldjump"/>
             <a:extLst>
               <a:ext uri="{FF2B5EF4-FFF2-40B4-BE49-F238E27FC236}">
-                <a16:creationId xmlns:a16="http://schemas.microsoft.com/office/drawing/2014/main" xmlns="" id="{B0C7724E-DF90-449E-96F6-9E03D052F2A3}"/>
+                <a16:creationId xmlns="" xmlns:a16="http://schemas.microsoft.com/office/drawing/2014/main" id="{B0C7724E-DF90-449E-96F6-9E03D052F2A3}"/>
               </a:ext>
             </a:extLst>
           </p:cNvPr>
@@ -16312,7 +16319,7 @@
             <a:hlinkClick r:id="rId7" action="ppaction://hlinksldjump"/>
             <a:extLst>
               <a:ext uri="{FF2B5EF4-FFF2-40B4-BE49-F238E27FC236}">
-                <a16:creationId xmlns:a16="http://schemas.microsoft.com/office/drawing/2014/main" xmlns="" id="{62A3A7E8-3951-4A52-950D-186DDCE804B2}"/>
+                <a16:creationId xmlns="" xmlns:a16="http://schemas.microsoft.com/office/drawing/2014/main" id="{62A3A7E8-3951-4A52-950D-186DDCE804B2}"/>
               </a:ext>
             </a:extLst>
           </p:cNvPr>
@@ -16367,7 +16374,7 @@
             <a:hlinkClick r:id="rId8" action="ppaction://hlinksldjump"/>
             <a:extLst>
               <a:ext uri="{FF2B5EF4-FFF2-40B4-BE49-F238E27FC236}">
-                <a16:creationId xmlns:a16="http://schemas.microsoft.com/office/drawing/2014/main" xmlns="" id="{954D421B-8617-4A77-A092-764173221A8D}"/>
+                <a16:creationId xmlns="" xmlns:a16="http://schemas.microsoft.com/office/drawing/2014/main" id="{954D421B-8617-4A77-A092-764173221A8D}"/>
               </a:ext>
             </a:extLst>
           </p:cNvPr>
@@ -16417,7 +16424,7 @@
             <a:hlinkClick r:id="rId9" action="ppaction://hlinksldjump"/>
             <a:extLst>
               <a:ext uri="{FF2B5EF4-FFF2-40B4-BE49-F238E27FC236}">
-                <a16:creationId xmlns:a16="http://schemas.microsoft.com/office/drawing/2014/main" xmlns="" id="{CA78ABD4-1EFE-4051-8922-6AD898F3EFCE}"/>
+                <a16:creationId xmlns="" xmlns:a16="http://schemas.microsoft.com/office/drawing/2014/main" id="{CA78ABD4-1EFE-4051-8922-6AD898F3EFCE}"/>
               </a:ext>
             </a:extLst>
           </p:cNvPr>
@@ -16467,7 +16474,7 @@
             <a:hlinkClick r:id="rId10" action="ppaction://hlinksldjump"/>
             <a:extLst>
               <a:ext uri="{FF2B5EF4-FFF2-40B4-BE49-F238E27FC236}">
-                <a16:creationId xmlns:a16="http://schemas.microsoft.com/office/drawing/2014/main" xmlns="" id="{0090B853-E1C3-41DD-ADF2-858FA7CFE074}"/>
+                <a16:creationId xmlns="" xmlns:a16="http://schemas.microsoft.com/office/drawing/2014/main" id="{0090B853-E1C3-41DD-ADF2-858FA7CFE074}"/>
               </a:ext>
             </a:extLst>
           </p:cNvPr>
@@ -16518,7 +16525,7 @@
             <a:hlinkClick r:id="rId11" action="ppaction://hlinksldjump"/>
             <a:extLst>
               <a:ext uri="{FF2B5EF4-FFF2-40B4-BE49-F238E27FC236}">
-                <a16:creationId xmlns:a16="http://schemas.microsoft.com/office/drawing/2014/main" xmlns="" id="{7CFFB609-A375-4352-B4BA-54A6D461B078}"/>
+                <a16:creationId xmlns="" xmlns:a16="http://schemas.microsoft.com/office/drawing/2014/main" id="{7CFFB609-A375-4352-B4BA-54A6D461B078}"/>
               </a:ext>
             </a:extLst>
           </p:cNvPr>
@@ -16568,7 +16575,7 @@
             <a:hlinkClick r:id="rId12" action="ppaction://hlinksldjump"/>
             <a:extLst>
               <a:ext uri="{FF2B5EF4-FFF2-40B4-BE49-F238E27FC236}">
-                <a16:creationId xmlns:a16="http://schemas.microsoft.com/office/drawing/2014/main" xmlns="" id="{1BE904D1-38A8-4E9B-8B7D-02476F10CC4D}"/>
+                <a16:creationId xmlns="" xmlns:a16="http://schemas.microsoft.com/office/drawing/2014/main" id="{1BE904D1-38A8-4E9B-8B7D-02476F10CC4D}"/>
               </a:ext>
             </a:extLst>
           </p:cNvPr>
@@ -16618,7 +16625,7 @@
             <a:hlinkClick r:id="rId13" action="ppaction://hlinksldjump"/>
             <a:extLst>
               <a:ext uri="{FF2B5EF4-FFF2-40B4-BE49-F238E27FC236}">
-                <a16:creationId xmlns:a16="http://schemas.microsoft.com/office/drawing/2014/main" xmlns="" id="{B4AA5809-DE80-4EDD-B5CF-F21C9B02CA17}"/>
+                <a16:creationId xmlns="" xmlns:a16="http://schemas.microsoft.com/office/drawing/2014/main" id="{B4AA5809-DE80-4EDD-B5CF-F21C9B02CA17}"/>
               </a:ext>
             </a:extLst>
           </p:cNvPr>
@@ -16673,7 +16680,7 @@
             <a:hlinkClick r:id="rId14" action="ppaction://hlinksldjump"/>
             <a:extLst>
               <a:ext uri="{FF2B5EF4-FFF2-40B4-BE49-F238E27FC236}">
-                <a16:creationId xmlns:a16="http://schemas.microsoft.com/office/drawing/2014/main" xmlns="" id="{0090B853-E1C3-41DD-ADF2-858FA7CFE074}"/>
+                <a16:creationId xmlns="" xmlns:a16="http://schemas.microsoft.com/office/drawing/2014/main" id="{0090B853-E1C3-41DD-ADF2-858FA7CFE074}"/>
               </a:ext>
             </a:extLst>
           </p:cNvPr>
@@ -16714,7 +16721,6 @@
               <a:rPr lang="fr-FR" sz="1000" dirty="0"/>
               <a:t>Fiche avant modification</a:t>
             </a:r>
-            <a:endParaRPr lang="fr-FR" sz="1000" dirty="0"/>
           </a:p>
         </p:txBody>
       </p:sp>
@@ -16724,7 +16730,7 @@
             <a:hlinkClick r:id="rId15" action="ppaction://hlinksldjump"/>
             <a:extLst>
               <a:ext uri="{FF2B5EF4-FFF2-40B4-BE49-F238E27FC236}">
-                <a16:creationId xmlns:a16="http://schemas.microsoft.com/office/drawing/2014/main" xmlns="" id="{803E6E67-C5FB-4E28-AD5F-E3B57A603F38}"/>
+                <a16:creationId xmlns="" xmlns:a16="http://schemas.microsoft.com/office/drawing/2014/main" id="{803E6E67-C5FB-4E28-AD5F-E3B57A603F38}"/>
               </a:ext>
             </a:extLst>
           </p:cNvPr>
@@ -16774,7 +16780,7 @@
             <a:hlinkClick r:id="rId16" action="ppaction://hlinksldjump"/>
             <a:extLst>
               <a:ext uri="{FF2B5EF4-FFF2-40B4-BE49-F238E27FC236}">
-                <a16:creationId xmlns:a16="http://schemas.microsoft.com/office/drawing/2014/main" xmlns="" id="{4CC6A6B2-3E1D-4244-BCE0-87553B579C0F}"/>
+                <a16:creationId xmlns="" xmlns:a16="http://schemas.microsoft.com/office/drawing/2014/main" id="{4CC6A6B2-3E1D-4244-BCE0-87553B579C0F}"/>
               </a:ext>
             </a:extLst>
           </p:cNvPr>
@@ -16824,7 +16830,7 @@
             <a:hlinkClick r:id="rId17" action="ppaction://hlinksldjump"/>
             <a:extLst>
               <a:ext uri="{FF2B5EF4-FFF2-40B4-BE49-F238E27FC236}">
-                <a16:creationId xmlns:a16="http://schemas.microsoft.com/office/drawing/2014/main" xmlns="" id="{930535BF-9258-49A2-928F-353BD1FF2D8E}"/>
+                <a16:creationId xmlns="" xmlns:a16="http://schemas.microsoft.com/office/drawing/2014/main" id="{930535BF-9258-49A2-928F-353BD1FF2D8E}"/>
               </a:ext>
             </a:extLst>
           </p:cNvPr>
@@ -16910,7 +16916,7 @@
           <p:cNvPr id="2" name="Titre 1">
             <a:extLst>
               <a:ext uri="{FF2B5EF4-FFF2-40B4-BE49-F238E27FC236}">
-                <a16:creationId xmlns:a16="http://schemas.microsoft.com/office/drawing/2014/main" xmlns="" id="{DC37994F-E433-450E-8E5C-6052FC74D9DD}"/>
+                <a16:creationId xmlns="" xmlns:a16="http://schemas.microsoft.com/office/drawing/2014/main" id="{DC37994F-E433-450E-8E5C-6052FC74D9DD}"/>
               </a:ext>
             </a:extLst>
           </p:cNvPr>
@@ -16948,7 +16954,7 @@
           <p:cNvPr id="3" name="Espace réservé du contenu 2">
             <a:extLst>
               <a:ext uri="{FF2B5EF4-FFF2-40B4-BE49-F238E27FC236}">
-                <a16:creationId xmlns:a16="http://schemas.microsoft.com/office/drawing/2014/main" xmlns="" id="{135DE1BD-C2CB-4F98-9C6A-87C239787871}"/>
+                <a16:creationId xmlns="" xmlns:a16="http://schemas.microsoft.com/office/drawing/2014/main" id="{135DE1BD-C2CB-4F98-9C6A-87C239787871}"/>
               </a:ext>
             </a:extLst>
           </p:cNvPr>
@@ -16984,7 +16990,7 @@
           <p:cNvPr id="11" name="Image 10">
             <a:extLst>
               <a:ext uri="{FF2B5EF4-FFF2-40B4-BE49-F238E27FC236}">
-                <a16:creationId xmlns:a16="http://schemas.microsoft.com/office/drawing/2014/main" xmlns="" id="{5F262CF1-83FD-4903-A934-5E5ED251C977}"/>
+                <a16:creationId xmlns="" xmlns:a16="http://schemas.microsoft.com/office/drawing/2014/main" id="{5F262CF1-83FD-4903-A934-5E5ED251C977}"/>
               </a:ext>
             </a:extLst>
           </p:cNvPr>
@@ -17014,7 +17020,7 @@
           <p:cNvPr id="13" name="Image 12">
             <a:extLst>
               <a:ext uri="{FF2B5EF4-FFF2-40B4-BE49-F238E27FC236}">
-                <a16:creationId xmlns:a16="http://schemas.microsoft.com/office/drawing/2014/main" xmlns="" id="{30277849-21AA-4C97-AB3D-7CDCF9100E8A}"/>
+                <a16:creationId xmlns="" xmlns:a16="http://schemas.microsoft.com/office/drawing/2014/main" id="{30277849-21AA-4C97-AB3D-7CDCF9100E8A}"/>
               </a:ext>
             </a:extLst>
           </p:cNvPr>
@@ -17045,7 +17051,7 @@
             <a:hlinkClick r:id="rId4" action="ppaction://hlinksldjump"/>
             <a:extLst>
               <a:ext uri="{FF2B5EF4-FFF2-40B4-BE49-F238E27FC236}">
-                <a16:creationId xmlns:a16="http://schemas.microsoft.com/office/drawing/2014/main" xmlns="" id="{BB1180C2-DDD8-4EC9-B9BB-B3FEE1C2B1DD}"/>
+                <a16:creationId xmlns="" xmlns:a16="http://schemas.microsoft.com/office/drawing/2014/main" id="{BB1180C2-DDD8-4EC9-B9BB-B3FEE1C2B1DD}"/>
               </a:ext>
             </a:extLst>
           </p:cNvPr>
@@ -17095,7 +17101,7 @@
             <a:hlinkClick r:id="rId5" action="ppaction://hlinksldjump"/>
             <a:extLst>
               <a:ext uri="{FF2B5EF4-FFF2-40B4-BE49-F238E27FC236}">
-                <a16:creationId xmlns:a16="http://schemas.microsoft.com/office/drawing/2014/main" xmlns="" id="{1E352299-D80D-4447-93F6-F0F4FDC083EC}"/>
+                <a16:creationId xmlns="" xmlns:a16="http://schemas.microsoft.com/office/drawing/2014/main" id="{1E352299-D80D-4447-93F6-F0F4FDC083EC}"/>
               </a:ext>
             </a:extLst>
           </p:cNvPr>
@@ -17150,7 +17156,7 @@
             <a:hlinkClick r:id="rId6" action="ppaction://hlinksldjump"/>
             <a:extLst>
               <a:ext uri="{FF2B5EF4-FFF2-40B4-BE49-F238E27FC236}">
-                <a16:creationId xmlns:a16="http://schemas.microsoft.com/office/drawing/2014/main" xmlns="" id="{B4D0F719-056D-4404-AF97-A5A6983A14AC}"/>
+                <a16:creationId xmlns="" xmlns:a16="http://schemas.microsoft.com/office/drawing/2014/main" id="{B4D0F719-056D-4404-AF97-A5A6983A14AC}"/>
               </a:ext>
             </a:extLst>
           </p:cNvPr>
@@ -17205,7 +17211,7 @@
             <a:hlinkClick r:id="rId7" action="ppaction://hlinksldjump"/>
             <a:extLst>
               <a:ext uri="{FF2B5EF4-FFF2-40B4-BE49-F238E27FC236}">
-                <a16:creationId xmlns:a16="http://schemas.microsoft.com/office/drawing/2014/main" xmlns="" id="{B0C7724E-DF90-449E-96F6-9E03D052F2A3}"/>
+                <a16:creationId xmlns="" xmlns:a16="http://schemas.microsoft.com/office/drawing/2014/main" id="{B0C7724E-DF90-449E-96F6-9E03D052F2A3}"/>
               </a:ext>
             </a:extLst>
           </p:cNvPr>
@@ -17255,7 +17261,7 @@
             <a:hlinkClick r:id="rId8" action="ppaction://hlinksldjump"/>
             <a:extLst>
               <a:ext uri="{FF2B5EF4-FFF2-40B4-BE49-F238E27FC236}">
-                <a16:creationId xmlns:a16="http://schemas.microsoft.com/office/drawing/2014/main" xmlns="" id="{62A3A7E8-3951-4A52-950D-186DDCE804B2}"/>
+                <a16:creationId xmlns="" xmlns:a16="http://schemas.microsoft.com/office/drawing/2014/main" id="{62A3A7E8-3951-4A52-950D-186DDCE804B2}"/>
               </a:ext>
             </a:extLst>
           </p:cNvPr>
@@ -17310,7 +17316,7 @@
             <a:hlinkClick r:id="rId9" action="ppaction://hlinksldjump"/>
             <a:extLst>
               <a:ext uri="{FF2B5EF4-FFF2-40B4-BE49-F238E27FC236}">
-                <a16:creationId xmlns:a16="http://schemas.microsoft.com/office/drawing/2014/main" xmlns="" id="{954D421B-8617-4A77-A092-764173221A8D}"/>
+                <a16:creationId xmlns="" xmlns:a16="http://schemas.microsoft.com/office/drawing/2014/main" id="{954D421B-8617-4A77-A092-764173221A8D}"/>
               </a:ext>
             </a:extLst>
           </p:cNvPr>
@@ -17360,7 +17366,7 @@
             <a:hlinkClick r:id="rId10" action="ppaction://hlinksldjump"/>
             <a:extLst>
               <a:ext uri="{FF2B5EF4-FFF2-40B4-BE49-F238E27FC236}">
-                <a16:creationId xmlns:a16="http://schemas.microsoft.com/office/drawing/2014/main" xmlns="" id="{CA78ABD4-1EFE-4051-8922-6AD898F3EFCE}"/>
+                <a16:creationId xmlns="" xmlns:a16="http://schemas.microsoft.com/office/drawing/2014/main" id="{CA78ABD4-1EFE-4051-8922-6AD898F3EFCE}"/>
               </a:ext>
             </a:extLst>
           </p:cNvPr>
@@ -17410,7 +17416,7 @@
             <a:hlinkClick r:id="rId11" action="ppaction://hlinksldjump"/>
             <a:extLst>
               <a:ext uri="{FF2B5EF4-FFF2-40B4-BE49-F238E27FC236}">
-                <a16:creationId xmlns:a16="http://schemas.microsoft.com/office/drawing/2014/main" xmlns="" id="{0090B853-E1C3-41DD-ADF2-858FA7CFE074}"/>
+                <a16:creationId xmlns="" xmlns:a16="http://schemas.microsoft.com/office/drawing/2014/main" id="{0090B853-E1C3-41DD-ADF2-858FA7CFE074}"/>
               </a:ext>
             </a:extLst>
           </p:cNvPr>
@@ -17461,7 +17467,7 @@
             <a:hlinkClick r:id="rId12" action="ppaction://hlinksldjump"/>
             <a:extLst>
               <a:ext uri="{FF2B5EF4-FFF2-40B4-BE49-F238E27FC236}">
-                <a16:creationId xmlns:a16="http://schemas.microsoft.com/office/drawing/2014/main" xmlns="" id="{7CFFB609-A375-4352-B4BA-54A6D461B078}"/>
+                <a16:creationId xmlns="" xmlns:a16="http://schemas.microsoft.com/office/drawing/2014/main" id="{7CFFB609-A375-4352-B4BA-54A6D461B078}"/>
               </a:ext>
             </a:extLst>
           </p:cNvPr>
@@ -17511,7 +17517,7 @@
             <a:hlinkClick r:id="rId13" action="ppaction://hlinksldjump"/>
             <a:extLst>
               <a:ext uri="{FF2B5EF4-FFF2-40B4-BE49-F238E27FC236}">
-                <a16:creationId xmlns:a16="http://schemas.microsoft.com/office/drawing/2014/main" xmlns="" id="{1BE904D1-38A8-4E9B-8B7D-02476F10CC4D}"/>
+                <a16:creationId xmlns="" xmlns:a16="http://schemas.microsoft.com/office/drawing/2014/main" id="{1BE904D1-38A8-4E9B-8B7D-02476F10CC4D}"/>
               </a:ext>
             </a:extLst>
           </p:cNvPr>
@@ -17561,7 +17567,7 @@
             <a:hlinkClick r:id="rId14" action="ppaction://hlinksldjump"/>
             <a:extLst>
               <a:ext uri="{FF2B5EF4-FFF2-40B4-BE49-F238E27FC236}">
-                <a16:creationId xmlns:a16="http://schemas.microsoft.com/office/drawing/2014/main" xmlns="" id="{B4AA5809-DE80-4EDD-B5CF-F21C9B02CA17}"/>
+                <a16:creationId xmlns="" xmlns:a16="http://schemas.microsoft.com/office/drawing/2014/main" id="{B4AA5809-DE80-4EDD-B5CF-F21C9B02CA17}"/>
               </a:ext>
             </a:extLst>
           </p:cNvPr>
@@ -17616,7 +17622,7 @@
             <a:hlinkClick r:id="rId15" action="ppaction://hlinksldjump"/>
             <a:extLst>
               <a:ext uri="{FF2B5EF4-FFF2-40B4-BE49-F238E27FC236}">
-                <a16:creationId xmlns:a16="http://schemas.microsoft.com/office/drawing/2014/main" xmlns="" id="{0090B853-E1C3-41DD-ADF2-858FA7CFE074}"/>
+                <a16:creationId xmlns="" xmlns:a16="http://schemas.microsoft.com/office/drawing/2014/main" id="{0090B853-E1C3-41DD-ADF2-858FA7CFE074}"/>
               </a:ext>
             </a:extLst>
           </p:cNvPr>
@@ -17657,7 +17663,6 @@
               <a:rPr lang="fr-FR" sz="1000" dirty="0"/>
               <a:t>Fiche avant modification</a:t>
             </a:r>
-            <a:endParaRPr lang="fr-FR" sz="1000" dirty="0"/>
           </a:p>
         </p:txBody>
       </p:sp>
@@ -17667,7 +17672,7 @@
             <a:hlinkClick r:id="rId16" action="ppaction://hlinksldjump"/>
             <a:extLst>
               <a:ext uri="{FF2B5EF4-FFF2-40B4-BE49-F238E27FC236}">
-                <a16:creationId xmlns:a16="http://schemas.microsoft.com/office/drawing/2014/main" xmlns="" id="{803E6E67-C5FB-4E28-AD5F-E3B57A603F38}"/>
+                <a16:creationId xmlns="" xmlns:a16="http://schemas.microsoft.com/office/drawing/2014/main" id="{803E6E67-C5FB-4E28-AD5F-E3B57A603F38}"/>
               </a:ext>
             </a:extLst>
           </p:cNvPr>
@@ -17717,7 +17722,7 @@
             <a:hlinkClick r:id="rId17" action="ppaction://hlinksldjump"/>
             <a:extLst>
               <a:ext uri="{FF2B5EF4-FFF2-40B4-BE49-F238E27FC236}">
-                <a16:creationId xmlns:a16="http://schemas.microsoft.com/office/drawing/2014/main" xmlns="" id="{4CC6A6B2-3E1D-4244-BCE0-87553B579C0F}"/>
+                <a16:creationId xmlns="" xmlns:a16="http://schemas.microsoft.com/office/drawing/2014/main" id="{4CC6A6B2-3E1D-4244-BCE0-87553B579C0F}"/>
               </a:ext>
             </a:extLst>
           </p:cNvPr>
@@ -17767,7 +17772,7 @@
             <a:hlinkClick r:id="rId18" action="ppaction://hlinksldjump"/>
             <a:extLst>
               <a:ext uri="{FF2B5EF4-FFF2-40B4-BE49-F238E27FC236}">
-                <a16:creationId xmlns:a16="http://schemas.microsoft.com/office/drawing/2014/main" xmlns="" id="{930535BF-9258-49A2-928F-353BD1FF2D8E}"/>
+                <a16:creationId xmlns="" xmlns:a16="http://schemas.microsoft.com/office/drawing/2014/main" id="{930535BF-9258-49A2-928F-353BD1FF2D8E}"/>
               </a:ext>
             </a:extLst>
           </p:cNvPr>
@@ -17853,7 +17858,7 @@
           <p:cNvPr id="2" name="Titre 1">
             <a:extLst>
               <a:ext uri="{FF2B5EF4-FFF2-40B4-BE49-F238E27FC236}">
-                <a16:creationId xmlns:a16="http://schemas.microsoft.com/office/drawing/2014/main" xmlns="" id="{B0E9DD37-1404-4FA1-ADA5-A5976B436A72}"/>
+                <a16:creationId xmlns="" xmlns:a16="http://schemas.microsoft.com/office/drawing/2014/main" id="{B0E9DD37-1404-4FA1-ADA5-A5976B436A72}"/>
               </a:ext>
             </a:extLst>
           </p:cNvPr>
@@ -17891,7 +17896,7 @@
           <p:cNvPr id="3" name="Espace réservé du contenu 2">
             <a:extLst>
               <a:ext uri="{FF2B5EF4-FFF2-40B4-BE49-F238E27FC236}">
-                <a16:creationId xmlns:a16="http://schemas.microsoft.com/office/drawing/2014/main" xmlns="" id="{4DFA5AE5-F7BB-48E2-BE96-4E260F78091C}"/>
+                <a16:creationId xmlns="" xmlns:a16="http://schemas.microsoft.com/office/drawing/2014/main" id="{4DFA5AE5-F7BB-48E2-BE96-4E260F78091C}"/>
               </a:ext>
             </a:extLst>
           </p:cNvPr>
@@ -17926,7 +17931,7 @@
           <p:cNvPr id="5" name="Image 4">
             <a:extLst>
               <a:ext uri="{FF2B5EF4-FFF2-40B4-BE49-F238E27FC236}">
-                <a16:creationId xmlns:a16="http://schemas.microsoft.com/office/drawing/2014/main" xmlns="" id="{B896AD6E-9459-482A-B25D-403711D844E8}"/>
+                <a16:creationId xmlns="" xmlns:a16="http://schemas.microsoft.com/office/drawing/2014/main" id="{B896AD6E-9459-482A-B25D-403711D844E8}"/>
               </a:ext>
             </a:extLst>
           </p:cNvPr>
@@ -17957,7 +17962,7 @@
             <a:hlinkClick r:id="rId3" action="ppaction://hlinksldjump"/>
             <a:extLst>
               <a:ext uri="{FF2B5EF4-FFF2-40B4-BE49-F238E27FC236}">
-                <a16:creationId xmlns:a16="http://schemas.microsoft.com/office/drawing/2014/main" xmlns="" id="{BB1180C2-DDD8-4EC9-B9BB-B3FEE1C2B1DD}"/>
+                <a16:creationId xmlns="" xmlns:a16="http://schemas.microsoft.com/office/drawing/2014/main" id="{BB1180C2-DDD8-4EC9-B9BB-B3FEE1C2B1DD}"/>
               </a:ext>
             </a:extLst>
           </p:cNvPr>
@@ -18007,7 +18012,7 @@
             <a:hlinkClick r:id="rId4" action="ppaction://hlinksldjump"/>
             <a:extLst>
               <a:ext uri="{FF2B5EF4-FFF2-40B4-BE49-F238E27FC236}">
-                <a16:creationId xmlns:a16="http://schemas.microsoft.com/office/drawing/2014/main" xmlns="" id="{1E352299-D80D-4447-93F6-F0F4FDC083EC}"/>
+                <a16:creationId xmlns="" xmlns:a16="http://schemas.microsoft.com/office/drawing/2014/main" id="{1E352299-D80D-4447-93F6-F0F4FDC083EC}"/>
               </a:ext>
             </a:extLst>
           </p:cNvPr>
@@ -18062,7 +18067,7 @@
             <a:hlinkClick r:id="rId5" action="ppaction://hlinksldjump"/>
             <a:extLst>
               <a:ext uri="{FF2B5EF4-FFF2-40B4-BE49-F238E27FC236}">
-                <a16:creationId xmlns:a16="http://schemas.microsoft.com/office/drawing/2014/main" xmlns="" id="{B4D0F719-056D-4404-AF97-A5A6983A14AC}"/>
+                <a16:creationId xmlns="" xmlns:a16="http://schemas.microsoft.com/office/drawing/2014/main" id="{B4D0F719-056D-4404-AF97-A5A6983A14AC}"/>
               </a:ext>
             </a:extLst>
           </p:cNvPr>
@@ -18117,7 +18122,7 @@
             <a:hlinkClick r:id="rId6" action="ppaction://hlinksldjump"/>
             <a:extLst>
               <a:ext uri="{FF2B5EF4-FFF2-40B4-BE49-F238E27FC236}">
-                <a16:creationId xmlns:a16="http://schemas.microsoft.com/office/drawing/2014/main" xmlns="" id="{B0C7724E-DF90-449E-96F6-9E03D052F2A3}"/>
+                <a16:creationId xmlns="" xmlns:a16="http://schemas.microsoft.com/office/drawing/2014/main" id="{B0C7724E-DF90-449E-96F6-9E03D052F2A3}"/>
               </a:ext>
             </a:extLst>
           </p:cNvPr>
@@ -18167,7 +18172,7 @@
             <a:hlinkClick r:id="rId7" action="ppaction://hlinksldjump"/>
             <a:extLst>
               <a:ext uri="{FF2B5EF4-FFF2-40B4-BE49-F238E27FC236}">
-                <a16:creationId xmlns:a16="http://schemas.microsoft.com/office/drawing/2014/main" xmlns="" id="{62A3A7E8-3951-4A52-950D-186DDCE804B2}"/>
+                <a16:creationId xmlns="" xmlns:a16="http://schemas.microsoft.com/office/drawing/2014/main" id="{62A3A7E8-3951-4A52-950D-186DDCE804B2}"/>
               </a:ext>
             </a:extLst>
           </p:cNvPr>
@@ -18222,7 +18227,7 @@
             <a:hlinkClick r:id="rId8" action="ppaction://hlinksldjump"/>
             <a:extLst>
               <a:ext uri="{FF2B5EF4-FFF2-40B4-BE49-F238E27FC236}">
-                <a16:creationId xmlns:a16="http://schemas.microsoft.com/office/drawing/2014/main" xmlns="" id="{954D421B-8617-4A77-A092-764173221A8D}"/>
+                <a16:creationId xmlns="" xmlns:a16="http://schemas.microsoft.com/office/drawing/2014/main" id="{954D421B-8617-4A77-A092-764173221A8D}"/>
               </a:ext>
             </a:extLst>
           </p:cNvPr>
@@ -18272,7 +18277,7 @@
             <a:hlinkClick r:id="rId9" action="ppaction://hlinksldjump"/>
             <a:extLst>
               <a:ext uri="{FF2B5EF4-FFF2-40B4-BE49-F238E27FC236}">
-                <a16:creationId xmlns:a16="http://schemas.microsoft.com/office/drawing/2014/main" xmlns="" id="{CA78ABD4-1EFE-4051-8922-6AD898F3EFCE}"/>
+                <a16:creationId xmlns="" xmlns:a16="http://schemas.microsoft.com/office/drawing/2014/main" id="{CA78ABD4-1EFE-4051-8922-6AD898F3EFCE}"/>
               </a:ext>
             </a:extLst>
           </p:cNvPr>
@@ -18322,7 +18327,7 @@
             <a:hlinkClick r:id="rId10" action="ppaction://hlinksldjump"/>
             <a:extLst>
               <a:ext uri="{FF2B5EF4-FFF2-40B4-BE49-F238E27FC236}">
-                <a16:creationId xmlns:a16="http://schemas.microsoft.com/office/drawing/2014/main" xmlns="" id="{0090B853-E1C3-41DD-ADF2-858FA7CFE074}"/>
+                <a16:creationId xmlns="" xmlns:a16="http://schemas.microsoft.com/office/drawing/2014/main" id="{0090B853-E1C3-41DD-ADF2-858FA7CFE074}"/>
               </a:ext>
             </a:extLst>
           </p:cNvPr>
@@ -18373,7 +18378,7 @@
             <a:hlinkClick r:id="rId11" action="ppaction://hlinksldjump"/>
             <a:extLst>
               <a:ext uri="{FF2B5EF4-FFF2-40B4-BE49-F238E27FC236}">
-                <a16:creationId xmlns:a16="http://schemas.microsoft.com/office/drawing/2014/main" xmlns="" id="{7CFFB609-A375-4352-B4BA-54A6D461B078}"/>
+                <a16:creationId xmlns="" xmlns:a16="http://schemas.microsoft.com/office/drawing/2014/main" id="{7CFFB609-A375-4352-B4BA-54A6D461B078}"/>
               </a:ext>
             </a:extLst>
           </p:cNvPr>
@@ -18423,7 +18428,7 @@
             <a:hlinkClick r:id="rId12" action="ppaction://hlinksldjump"/>
             <a:extLst>
               <a:ext uri="{FF2B5EF4-FFF2-40B4-BE49-F238E27FC236}">
-                <a16:creationId xmlns:a16="http://schemas.microsoft.com/office/drawing/2014/main" xmlns="" id="{1BE904D1-38A8-4E9B-8B7D-02476F10CC4D}"/>
+                <a16:creationId xmlns="" xmlns:a16="http://schemas.microsoft.com/office/drawing/2014/main" id="{1BE904D1-38A8-4E9B-8B7D-02476F10CC4D}"/>
               </a:ext>
             </a:extLst>
           </p:cNvPr>
@@ -18473,7 +18478,7 @@
             <a:hlinkClick r:id="rId13" action="ppaction://hlinksldjump"/>
             <a:extLst>
               <a:ext uri="{FF2B5EF4-FFF2-40B4-BE49-F238E27FC236}">
-                <a16:creationId xmlns:a16="http://schemas.microsoft.com/office/drawing/2014/main" xmlns="" id="{B4AA5809-DE80-4EDD-B5CF-F21C9B02CA17}"/>
+                <a16:creationId xmlns="" xmlns:a16="http://schemas.microsoft.com/office/drawing/2014/main" id="{B4AA5809-DE80-4EDD-B5CF-F21C9B02CA17}"/>
               </a:ext>
             </a:extLst>
           </p:cNvPr>
@@ -18528,7 +18533,7 @@
             <a:hlinkClick r:id="rId14" action="ppaction://hlinksldjump"/>
             <a:extLst>
               <a:ext uri="{FF2B5EF4-FFF2-40B4-BE49-F238E27FC236}">
-                <a16:creationId xmlns:a16="http://schemas.microsoft.com/office/drawing/2014/main" xmlns="" id="{0090B853-E1C3-41DD-ADF2-858FA7CFE074}"/>
+                <a16:creationId xmlns="" xmlns:a16="http://schemas.microsoft.com/office/drawing/2014/main" id="{0090B853-E1C3-41DD-ADF2-858FA7CFE074}"/>
               </a:ext>
             </a:extLst>
           </p:cNvPr>
@@ -18569,7 +18574,6 @@
               <a:rPr lang="fr-FR" sz="1000" dirty="0"/>
               <a:t>Fiche avant modification</a:t>
             </a:r>
-            <a:endParaRPr lang="fr-FR" sz="1000" dirty="0"/>
           </a:p>
         </p:txBody>
       </p:sp>
@@ -18579,7 +18583,7 @@
             <a:hlinkClick r:id="rId15" action="ppaction://hlinksldjump"/>
             <a:extLst>
               <a:ext uri="{FF2B5EF4-FFF2-40B4-BE49-F238E27FC236}">
-                <a16:creationId xmlns:a16="http://schemas.microsoft.com/office/drawing/2014/main" xmlns="" id="{803E6E67-C5FB-4E28-AD5F-E3B57A603F38}"/>
+                <a16:creationId xmlns="" xmlns:a16="http://schemas.microsoft.com/office/drawing/2014/main" id="{803E6E67-C5FB-4E28-AD5F-E3B57A603F38}"/>
               </a:ext>
             </a:extLst>
           </p:cNvPr>
@@ -18629,7 +18633,7 @@
             <a:hlinkClick r:id="rId16" action="ppaction://hlinksldjump"/>
             <a:extLst>
               <a:ext uri="{FF2B5EF4-FFF2-40B4-BE49-F238E27FC236}">
-                <a16:creationId xmlns:a16="http://schemas.microsoft.com/office/drawing/2014/main" xmlns="" id="{4CC6A6B2-3E1D-4244-BCE0-87553B579C0F}"/>
+                <a16:creationId xmlns="" xmlns:a16="http://schemas.microsoft.com/office/drawing/2014/main" id="{4CC6A6B2-3E1D-4244-BCE0-87553B579C0F}"/>
               </a:ext>
             </a:extLst>
           </p:cNvPr>
@@ -18679,7 +18683,7 @@
             <a:hlinkClick r:id="rId17" action="ppaction://hlinksldjump"/>
             <a:extLst>
               <a:ext uri="{FF2B5EF4-FFF2-40B4-BE49-F238E27FC236}">
-                <a16:creationId xmlns:a16="http://schemas.microsoft.com/office/drawing/2014/main" xmlns="" id="{930535BF-9258-49A2-928F-353BD1FF2D8E}"/>
+                <a16:creationId xmlns="" xmlns:a16="http://schemas.microsoft.com/office/drawing/2014/main" id="{930535BF-9258-49A2-928F-353BD1FF2D8E}"/>
               </a:ext>
             </a:extLst>
           </p:cNvPr>
@@ -18765,7 +18769,7 @@
           <p:cNvPr id="2" name="Titre 1">
             <a:extLst>
               <a:ext uri="{FF2B5EF4-FFF2-40B4-BE49-F238E27FC236}">
-                <a16:creationId xmlns:a16="http://schemas.microsoft.com/office/drawing/2014/main" xmlns="" id="{F4A12571-E45D-4171-A715-4794793F61A6}"/>
+                <a16:creationId xmlns="" xmlns:a16="http://schemas.microsoft.com/office/drawing/2014/main" id="{F4A12571-E45D-4171-A715-4794793F61A6}"/>
               </a:ext>
             </a:extLst>
           </p:cNvPr>
@@ -18803,7 +18807,7 @@
           <p:cNvPr id="3" name="Espace réservé du texte 2">
             <a:extLst>
               <a:ext uri="{FF2B5EF4-FFF2-40B4-BE49-F238E27FC236}">
-                <a16:creationId xmlns:a16="http://schemas.microsoft.com/office/drawing/2014/main" xmlns="" id="{EB2C19E5-66D0-4D20-83D1-CF1544A20EC6}"/>
+                <a16:creationId xmlns="" xmlns:a16="http://schemas.microsoft.com/office/drawing/2014/main" id="{EB2C19E5-66D0-4D20-83D1-CF1544A20EC6}"/>
               </a:ext>
             </a:extLst>
           </p:cNvPr>
@@ -18841,7 +18845,7 @@
           <p:cNvPr id="9" name="Espace réservé du contenu 8">
             <a:extLst>
               <a:ext uri="{FF2B5EF4-FFF2-40B4-BE49-F238E27FC236}">
-                <a16:creationId xmlns:a16="http://schemas.microsoft.com/office/drawing/2014/main" xmlns="" id="{22AFECDA-FEB8-43A1-8984-351A69462B50}"/>
+                <a16:creationId xmlns="" xmlns:a16="http://schemas.microsoft.com/office/drawing/2014/main" id="{22AFECDA-FEB8-43A1-8984-351A69462B50}"/>
               </a:ext>
             </a:extLst>
           </p:cNvPr>
@@ -18870,7 +18874,7 @@
           <p:cNvPr id="11" name="Image 10">
             <a:extLst>
               <a:ext uri="{FF2B5EF4-FFF2-40B4-BE49-F238E27FC236}">
-                <a16:creationId xmlns:a16="http://schemas.microsoft.com/office/drawing/2014/main" xmlns="" id="{7E370669-03AA-44B4-84B4-7EBFE0D6E575}"/>
+                <a16:creationId xmlns="" xmlns:a16="http://schemas.microsoft.com/office/drawing/2014/main" id="{7E370669-03AA-44B4-84B4-7EBFE0D6E575}"/>
               </a:ext>
             </a:extLst>
           </p:cNvPr>
@@ -18901,7 +18905,7 @@
             <a:hlinkClick r:id="rId4" action="ppaction://hlinksldjump"/>
             <a:extLst>
               <a:ext uri="{FF2B5EF4-FFF2-40B4-BE49-F238E27FC236}">
-                <a16:creationId xmlns:a16="http://schemas.microsoft.com/office/drawing/2014/main" xmlns="" id="{BB1180C2-DDD8-4EC9-B9BB-B3FEE1C2B1DD}"/>
+                <a16:creationId xmlns="" xmlns:a16="http://schemas.microsoft.com/office/drawing/2014/main" id="{BB1180C2-DDD8-4EC9-B9BB-B3FEE1C2B1DD}"/>
               </a:ext>
             </a:extLst>
           </p:cNvPr>
@@ -18951,7 +18955,7 @@
             <a:hlinkClick r:id="rId5" action="ppaction://hlinksldjump"/>
             <a:extLst>
               <a:ext uri="{FF2B5EF4-FFF2-40B4-BE49-F238E27FC236}">
-                <a16:creationId xmlns:a16="http://schemas.microsoft.com/office/drawing/2014/main" xmlns="" id="{1E352299-D80D-4447-93F6-F0F4FDC083EC}"/>
+                <a16:creationId xmlns="" xmlns:a16="http://schemas.microsoft.com/office/drawing/2014/main" id="{1E352299-D80D-4447-93F6-F0F4FDC083EC}"/>
               </a:ext>
             </a:extLst>
           </p:cNvPr>
@@ -19006,7 +19010,7 @@
             <a:hlinkClick r:id="rId6" action="ppaction://hlinksldjump"/>
             <a:extLst>
               <a:ext uri="{FF2B5EF4-FFF2-40B4-BE49-F238E27FC236}">
-                <a16:creationId xmlns:a16="http://schemas.microsoft.com/office/drawing/2014/main" xmlns="" id="{B4D0F719-056D-4404-AF97-A5A6983A14AC}"/>
+                <a16:creationId xmlns="" xmlns:a16="http://schemas.microsoft.com/office/drawing/2014/main" id="{B4D0F719-056D-4404-AF97-A5A6983A14AC}"/>
               </a:ext>
             </a:extLst>
           </p:cNvPr>
@@ -19061,7 +19065,7 @@
             <a:hlinkClick r:id="rId7" action="ppaction://hlinksldjump"/>
             <a:extLst>
               <a:ext uri="{FF2B5EF4-FFF2-40B4-BE49-F238E27FC236}">
-                <a16:creationId xmlns:a16="http://schemas.microsoft.com/office/drawing/2014/main" xmlns="" id="{B0C7724E-DF90-449E-96F6-9E03D052F2A3}"/>
+                <a16:creationId xmlns="" xmlns:a16="http://schemas.microsoft.com/office/drawing/2014/main" id="{B0C7724E-DF90-449E-96F6-9E03D052F2A3}"/>
               </a:ext>
             </a:extLst>
           </p:cNvPr>
@@ -19111,7 +19115,7 @@
             <a:hlinkClick r:id="rId8" action="ppaction://hlinksldjump"/>
             <a:extLst>
               <a:ext uri="{FF2B5EF4-FFF2-40B4-BE49-F238E27FC236}">
-                <a16:creationId xmlns:a16="http://schemas.microsoft.com/office/drawing/2014/main" xmlns="" id="{62A3A7E8-3951-4A52-950D-186DDCE804B2}"/>
+                <a16:creationId xmlns="" xmlns:a16="http://schemas.microsoft.com/office/drawing/2014/main" id="{62A3A7E8-3951-4A52-950D-186DDCE804B2}"/>
               </a:ext>
             </a:extLst>
           </p:cNvPr>
@@ -19166,7 +19170,7 @@
             <a:hlinkClick r:id="rId9" action="ppaction://hlinksldjump"/>
             <a:extLst>
               <a:ext uri="{FF2B5EF4-FFF2-40B4-BE49-F238E27FC236}">
-                <a16:creationId xmlns:a16="http://schemas.microsoft.com/office/drawing/2014/main" xmlns="" id="{954D421B-8617-4A77-A092-764173221A8D}"/>
+                <a16:creationId xmlns="" xmlns:a16="http://schemas.microsoft.com/office/drawing/2014/main" id="{954D421B-8617-4A77-A092-764173221A8D}"/>
               </a:ext>
             </a:extLst>
           </p:cNvPr>
@@ -19216,7 +19220,7 @@
             <a:hlinkClick r:id="rId10" action="ppaction://hlinksldjump"/>
             <a:extLst>
               <a:ext uri="{FF2B5EF4-FFF2-40B4-BE49-F238E27FC236}">
-                <a16:creationId xmlns:a16="http://schemas.microsoft.com/office/drawing/2014/main" xmlns="" id="{CA78ABD4-1EFE-4051-8922-6AD898F3EFCE}"/>
+                <a16:creationId xmlns="" xmlns:a16="http://schemas.microsoft.com/office/drawing/2014/main" id="{CA78ABD4-1EFE-4051-8922-6AD898F3EFCE}"/>
               </a:ext>
             </a:extLst>
           </p:cNvPr>
@@ -19266,7 +19270,7 @@
             <a:hlinkClick r:id="rId11" action="ppaction://hlinksldjump"/>
             <a:extLst>
               <a:ext uri="{FF2B5EF4-FFF2-40B4-BE49-F238E27FC236}">
-                <a16:creationId xmlns:a16="http://schemas.microsoft.com/office/drawing/2014/main" xmlns="" id="{0090B853-E1C3-41DD-ADF2-858FA7CFE074}"/>
+                <a16:creationId xmlns="" xmlns:a16="http://schemas.microsoft.com/office/drawing/2014/main" id="{0090B853-E1C3-41DD-ADF2-858FA7CFE074}"/>
               </a:ext>
             </a:extLst>
           </p:cNvPr>
@@ -19317,7 +19321,7 @@
             <a:hlinkClick r:id="rId12" action="ppaction://hlinksldjump"/>
             <a:extLst>
               <a:ext uri="{FF2B5EF4-FFF2-40B4-BE49-F238E27FC236}">
-                <a16:creationId xmlns:a16="http://schemas.microsoft.com/office/drawing/2014/main" xmlns="" id="{7CFFB609-A375-4352-B4BA-54A6D461B078}"/>
+                <a16:creationId xmlns="" xmlns:a16="http://schemas.microsoft.com/office/drawing/2014/main" id="{7CFFB609-A375-4352-B4BA-54A6D461B078}"/>
               </a:ext>
             </a:extLst>
           </p:cNvPr>
@@ -19367,7 +19371,7 @@
             <a:hlinkClick r:id="rId13" action="ppaction://hlinksldjump"/>
             <a:extLst>
               <a:ext uri="{FF2B5EF4-FFF2-40B4-BE49-F238E27FC236}">
-                <a16:creationId xmlns:a16="http://schemas.microsoft.com/office/drawing/2014/main" xmlns="" id="{1BE904D1-38A8-4E9B-8B7D-02476F10CC4D}"/>
+                <a16:creationId xmlns="" xmlns:a16="http://schemas.microsoft.com/office/drawing/2014/main" id="{1BE904D1-38A8-4E9B-8B7D-02476F10CC4D}"/>
               </a:ext>
             </a:extLst>
           </p:cNvPr>
@@ -19417,7 +19421,7 @@
             <a:hlinkClick r:id="rId14" action="ppaction://hlinksldjump"/>
             <a:extLst>
               <a:ext uri="{FF2B5EF4-FFF2-40B4-BE49-F238E27FC236}">
-                <a16:creationId xmlns:a16="http://schemas.microsoft.com/office/drawing/2014/main" xmlns="" id="{B4AA5809-DE80-4EDD-B5CF-F21C9B02CA17}"/>
+                <a16:creationId xmlns="" xmlns:a16="http://schemas.microsoft.com/office/drawing/2014/main" id="{B4AA5809-DE80-4EDD-B5CF-F21C9B02CA17}"/>
               </a:ext>
             </a:extLst>
           </p:cNvPr>
@@ -19472,7 +19476,7 @@
             <a:hlinkClick r:id="rId15" action="ppaction://hlinksldjump"/>
             <a:extLst>
               <a:ext uri="{FF2B5EF4-FFF2-40B4-BE49-F238E27FC236}">
-                <a16:creationId xmlns:a16="http://schemas.microsoft.com/office/drawing/2014/main" xmlns="" id="{0090B853-E1C3-41DD-ADF2-858FA7CFE074}"/>
+                <a16:creationId xmlns="" xmlns:a16="http://schemas.microsoft.com/office/drawing/2014/main" id="{0090B853-E1C3-41DD-ADF2-858FA7CFE074}"/>
               </a:ext>
             </a:extLst>
           </p:cNvPr>
@@ -19513,7 +19517,6 @@
               <a:rPr lang="fr-FR" sz="1000" dirty="0"/>
               <a:t>Fiche avant modification</a:t>
             </a:r>
-            <a:endParaRPr lang="fr-FR" sz="1000" dirty="0"/>
           </a:p>
         </p:txBody>
       </p:sp>
@@ -19523,7 +19526,7 @@
             <a:hlinkClick r:id="rId16" action="ppaction://hlinksldjump"/>
             <a:extLst>
               <a:ext uri="{FF2B5EF4-FFF2-40B4-BE49-F238E27FC236}">
-                <a16:creationId xmlns:a16="http://schemas.microsoft.com/office/drawing/2014/main" xmlns="" id="{803E6E67-C5FB-4E28-AD5F-E3B57A603F38}"/>
+                <a16:creationId xmlns="" xmlns:a16="http://schemas.microsoft.com/office/drawing/2014/main" id="{803E6E67-C5FB-4E28-AD5F-E3B57A603F38}"/>
               </a:ext>
             </a:extLst>
           </p:cNvPr>
@@ -19573,7 +19576,7 @@
             <a:hlinkClick r:id="rId17" action="ppaction://hlinksldjump"/>
             <a:extLst>
               <a:ext uri="{FF2B5EF4-FFF2-40B4-BE49-F238E27FC236}">
-                <a16:creationId xmlns:a16="http://schemas.microsoft.com/office/drawing/2014/main" xmlns="" id="{4CC6A6B2-3E1D-4244-BCE0-87553B579C0F}"/>
+                <a16:creationId xmlns="" xmlns:a16="http://schemas.microsoft.com/office/drawing/2014/main" id="{4CC6A6B2-3E1D-4244-BCE0-87553B579C0F}"/>
               </a:ext>
             </a:extLst>
           </p:cNvPr>
@@ -19623,7 +19626,7 @@
             <a:hlinkClick r:id="rId18" action="ppaction://hlinksldjump"/>
             <a:extLst>
               <a:ext uri="{FF2B5EF4-FFF2-40B4-BE49-F238E27FC236}">
-                <a16:creationId xmlns:a16="http://schemas.microsoft.com/office/drawing/2014/main" xmlns="" id="{930535BF-9258-49A2-928F-353BD1FF2D8E}"/>
+                <a16:creationId xmlns="" xmlns:a16="http://schemas.microsoft.com/office/drawing/2014/main" id="{930535BF-9258-49A2-928F-353BD1FF2D8E}"/>
               </a:ext>
             </a:extLst>
           </p:cNvPr>
@@ -19709,7 +19712,7 @@
           <p:cNvPr id="2" name="Titre 1">
             <a:extLst>
               <a:ext uri="{FF2B5EF4-FFF2-40B4-BE49-F238E27FC236}">
-                <a16:creationId xmlns:a16="http://schemas.microsoft.com/office/drawing/2014/main" xmlns="" id="{DB15C344-B2CD-41F5-B2DA-4FAD8C5FB686}"/>
+                <a16:creationId xmlns="" xmlns:a16="http://schemas.microsoft.com/office/drawing/2014/main" id="{DB15C344-B2CD-41F5-B2DA-4FAD8C5FB686}"/>
               </a:ext>
             </a:extLst>
           </p:cNvPr>
@@ -19743,7 +19746,7 @@
           <p:cNvPr id="5" name="Espace réservé du contenu 4">
             <a:extLst>
               <a:ext uri="{FF2B5EF4-FFF2-40B4-BE49-F238E27FC236}">
-                <a16:creationId xmlns:a16="http://schemas.microsoft.com/office/drawing/2014/main" xmlns="" id="{B081B917-465C-445E-BB8A-DBE60E3AA16D}"/>
+                <a16:creationId xmlns="" xmlns:a16="http://schemas.microsoft.com/office/drawing/2014/main" id="{B081B917-465C-445E-BB8A-DBE60E3AA16D}"/>
               </a:ext>
             </a:extLst>
           </p:cNvPr>
@@ -19773,7 +19776,7 @@
             <a:hlinkClick r:id="rId3" action="ppaction://hlinksldjump"/>
             <a:extLst>
               <a:ext uri="{FF2B5EF4-FFF2-40B4-BE49-F238E27FC236}">
-                <a16:creationId xmlns:a16="http://schemas.microsoft.com/office/drawing/2014/main" xmlns="" id="{BB1180C2-DDD8-4EC9-B9BB-B3FEE1C2B1DD}"/>
+                <a16:creationId xmlns="" xmlns:a16="http://schemas.microsoft.com/office/drawing/2014/main" id="{BB1180C2-DDD8-4EC9-B9BB-B3FEE1C2B1DD}"/>
               </a:ext>
             </a:extLst>
           </p:cNvPr>
@@ -19823,7 +19826,7 @@
             <a:hlinkClick r:id="rId4" action="ppaction://hlinksldjump"/>
             <a:extLst>
               <a:ext uri="{FF2B5EF4-FFF2-40B4-BE49-F238E27FC236}">
-                <a16:creationId xmlns:a16="http://schemas.microsoft.com/office/drawing/2014/main" xmlns="" id="{1E352299-D80D-4447-93F6-F0F4FDC083EC}"/>
+                <a16:creationId xmlns="" xmlns:a16="http://schemas.microsoft.com/office/drawing/2014/main" id="{1E352299-D80D-4447-93F6-F0F4FDC083EC}"/>
               </a:ext>
             </a:extLst>
           </p:cNvPr>
@@ -19878,7 +19881,7 @@
             <a:hlinkClick r:id="rId5" action="ppaction://hlinksldjump"/>
             <a:extLst>
               <a:ext uri="{FF2B5EF4-FFF2-40B4-BE49-F238E27FC236}">
-                <a16:creationId xmlns:a16="http://schemas.microsoft.com/office/drawing/2014/main" xmlns="" id="{B4D0F719-056D-4404-AF97-A5A6983A14AC}"/>
+                <a16:creationId xmlns="" xmlns:a16="http://schemas.microsoft.com/office/drawing/2014/main" id="{B4D0F719-056D-4404-AF97-A5A6983A14AC}"/>
               </a:ext>
             </a:extLst>
           </p:cNvPr>
@@ -19933,7 +19936,7 @@
             <a:hlinkClick r:id="rId6" action="ppaction://hlinksldjump"/>
             <a:extLst>
               <a:ext uri="{FF2B5EF4-FFF2-40B4-BE49-F238E27FC236}">
-                <a16:creationId xmlns:a16="http://schemas.microsoft.com/office/drawing/2014/main" xmlns="" id="{B0C7724E-DF90-449E-96F6-9E03D052F2A3}"/>
+                <a16:creationId xmlns="" xmlns:a16="http://schemas.microsoft.com/office/drawing/2014/main" id="{B0C7724E-DF90-449E-96F6-9E03D052F2A3}"/>
               </a:ext>
             </a:extLst>
           </p:cNvPr>
@@ -19983,7 +19986,7 @@
             <a:hlinkClick r:id="rId7" action="ppaction://hlinksldjump"/>
             <a:extLst>
               <a:ext uri="{FF2B5EF4-FFF2-40B4-BE49-F238E27FC236}">
-                <a16:creationId xmlns:a16="http://schemas.microsoft.com/office/drawing/2014/main" xmlns="" id="{62A3A7E8-3951-4A52-950D-186DDCE804B2}"/>
+                <a16:creationId xmlns="" xmlns:a16="http://schemas.microsoft.com/office/drawing/2014/main" id="{62A3A7E8-3951-4A52-950D-186DDCE804B2}"/>
               </a:ext>
             </a:extLst>
           </p:cNvPr>
@@ -20038,7 +20041,7 @@
             <a:hlinkClick r:id="rId8" action="ppaction://hlinksldjump"/>
             <a:extLst>
               <a:ext uri="{FF2B5EF4-FFF2-40B4-BE49-F238E27FC236}">
-                <a16:creationId xmlns:a16="http://schemas.microsoft.com/office/drawing/2014/main" xmlns="" id="{954D421B-8617-4A77-A092-764173221A8D}"/>
+                <a16:creationId xmlns="" xmlns:a16="http://schemas.microsoft.com/office/drawing/2014/main" id="{954D421B-8617-4A77-A092-764173221A8D}"/>
               </a:ext>
             </a:extLst>
           </p:cNvPr>
@@ -20088,7 +20091,7 @@
             <a:hlinkClick r:id="rId9" action="ppaction://hlinksldjump"/>
             <a:extLst>
               <a:ext uri="{FF2B5EF4-FFF2-40B4-BE49-F238E27FC236}">
-                <a16:creationId xmlns:a16="http://schemas.microsoft.com/office/drawing/2014/main" xmlns="" id="{CA78ABD4-1EFE-4051-8922-6AD898F3EFCE}"/>
+                <a16:creationId xmlns="" xmlns:a16="http://schemas.microsoft.com/office/drawing/2014/main" id="{CA78ABD4-1EFE-4051-8922-6AD898F3EFCE}"/>
               </a:ext>
             </a:extLst>
           </p:cNvPr>
@@ -20138,7 +20141,7 @@
             <a:hlinkClick r:id="rId10" action="ppaction://hlinksldjump"/>
             <a:extLst>
               <a:ext uri="{FF2B5EF4-FFF2-40B4-BE49-F238E27FC236}">
-                <a16:creationId xmlns:a16="http://schemas.microsoft.com/office/drawing/2014/main" xmlns="" id="{0090B853-E1C3-41DD-ADF2-858FA7CFE074}"/>
+                <a16:creationId xmlns="" xmlns:a16="http://schemas.microsoft.com/office/drawing/2014/main" id="{0090B853-E1C3-41DD-ADF2-858FA7CFE074}"/>
               </a:ext>
             </a:extLst>
           </p:cNvPr>
@@ -20189,7 +20192,7 @@
             <a:hlinkClick r:id="rId11" action="ppaction://hlinksldjump"/>
             <a:extLst>
               <a:ext uri="{FF2B5EF4-FFF2-40B4-BE49-F238E27FC236}">
-                <a16:creationId xmlns:a16="http://schemas.microsoft.com/office/drawing/2014/main" xmlns="" id="{7CFFB609-A375-4352-B4BA-54A6D461B078}"/>
+                <a16:creationId xmlns="" xmlns:a16="http://schemas.microsoft.com/office/drawing/2014/main" id="{7CFFB609-A375-4352-B4BA-54A6D461B078}"/>
               </a:ext>
             </a:extLst>
           </p:cNvPr>
@@ -20239,7 +20242,7 @@
             <a:hlinkClick r:id="rId12" action="ppaction://hlinksldjump"/>
             <a:extLst>
               <a:ext uri="{FF2B5EF4-FFF2-40B4-BE49-F238E27FC236}">
-                <a16:creationId xmlns:a16="http://schemas.microsoft.com/office/drawing/2014/main" xmlns="" id="{1BE904D1-38A8-4E9B-8B7D-02476F10CC4D}"/>
+                <a16:creationId xmlns="" xmlns:a16="http://schemas.microsoft.com/office/drawing/2014/main" id="{1BE904D1-38A8-4E9B-8B7D-02476F10CC4D}"/>
               </a:ext>
             </a:extLst>
           </p:cNvPr>
@@ -20289,7 +20292,7 @@
             <a:hlinkClick r:id="rId13" action="ppaction://hlinksldjump"/>
             <a:extLst>
               <a:ext uri="{FF2B5EF4-FFF2-40B4-BE49-F238E27FC236}">
-                <a16:creationId xmlns:a16="http://schemas.microsoft.com/office/drawing/2014/main" xmlns="" id="{B4AA5809-DE80-4EDD-B5CF-F21C9B02CA17}"/>
+                <a16:creationId xmlns="" xmlns:a16="http://schemas.microsoft.com/office/drawing/2014/main" id="{B4AA5809-DE80-4EDD-B5CF-F21C9B02CA17}"/>
               </a:ext>
             </a:extLst>
           </p:cNvPr>
@@ -20344,7 +20347,7 @@
             <a:hlinkClick r:id="rId14" action="ppaction://hlinksldjump"/>
             <a:extLst>
               <a:ext uri="{FF2B5EF4-FFF2-40B4-BE49-F238E27FC236}">
-                <a16:creationId xmlns:a16="http://schemas.microsoft.com/office/drawing/2014/main" xmlns="" id="{0090B853-E1C3-41DD-ADF2-858FA7CFE074}"/>
+                <a16:creationId xmlns="" xmlns:a16="http://schemas.microsoft.com/office/drawing/2014/main" id="{0090B853-E1C3-41DD-ADF2-858FA7CFE074}"/>
               </a:ext>
             </a:extLst>
           </p:cNvPr>
@@ -20385,7 +20388,6 @@
               <a:rPr lang="fr-FR" sz="1000" dirty="0"/>
               <a:t>Fiche avant modification</a:t>
             </a:r>
-            <a:endParaRPr lang="fr-FR" sz="1000" dirty="0"/>
           </a:p>
         </p:txBody>
       </p:sp>
@@ -20395,7 +20397,7 @@
             <a:hlinkClick r:id="rId15" action="ppaction://hlinksldjump"/>
             <a:extLst>
               <a:ext uri="{FF2B5EF4-FFF2-40B4-BE49-F238E27FC236}">
-                <a16:creationId xmlns:a16="http://schemas.microsoft.com/office/drawing/2014/main" xmlns="" id="{803E6E67-C5FB-4E28-AD5F-E3B57A603F38}"/>
+                <a16:creationId xmlns="" xmlns:a16="http://schemas.microsoft.com/office/drawing/2014/main" id="{803E6E67-C5FB-4E28-AD5F-E3B57A603F38}"/>
               </a:ext>
             </a:extLst>
           </p:cNvPr>
@@ -20445,7 +20447,7 @@
             <a:hlinkClick r:id="rId16" action="ppaction://hlinksldjump"/>
             <a:extLst>
               <a:ext uri="{FF2B5EF4-FFF2-40B4-BE49-F238E27FC236}">
-                <a16:creationId xmlns:a16="http://schemas.microsoft.com/office/drawing/2014/main" xmlns="" id="{4CC6A6B2-3E1D-4244-BCE0-87553B579C0F}"/>
+                <a16:creationId xmlns="" xmlns:a16="http://schemas.microsoft.com/office/drawing/2014/main" id="{4CC6A6B2-3E1D-4244-BCE0-87553B579C0F}"/>
               </a:ext>
             </a:extLst>
           </p:cNvPr>
@@ -20495,7 +20497,7 @@
             <a:hlinkClick r:id="rId17" action="ppaction://hlinksldjump"/>
             <a:extLst>
               <a:ext uri="{FF2B5EF4-FFF2-40B4-BE49-F238E27FC236}">
-                <a16:creationId xmlns:a16="http://schemas.microsoft.com/office/drawing/2014/main" xmlns="" id="{930535BF-9258-49A2-928F-353BD1FF2D8E}"/>
+                <a16:creationId xmlns="" xmlns:a16="http://schemas.microsoft.com/office/drawing/2014/main" id="{930535BF-9258-49A2-928F-353BD1FF2D8E}"/>
               </a:ext>
             </a:extLst>
           </p:cNvPr>
@@ -20581,7 +20583,7 @@
           <p:cNvPr id="2" name="Titre 1">
             <a:extLst>
               <a:ext uri="{FF2B5EF4-FFF2-40B4-BE49-F238E27FC236}">
-                <a16:creationId xmlns:a16="http://schemas.microsoft.com/office/drawing/2014/main" xmlns="" id="{4B057329-0ADC-45A2-831B-915348A28360}"/>
+                <a16:creationId xmlns="" xmlns:a16="http://schemas.microsoft.com/office/drawing/2014/main" id="{4B057329-0ADC-45A2-831B-915348A28360}"/>
               </a:ext>
             </a:extLst>
           </p:cNvPr>
@@ -20628,7 +20630,7 @@
           <p:cNvPr id="6" name="Espace réservé du contenu 5">
             <a:extLst>
               <a:ext uri="{FF2B5EF4-FFF2-40B4-BE49-F238E27FC236}">
-                <a16:creationId xmlns:a16="http://schemas.microsoft.com/office/drawing/2014/main" xmlns="" id="{CC8DD170-16DB-4497-9FB7-3BDF8638D1B5}"/>
+                <a16:creationId xmlns="" xmlns:a16="http://schemas.microsoft.com/office/drawing/2014/main" id="{CC8DD170-16DB-4497-9FB7-3BDF8638D1B5}"/>
               </a:ext>
             </a:extLst>
           </p:cNvPr>
@@ -20660,7 +20662,7 @@
             <a:hlinkClick r:id="rId7" action="ppaction://hlinksldjump"/>
             <a:extLst>
               <a:ext uri="{FF2B5EF4-FFF2-40B4-BE49-F238E27FC236}">
-                <a16:creationId xmlns:a16="http://schemas.microsoft.com/office/drawing/2014/main" xmlns="" id="{BB1180C2-DDD8-4EC9-B9BB-B3FEE1C2B1DD}"/>
+                <a16:creationId xmlns="" xmlns:a16="http://schemas.microsoft.com/office/drawing/2014/main" id="{BB1180C2-DDD8-4EC9-B9BB-B3FEE1C2B1DD}"/>
               </a:ext>
             </a:extLst>
           </p:cNvPr>
@@ -20710,7 +20712,7 @@
             <a:hlinkClick r:id="rId8" action="ppaction://hlinksldjump"/>
             <a:extLst>
               <a:ext uri="{FF2B5EF4-FFF2-40B4-BE49-F238E27FC236}">
-                <a16:creationId xmlns:a16="http://schemas.microsoft.com/office/drawing/2014/main" xmlns="" id="{1E352299-D80D-4447-93F6-F0F4FDC083EC}"/>
+                <a16:creationId xmlns="" xmlns:a16="http://schemas.microsoft.com/office/drawing/2014/main" id="{1E352299-D80D-4447-93F6-F0F4FDC083EC}"/>
               </a:ext>
             </a:extLst>
           </p:cNvPr>
@@ -20765,7 +20767,7 @@
             <a:hlinkClick r:id="rId9" action="ppaction://hlinksldjump"/>
             <a:extLst>
               <a:ext uri="{FF2B5EF4-FFF2-40B4-BE49-F238E27FC236}">
-                <a16:creationId xmlns:a16="http://schemas.microsoft.com/office/drawing/2014/main" xmlns="" id="{B4D0F719-056D-4404-AF97-A5A6983A14AC}"/>
+                <a16:creationId xmlns="" xmlns:a16="http://schemas.microsoft.com/office/drawing/2014/main" id="{B4D0F719-056D-4404-AF97-A5A6983A14AC}"/>
               </a:ext>
             </a:extLst>
           </p:cNvPr>
@@ -20820,7 +20822,7 @@
             <a:hlinkClick r:id="rId10" action="ppaction://hlinksldjump"/>
             <a:extLst>
               <a:ext uri="{FF2B5EF4-FFF2-40B4-BE49-F238E27FC236}">
-                <a16:creationId xmlns:a16="http://schemas.microsoft.com/office/drawing/2014/main" xmlns="" id="{B0C7724E-DF90-449E-96F6-9E03D052F2A3}"/>
+                <a16:creationId xmlns="" xmlns:a16="http://schemas.microsoft.com/office/drawing/2014/main" id="{B0C7724E-DF90-449E-96F6-9E03D052F2A3}"/>
               </a:ext>
             </a:extLst>
           </p:cNvPr>
@@ -20870,7 +20872,7 @@
             <a:hlinkClick r:id="rId11" action="ppaction://hlinksldjump"/>
             <a:extLst>
               <a:ext uri="{FF2B5EF4-FFF2-40B4-BE49-F238E27FC236}">
-                <a16:creationId xmlns:a16="http://schemas.microsoft.com/office/drawing/2014/main" xmlns="" id="{62A3A7E8-3951-4A52-950D-186DDCE804B2}"/>
+                <a16:creationId xmlns="" xmlns:a16="http://schemas.microsoft.com/office/drawing/2014/main" id="{62A3A7E8-3951-4A52-950D-186DDCE804B2}"/>
               </a:ext>
             </a:extLst>
           </p:cNvPr>
@@ -20925,7 +20927,7 @@
             <a:hlinkClick r:id="rId12" action="ppaction://hlinksldjump"/>
             <a:extLst>
               <a:ext uri="{FF2B5EF4-FFF2-40B4-BE49-F238E27FC236}">
-                <a16:creationId xmlns:a16="http://schemas.microsoft.com/office/drawing/2014/main" xmlns="" id="{954D421B-8617-4A77-A092-764173221A8D}"/>
+                <a16:creationId xmlns="" xmlns:a16="http://schemas.microsoft.com/office/drawing/2014/main" id="{954D421B-8617-4A77-A092-764173221A8D}"/>
               </a:ext>
             </a:extLst>
           </p:cNvPr>
@@ -20975,7 +20977,7 @@
             <a:hlinkClick r:id="rId13" action="ppaction://hlinksldjump"/>
             <a:extLst>
               <a:ext uri="{FF2B5EF4-FFF2-40B4-BE49-F238E27FC236}">
-                <a16:creationId xmlns:a16="http://schemas.microsoft.com/office/drawing/2014/main" xmlns="" id="{CA78ABD4-1EFE-4051-8922-6AD898F3EFCE}"/>
+                <a16:creationId xmlns="" xmlns:a16="http://schemas.microsoft.com/office/drawing/2014/main" id="{CA78ABD4-1EFE-4051-8922-6AD898F3EFCE}"/>
               </a:ext>
             </a:extLst>
           </p:cNvPr>
@@ -21025,7 +21027,7 @@
             <a:hlinkClick r:id="rId14" action="ppaction://hlinksldjump"/>
             <a:extLst>
               <a:ext uri="{FF2B5EF4-FFF2-40B4-BE49-F238E27FC236}">
-                <a16:creationId xmlns:a16="http://schemas.microsoft.com/office/drawing/2014/main" xmlns="" id="{0090B853-E1C3-41DD-ADF2-858FA7CFE074}"/>
+                <a16:creationId xmlns="" xmlns:a16="http://schemas.microsoft.com/office/drawing/2014/main" id="{0090B853-E1C3-41DD-ADF2-858FA7CFE074}"/>
               </a:ext>
             </a:extLst>
           </p:cNvPr>
@@ -21076,7 +21078,7 @@
             <a:hlinkClick r:id="rId15" action="ppaction://hlinksldjump"/>
             <a:extLst>
               <a:ext uri="{FF2B5EF4-FFF2-40B4-BE49-F238E27FC236}">
-                <a16:creationId xmlns:a16="http://schemas.microsoft.com/office/drawing/2014/main" xmlns="" id="{7CFFB609-A375-4352-B4BA-54A6D461B078}"/>
+                <a16:creationId xmlns="" xmlns:a16="http://schemas.microsoft.com/office/drawing/2014/main" id="{7CFFB609-A375-4352-B4BA-54A6D461B078}"/>
               </a:ext>
             </a:extLst>
           </p:cNvPr>
@@ -21126,7 +21128,7 @@
             <a:hlinkClick r:id="rId16" action="ppaction://hlinksldjump"/>
             <a:extLst>
               <a:ext uri="{FF2B5EF4-FFF2-40B4-BE49-F238E27FC236}">
-                <a16:creationId xmlns:a16="http://schemas.microsoft.com/office/drawing/2014/main" xmlns="" id="{1BE904D1-38A8-4E9B-8B7D-02476F10CC4D}"/>
+                <a16:creationId xmlns="" xmlns:a16="http://schemas.microsoft.com/office/drawing/2014/main" id="{1BE904D1-38A8-4E9B-8B7D-02476F10CC4D}"/>
               </a:ext>
             </a:extLst>
           </p:cNvPr>
@@ -21176,7 +21178,7 @@
             <a:hlinkClick r:id="rId17" action="ppaction://hlinksldjump"/>
             <a:extLst>
               <a:ext uri="{FF2B5EF4-FFF2-40B4-BE49-F238E27FC236}">
-                <a16:creationId xmlns:a16="http://schemas.microsoft.com/office/drawing/2014/main" xmlns="" id="{B4AA5809-DE80-4EDD-B5CF-F21C9B02CA17}"/>
+                <a16:creationId xmlns="" xmlns:a16="http://schemas.microsoft.com/office/drawing/2014/main" id="{B4AA5809-DE80-4EDD-B5CF-F21C9B02CA17}"/>
               </a:ext>
             </a:extLst>
           </p:cNvPr>
@@ -21231,7 +21233,7 @@
             <a:hlinkClick r:id="rId18" action="ppaction://hlinksldjump"/>
             <a:extLst>
               <a:ext uri="{FF2B5EF4-FFF2-40B4-BE49-F238E27FC236}">
-                <a16:creationId xmlns:a16="http://schemas.microsoft.com/office/drawing/2014/main" xmlns="" id="{0090B853-E1C3-41DD-ADF2-858FA7CFE074}"/>
+                <a16:creationId xmlns="" xmlns:a16="http://schemas.microsoft.com/office/drawing/2014/main" id="{0090B853-E1C3-41DD-ADF2-858FA7CFE074}"/>
               </a:ext>
             </a:extLst>
           </p:cNvPr>
@@ -21272,7 +21274,6 @@
               <a:rPr lang="fr-FR" sz="1000" dirty="0"/>
               <a:t>Fiche avant modification</a:t>
             </a:r>
-            <a:endParaRPr lang="fr-FR" sz="1000" dirty="0"/>
           </a:p>
         </p:txBody>
       </p:sp>
@@ -21282,7 +21283,7 @@
             <a:hlinkClick r:id="rId19" action="ppaction://hlinksldjump"/>
             <a:extLst>
               <a:ext uri="{FF2B5EF4-FFF2-40B4-BE49-F238E27FC236}">
-                <a16:creationId xmlns:a16="http://schemas.microsoft.com/office/drawing/2014/main" xmlns="" id="{803E6E67-C5FB-4E28-AD5F-E3B57A603F38}"/>
+                <a16:creationId xmlns="" xmlns:a16="http://schemas.microsoft.com/office/drawing/2014/main" id="{803E6E67-C5FB-4E28-AD5F-E3B57A603F38}"/>
               </a:ext>
             </a:extLst>
           </p:cNvPr>
@@ -21332,7 +21333,7 @@
             <a:hlinkClick r:id="rId20" action="ppaction://hlinksldjump"/>
             <a:extLst>
               <a:ext uri="{FF2B5EF4-FFF2-40B4-BE49-F238E27FC236}">
-                <a16:creationId xmlns:a16="http://schemas.microsoft.com/office/drawing/2014/main" xmlns="" id="{4CC6A6B2-3E1D-4244-BCE0-87553B579C0F}"/>
+                <a16:creationId xmlns="" xmlns:a16="http://schemas.microsoft.com/office/drawing/2014/main" id="{4CC6A6B2-3E1D-4244-BCE0-87553B579C0F}"/>
               </a:ext>
             </a:extLst>
           </p:cNvPr>
@@ -21382,7 +21383,7 @@
             <a:hlinkClick r:id="rId21" action="ppaction://hlinksldjump"/>
             <a:extLst>
               <a:ext uri="{FF2B5EF4-FFF2-40B4-BE49-F238E27FC236}">
-                <a16:creationId xmlns:a16="http://schemas.microsoft.com/office/drawing/2014/main" xmlns="" id="{930535BF-9258-49A2-928F-353BD1FF2D8E}"/>
+                <a16:creationId xmlns="" xmlns:a16="http://schemas.microsoft.com/office/drawing/2014/main" id="{930535BF-9258-49A2-928F-353BD1FF2D8E}"/>
               </a:ext>
             </a:extLst>
           </p:cNvPr>
@@ -21468,7 +21469,7 @@
           <p:cNvPr id="2" name="Titre 1">
             <a:extLst>
               <a:ext uri="{FF2B5EF4-FFF2-40B4-BE49-F238E27FC236}">
-                <a16:creationId xmlns:a16="http://schemas.microsoft.com/office/drawing/2014/main" xmlns="" id="{64035CA9-4574-434A-807C-0D5E98BFACDC}"/>
+                <a16:creationId xmlns="" xmlns:a16="http://schemas.microsoft.com/office/drawing/2014/main" id="{64035CA9-4574-434A-807C-0D5E98BFACDC}"/>
               </a:ext>
             </a:extLst>
           </p:cNvPr>
@@ -21502,7 +21503,7 @@
           <p:cNvPr id="3" name="Espace réservé du contenu 2">
             <a:extLst>
               <a:ext uri="{FF2B5EF4-FFF2-40B4-BE49-F238E27FC236}">
-                <a16:creationId xmlns:a16="http://schemas.microsoft.com/office/drawing/2014/main" xmlns="" id="{19D4F7CA-0EE1-477E-9BB4-E37DCE34F52F}"/>
+                <a16:creationId xmlns="" xmlns:a16="http://schemas.microsoft.com/office/drawing/2014/main" id="{19D4F7CA-0EE1-477E-9BB4-E37DCE34F52F}"/>
               </a:ext>
             </a:extLst>
           </p:cNvPr>
@@ -21579,7 +21580,7 @@
             <a:hlinkClick r:id="rId2" action="ppaction://hlinksldjump"/>
             <a:extLst>
               <a:ext uri="{FF2B5EF4-FFF2-40B4-BE49-F238E27FC236}">
-                <a16:creationId xmlns:a16="http://schemas.microsoft.com/office/drawing/2014/main" xmlns="" id="{BB1180C2-DDD8-4EC9-B9BB-B3FEE1C2B1DD}"/>
+                <a16:creationId xmlns="" xmlns:a16="http://schemas.microsoft.com/office/drawing/2014/main" id="{BB1180C2-DDD8-4EC9-B9BB-B3FEE1C2B1DD}"/>
               </a:ext>
             </a:extLst>
           </p:cNvPr>
@@ -21629,7 +21630,7 @@
             <a:hlinkClick r:id="rId3" action="ppaction://hlinksldjump"/>
             <a:extLst>
               <a:ext uri="{FF2B5EF4-FFF2-40B4-BE49-F238E27FC236}">
-                <a16:creationId xmlns:a16="http://schemas.microsoft.com/office/drawing/2014/main" xmlns="" id="{1E352299-D80D-4447-93F6-F0F4FDC083EC}"/>
+                <a16:creationId xmlns="" xmlns:a16="http://schemas.microsoft.com/office/drawing/2014/main" id="{1E352299-D80D-4447-93F6-F0F4FDC083EC}"/>
               </a:ext>
             </a:extLst>
           </p:cNvPr>
@@ -21684,7 +21685,7 @@
             <a:hlinkClick r:id="rId4" action="ppaction://hlinksldjump"/>
             <a:extLst>
               <a:ext uri="{FF2B5EF4-FFF2-40B4-BE49-F238E27FC236}">
-                <a16:creationId xmlns:a16="http://schemas.microsoft.com/office/drawing/2014/main" xmlns="" id="{B4D0F719-056D-4404-AF97-A5A6983A14AC}"/>
+                <a16:creationId xmlns="" xmlns:a16="http://schemas.microsoft.com/office/drawing/2014/main" id="{B4D0F719-056D-4404-AF97-A5A6983A14AC}"/>
               </a:ext>
             </a:extLst>
           </p:cNvPr>
@@ -21739,7 +21740,7 @@
             <a:hlinkClick r:id="rId5" action="ppaction://hlinksldjump"/>
             <a:extLst>
               <a:ext uri="{FF2B5EF4-FFF2-40B4-BE49-F238E27FC236}">
-                <a16:creationId xmlns:a16="http://schemas.microsoft.com/office/drawing/2014/main" xmlns="" id="{B0C7724E-DF90-449E-96F6-9E03D052F2A3}"/>
+                <a16:creationId xmlns="" xmlns:a16="http://schemas.microsoft.com/office/drawing/2014/main" id="{B0C7724E-DF90-449E-96F6-9E03D052F2A3}"/>
               </a:ext>
             </a:extLst>
           </p:cNvPr>
@@ -21789,7 +21790,7 @@
             <a:hlinkClick r:id="rId6" action="ppaction://hlinksldjump"/>
             <a:extLst>
               <a:ext uri="{FF2B5EF4-FFF2-40B4-BE49-F238E27FC236}">
-                <a16:creationId xmlns:a16="http://schemas.microsoft.com/office/drawing/2014/main" xmlns="" id="{62A3A7E8-3951-4A52-950D-186DDCE804B2}"/>
+                <a16:creationId xmlns="" xmlns:a16="http://schemas.microsoft.com/office/drawing/2014/main" id="{62A3A7E8-3951-4A52-950D-186DDCE804B2}"/>
               </a:ext>
             </a:extLst>
           </p:cNvPr>
@@ -21844,7 +21845,7 @@
             <a:hlinkClick r:id="rId7" action="ppaction://hlinksldjump"/>
             <a:extLst>
               <a:ext uri="{FF2B5EF4-FFF2-40B4-BE49-F238E27FC236}">
-                <a16:creationId xmlns:a16="http://schemas.microsoft.com/office/drawing/2014/main" xmlns="" id="{954D421B-8617-4A77-A092-764173221A8D}"/>
+                <a16:creationId xmlns="" xmlns:a16="http://schemas.microsoft.com/office/drawing/2014/main" id="{954D421B-8617-4A77-A092-764173221A8D}"/>
               </a:ext>
             </a:extLst>
           </p:cNvPr>
@@ -21894,7 +21895,7 @@
             <a:hlinkClick r:id="rId8" action="ppaction://hlinksldjump"/>
             <a:extLst>
               <a:ext uri="{FF2B5EF4-FFF2-40B4-BE49-F238E27FC236}">
-                <a16:creationId xmlns:a16="http://schemas.microsoft.com/office/drawing/2014/main" xmlns="" id="{CA78ABD4-1EFE-4051-8922-6AD898F3EFCE}"/>
+                <a16:creationId xmlns="" xmlns:a16="http://schemas.microsoft.com/office/drawing/2014/main" id="{CA78ABD4-1EFE-4051-8922-6AD898F3EFCE}"/>
               </a:ext>
             </a:extLst>
           </p:cNvPr>
@@ -21944,7 +21945,7 @@
             <a:hlinkClick r:id="rId9" action="ppaction://hlinksldjump"/>
             <a:extLst>
               <a:ext uri="{FF2B5EF4-FFF2-40B4-BE49-F238E27FC236}">
-                <a16:creationId xmlns:a16="http://schemas.microsoft.com/office/drawing/2014/main" xmlns="" id="{0090B853-E1C3-41DD-ADF2-858FA7CFE074}"/>
+                <a16:creationId xmlns="" xmlns:a16="http://schemas.microsoft.com/office/drawing/2014/main" id="{0090B853-E1C3-41DD-ADF2-858FA7CFE074}"/>
               </a:ext>
             </a:extLst>
           </p:cNvPr>
@@ -21995,7 +21996,7 @@
             <a:hlinkClick r:id="rId10" action="ppaction://hlinksldjump"/>
             <a:extLst>
               <a:ext uri="{FF2B5EF4-FFF2-40B4-BE49-F238E27FC236}">
-                <a16:creationId xmlns:a16="http://schemas.microsoft.com/office/drawing/2014/main" xmlns="" id="{7CFFB609-A375-4352-B4BA-54A6D461B078}"/>
+                <a16:creationId xmlns="" xmlns:a16="http://schemas.microsoft.com/office/drawing/2014/main" id="{7CFFB609-A375-4352-B4BA-54A6D461B078}"/>
               </a:ext>
             </a:extLst>
           </p:cNvPr>
@@ -22045,7 +22046,7 @@
             <a:hlinkClick r:id="rId11" action="ppaction://hlinksldjump"/>
             <a:extLst>
               <a:ext uri="{FF2B5EF4-FFF2-40B4-BE49-F238E27FC236}">
-                <a16:creationId xmlns:a16="http://schemas.microsoft.com/office/drawing/2014/main" xmlns="" id="{1BE904D1-38A8-4E9B-8B7D-02476F10CC4D}"/>
+                <a16:creationId xmlns="" xmlns:a16="http://schemas.microsoft.com/office/drawing/2014/main" id="{1BE904D1-38A8-4E9B-8B7D-02476F10CC4D}"/>
               </a:ext>
             </a:extLst>
           </p:cNvPr>
@@ -22095,7 +22096,7 @@
             <a:hlinkClick r:id="rId12" action="ppaction://hlinksldjump"/>
             <a:extLst>
               <a:ext uri="{FF2B5EF4-FFF2-40B4-BE49-F238E27FC236}">
-                <a16:creationId xmlns:a16="http://schemas.microsoft.com/office/drawing/2014/main" xmlns="" id="{B4AA5809-DE80-4EDD-B5CF-F21C9B02CA17}"/>
+                <a16:creationId xmlns="" xmlns:a16="http://schemas.microsoft.com/office/drawing/2014/main" id="{B4AA5809-DE80-4EDD-B5CF-F21C9B02CA17}"/>
               </a:ext>
             </a:extLst>
           </p:cNvPr>
@@ -22150,7 +22151,7 @@
             <a:hlinkClick r:id="rId13" action="ppaction://hlinksldjump"/>
             <a:extLst>
               <a:ext uri="{FF2B5EF4-FFF2-40B4-BE49-F238E27FC236}">
-                <a16:creationId xmlns:a16="http://schemas.microsoft.com/office/drawing/2014/main" xmlns="" id="{0090B853-E1C3-41DD-ADF2-858FA7CFE074}"/>
+                <a16:creationId xmlns="" xmlns:a16="http://schemas.microsoft.com/office/drawing/2014/main" id="{0090B853-E1C3-41DD-ADF2-858FA7CFE074}"/>
               </a:ext>
             </a:extLst>
           </p:cNvPr>
@@ -22191,7 +22192,6 @@
               <a:rPr lang="fr-FR" sz="1000" dirty="0"/>
               <a:t>Fiche avant modification</a:t>
             </a:r>
-            <a:endParaRPr lang="fr-FR" sz="1000" dirty="0"/>
           </a:p>
         </p:txBody>
       </p:sp>
@@ -22201,7 +22201,7 @@
             <a:hlinkClick r:id="rId14" action="ppaction://hlinksldjump"/>
             <a:extLst>
               <a:ext uri="{FF2B5EF4-FFF2-40B4-BE49-F238E27FC236}">
-                <a16:creationId xmlns:a16="http://schemas.microsoft.com/office/drawing/2014/main" xmlns="" id="{803E6E67-C5FB-4E28-AD5F-E3B57A603F38}"/>
+                <a16:creationId xmlns="" xmlns:a16="http://schemas.microsoft.com/office/drawing/2014/main" id="{803E6E67-C5FB-4E28-AD5F-E3B57A603F38}"/>
               </a:ext>
             </a:extLst>
           </p:cNvPr>
@@ -22251,7 +22251,7 @@
             <a:hlinkClick r:id="rId15" action="ppaction://hlinksldjump"/>
             <a:extLst>
               <a:ext uri="{FF2B5EF4-FFF2-40B4-BE49-F238E27FC236}">
-                <a16:creationId xmlns:a16="http://schemas.microsoft.com/office/drawing/2014/main" xmlns="" id="{4CC6A6B2-3E1D-4244-BCE0-87553B579C0F}"/>
+                <a16:creationId xmlns="" xmlns:a16="http://schemas.microsoft.com/office/drawing/2014/main" id="{4CC6A6B2-3E1D-4244-BCE0-87553B579C0F}"/>
               </a:ext>
             </a:extLst>
           </p:cNvPr>
@@ -22301,7 +22301,7 @@
             <a:hlinkClick r:id="rId16" action="ppaction://hlinksldjump"/>
             <a:extLst>
               <a:ext uri="{FF2B5EF4-FFF2-40B4-BE49-F238E27FC236}">
-                <a16:creationId xmlns:a16="http://schemas.microsoft.com/office/drawing/2014/main" xmlns="" id="{930535BF-9258-49A2-928F-353BD1FF2D8E}"/>
+                <a16:creationId xmlns="" xmlns:a16="http://schemas.microsoft.com/office/drawing/2014/main" id="{930535BF-9258-49A2-928F-353BD1FF2D8E}"/>
               </a:ext>
             </a:extLst>
           </p:cNvPr>
@@ -22365,6 +22365,94 @@
 </p:sld>
 </file>
 
+<file path=ppt/slides/slide18.xml><?xml version="1.0" encoding="utf-8"?>
+<p:sld xmlns:a="http://schemas.openxmlformats.org/drawingml/2006/main" xmlns:r="http://schemas.openxmlformats.org/officeDocument/2006/relationships" xmlns:p="http://schemas.openxmlformats.org/presentationml/2006/main">
+  <p:cSld>
+    <p:spTree>
+      <p:nvGrpSpPr>
+        <p:cNvPr id="1" name=""/>
+        <p:cNvGrpSpPr/>
+        <p:nvPr/>
+      </p:nvGrpSpPr>
+      <p:grpSpPr>
+        <a:xfrm>
+          <a:off x="0" y="0"/>
+          <a:ext cx="0" cy="0"/>
+          <a:chOff x="0" y="0"/>
+          <a:chExt cx="0" cy="0"/>
+        </a:xfrm>
+      </p:grpSpPr>
+      <p:sp>
+        <p:nvSpPr>
+          <p:cNvPr id="2" name="Titre 1"/>
+          <p:cNvSpPr>
+            <a:spLocks noGrp="1"/>
+          </p:cNvSpPr>
+          <p:nvPr>
+            <p:ph type="title"/>
+          </p:nvPr>
+        </p:nvSpPr>
+        <p:spPr>
+          <a:xfrm>
+            <a:off x="2143669" y="1375719"/>
+            <a:ext cx="8596668" cy="1320800"/>
+          </a:xfrm>
+        </p:spPr>
+        <p:txBody>
+          <a:bodyPr/>
+          <a:lstStyle/>
+          <a:p>
+            <a:r>
+              <a:rPr lang="fr-FR" dirty="0" smtClean="0"/>
+              <a:t>Merci de votre attention !!</a:t>
+            </a:r>
+            <a:endParaRPr lang="fr-FR" dirty="0"/>
+          </a:p>
+        </p:txBody>
+      </p:sp>
+      <p:pic>
+        <p:nvPicPr>
+          <p:cNvPr id="3" name="Image 2"/>
+          <p:cNvPicPr>
+            <a:picLocks noChangeAspect="1"/>
+          </p:cNvPicPr>
+          <p:nvPr/>
+        </p:nvPicPr>
+        <p:blipFill>
+          <a:blip r:embed="rId2">
+            <a:extLst>
+              <a:ext uri="{28A0092B-C50C-407E-A947-70E740481C1C}">
+                <a14:useLocalDpi xmlns:a14="http://schemas.microsoft.com/office/drawing/2010/main" val="0"/>
+              </a:ext>
+            </a:extLst>
+          </a:blip>
+          <a:stretch>
+            <a:fillRect/>
+          </a:stretch>
+        </p:blipFill>
+        <p:spPr>
+          <a:xfrm>
+            <a:off x="3015049" y="2514600"/>
+            <a:ext cx="3301314" cy="3301314"/>
+          </a:xfrm>
+          <a:prstGeom prst="rect">
+            <a:avLst/>
+          </a:prstGeom>
+        </p:spPr>
+      </p:pic>
+    </p:spTree>
+    <p:extLst>
+      <p:ext uri="{BB962C8B-B14F-4D97-AF65-F5344CB8AC3E}">
+        <p14:creationId xmlns:p14="http://schemas.microsoft.com/office/powerpoint/2010/main" val="3961284814"/>
+      </p:ext>
+    </p:extLst>
+  </p:cSld>
+  <p:clrMapOvr>
+    <a:masterClrMapping/>
+  </p:clrMapOvr>
+</p:sld>
+</file>
+
 <file path=ppt/slides/slide2.xml><?xml version="1.0" encoding="utf-8"?>
 <p:sld xmlns:a="http://schemas.openxmlformats.org/drawingml/2006/main" xmlns:r="http://schemas.openxmlformats.org/officeDocument/2006/relationships" xmlns:p="http://schemas.openxmlformats.org/presentationml/2006/main">
   <p:cSld>
@@ -22387,7 +22475,7 @@
           <p:cNvPr id="2" name="Titre 1">
             <a:extLst>
               <a:ext uri="{FF2B5EF4-FFF2-40B4-BE49-F238E27FC236}">
-                <a16:creationId xmlns:a16="http://schemas.microsoft.com/office/drawing/2014/main" xmlns="" id="{E01618AC-F422-42B2-A098-D5E6894D739C}"/>
+                <a16:creationId xmlns="" xmlns:a16="http://schemas.microsoft.com/office/drawing/2014/main" id="{E01618AC-F422-42B2-A098-D5E6894D739C}"/>
               </a:ext>
             </a:extLst>
           </p:cNvPr>
@@ -22421,7 +22509,7 @@
           <p:cNvPr id="3" name="Espace réservé du contenu 2">
             <a:extLst>
               <a:ext uri="{FF2B5EF4-FFF2-40B4-BE49-F238E27FC236}">
-                <a16:creationId xmlns:a16="http://schemas.microsoft.com/office/drawing/2014/main" xmlns="" id="{23089969-B263-4807-964E-D90754042C8C}"/>
+                <a16:creationId xmlns="" xmlns:a16="http://schemas.microsoft.com/office/drawing/2014/main" id="{23089969-B263-4807-964E-D90754042C8C}"/>
               </a:ext>
             </a:extLst>
           </p:cNvPr>
@@ -22701,7 +22789,7 @@
           <p:cNvPr id="5" name="Espace réservé du contenu 5">
             <a:extLst>
               <a:ext uri="{FF2B5EF4-FFF2-40B4-BE49-F238E27FC236}">
-                <a16:creationId xmlns:a16="http://schemas.microsoft.com/office/drawing/2014/main" xmlns="" id="{C25B24DD-800C-4861-BEE2-46604BCCFB74}"/>
+                <a16:creationId xmlns="" xmlns:a16="http://schemas.microsoft.com/office/drawing/2014/main" id="{C25B24DD-800C-4861-BEE2-46604BCCFB74}"/>
               </a:ext>
             </a:extLst>
           </p:cNvPr>
@@ -22730,7 +22818,7 @@
           <p:cNvPr id="6" name="Espace réservé du contenu 2">
             <a:extLst>
               <a:ext uri="{FF2B5EF4-FFF2-40B4-BE49-F238E27FC236}">
-                <a16:creationId xmlns:a16="http://schemas.microsoft.com/office/drawing/2014/main" xmlns="" id="{68580186-D7C3-45D6-AA30-D1F80D001DF9}"/>
+                <a16:creationId xmlns="" xmlns:a16="http://schemas.microsoft.com/office/drawing/2014/main" id="{68580186-D7C3-45D6-AA30-D1F80D001DF9}"/>
               </a:ext>
             </a:extLst>
           </p:cNvPr>
@@ -22777,7 +22865,7 @@
           <p:cNvPr id="7" name="Titre 1">
             <a:extLst>
               <a:ext uri="{FF2B5EF4-FFF2-40B4-BE49-F238E27FC236}">
-                <a16:creationId xmlns:a16="http://schemas.microsoft.com/office/drawing/2014/main" xmlns="" id="{555FB08A-13D7-49F8-813B-E02062107F1E}"/>
+                <a16:creationId xmlns="" xmlns:a16="http://schemas.microsoft.com/office/drawing/2014/main" id="{555FB08A-13D7-49F8-813B-E02062107F1E}"/>
               </a:ext>
             </a:extLst>
           </p:cNvPr>
@@ -22816,7 +22904,7 @@
             <a:hlinkClick r:id="rId3" action="ppaction://hlinksldjump"/>
             <a:extLst>
               <a:ext uri="{FF2B5EF4-FFF2-40B4-BE49-F238E27FC236}">
-                <a16:creationId xmlns:a16="http://schemas.microsoft.com/office/drawing/2014/main" xmlns="" id="{7CFFB609-A375-4352-B4BA-54A6D461B078}"/>
+                <a16:creationId xmlns="" xmlns:a16="http://schemas.microsoft.com/office/drawing/2014/main" id="{7CFFB609-A375-4352-B4BA-54A6D461B078}"/>
               </a:ext>
             </a:extLst>
           </p:cNvPr>
@@ -22866,7 +22954,7 @@
             <a:hlinkClick r:id="rId4" action="ppaction://hlinksldjump"/>
             <a:extLst>
               <a:ext uri="{FF2B5EF4-FFF2-40B4-BE49-F238E27FC236}">
-                <a16:creationId xmlns:a16="http://schemas.microsoft.com/office/drawing/2014/main" xmlns="" id="{1BE904D1-38A8-4E9B-8B7D-02476F10CC4D}"/>
+                <a16:creationId xmlns="" xmlns:a16="http://schemas.microsoft.com/office/drawing/2014/main" id="{1BE904D1-38A8-4E9B-8B7D-02476F10CC4D}"/>
               </a:ext>
             </a:extLst>
           </p:cNvPr>
@@ -22916,7 +23004,7 @@
             <a:hlinkClick r:id="rId5" action="ppaction://hlinksldjump"/>
             <a:extLst>
               <a:ext uri="{FF2B5EF4-FFF2-40B4-BE49-F238E27FC236}">
-                <a16:creationId xmlns:a16="http://schemas.microsoft.com/office/drawing/2014/main" xmlns="" id="{B4AA5809-DE80-4EDD-B5CF-F21C9B02CA17}"/>
+                <a16:creationId xmlns="" xmlns:a16="http://schemas.microsoft.com/office/drawing/2014/main" id="{B4AA5809-DE80-4EDD-B5CF-F21C9B02CA17}"/>
               </a:ext>
             </a:extLst>
           </p:cNvPr>
@@ -22971,7 +23059,7 @@
             <a:hlinkClick r:id="rId6" action="ppaction://hlinksldjump"/>
             <a:extLst>
               <a:ext uri="{FF2B5EF4-FFF2-40B4-BE49-F238E27FC236}">
-                <a16:creationId xmlns:a16="http://schemas.microsoft.com/office/drawing/2014/main" xmlns="" id="{0090B853-E1C3-41DD-ADF2-858FA7CFE074}"/>
+                <a16:creationId xmlns="" xmlns:a16="http://schemas.microsoft.com/office/drawing/2014/main" id="{0090B853-E1C3-41DD-ADF2-858FA7CFE074}"/>
               </a:ext>
             </a:extLst>
           </p:cNvPr>
@@ -23012,7 +23100,6 @@
               <a:rPr lang="fr-FR" sz="1000" dirty="0"/>
               <a:t>Fiche avant modification</a:t>
             </a:r>
-            <a:endParaRPr lang="fr-FR" sz="1000" dirty="0"/>
           </a:p>
         </p:txBody>
       </p:sp>
@@ -23022,7 +23109,7 @@
             <a:hlinkClick r:id="rId7" action="ppaction://hlinksldjump"/>
             <a:extLst>
               <a:ext uri="{FF2B5EF4-FFF2-40B4-BE49-F238E27FC236}">
-                <a16:creationId xmlns:a16="http://schemas.microsoft.com/office/drawing/2014/main" xmlns="" id="{BB1180C2-DDD8-4EC9-B9BB-B3FEE1C2B1DD}"/>
+                <a16:creationId xmlns="" xmlns:a16="http://schemas.microsoft.com/office/drawing/2014/main" id="{BB1180C2-DDD8-4EC9-B9BB-B3FEE1C2B1DD}"/>
               </a:ext>
             </a:extLst>
           </p:cNvPr>
@@ -23072,7 +23159,7 @@
             <a:hlinkClick r:id="rId8" action="ppaction://hlinksldjump"/>
             <a:extLst>
               <a:ext uri="{FF2B5EF4-FFF2-40B4-BE49-F238E27FC236}">
-                <a16:creationId xmlns:a16="http://schemas.microsoft.com/office/drawing/2014/main" xmlns="" id="{1E352299-D80D-4447-93F6-F0F4FDC083EC}"/>
+                <a16:creationId xmlns="" xmlns:a16="http://schemas.microsoft.com/office/drawing/2014/main" id="{1E352299-D80D-4447-93F6-F0F4FDC083EC}"/>
               </a:ext>
             </a:extLst>
           </p:cNvPr>
@@ -23127,7 +23214,7 @@
             <a:hlinkClick r:id="rId9" action="ppaction://hlinksldjump"/>
             <a:extLst>
               <a:ext uri="{FF2B5EF4-FFF2-40B4-BE49-F238E27FC236}">
-                <a16:creationId xmlns:a16="http://schemas.microsoft.com/office/drawing/2014/main" xmlns="" id="{B4D0F719-056D-4404-AF97-A5A6983A14AC}"/>
+                <a16:creationId xmlns="" xmlns:a16="http://schemas.microsoft.com/office/drawing/2014/main" id="{B4D0F719-056D-4404-AF97-A5A6983A14AC}"/>
               </a:ext>
             </a:extLst>
           </p:cNvPr>
@@ -23182,7 +23269,7 @@
             <a:hlinkClick r:id="rId10" action="ppaction://hlinksldjump"/>
             <a:extLst>
               <a:ext uri="{FF2B5EF4-FFF2-40B4-BE49-F238E27FC236}">
-                <a16:creationId xmlns:a16="http://schemas.microsoft.com/office/drawing/2014/main" xmlns="" id="{B0C7724E-DF90-449E-96F6-9E03D052F2A3}"/>
+                <a16:creationId xmlns="" xmlns:a16="http://schemas.microsoft.com/office/drawing/2014/main" id="{B0C7724E-DF90-449E-96F6-9E03D052F2A3}"/>
               </a:ext>
             </a:extLst>
           </p:cNvPr>
@@ -23232,7 +23319,7 @@
             <a:hlinkClick r:id="rId11" action="ppaction://hlinksldjump"/>
             <a:extLst>
               <a:ext uri="{FF2B5EF4-FFF2-40B4-BE49-F238E27FC236}">
-                <a16:creationId xmlns:a16="http://schemas.microsoft.com/office/drawing/2014/main" xmlns="" id="{62A3A7E8-3951-4A52-950D-186DDCE804B2}"/>
+                <a16:creationId xmlns="" xmlns:a16="http://schemas.microsoft.com/office/drawing/2014/main" id="{62A3A7E8-3951-4A52-950D-186DDCE804B2}"/>
               </a:ext>
             </a:extLst>
           </p:cNvPr>
@@ -23287,7 +23374,7 @@
             <a:hlinkClick r:id="rId12" action="ppaction://hlinksldjump"/>
             <a:extLst>
               <a:ext uri="{FF2B5EF4-FFF2-40B4-BE49-F238E27FC236}">
-                <a16:creationId xmlns:a16="http://schemas.microsoft.com/office/drawing/2014/main" xmlns="" id="{954D421B-8617-4A77-A092-764173221A8D}"/>
+                <a16:creationId xmlns="" xmlns:a16="http://schemas.microsoft.com/office/drawing/2014/main" id="{954D421B-8617-4A77-A092-764173221A8D}"/>
               </a:ext>
             </a:extLst>
           </p:cNvPr>
@@ -23337,7 +23424,7 @@
             <a:hlinkClick r:id="rId13" action="ppaction://hlinksldjump"/>
             <a:extLst>
               <a:ext uri="{FF2B5EF4-FFF2-40B4-BE49-F238E27FC236}">
-                <a16:creationId xmlns:a16="http://schemas.microsoft.com/office/drawing/2014/main" xmlns="" id="{CA78ABD4-1EFE-4051-8922-6AD898F3EFCE}"/>
+                <a16:creationId xmlns="" xmlns:a16="http://schemas.microsoft.com/office/drawing/2014/main" id="{CA78ABD4-1EFE-4051-8922-6AD898F3EFCE}"/>
               </a:ext>
             </a:extLst>
           </p:cNvPr>
@@ -23387,7 +23474,7 @@
             <a:hlinkClick r:id="rId14" action="ppaction://hlinksldjump"/>
             <a:extLst>
               <a:ext uri="{FF2B5EF4-FFF2-40B4-BE49-F238E27FC236}">
-                <a16:creationId xmlns:a16="http://schemas.microsoft.com/office/drawing/2014/main" xmlns="" id="{803E6E67-C5FB-4E28-AD5F-E3B57A603F38}"/>
+                <a16:creationId xmlns="" xmlns:a16="http://schemas.microsoft.com/office/drawing/2014/main" id="{803E6E67-C5FB-4E28-AD5F-E3B57A603F38}"/>
               </a:ext>
             </a:extLst>
           </p:cNvPr>
@@ -23437,7 +23524,7 @@
             <a:hlinkClick r:id="rId15" action="ppaction://hlinksldjump"/>
             <a:extLst>
               <a:ext uri="{FF2B5EF4-FFF2-40B4-BE49-F238E27FC236}">
-                <a16:creationId xmlns:a16="http://schemas.microsoft.com/office/drawing/2014/main" xmlns="" id="{4CC6A6B2-3E1D-4244-BCE0-87553B579C0F}"/>
+                <a16:creationId xmlns="" xmlns:a16="http://schemas.microsoft.com/office/drawing/2014/main" id="{4CC6A6B2-3E1D-4244-BCE0-87553B579C0F}"/>
               </a:ext>
             </a:extLst>
           </p:cNvPr>
@@ -23487,7 +23574,7 @@
             <a:hlinkClick r:id="rId16" action="ppaction://hlinksldjump"/>
             <a:extLst>
               <a:ext uri="{FF2B5EF4-FFF2-40B4-BE49-F238E27FC236}">
-                <a16:creationId xmlns:a16="http://schemas.microsoft.com/office/drawing/2014/main" xmlns="" id="{930535BF-9258-49A2-928F-353BD1FF2D8E}"/>
+                <a16:creationId xmlns="" xmlns:a16="http://schemas.microsoft.com/office/drawing/2014/main" id="{930535BF-9258-49A2-928F-353BD1FF2D8E}"/>
               </a:ext>
             </a:extLst>
           </p:cNvPr>
@@ -23537,7 +23624,7 @@
             <a:hlinkClick r:id="rId17" action="ppaction://hlinksldjump"/>
             <a:extLst>
               <a:ext uri="{FF2B5EF4-FFF2-40B4-BE49-F238E27FC236}">
-                <a16:creationId xmlns:a16="http://schemas.microsoft.com/office/drawing/2014/main" xmlns="" id="{0090B853-E1C3-41DD-ADF2-858FA7CFE074}"/>
+                <a16:creationId xmlns="" xmlns:a16="http://schemas.microsoft.com/office/drawing/2014/main" id="{0090B853-E1C3-41DD-ADF2-858FA7CFE074}"/>
               </a:ext>
             </a:extLst>
           </p:cNvPr>
@@ -23617,7 +23704,7 @@
           <p:cNvPr id="2" name="Titre 1">
             <a:extLst>
               <a:ext uri="{FF2B5EF4-FFF2-40B4-BE49-F238E27FC236}">
-                <a16:creationId xmlns:a16="http://schemas.microsoft.com/office/drawing/2014/main" xmlns="" id="{855ECB63-7298-4270-B53B-CA002E9C99F2}"/>
+                <a16:creationId xmlns="" xmlns:a16="http://schemas.microsoft.com/office/drawing/2014/main" id="{855ECB63-7298-4270-B53B-CA002E9C99F2}"/>
               </a:ext>
             </a:extLst>
           </p:cNvPr>
@@ -23655,7 +23742,7 @@
           <p:cNvPr id="3" name="Espace réservé du contenu 2">
             <a:extLst>
               <a:ext uri="{FF2B5EF4-FFF2-40B4-BE49-F238E27FC236}">
-                <a16:creationId xmlns:a16="http://schemas.microsoft.com/office/drawing/2014/main" xmlns="" id="{E0777ED1-FA19-49E9-8954-A2BB8E24E6C5}"/>
+                <a16:creationId xmlns="" xmlns:a16="http://schemas.microsoft.com/office/drawing/2014/main" id="{E0777ED1-FA19-49E9-8954-A2BB8E24E6C5}"/>
               </a:ext>
             </a:extLst>
           </p:cNvPr>
@@ -23704,7 +23791,7 @@
           <p:cNvPr id="9" name="Image 8">
             <a:extLst>
               <a:ext uri="{FF2B5EF4-FFF2-40B4-BE49-F238E27FC236}">
-                <a16:creationId xmlns:a16="http://schemas.microsoft.com/office/drawing/2014/main" xmlns="" id="{9FD92A33-495F-4F0D-84AB-C8B389EBED80}"/>
+                <a16:creationId xmlns="" xmlns:a16="http://schemas.microsoft.com/office/drawing/2014/main" id="{9FD92A33-495F-4F0D-84AB-C8B389EBED80}"/>
               </a:ext>
             </a:extLst>
           </p:cNvPr>
@@ -23734,7 +23821,7 @@
           <p:cNvPr id="11" name="Image 10">
             <a:extLst>
               <a:ext uri="{FF2B5EF4-FFF2-40B4-BE49-F238E27FC236}">
-                <a16:creationId xmlns:a16="http://schemas.microsoft.com/office/drawing/2014/main" xmlns="" id="{789F6388-7CBC-4F2B-85D8-EEBA5FADFAA9}"/>
+                <a16:creationId xmlns="" xmlns:a16="http://schemas.microsoft.com/office/drawing/2014/main" id="{789F6388-7CBC-4F2B-85D8-EEBA5FADFAA9}"/>
               </a:ext>
             </a:extLst>
           </p:cNvPr>
@@ -23765,7 +23852,7 @@
             <a:hlinkClick r:id="rId4" action="ppaction://hlinksldjump"/>
             <a:extLst>
               <a:ext uri="{FF2B5EF4-FFF2-40B4-BE49-F238E27FC236}">
-                <a16:creationId xmlns:a16="http://schemas.microsoft.com/office/drawing/2014/main" xmlns="" id="{BB1180C2-DDD8-4EC9-B9BB-B3FEE1C2B1DD}"/>
+                <a16:creationId xmlns="" xmlns:a16="http://schemas.microsoft.com/office/drawing/2014/main" id="{BB1180C2-DDD8-4EC9-B9BB-B3FEE1C2B1DD}"/>
               </a:ext>
             </a:extLst>
           </p:cNvPr>
@@ -23815,7 +23902,7 @@
             <a:hlinkClick r:id="rId5" action="ppaction://hlinksldjump"/>
             <a:extLst>
               <a:ext uri="{FF2B5EF4-FFF2-40B4-BE49-F238E27FC236}">
-                <a16:creationId xmlns:a16="http://schemas.microsoft.com/office/drawing/2014/main" xmlns="" id="{1E352299-D80D-4447-93F6-F0F4FDC083EC}"/>
+                <a16:creationId xmlns="" xmlns:a16="http://schemas.microsoft.com/office/drawing/2014/main" id="{1E352299-D80D-4447-93F6-F0F4FDC083EC}"/>
               </a:ext>
             </a:extLst>
           </p:cNvPr>
@@ -23870,7 +23957,7 @@
             <a:hlinkClick r:id="rId6" action="ppaction://hlinksldjump"/>
             <a:extLst>
               <a:ext uri="{FF2B5EF4-FFF2-40B4-BE49-F238E27FC236}">
-                <a16:creationId xmlns:a16="http://schemas.microsoft.com/office/drawing/2014/main" xmlns="" id="{B4D0F719-056D-4404-AF97-A5A6983A14AC}"/>
+                <a16:creationId xmlns="" xmlns:a16="http://schemas.microsoft.com/office/drawing/2014/main" id="{B4D0F719-056D-4404-AF97-A5A6983A14AC}"/>
               </a:ext>
             </a:extLst>
           </p:cNvPr>
@@ -23925,7 +24012,7 @@
             <a:hlinkClick r:id="rId7" action="ppaction://hlinksldjump"/>
             <a:extLst>
               <a:ext uri="{FF2B5EF4-FFF2-40B4-BE49-F238E27FC236}">
-                <a16:creationId xmlns:a16="http://schemas.microsoft.com/office/drawing/2014/main" xmlns="" id="{B0C7724E-DF90-449E-96F6-9E03D052F2A3}"/>
+                <a16:creationId xmlns="" xmlns:a16="http://schemas.microsoft.com/office/drawing/2014/main" id="{B0C7724E-DF90-449E-96F6-9E03D052F2A3}"/>
               </a:ext>
             </a:extLst>
           </p:cNvPr>
@@ -23975,7 +24062,7 @@
             <a:hlinkClick r:id="rId8" action="ppaction://hlinksldjump"/>
             <a:extLst>
               <a:ext uri="{FF2B5EF4-FFF2-40B4-BE49-F238E27FC236}">
-                <a16:creationId xmlns:a16="http://schemas.microsoft.com/office/drawing/2014/main" xmlns="" id="{62A3A7E8-3951-4A52-950D-186DDCE804B2}"/>
+                <a16:creationId xmlns="" xmlns:a16="http://schemas.microsoft.com/office/drawing/2014/main" id="{62A3A7E8-3951-4A52-950D-186DDCE804B2}"/>
               </a:ext>
             </a:extLst>
           </p:cNvPr>
@@ -24030,7 +24117,7 @@
             <a:hlinkClick r:id="rId9" action="ppaction://hlinksldjump"/>
             <a:extLst>
               <a:ext uri="{FF2B5EF4-FFF2-40B4-BE49-F238E27FC236}">
-                <a16:creationId xmlns:a16="http://schemas.microsoft.com/office/drawing/2014/main" xmlns="" id="{954D421B-8617-4A77-A092-764173221A8D}"/>
+                <a16:creationId xmlns="" xmlns:a16="http://schemas.microsoft.com/office/drawing/2014/main" id="{954D421B-8617-4A77-A092-764173221A8D}"/>
               </a:ext>
             </a:extLst>
           </p:cNvPr>
@@ -24080,7 +24167,7 @@
             <a:hlinkClick r:id="rId10" action="ppaction://hlinksldjump"/>
             <a:extLst>
               <a:ext uri="{FF2B5EF4-FFF2-40B4-BE49-F238E27FC236}">
-                <a16:creationId xmlns:a16="http://schemas.microsoft.com/office/drawing/2014/main" xmlns="" id="{CA78ABD4-1EFE-4051-8922-6AD898F3EFCE}"/>
+                <a16:creationId xmlns="" xmlns:a16="http://schemas.microsoft.com/office/drawing/2014/main" id="{CA78ABD4-1EFE-4051-8922-6AD898F3EFCE}"/>
               </a:ext>
             </a:extLst>
           </p:cNvPr>
@@ -24130,7 +24217,7 @@
             <a:hlinkClick r:id="rId11" action="ppaction://hlinksldjump"/>
             <a:extLst>
               <a:ext uri="{FF2B5EF4-FFF2-40B4-BE49-F238E27FC236}">
-                <a16:creationId xmlns:a16="http://schemas.microsoft.com/office/drawing/2014/main" xmlns="" id="{0090B853-E1C3-41DD-ADF2-858FA7CFE074}"/>
+                <a16:creationId xmlns="" xmlns:a16="http://schemas.microsoft.com/office/drawing/2014/main" id="{0090B853-E1C3-41DD-ADF2-858FA7CFE074}"/>
               </a:ext>
             </a:extLst>
           </p:cNvPr>
@@ -24181,7 +24268,7 @@
             <a:hlinkClick r:id="rId12" action="ppaction://hlinksldjump"/>
             <a:extLst>
               <a:ext uri="{FF2B5EF4-FFF2-40B4-BE49-F238E27FC236}">
-                <a16:creationId xmlns:a16="http://schemas.microsoft.com/office/drawing/2014/main" xmlns="" id="{7CFFB609-A375-4352-B4BA-54A6D461B078}"/>
+                <a16:creationId xmlns="" xmlns:a16="http://schemas.microsoft.com/office/drawing/2014/main" id="{7CFFB609-A375-4352-B4BA-54A6D461B078}"/>
               </a:ext>
             </a:extLst>
           </p:cNvPr>
@@ -24231,7 +24318,7 @@
             <a:hlinkClick r:id="rId13" action="ppaction://hlinksldjump"/>
             <a:extLst>
               <a:ext uri="{FF2B5EF4-FFF2-40B4-BE49-F238E27FC236}">
-                <a16:creationId xmlns:a16="http://schemas.microsoft.com/office/drawing/2014/main" xmlns="" id="{1BE904D1-38A8-4E9B-8B7D-02476F10CC4D}"/>
+                <a16:creationId xmlns="" xmlns:a16="http://schemas.microsoft.com/office/drawing/2014/main" id="{1BE904D1-38A8-4E9B-8B7D-02476F10CC4D}"/>
               </a:ext>
             </a:extLst>
           </p:cNvPr>
@@ -24281,7 +24368,7 @@
             <a:hlinkClick r:id="rId14" action="ppaction://hlinksldjump"/>
             <a:extLst>
               <a:ext uri="{FF2B5EF4-FFF2-40B4-BE49-F238E27FC236}">
-                <a16:creationId xmlns:a16="http://schemas.microsoft.com/office/drawing/2014/main" xmlns="" id="{B4AA5809-DE80-4EDD-B5CF-F21C9B02CA17}"/>
+                <a16:creationId xmlns="" xmlns:a16="http://schemas.microsoft.com/office/drawing/2014/main" id="{B4AA5809-DE80-4EDD-B5CF-F21C9B02CA17}"/>
               </a:ext>
             </a:extLst>
           </p:cNvPr>
@@ -24336,7 +24423,7 @@
             <a:hlinkClick r:id="rId15" action="ppaction://hlinksldjump"/>
             <a:extLst>
               <a:ext uri="{FF2B5EF4-FFF2-40B4-BE49-F238E27FC236}">
-                <a16:creationId xmlns:a16="http://schemas.microsoft.com/office/drawing/2014/main" xmlns="" id="{0090B853-E1C3-41DD-ADF2-858FA7CFE074}"/>
+                <a16:creationId xmlns="" xmlns:a16="http://schemas.microsoft.com/office/drawing/2014/main" id="{0090B853-E1C3-41DD-ADF2-858FA7CFE074}"/>
               </a:ext>
             </a:extLst>
           </p:cNvPr>
@@ -24377,7 +24464,6 @@
               <a:rPr lang="fr-FR" sz="1000" dirty="0"/>
               <a:t>Fiche avant modification</a:t>
             </a:r>
-            <a:endParaRPr lang="fr-FR" sz="1000" dirty="0"/>
           </a:p>
         </p:txBody>
       </p:sp>
@@ -24387,7 +24473,7 @@
             <a:hlinkClick r:id="rId16" action="ppaction://hlinksldjump"/>
             <a:extLst>
               <a:ext uri="{FF2B5EF4-FFF2-40B4-BE49-F238E27FC236}">
-                <a16:creationId xmlns:a16="http://schemas.microsoft.com/office/drawing/2014/main" xmlns="" id="{803E6E67-C5FB-4E28-AD5F-E3B57A603F38}"/>
+                <a16:creationId xmlns="" xmlns:a16="http://schemas.microsoft.com/office/drawing/2014/main" id="{803E6E67-C5FB-4E28-AD5F-E3B57A603F38}"/>
               </a:ext>
             </a:extLst>
           </p:cNvPr>
@@ -24437,7 +24523,7 @@
             <a:hlinkClick r:id="rId17" action="ppaction://hlinksldjump"/>
             <a:extLst>
               <a:ext uri="{FF2B5EF4-FFF2-40B4-BE49-F238E27FC236}">
-                <a16:creationId xmlns:a16="http://schemas.microsoft.com/office/drawing/2014/main" xmlns="" id="{4CC6A6B2-3E1D-4244-BCE0-87553B579C0F}"/>
+                <a16:creationId xmlns="" xmlns:a16="http://schemas.microsoft.com/office/drawing/2014/main" id="{4CC6A6B2-3E1D-4244-BCE0-87553B579C0F}"/>
               </a:ext>
             </a:extLst>
           </p:cNvPr>
@@ -24487,7 +24573,7 @@
             <a:hlinkClick r:id="rId18" action="ppaction://hlinksldjump"/>
             <a:extLst>
               <a:ext uri="{FF2B5EF4-FFF2-40B4-BE49-F238E27FC236}">
-                <a16:creationId xmlns:a16="http://schemas.microsoft.com/office/drawing/2014/main" xmlns="" id="{930535BF-9258-49A2-928F-353BD1FF2D8E}"/>
+                <a16:creationId xmlns="" xmlns:a16="http://schemas.microsoft.com/office/drawing/2014/main" id="{930535BF-9258-49A2-928F-353BD1FF2D8E}"/>
               </a:ext>
             </a:extLst>
           </p:cNvPr>
@@ -24566,7 +24652,7 @@
           <p:cNvPr id="2" name="Titre 1">
             <a:extLst>
               <a:ext uri="{FF2B5EF4-FFF2-40B4-BE49-F238E27FC236}">
-                <a16:creationId xmlns:a16="http://schemas.microsoft.com/office/drawing/2014/main" xmlns="" id="{454E8868-41ED-425F-A6FD-EE03536981F1}"/>
+                <a16:creationId xmlns="" xmlns:a16="http://schemas.microsoft.com/office/drawing/2014/main" id="{454E8868-41ED-425F-A6FD-EE03536981F1}"/>
               </a:ext>
             </a:extLst>
           </p:cNvPr>
@@ -24600,7 +24686,7 @@
           <p:cNvPr id="7" name="Espace réservé du contenu 6">
             <a:extLst>
               <a:ext uri="{FF2B5EF4-FFF2-40B4-BE49-F238E27FC236}">
-                <a16:creationId xmlns:a16="http://schemas.microsoft.com/office/drawing/2014/main" xmlns="" id="{C692D287-8E8A-49E9-AA66-15EDFA7F9080}"/>
+                <a16:creationId xmlns="" xmlns:a16="http://schemas.microsoft.com/office/drawing/2014/main" id="{C692D287-8E8A-49E9-AA66-15EDFA7F9080}"/>
               </a:ext>
             </a:extLst>
           </p:cNvPr>
@@ -24632,7 +24718,7 @@
             <a:hlinkClick r:id="rId7" action="ppaction://hlinksldjump"/>
             <a:extLst>
               <a:ext uri="{FF2B5EF4-FFF2-40B4-BE49-F238E27FC236}">
-                <a16:creationId xmlns:a16="http://schemas.microsoft.com/office/drawing/2014/main" xmlns="" id="{BB1180C2-DDD8-4EC9-B9BB-B3FEE1C2B1DD}"/>
+                <a16:creationId xmlns="" xmlns:a16="http://schemas.microsoft.com/office/drawing/2014/main" id="{BB1180C2-DDD8-4EC9-B9BB-B3FEE1C2B1DD}"/>
               </a:ext>
             </a:extLst>
           </p:cNvPr>
@@ -24682,7 +24768,7 @@
             <a:hlinkClick r:id="rId8" action="ppaction://hlinksldjump"/>
             <a:extLst>
               <a:ext uri="{FF2B5EF4-FFF2-40B4-BE49-F238E27FC236}">
-                <a16:creationId xmlns:a16="http://schemas.microsoft.com/office/drawing/2014/main" xmlns="" id="{1E352299-D80D-4447-93F6-F0F4FDC083EC}"/>
+                <a16:creationId xmlns="" xmlns:a16="http://schemas.microsoft.com/office/drawing/2014/main" id="{1E352299-D80D-4447-93F6-F0F4FDC083EC}"/>
               </a:ext>
             </a:extLst>
           </p:cNvPr>
@@ -24737,7 +24823,7 @@
             <a:hlinkClick r:id="rId9" action="ppaction://hlinksldjump"/>
             <a:extLst>
               <a:ext uri="{FF2B5EF4-FFF2-40B4-BE49-F238E27FC236}">
-                <a16:creationId xmlns:a16="http://schemas.microsoft.com/office/drawing/2014/main" xmlns="" id="{B4D0F719-056D-4404-AF97-A5A6983A14AC}"/>
+                <a16:creationId xmlns="" xmlns:a16="http://schemas.microsoft.com/office/drawing/2014/main" id="{B4D0F719-056D-4404-AF97-A5A6983A14AC}"/>
               </a:ext>
             </a:extLst>
           </p:cNvPr>
@@ -24792,7 +24878,7 @@
             <a:hlinkClick r:id="rId10" action="ppaction://hlinksldjump"/>
             <a:extLst>
               <a:ext uri="{FF2B5EF4-FFF2-40B4-BE49-F238E27FC236}">
-                <a16:creationId xmlns:a16="http://schemas.microsoft.com/office/drawing/2014/main" xmlns="" id="{B0C7724E-DF90-449E-96F6-9E03D052F2A3}"/>
+                <a16:creationId xmlns="" xmlns:a16="http://schemas.microsoft.com/office/drawing/2014/main" id="{B0C7724E-DF90-449E-96F6-9E03D052F2A3}"/>
               </a:ext>
             </a:extLst>
           </p:cNvPr>
@@ -24842,7 +24928,7 @@
             <a:hlinkClick r:id="rId11" action="ppaction://hlinksldjump"/>
             <a:extLst>
               <a:ext uri="{FF2B5EF4-FFF2-40B4-BE49-F238E27FC236}">
-                <a16:creationId xmlns:a16="http://schemas.microsoft.com/office/drawing/2014/main" xmlns="" id="{62A3A7E8-3951-4A52-950D-186DDCE804B2}"/>
+                <a16:creationId xmlns="" xmlns:a16="http://schemas.microsoft.com/office/drawing/2014/main" id="{62A3A7E8-3951-4A52-950D-186DDCE804B2}"/>
               </a:ext>
             </a:extLst>
           </p:cNvPr>
@@ -24897,7 +24983,7 @@
             <a:hlinkClick r:id="rId12" action="ppaction://hlinksldjump"/>
             <a:extLst>
               <a:ext uri="{FF2B5EF4-FFF2-40B4-BE49-F238E27FC236}">
-                <a16:creationId xmlns:a16="http://schemas.microsoft.com/office/drawing/2014/main" xmlns="" id="{954D421B-8617-4A77-A092-764173221A8D}"/>
+                <a16:creationId xmlns="" xmlns:a16="http://schemas.microsoft.com/office/drawing/2014/main" id="{954D421B-8617-4A77-A092-764173221A8D}"/>
               </a:ext>
             </a:extLst>
           </p:cNvPr>
@@ -24947,7 +25033,7 @@
             <a:hlinkClick r:id="rId13" action="ppaction://hlinksldjump"/>
             <a:extLst>
               <a:ext uri="{FF2B5EF4-FFF2-40B4-BE49-F238E27FC236}">
-                <a16:creationId xmlns:a16="http://schemas.microsoft.com/office/drawing/2014/main" xmlns="" id="{CA78ABD4-1EFE-4051-8922-6AD898F3EFCE}"/>
+                <a16:creationId xmlns="" xmlns:a16="http://schemas.microsoft.com/office/drawing/2014/main" id="{CA78ABD4-1EFE-4051-8922-6AD898F3EFCE}"/>
               </a:ext>
             </a:extLst>
           </p:cNvPr>
@@ -24997,7 +25083,7 @@
             <a:hlinkClick r:id="rId14" action="ppaction://hlinksldjump"/>
             <a:extLst>
               <a:ext uri="{FF2B5EF4-FFF2-40B4-BE49-F238E27FC236}">
-                <a16:creationId xmlns:a16="http://schemas.microsoft.com/office/drawing/2014/main" xmlns="" id="{0090B853-E1C3-41DD-ADF2-858FA7CFE074}"/>
+                <a16:creationId xmlns="" xmlns:a16="http://schemas.microsoft.com/office/drawing/2014/main" id="{0090B853-E1C3-41DD-ADF2-858FA7CFE074}"/>
               </a:ext>
             </a:extLst>
           </p:cNvPr>
@@ -25048,7 +25134,7 @@
             <a:hlinkClick r:id="rId15" action="ppaction://hlinksldjump"/>
             <a:extLst>
               <a:ext uri="{FF2B5EF4-FFF2-40B4-BE49-F238E27FC236}">
-                <a16:creationId xmlns:a16="http://schemas.microsoft.com/office/drawing/2014/main" xmlns="" id="{7CFFB609-A375-4352-B4BA-54A6D461B078}"/>
+                <a16:creationId xmlns="" xmlns:a16="http://schemas.microsoft.com/office/drawing/2014/main" id="{7CFFB609-A375-4352-B4BA-54A6D461B078}"/>
               </a:ext>
             </a:extLst>
           </p:cNvPr>
@@ -25098,7 +25184,7 @@
             <a:hlinkClick r:id="rId16" action="ppaction://hlinksldjump"/>
             <a:extLst>
               <a:ext uri="{FF2B5EF4-FFF2-40B4-BE49-F238E27FC236}">
-                <a16:creationId xmlns:a16="http://schemas.microsoft.com/office/drawing/2014/main" xmlns="" id="{1BE904D1-38A8-4E9B-8B7D-02476F10CC4D}"/>
+                <a16:creationId xmlns="" xmlns:a16="http://schemas.microsoft.com/office/drawing/2014/main" id="{1BE904D1-38A8-4E9B-8B7D-02476F10CC4D}"/>
               </a:ext>
             </a:extLst>
           </p:cNvPr>
@@ -25148,7 +25234,7 @@
             <a:hlinkClick r:id="rId17" action="ppaction://hlinksldjump"/>
             <a:extLst>
               <a:ext uri="{FF2B5EF4-FFF2-40B4-BE49-F238E27FC236}">
-                <a16:creationId xmlns:a16="http://schemas.microsoft.com/office/drawing/2014/main" xmlns="" id="{B4AA5809-DE80-4EDD-B5CF-F21C9B02CA17}"/>
+                <a16:creationId xmlns="" xmlns:a16="http://schemas.microsoft.com/office/drawing/2014/main" id="{B4AA5809-DE80-4EDD-B5CF-F21C9B02CA17}"/>
               </a:ext>
             </a:extLst>
           </p:cNvPr>
@@ -25203,7 +25289,7 @@
             <a:hlinkClick r:id="rId18" action="ppaction://hlinksldjump"/>
             <a:extLst>
               <a:ext uri="{FF2B5EF4-FFF2-40B4-BE49-F238E27FC236}">
-                <a16:creationId xmlns:a16="http://schemas.microsoft.com/office/drawing/2014/main" xmlns="" id="{0090B853-E1C3-41DD-ADF2-858FA7CFE074}"/>
+                <a16:creationId xmlns="" xmlns:a16="http://schemas.microsoft.com/office/drawing/2014/main" id="{0090B853-E1C3-41DD-ADF2-858FA7CFE074}"/>
               </a:ext>
             </a:extLst>
           </p:cNvPr>
@@ -25244,7 +25330,6 @@
               <a:rPr lang="fr-FR" sz="1000" dirty="0"/>
               <a:t>Fiche avant modification</a:t>
             </a:r>
-            <a:endParaRPr lang="fr-FR" sz="1000" dirty="0"/>
           </a:p>
         </p:txBody>
       </p:sp>
@@ -25254,7 +25339,7 @@
             <a:hlinkClick r:id="rId19" action="ppaction://hlinksldjump"/>
             <a:extLst>
               <a:ext uri="{FF2B5EF4-FFF2-40B4-BE49-F238E27FC236}">
-                <a16:creationId xmlns:a16="http://schemas.microsoft.com/office/drawing/2014/main" xmlns="" id="{803E6E67-C5FB-4E28-AD5F-E3B57A603F38}"/>
+                <a16:creationId xmlns="" xmlns:a16="http://schemas.microsoft.com/office/drawing/2014/main" id="{803E6E67-C5FB-4E28-AD5F-E3B57A603F38}"/>
               </a:ext>
             </a:extLst>
           </p:cNvPr>
@@ -25304,7 +25389,7 @@
             <a:hlinkClick r:id="rId20" action="ppaction://hlinksldjump"/>
             <a:extLst>
               <a:ext uri="{FF2B5EF4-FFF2-40B4-BE49-F238E27FC236}">
-                <a16:creationId xmlns:a16="http://schemas.microsoft.com/office/drawing/2014/main" xmlns="" id="{4CC6A6B2-3E1D-4244-BCE0-87553B579C0F}"/>
+                <a16:creationId xmlns="" xmlns:a16="http://schemas.microsoft.com/office/drawing/2014/main" id="{4CC6A6B2-3E1D-4244-BCE0-87553B579C0F}"/>
               </a:ext>
             </a:extLst>
           </p:cNvPr>
@@ -25354,7 +25439,7 @@
             <a:hlinkClick r:id="rId21" action="ppaction://hlinksldjump"/>
             <a:extLst>
               <a:ext uri="{FF2B5EF4-FFF2-40B4-BE49-F238E27FC236}">
-                <a16:creationId xmlns:a16="http://schemas.microsoft.com/office/drawing/2014/main" xmlns="" id="{930535BF-9258-49A2-928F-353BD1FF2D8E}"/>
+                <a16:creationId xmlns="" xmlns:a16="http://schemas.microsoft.com/office/drawing/2014/main" id="{930535BF-9258-49A2-928F-353BD1FF2D8E}"/>
               </a:ext>
             </a:extLst>
           </p:cNvPr>
@@ -25433,7 +25518,7 @@
           <p:cNvPr id="2" name="Titre 1">
             <a:extLst>
               <a:ext uri="{FF2B5EF4-FFF2-40B4-BE49-F238E27FC236}">
-                <a16:creationId xmlns:a16="http://schemas.microsoft.com/office/drawing/2014/main" xmlns="" id="{A25D6C6A-222C-4915-8BCC-EA82178836F2}"/>
+                <a16:creationId xmlns="" xmlns:a16="http://schemas.microsoft.com/office/drawing/2014/main" id="{A25D6C6A-222C-4915-8BCC-EA82178836F2}"/>
               </a:ext>
             </a:extLst>
           </p:cNvPr>
@@ -25467,7 +25552,7 @@
           <p:cNvPr id="3" name="Espace réservé du contenu 2">
             <a:extLst>
               <a:ext uri="{FF2B5EF4-FFF2-40B4-BE49-F238E27FC236}">
-                <a16:creationId xmlns:a16="http://schemas.microsoft.com/office/drawing/2014/main" xmlns="" id="{2C493FBA-FDCA-4FDA-868D-C865B1A993FC}"/>
+                <a16:creationId xmlns="" xmlns:a16="http://schemas.microsoft.com/office/drawing/2014/main" id="{2C493FBA-FDCA-4FDA-868D-C865B1A993FC}"/>
               </a:ext>
             </a:extLst>
           </p:cNvPr>
@@ -25554,7 +25639,7 @@
             <a:hlinkClick r:id="rId2" action="ppaction://hlinksldjump"/>
             <a:extLst>
               <a:ext uri="{FF2B5EF4-FFF2-40B4-BE49-F238E27FC236}">
-                <a16:creationId xmlns:a16="http://schemas.microsoft.com/office/drawing/2014/main" xmlns="" id="{BB1180C2-DDD8-4EC9-B9BB-B3FEE1C2B1DD}"/>
+                <a16:creationId xmlns="" xmlns:a16="http://schemas.microsoft.com/office/drawing/2014/main" id="{BB1180C2-DDD8-4EC9-B9BB-B3FEE1C2B1DD}"/>
               </a:ext>
             </a:extLst>
           </p:cNvPr>
@@ -25604,7 +25689,7 @@
             <a:hlinkClick r:id="rId3" action="ppaction://hlinksldjump"/>
             <a:extLst>
               <a:ext uri="{FF2B5EF4-FFF2-40B4-BE49-F238E27FC236}">
-                <a16:creationId xmlns:a16="http://schemas.microsoft.com/office/drawing/2014/main" xmlns="" id="{1E352299-D80D-4447-93F6-F0F4FDC083EC}"/>
+                <a16:creationId xmlns="" xmlns:a16="http://schemas.microsoft.com/office/drawing/2014/main" id="{1E352299-D80D-4447-93F6-F0F4FDC083EC}"/>
               </a:ext>
             </a:extLst>
           </p:cNvPr>
@@ -25659,7 +25744,7 @@
             <a:hlinkClick r:id="rId4" action="ppaction://hlinksldjump"/>
             <a:extLst>
               <a:ext uri="{FF2B5EF4-FFF2-40B4-BE49-F238E27FC236}">
-                <a16:creationId xmlns:a16="http://schemas.microsoft.com/office/drawing/2014/main" xmlns="" id="{B4D0F719-056D-4404-AF97-A5A6983A14AC}"/>
+                <a16:creationId xmlns="" xmlns:a16="http://schemas.microsoft.com/office/drawing/2014/main" id="{B4D0F719-056D-4404-AF97-A5A6983A14AC}"/>
               </a:ext>
             </a:extLst>
           </p:cNvPr>
@@ -25714,7 +25799,7 @@
             <a:hlinkClick r:id="rId5" action="ppaction://hlinksldjump"/>
             <a:extLst>
               <a:ext uri="{FF2B5EF4-FFF2-40B4-BE49-F238E27FC236}">
-                <a16:creationId xmlns:a16="http://schemas.microsoft.com/office/drawing/2014/main" xmlns="" id="{B0C7724E-DF90-449E-96F6-9E03D052F2A3}"/>
+                <a16:creationId xmlns="" xmlns:a16="http://schemas.microsoft.com/office/drawing/2014/main" id="{B0C7724E-DF90-449E-96F6-9E03D052F2A3}"/>
               </a:ext>
             </a:extLst>
           </p:cNvPr>
@@ -25764,7 +25849,7 @@
             <a:hlinkClick r:id="rId6" action="ppaction://hlinksldjump"/>
             <a:extLst>
               <a:ext uri="{FF2B5EF4-FFF2-40B4-BE49-F238E27FC236}">
-                <a16:creationId xmlns:a16="http://schemas.microsoft.com/office/drawing/2014/main" xmlns="" id="{62A3A7E8-3951-4A52-950D-186DDCE804B2}"/>
+                <a16:creationId xmlns="" xmlns:a16="http://schemas.microsoft.com/office/drawing/2014/main" id="{62A3A7E8-3951-4A52-950D-186DDCE804B2}"/>
               </a:ext>
             </a:extLst>
           </p:cNvPr>
@@ -25819,7 +25904,7 @@
             <a:hlinkClick r:id="rId7" action="ppaction://hlinksldjump"/>
             <a:extLst>
               <a:ext uri="{FF2B5EF4-FFF2-40B4-BE49-F238E27FC236}">
-                <a16:creationId xmlns:a16="http://schemas.microsoft.com/office/drawing/2014/main" xmlns="" id="{954D421B-8617-4A77-A092-764173221A8D}"/>
+                <a16:creationId xmlns="" xmlns:a16="http://schemas.microsoft.com/office/drawing/2014/main" id="{954D421B-8617-4A77-A092-764173221A8D}"/>
               </a:ext>
             </a:extLst>
           </p:cNvPr>
@@ -25869,7 +25954,7 @@
             <a:hlinkClick r:id="rId8" action="ppaction://hlinksldjump"/>
             <a:extLst>
               <a:ext uri="{FF2B5EF4-FFF2-40B4-BE49-F238E27FC236}">
-                <a16:creationId xmlns:a16="http://schemas.microsoft.com/office/drawing/2014/main" xmlns="" id="{CA78ABD4-1EFE-4051-8922-6AD898F3EFCE}"/>
+                <a16:creationId xmlns="" xmlns:a16="http://schemas.microsoft.com/office/drawing/2014/main" id="{CA78ABD4-1EFE-4051-8922-6AD898F3EFCE}"/>
               </a:ext>
             </a:extLst>
           </p:cNvPr>
@@ -25919,7 +26004,7 @@
             <a:hlinkClick r:id="rId9" action="ppaction://hlinksldjump"/>
             <a:extLst>
               <a:ext uri="{FF2B5EF4-FFF2-40B4-BE49-F238E27FC236}">
-                <a16:creationId xmlns:a16="http://schemas.microsoft.com/office/drawing/2014/main" xmlns="" id="{0090B853-E1C3-41DD-ADF2-858FA7CFE074}"/>
+                <a16:creationId xmlns="" xmlns:a16="http://schemas.microsoft.com/office/drawing/2014/main" id="{0090B853-E1C3-41DD-ADF2-858FA7CFE074}"/>
               </a:ext>
             </a:extLst>
           </p:cNvPr>
@@ -25970,7 +26055,7 @@
             <a:hlinkClick r:id="rId10" action="ppaction://hlinksldjump"/>
             <a:extLst>
               <a:ext uri="{FF2B5EF4-FFF2-40B4-BE49-F238E27FC236}">
-                <a16:creationId xmlns:a16="http://schemas.microsoft.com/office/drawing/2014/main" xmlns="" id="{7CFFB609-A375-4352-B4BA-54A6D461B078}"/>
+                <a16:creationId xmlns="" xmlns:a16="http://schemas.microsoft.com/office/drawing/2014/main" id="{7CFFB609-A375-4352-B4BA-54A6D461B078}"/>
               </a:ext>
             </a:extLst>
           </p:cNvPr>
@@ -26020,7 +26105,7 @@
             <a:hlinkClick r:id="rId11" action="ppaction://hlinksldjump"/>
             <a:extLst>
               <a:ext uri="{FF2B5EF4-FFF2-40B4-BE49-F238E27FC236}">
-                <a16:creationId xmlns:a16="http://schemas.microsoft.com/office/drawing/2014/main" xmlns="" id="{1BE904D1-38A8-4E9B-8B7D-02476F10CC4D}"/>
+                <a16:creationId xmlns="" xmlns:a16="http://schemas.microsoft.com/office/drawing/2014/main" id="{1BE904D1-38A8-4E9B-8B7D-02476F10CC4D}"/>
               </a:ext>
             </a:extLst>
           </p:cNvPr>
@@ -26070,7 +26155,7 @@
             <a:hlinkClick r:id="rId12" action="ppaction://hlinksldjump"/>
             <a:extLst>
               <a:ext uri="{FF2B5EF4-FFF2-40B4-BE49-F238E27FC236}">
-                <a16:creationId xmlns:a16="http://schemas.microsoft.com/office/drawing/2014/main" xmlns="" id="{B4AA5809-DE80-4EDD-B5CF-F21C9B02CA17}"/>
+                <a16:creationId xmlns="" xmlns:a16="http://schemas.microsoft.com/office/drawing/2014/main" id="{B4AA5809-DE80-4EDD-B5CF-F21C9B02CA17}"/>
               </a:ext>
             </a:extLst>
           </p:cNvPr>
@@ -26125,7 +26210,7 @@
             <a:hlinkClick r:id="rId13" action="ppaction://hlinksldjump"/>
             <a:extLst>
               <a:ext uri="{FF2B5EF4-FFF2-40B4-BE49-F238E27FC236}">
-                <a16:creationId xmlns:a16="http://schemas.microsoft.com/office/drawing/2014/main" xmlns="" id="{0090B853-E1C3-41DD-ADF2-858FA7CFE074}"/>
+                <a16:creationId xmlns="" xmlns:a16="http://schemas.microsoft.com/office/drawing/2014/main" id="{0090B853-E1C3-41DD-ADF2-858FA7CFE074}"/>
               </a:ext>
             </a:extLst>
           </p:cNvPr>
@@ -26166,7 +26251,6 @@
               <a:rPr lang="fr-FR" sz="1000" dirty="0"/>
               <a:t>Fiche avant modification</a:t>
             </a:r>
-            <a:endParaRPr lang="fr-FR" sz="1000" dirty="0"/>
           </a:p>
         </p:txBody>
       </p:sp>
@@ -26176,7 +26260,7 @@
             <a:hlinkClick r:id="rId14" action="ppaction://hlinksldjump"/>
             <a:extLst>
               <a:ext uri="{FF2B5EF4-FFF2-40B4-BE49-F238E27FC236}">
-                <a16:creationId xmlns:a16="http://schemas.microsoft.com/office/drawing/2014/main" xmlns="" id="{803E6E67-C5FB-4E28-AD5F-E3B57A603F38}"/>
+                <a16:creationId xmlns="" xmlns:a16="http://schemas.microsoft.com/office/drawing/2014/main" id="{803E6E67-C5FB-4E28-AD5F-E3B57A603F38}"/>
               </a:ext>
             </a:extLst>
           </p:cNvPr>
@@ -26226,7 +26310,7 @@
             <a:hlinkClick r:id="rId15" action="ppaction://hlinksldjump"/>
             <a:extLst>
               <a:ext uri="{FF2B5EF4-FFF2-40B4-BE49-F238E27FC236}">
-                <a16:creationId xmlns:a16="http://schemas.microsoft.com/office/drawing/2014/main" xmlns="" id="{4CC6A6B2-3E1D-4244-BCE0-87553B579C0F}"/>
+                <a16:creationId xmlns="" xmlns:a16="http://schemas.microsoft.com/office/drawing/2014/main" id="{4CC6A6B2-3E1D-4244-BCE0-87553B579C0F}"/>
               </a:ext>
             </a:extLst>
           </p:cNvPr>
@@ -26276,7 +26360,7 @@
             <a:hlinkClick r:id="rId16" action="ppaction://hlinksldjump"/>
             <a:extLst>
               <a:ext uri="{FF2B5EF4-FFF2-40B4-BE49-F238E27FC236}">
-                <a16:creationId xmlns:a16="http://schemas.microsoft.com/office/drawing/2014/main" xmlns="" id="{930535BF-9258-49A2-928F-353BD1FF2D8E}"/>
+                <a16:creationId xmlns="" xmlns:a16="http://schemas.microsoft.com/office/drawing/2014/main" id="{930535BF-9258-49A2-928F-353BD1FF2D8E}"/>
               </a:ext>
             </a:extLst>
           </p:cNvPr>
@@ -26355,7 +26439,7 @@
           <p:cNvPr id="2" name="Titre 1">
             <a:extLst>
               <a:ext uri="{FF2B5EF4-FFF2-40B4-BE49-F238E27FC236}">
-                <a16:creationId xmlns:a16="http://schemas.microsoft.com/office/drawing/2014/main" xmlns="" id="{7BCB0FA0-EE06-407F-B381-4054DDE38B9B}"/>
+                <a16:creationId xmlns="" xmlns:a16="http://schemas.microsoft.com/office/drawing/2014/main" id="{7BCB0FA0-EE06-407F-B381-4054DDE38B9B}"/>
               </a:ext>
             </a:extLst>
           </p:cNvPr>
@@ -26394,7 +26478,7 @@
           <p:cNvPr id="3" name="Espace réservé du contenu 2">
             <a:extLst>
               <a:ext uri="{FF2B5EF4-FFF2-40B4-BE49-F238E27FC236}">
-                <a16:creationId xmlns:a16="http://schemas.microsoft.com/office/drawing/2014/main" xmlns="" id="{4DD5BB57-B8FC-4C3D-A000-C14E9E318AD6}"/>
+                <a16:creationId xmlns="" xmlns:a16="http://schemas.microsoft.com/office/drawing/2014/main" id="{4DD5BB57-B8FC-4C3D-A000-C14E9E318AD6}"/>
               </a:ext>
             </a:extLst>
           </p:cNvPr>
@@ -26427,7 +26511,7 @@
           <p:cNvPr id="5" name="Image 4">
             <a:extLst>
               <a:ext uri="{FF2B5EF4-FFF2-40B4-BE49-F238E27FC236}">
-                <a16:creationId xmlns:a16="http://schemas.microsoft.com/office/drawing/2014/main" xmlns="" id="{88FCA87E-C3FE-4B49-9966-AF0825D74E51}"/>
+                <a16:creationId xmlns="" xmlns:a16="http://schemas.microsoft.com/office/drawing/2014/main" id="{88FCA87E-C3FE-4B49-9966-AF0825D74E51}"/>
               </a:ext>
             </a:extLst>
           </p:cNvPr>
@@ -26458,7 +26542,7 @@
             <a:hlinkClick r:id="rId3" action="ppaction://hlinksldjump"/>
             <a:extLst>
               <a:ext uri="{FF2B5EF4-FFF2-40B4-BE49-F238E27FC236}">
-                <a16:creationId xmlns:a16="http://schemas.microsoft.com/office/drawing/2014/main" xmlns="" id="{BB1180C2-DDD8-4EC9-B9BB-B3FEE1C2B1DD}"/>
+                <a16:creationId xmlns="" xmlns:a16="http://schemas.microsoft.com/office/drawing/2014/main" id="{BB1180C2-DDD8-4EC9-B9BB-B3FEE1C2B1DD}"/>
               </a:ext>
             </a:extLst>
           </p:cNvPr>
@@ -26508,7 +26592,7 @@
             <a:hlinkClick r:id="rId4" action="ppaction://hlinksldjump"/>
             <a:extLst>
               <a:ext uri="{FF2B5EF4-FFF2-40B4-BE49-F238E27FC236}">
-                <a16:creationId xmlns:a16="http://schemas.microsoft.com/office/drawing/2014/main" xmlns="" id="{1E352299-D80D-4447-93F6-F0F4FDC083EC}"/>
+                <a16:creationId xmlns="" xmlns:a16="http://schemas.microsoft.com/office/drawing/2014/main" id="{1E352299-D80D-4447-93F6-F0F4FDC083EC}"/>
               </a:ext>
             </a:extLst>
           </p:cNvPr>
@@ -26563,7 +26647,7 @@
             <a:hlinkClick r:id="rId5" action="ppaction://hlinksldjump"/>
             <a:extLst>
               <a:ext uri="{FF2B5EF4-FFF2-40B4-BE49-F238E27FC236}">
-                <a16:creationId xmlns:a16="http://schemas.microsoft.com/office/drawing/2014/main" xmlns="" id="{B4D0F719-056D-4404-AF97-A5A6983A14AC}"/>
+                <a16:creationId xmlns="" xmlns:a16="http://schemas.microsoft.com/office/drawing/2014/main" id="{B4D0F719-056D-4404-AF97-A5A6983A14AC}"/>
               </a:ext>
             </a:extLst>
           </p:cNvPr>
@@ -26618,7 +26702,7 @@
             <a:hlinkClick r:id="rId6" action="ppaction://hlinksldjump"/>
             <a:extLst>
               <a:ext uri="{FF2B5EF4-FFF2-40B4-BE49-F238E27FC236}">
-                <a16:creationId xmlns:a16="http://schemas.microsoft.com/office/drawing/2014/main" xmlns="" id="{B0C7724E-DF90-449E-96F6-9E03D052F2A3}"/>
+                <a16:creationId xmlns="" xmlns:a16="http://schemas.microsoft.com/office/drawing/2014/main" id="{B0C7724E-DF90-449E-96F6-9E03D052F2A3}"/>
               </a:ext>
             </a:extLst>
           </p:cNvPr>
@@ -26668,7 +26752,7 @@
             <a:hlinkClick r:id="rId7" action="ppaction://hlinksldjump"/>
             <a:extLst>
               <a:ext uri="{FF2B5EF4-FFF2-40B4-BE49-F238E27FC236}">
-                <a16:creationId xmlns:a16="http://schemas.microsoft.com/office/drawing/2014/main" xmlns="" id="{62A3A7E8-3951-4A52-950D-186DDCE804B2}"/>
+                <a16:creationId xmlns="" xmlns:a16="http://schemas.microsoft.com/office/drawing/2014/main" id="{62A3A7E8-3951-4A52-950D-186DDCE804B2}"/>
               </a:ext>
             </a:extLst>
           </p:cNvPr>
@@ -26723,7 +26807,7 @@
             <a:hlinkClick r:id="rId8" action="ppaction://hlinksldjump"/>
             <a:extLst>
               <a:ext uri="{FF2B5EF4-FFF2-40B4-BE49-F238E27FC236}">
-                <a16:creationId xmlns:a16="http://schemas.microsoft.com/office/drawing/2014/main" xmlns="" id="{954D421B-8617-4A77-A092-764173221A8D}"/>
+                <a16:creationId xmlns="" xmlns:a16="http://schemas.microsoft.com/office/drawing/2014/main" id="{954D421B-8617-4A77-A092-764173221A8D}"/>
               </a:ext>
             </a:extLst>
           </p:cNvPr>
@@ -26773,7 +26857,7 @@
             <a:hlinkClick r:id="rId9" action="ppaction://hlinksldjump"/>
             <a:extLst>
               <a:ext uri="{FF2B5EF4-FFF2-40B4-BE49-F238E27FC236}">
-                <a16:creationId xmlns:a16="http://schemas.microsoft.com/office/drawing/2014/main" xmlns="" id="{CA78ABD4-1EFE-4051-8922-6AD898F3EFCE}"/>
+                <a16:creationId xmlns="" xmlns:a16="http://schemas.microsoft.com/office/drawing/2014/main" id="{CA78ABD4-1EFE-4051-8922-6AD898F3EFCE}"/>
               </a:ext>
             </a:extLst>
           </p:cNvPr>
@@ -26823,7 +26907,7 @@
             <a:hlinkClick r:id="rId10" action="ppaction://hlinksldjump"/>
             <a:extLst>
               <a:ext uri="{FF2B5EF4-FFF2-40B4-BE49-F238E27FC236}">
-                <a16:creationId xmlns:a16="http://schemas.microsoft.com/office/drawing/2014/main" xmlns="" id="{0090B853-E1C3-41DD-ADF2-858FA7CFE074}"/>
+                <a16:creationId xmlns="" xmlns:a16="http://schemas.microsoft.com/office/drawing/2014/main" id="{0090B853-E1C3-41DD-ADF2-858FA7CFE074}"/>
               </a:ext>
             </a:extLst>
           </p:cNvPr>
@@ -26874,7 +26958,7 @@
             <a:hlinkClick r:id="rId11" action="ppaction://hlinksldjump"/>
             <a:extLst>
               <a:ext uri="{FF2B5EF4-FFF2-40B4-BE49-F238E27FC236}">
-                <a16:creationId xmlns:a16="http://schemas.microsoft.com/office/drawing/2014/main" xmlns="" id="{7CFFB609-A375-4352-B4BA-54A6D461B078}"/>
+                <a16:creationId xmlns="" xmlns:a16="http://schemas.microsoft.com/office/drawing/2014/main" id="{7CFFB609-A375-4352-B4BA-54A6D461B078}"/>
               </a:ext>
             </a:extLst>
           </p:cNvPr>
@@ -26924,7 +27008,7 @@
             <a:hlinkClick r:id="rId12" action="ppaction://hlinksldjump"/>
             <a:extLst>
               <a:ext uri="{FF2B5EF4-FFF2-40B4-BE49-F238E27FC236}">
-                <a16:creationId xmlns:a16="http://schemas.microsoft.com/office/drawing/2014/main" xmlns="" id="{1BE904D1-38A8-4E9B-8B7D-02476F10CC4D}"/>
+                <a16:creationId xmlns="" xmlns:a16="http://schemas.microsoft.com/office/drawing/2014/main" id="{1BE904D1-38A8-4E9B-8B7D-02476F10CC4D}"/>
               </a:ext>
             </a:extLst>
           </p:cNvPr>
@@ -26974,7 +27058,7 @@
             <a:hlinkClick r:id="rId13" action="ppaction://hlinksldjump"/>
             <a:extLst>
               <a:ext uri="{FF2B5EF4-FFF2-40B4-BE49-F238E27FC236}">
-                <a16:creationId xmlns:a16="http://schemas.microsoft.com/office/drawing/2014/main" xmlns="" id="{B4AA5809-DE80-4EDD-B5CF-F21C9B02CA17}"/>
+                <a16:creationId xmlns="" xmlns:a16="http://schemas.microsoft.com/office/drawing/2014/main" id="{B4AA5809-DE80-4EDD-B5CF-F21C9B02CA17}"/>
               </a:ext>
             </a:extLst>
           </p:cNvPr>
@@ -27029,7 +27113,7 @@
             <a:hlinkClick r:id="rId14" action="ppaction://hlinksldjump"/>
             <a:extLst>
               <a:ext uri="{FF2B5EF4-FFF2-40B4-BE49-F238E27FC236}">
-                <a16:creationId xmlns:a16="http://schemas.microsoft.com/office/drawing/2014/main" xmlns="" id="{0090B853-E1C3-41DD-ADF2-858FA7CFE074}"/>
+                <a16:creationId xmlns="" xmlns:a16="http://schemas.microsoft.com/office/drawing/2014/main" id="{0090B853-E1C3-41DD-ADF2-858FA7CFE074}"/>
               </a:ext>
             </a:extLst>
           </p:cNvPr>
@@ -27070,7 +27154,6 @@
               <a:rPr lang="fr-FR" sz="1000" dirty="0"/>
               <a:t>Fiche avant modification</a:t>
             </a:r>
-            <a:endParaRPr lang="fr-FR" sz="1000" dirty="0"/>
           </a:p>
         </p:txBody>
       </p:sp>
@@ -27080,7 +27163,7 @@
             <a:hlinkClick r:id="rId15" action="ppaction://hlinksldjump"/>
             <a:extLst>
               <a:ext uri="{FF2B5EF4-FFF2-40B4-BE49-F238E27FC236}">
-                <a16:creationId xmlns:a16="http://schemas.microsoft.com/office/drawing/2014/main" xmlns="" id="{803E6E67-C5FB-4E28-AD5F-E3B57A603F38}"/>
+                <a16:creationId xmlns="" xmlns:a16="http://schemas.microsoft.com/office/drawing/2014/main" id="{803E6E67-C5FB-4E28-AD5F-E3B57A603F38}"/>
               </a:ext>
             </a:extLst>
           </p:cNvPr>
@@ -27130,7 +27213,7 @@
             <a:hlinkClick r:id="rId16" action="ppaction://hlinksldjump"/>
             <a:extLst>
               <a:ext uri="{FF2B5EF4-FFF2-40B4-BE49-F238E27FC236}">
-                <a16:creationId xmlns:a16="http://schemas.microsoft.com/office/drawing/2014/main" xmlns="" id="{4CC6A6B2-3E1D-4244-BCE0-87553B579C0F}"/>
+                <a16:creationId xmlns="" xmlns:a16="http://schemas.microsoft.com/office/drawing/2014/main" id="{4CC6A6B2-3E1D-4244-BCE0-87553B579C0F}"/>
               </a:ext>
             </a:extLst>
           </p:cNvPr>
@@ -27180,7 +27263,7 @@
             <a:hlinkClick r:id="rId17" action="ppaction://hlinksldjump"/>
             <a:extLst>
               <a:ext uri="{FF2B5EF4-FFF2-40B4-BE49-F238E27FC236}">
-                <a16:creationId xmlns:a16="http://schemas.microsoft.com/office/drawing/2014/main" xmlns="" id="{930535BF-9258-49A2-928F-353BD1FF2D8E}"/>
+                <a16:creationId xmlns="" xmlns:a16="http://schemas.microsoft.com/office/drawing/2014/main" id="{930535BF-9258-49A2-928F-353BD1FF2D8E}"/>
               </a:ext>
             </a:extLst>
           </p:cNvPr>
@@ -27259,7 +27342,7 @@
           <p:cNvPr id="2" name="Titre 1">
             <a:extLst>
               <a:ext uri="{FF2B5EF4-FFF2-40B4-BE49-F238E27FC236}">
-                <a16:creationId xmlns:a16="http://schemas.microsoft.com/office/drawing/2014/main" xmlns="" id="{B355947E-12BD-4E89-AA67-C9F64238FB05}"/>
+                <a16:creationId xmlns="" xmlns:a16="http://schemas.microsoft.com/office/drawing/2014/main" id="{B355947E-12BD-4E89-AA67-C9F64238FB05}"/>
               </a:ext>
             </a:extLst>
           </p:cNvPr>
@@ -27293,7 +27376,7 @@
           <p:cNvPr id="5" name="Espace réservé du contenu 4">
             <a:extLst>
               <a:ext uri="{FF2B5EF4-FFF2-40B4-BE49-F238E27FC236}">
-                <a16:creationId xmlns:a16="http://schemas.microsoft.com/office/drawing/2014/main" xmlns="" id="{B3274778-9AB2-4A86-AD45-62C29BC0321A}"/>
+                <a16:creationId xmlns="" xmlns:a16="http://schemas.microsoft.com/office/drawing/2014/main" id="{B3274778-9AB2-4A86-AD45-62C29BC0321A}"/>
               </a:ext>
             </a:extLst>
           </p:cNvPr>
@@ -27325,7 +27408,7 @@
             <a:hlinkClick r:id="rId7" action="ppaction://hlinksldjump"/>
             <a:extLst>
               <a:ext uri="{FF2B5EF4-FFF2-40B4-BE49-F238E27FC236}">
-                <a16:creationId xmlns:a16="http://schemas.microsoft.com/office/drawing/2014/main" xmlns="" id="{BB1180C2-DDD8-4EC9-B9BB-B3FEE1C2B1DD}"/>
+                <a16:creationId xmlns="" xmlns:a16="http://schemas.microsoft.com/office/drawing/2014/main" id="{BB1180C2-DDD8-4EC9-B9BB-B3FEE1C2B1DD}"/>
               </a:ext>
             </a:extLst>
           </p:cNvPr>
@@ -27375,7 +27458,7 @@
             <a:hlinkClick r:id="rId8" action="ppaction://hlinksldjump"/>
             <a:extLst>
               <a:ext uri="{FF2B5EF4-FFF2-40B4-BE49-F238E27FC236}">
-                <a16:creationId xmlns:a16="http://schemas.microsoft.com/office/drawing/2014/main" xmlns="" id="{1E352299-D80D-4447-93F6-F0F4FDC083EC}"/>
+                <a16:creationId xmlns="" xmlns:a16="http://schemas.microsoft.com/office/drawing/2014/main" id="{1E352299-D80D-4447-93F6-F0F4FDC083EC}"/>
               </a:ext>
             </a:extLst>
           </p:cNvPr>
@@ -27430,7 +27513,7 @@
             <a:hlinkClick r:id="rId9" action="ppaction://hlinksldjump"/>
             <a:extLst>
               <a:ext uri="{FF2B5EF4-FFF2-40B4-BE49-F238E27FC236}">
-                <a16:creationId xmlns:a16="http://schemas.microsoft.com/office/drawing/2014/main" xmlns="" id="{B4D0F719-056D-4404-AF97-A5A6983A14AC}"/>
+                <a16:creationId xmlns="" xmlns:a16="http://schemas.microsoft.com/office/drawing/2014/main" id="{B4D0F719-056D-4404-AF97-A5A6983A14AC}"/>
               </a:ext>
             </a:extLst>
           </p:cNvPr>
@@ -27485,7 +27568,7 @@
             <a:hlinkClick r:id="rId10" action="ppaction://hlinksldjump"/>
             <a:extLst>
               <a:ext uri="{FF2B5EF4-FFF2-40B4-BE49-F238E27FC236}">
-                <a16:creationId xmlns:a16="http://schemas.microsoft.com/office/drawing/2014/main" xmlns="" id="{B0C7724E-DF90-449E-96F6-9E03D052F2A3}"/>
+                <a16:creationId xmlns="" xmlns:a16="http://schemas.microsoft.com/office/drawing/2014/main" id="{B0C7724E-DF90-449E-96F6-9E03D052F2A3}"/>
               </a:ext>
             </a:extLst>
           </p:cNvPr>
@@ -27535,7 +27618,7 @@
             <a:hlinkClick r:id="rId11" action="ppaction://hlinksldjump"/>
             <a:extLst>
               <a:ext uri="{FF2B5EF4-FFF2-40B4-BE49-F238E27FC236}">
-                <a16:creationId xmlns:a16="http://schemas.microsoft.com/office/drawing/2014/main" xmlns="" id="{62A3A7E8-3951-4A52-950D-186DDCE804B2}"/>
+                <a16:creationId xmlns="" xmlns:a16="http://schemas.microsoft.com/office/drawing/2014/main" id="{62A3A7E8-3951-4A52-950D-186DDCE804B2}"/>
               </a:ext>
             </a:extLst>
           </p:cNvPr>
@@ -27590,7 +27673,7 @@
             <a:hlinkClick r:id="rId12" action="ppaction://hlinksldjump"/>
             <a:extLst>
               <a:ext uri="{FF2B5EF4-FFF2-40B4-BE49-F238E27FC236}">
-                <a16:creationId xmlns:a16="http://schemas.microsoft.com/office/drawing/2014/main" xmlns="" id="{954D421B-8617-4A77-A092-764173221A8D}"/>
+                <a16:creationId xmlns="" xmlns:a16="http://schemas.microsoft.com/office/drawing/2014/main" id="{954D421B-8617-4A77-A092-764173221A8D}"/>
               </a:ext>
             </a:extLst>
           </p:cNvPr>
@@ -27640,7 +27723,7 @@
             <a:hlinkClick r:id="rId13" action="ppaction://hlinksldjump"/>
             <a:extLst>
               <a:ext uri="{FF2B5EF4-FFF2-40B4-BE49-F238E27FC236}">
-                <a16:creationId xmlns:a16="http://schemas.microsoft.com/office/drawing/2014/main" xmlns="" id="{CA78ABD4-1EFE-4051-8922-6AD898F3EFCE}"/>
+                <a16:creationId xmlns="" xmlns:a16="http://schemas.microsoft.com/office/drawing/2014/main" id="{CA78ABD4-1EFE-4051-8922-6AD898F3EFCE}"/>
               </a:ext>
             </a:extLst>
           </p:cNvPr>
@@ -27690,7 +27773,7 @@
             <a:hlinkClick r:id="rId14" action="ppaction://hlinksldjump"/>
             <a:extLst>
               <a:ext uri="{FF2B5EF4-FFF2-40B4-BE49-F238E27FC236}">
-                <a16:creationId xmlns:a16="http://schemas.microsoft.com/office/drawing/2014/main" xmlns="" id="{0090B853-E1C3-41DD-ADF2-858FA7CFE074}"/>
+                <a16:creationId xmlns="" xmlns:a16="http://schemas.microsoft.com/office/drawing/2014/main" id="{0090B853-E1C3-41DD-ADF2-858FA7CFE074}"/>
               </a:ext>
             </a:extLst>
           </p:cNvPr>
@@ -27741,7 +27824,7 @@
             <a:hlinkClick r:id="rId15" action="ppaction://hlinksldjump"/>
             <a:extLst>
               <a:ext uri="{FF2B5EF4-FFF2-40B4-BE49-F238E27FC236}">
-                <a16:creationId xmlns:a16="http://schemas.microsoft.com/office/drawing/2014/main" xmlns="" id="{7CFFB609-A375-4352-B4BA-54A6D461B078}"/>
+                <a16:creationId xmlns="" xmlns:a16="http://schemas.microsoft.com/office/drawing/2014/main" id="{7CFFB609-A375-4352-B4BA-54A6D461B078}"/>
               </a:ext>
             </a:extLst>
           </p:cNvPr>
@@ -27791,7 +27874,7 @@
             <a:hlinkClick r:id="rId16" action="ppaction://hlinksldjump"/>
             <a:extLst>
               <a:ext uri="{FF2B5EF4-FFF2-40B4-BE49-F238E27FC236}">
-                <a16:creationId xmlns:a16="http://schemas.microsoft.com/office/drawing/2014/main" xmlns="" id="{1BE904D1-38A8-4E9B-8B7D-02476F10CC4D}"/>
+                <a16:creationId xmlns="" xmlns:a16="http://schemas.microsoft.com/office/drawing/2014/main" id="{1BE904D1-38A8-4E9B-8B7D-02476F10CC4D}"/>
               </a:ext>
             </a:extLst>
           </p:cNvPr>
@@ -27841,7 +27924,7 @@
             <a:hlinkClick r:id="rId17" action="ppaction://hlinksldjump"/>
             <a:extLst>
               <a:ext uri="{FF2B5EF4-FFF2-40B4-BE49-F238E27FC236}">
-                <a16:creationId xmlns:a16="http://schemas.microsoft.com/office/drawing/2014/main" xmlns="" id="{B4AA5809-DE80-4EDD-B5CF-F21C9B02CA17}"/>
+                <a16:creationId xmlns="" xmlns:a16="http://schemas.microsoft.com/office/drawing/2014/main" id="{B4AA5809-DE80-4EDD-B5CF-F21C9B02CA17}"/>
               </a:ext>
             </a:extLst>
           </p:cNvPr>
@@ -27896,7 +27979,7 @@
             <a:hlinkClick r:id="rId18" action="ppaction://hlinksldjump"/>
             <a:extLst>
               <a:ext uri="{FF2B5EF4-FFF2-40B4-BE49-F238E27FC236}">
-                <a16:creationId xmlns:a16="http://schemas.microsoft.com/office/drawing/2014/main" xmlns="" id="{0090B853-E1C3-41DD-ADF2-858FA7CFE074}"/>
+                <a16:creationId xmlns="" xmlns:a16="http://schemas.microsoft.com/office/drawing/2014/main" id="{0090B853-E1C3-41DD-ADF2-858FA7CFE074}"/>
               </a:ext>
             </a:extLst>
           </p:cNvPr>
@@ -27937,7 +28020,6 @@
               <a:rPr lang="fr-FR" sz="1000" dirty="0"/>
               <a:t>Fiche avant modification</a:t>
             </a:r>
-            <a:endParaRPr lang="fr-FR" sz="1000" dirty="0"/>
           </a:p>
         </p:txBody>
       </p:sp>
@@ -27947,7 +28029,7 @@
             <a:hlinkClick r:id="rId19" action="ppaction://hlinksldjump"/>
             <a:extLst>
               <a:ext uri="{FF2B5EF4-FFF2-40B4-BE49-F238E27FC236}">
-                <a16:creationId xmlns:a16="http://schemas.microsoft.com/office/drawing/2014/main" xmlns="" id="{803E6E67-C5FB-4E28-AD5F-E3B57A603F38}"/>
+                <a16:creationId xmlns="" xmlns:a16="http://schemas.microsoft.com/office/drawing/2014/main" id="{803E6E67-C5FB-4E28-AD5F-E3B57A603F38}"/>
               </a:ext>
             </a:extLst>
           </p:cNvPr>
@@ -27997,7 +28079,7 @@
             <a:hlinkClick r:id="rId20" action="ppaction://hlinksldjump"/>
             <a:extLst>
               <a:ext uri="{FF2B5EF4-FFF2-40B4-BE49-F238E27FC236}">
-                <a16:creationId xmlns:a16="http://schemas.microsoft.com/office/drawing/2014/main" xmlns="" id="{4CC6A6B2-3E1D-4244-BCE0-87553B579C0F}"/>
+                <a16:creationId xmlns="" xmlns:a16="http://schemas.microsoft.com/office/drawing/2014/main" id="{4CC6A6B2-3E1D-4244-BCE0-87553B579C0F}"/>
               </a:ext>
             </a:extLst>
           </p:cNvPr>
@@ -28047,7 +28129,7 @@
             <a:hlinkClick r:id="rId21" action="ppaction://hlinksldjump"/>
             <a:extLst>
               <a:ext uri="{FF2B5EF4-FFF2-40B4-BE49-F238E27FC236}">
-                <a16:creationId xmlns:a16="http://schemas.microsoft.com/office/drawing/2014/main" xmlns="" id="{930535BF-9258-49A2-928F-353BD1FF2D8E}"/>
+                <a16:creationId xmlns="" xmlns:a16="http://schemas.microsoft.com/office/drawing/2014/main" id="{930535BF-9258-49A2-928F-353BD1FF2D8E}"/>
               </a:ext>
             </a:extLst>
           </p:cNvPr>
@@ -28133,7 +28215,7 @@
           <p:cNvPr id="2" name="Titre 1">
             <a:extLst>
               <a:ext uri="{FF2B5EF4-FFF2-40B4-BE49-F238E27FC236}">
-                <a16:creationId xmlns:a16="http://schemas.microsoft.com/office/drawing/2014/main" xmlns="" id="{6A263BF2-E661-423E-9DDE-380E6F08279D}"/>
+                <a16:creationId xmlns="" xmlns:a16="http://schemas.microsoft.com/office/drawing/2014/main" id="{6A263BF2-E661-423E-9DDE-380E6F08279D}"/>
               </a:ext>
             </a:extLst>
           </p:cNvPr>
@@ -28159,7 +28241,6 @@
               <a:rPr lang="fr-FR" dirty="0"/>
               <a:t>Fiche avant modification</a:t>
             </a:r>
-            <a:endParaRPr lang="fr-FR" dirty="0"/>
           </a:p>
         </p:txBody>
       </p:sp>
@@ -28168,7 +28249,7 @@
           <p:cNvPr id="24" name="Espace réservé du texte 2">
             <a:extLst>
               <a:ext uri="{FF2B5EF4-FFF2-40B4-BE49-F238E27FC236}">
-                <a16:creationId xmlns:a16="http://schemas.microsoft.com/office/drawing/2014/main" xmlns="" id="{A588FB93-330A-4513-AFB9-A1050487AE95}"/>
+                <a16:creationId xmlns="" xmlns:a16="http://schemas.microsoft.com/office/drawing/2014/main" id="{A588FB93-330A-4513-AFB9-A1050487AE95}"/>
               </a:ext>
             </a:extLst>
           </p:cNvPr>
@@ -28431,7 +28512,7 @@
           <p:cNvPr id="26" name="Espace réservé du contenu 7">
             <a:extLst>
               <a:ext uri="{FF2B5EF4-FFF2-40B4-BE49-F238E27FC236}">
-                <a16:creationId xmlns:a16="http://schemas.microsoft.com/office/drawing/2014/main" xmlns="" id="{15C4A421-2DCC-42BE-9369-C16457B6CBE7}"/>
+                <a16:creationId xmlns="" xmlns:a16="http://schemas.microsoft.com/office/drawing/2014/main" id="{15C4A421-2DCC-42BE-9369-C16457B6CBE7}"/>
               </a:ext>
             </a:extLst>
           </p:cNvPr>
@@ -28464,7 +28545,7 @@
             <a:hlinkClick r:id="rId3" action="ppaction://hlinksldjump"/>
             <a:extLst>
               <a:ext uri="{FF2B5EF4-FFF2-40B4-BE49-F238E27FC236}">
-                <a16:creationId xmlns:a16="http://schemas.microsoft.com/office/drawing/2014/main" xmlns="" id="{BB1180C2-DDD8-4EC9-B9BB-B3FEE1C2B1DD}"/>
+                <a16:creationId xmlns="" xmlns:a16="http://schemas.microsoft.com/office/drawing/2014/main" id="{BB1180C2-DDD8-4EC9-B9BB-B3FEE1C2B1DD}"/>
               </a:ext>
             </a:extLst>
           </p:cNvPr>
@@ -28514,7 +28595,7 @@
             <a:hlinkClick r:id="rId4" action="ppaction://hlinksldjump"/>
             <a:extLst>
               <a:ext uri="{FF2B5EF4-FFF2-40B4-BE49-F238E27FC236}">
-                <a16:creationId xmlns:a16="http://schemas.microsoft.com/office/drawing/2014/main" xmlns="" id="{1E352299-D80D-4447-93F6-F0F4FDC083EC}"/>
+                <a16:creationId xmlns="" xmlns:a16="http://schemas.microsoft.com/office/drawing/2014/main" id="{1E352299-D80D-4447-93F6-F0F4FDC083EC}"/>
               </a:ext>
             </a:extLst>
           </p:cNvPr>
@@ -28569,7 +28650,7 @@
             <a:hlinkClick r:id="rId5" action="ppaction://hlinksldjump"/>
             <a:extLst>
               <a:ext uri="{FF2B5EF4-FFF2-40B4-BE49-F238E27FC236}">
-                <a16:creationId xmlns:a16="http://schemas.microsoft.com/office/drawing/2014/main" xmlns="" id="{B4D0F719-056D-4404-AF97-A5A6983A14AC}"/>
+                <a16:creationId xmlns="" xmlns:a16="http://schemas.microsoft.com/office/drawing/2014/main" id="{B4D0F719-056D-4404-AF97-A5A6983A14AC}"/>
               </a:ext>
             </a:extLst>
           </p:cNvPr>
@@ -28624,7 +28705,7 @@
             <a:hlinkClick r:id="rId6" action="ppaction://hlinksldjump"/>
             <a:extLst>
               <a:ext uri="{FF2B5EF4-FFF2-40B4-BE49-F238E27FC236}">
-                <a16:creationId xmlns:a16="http://schemas.microsoft.com/office/drawing/2014/main" xmlns="" id="{B0C7724E-DF90-449E-96F6-9E03D052F2A3}"/>
+                <a16:creationId xmlns="" xmlns:a16="http://schemas.microsoft.com/office/drawing/2014/main" id="{B0C7724E-DF90-449E-96F6-9E03D052F2A3}"/>
               </a:ext>
             </a:extLst>
           </p:cNvPr>
@@ -28674,7 +28755,7 @@
             <a:hlinkClick r:id="rId7" action="ppaction://hlinksldjump"/>
             <a:extLst>
               <a:ext uri="{FF2B5EF4-FFF2-40B4-BE49-F238E27FC236}">
-                <a16:creationId xmlns:a16="http://schemas.microsoft.com/office/drawing/2014/main" xmlns="" id="{62A3A7E8-3951-4A52-950D-186DDCE804B2}"/>
+                <a16:creationId xmlns="" xmlns:a16="http://schemas.microsoft.com/office/drawing/2014/main" id="{62A3A7E8-3951-4A52-950D-186DDCE804B2}"/>
               </a:ext>
             </a:extLst>
           </p:cNvPr>
@@ -28729,7 +28810,7 @@
             <a:hlinkClick r:id="rId8" action="ppaction://hlinksldjump"/>
             <a:extLst>
               <a:ext uri="{FF2B5EF4-FFF2-40B4-BE49-F238E27FC236}">
-                <a16:creationId xmlns:a16="http://schemas.microsoft.com/office/drawing/2014/main" xmlns="" id="{954D421B-8617-4A77-A092-764173221A8D}"/>
+                <a16:creationId xmlns="" xmlns:a16="http://schemas.microsoft.com/office/drawing/2014/main" id="{954D421B-8617-4A77-A092-764173221A8D}"/>
               </a:ext>
             </a:extLst>
           </p:cNvPr>
@@ -28779,7 +28860,7 @@
             <a:hlinkClick r:id="rId9" action="ppaction://hlinksldjump"/>
             <a:extLst>
               <a:ext uri="{FF2B5EF4-FFF2-40B4-BE49-F238E27FC236}">
-                <a16:creationId xmlns:a16="http://schemas.microsoft.com/office/drawing/2014/main" xmlns="" id="{CA78ABD4-1EFE-4051-8922-6AD898F3EFCE}"/>
+                <a16:creationId xmlns="" xmlns:a16="http://schemas.microsoft.com/office/drawing/2014/main" id="{CA78ABD4-1EFE-4051-8922-6AD898F3EFCE}"/>
               </a:ext>
             </a:extLst>
           </p:cNvPr>
@@ -28829,7 +28910,7 @@
             <a:hlinkClick r:id="rId10" action="ppaction://hlinksldjump"/>
             <a:extLst>
               <a:ext uri="{FF2B5EF4-FFF2-40B4-BE49-F238E27FC236}">
-                <a16:creationId xmlns:a16="http://schemas.microsoft.com/office/drawing/2014/main" xmlns="" id="{0090B853-E1C3-41DD-ADF2-858FA7CFE074}"/>
+                <a16:creationId xmlns="" xmlns:a16="http://schemas.microsoft.com/office/drawing/2014/main" id="{0090B853-E1C3-41DD-ADF2-858FA7CFE074}"/>
               </a:ext>
             </a:extLst>
           </p:cNvPr>
@@ -28880,7 +28961,7 @@
             <a:hlinkClick r:id="rId11" action="ppaction://hlinksldjump"/>
             <a:extLst>
               <a:ext uri="{FF2B5EF4-FFF2-40B4-BE49-F238E27FC236}">
-                <a16:creationId xmlns:a16="http://schemas.microsoft.com/office/drawing/2014/main" xmlns="" id="{7CFFB609-A375-4352-B4BA-54A6D461B078}"/>
+                <a16:creationId xmlns="" xmlns:a16="http://schemas.microsoft.com/office/drawing/2014/main" id="{7CFFB609-A375-4352-B4BA-54A6D461B078}"/>
               </a:ext>
             </a:extLst>
           </p:cNvPr>
@@ -28930,7 +29011,7 @@
             <a:hlinkClick r:id="rId12" action="ppaction://hlinksldjump"/>
             <a:extLst>
               <a:ext uri="{FF2B5EF4-FFF2-40B4-BE49-F238E27FC236}">
-                <a16:creationId xmlns:a16="http://schemas.microsoft.com/office/drawing/2014/main" xmlns="" id="{1BE904D1-38A8-4E9B-8B7D-02476F10CC4D}"/>
+                <a16:creationId xmlns="" xmlns:a16="http://schemas.microsoft.com/office/drawing/2014/main" id="{1BE904D1-38A8-4E9B-8B7D-02476F10CC4D}"/>
               </a:ext>
             </a:extLst>
           </p:cNvPr>
@@ -28980,7 +29061,7 @@
             <a:hlinkClick r:id="rId13" action="ppaction://hlinksldjump"/>
             <a:extLst>
               <a:ext uri="{FF2B5EF4-FFF2-40B4-BE49-F238E27FC236}">
-                <a16:creationId xmlns:a16="http://schemas.microsoft.com/office/drawing/2014/main" xmlns="" id="{B4AA5809-DE80-4EDD-B5CF-F21C9B02CA17}"/>
+                <a16:creationId xmlns="" xmlns:a16="http://schemas.microsoft.com/office/drawing/2014/main" id="{B4AA5809-DE80-4EDD-B5CF-F21C9B02CA17}"/>
               </a:ext>
             </a:extLst>
           </p:cNvPr>
@@ -29035,7 +29116,7 @@
             <a:hlinkClick r:id="rId14" action="ppaction://hlinksldjump"/>
             <a:extLst>
               <a:ext uri="{FF2B5EF4-FFF2-40B4-BE49-F238E27FC236}">
-                <a16:creationId xmlns:a16="http://schemas.microsoft.com/office/drawing/2014/main" xmlns="" id="{0090B853-E1C3-41DD-ADF2-858FA7CFE074}"/>
+                <a16:creationId xmlns="" xmlns:a16="http://schemas.microsoft.com/office/drawing/2014/main" id="{0090B853-E1C3-41DD-ADF2-858FA7CFE074}"/>
               </a:ext>
             </a:extLst>
           </p:cNvPr>
@@ -29076,7 +29157,6 @@
               <a:rPr lang="fr-FR" sz="1000" dirty="0"/>
               <a:t>Fiche avant modification</a:t>
             </a:r>
-            <a:endParaRPr lang="fr-FR" sz="1000" dirty="0"/>
           </a:p>
         </p:txBody>
       </p:sp>
@@ -29086,7 +29166,7 @@
             <a:hlinkClick r:id="rId15" action="ppaction://hlinksldjump"/>
             <a:extLst>
               <a:ext uri="{FF2B5EF4-FFF2-40B4-BE49-F238E27FC236}">
-                <a16:creationId xmlns:a16="http://schemas.microsoft.com/office/drawing/2014/main" xmlns="" id="{803E6E67-C5FB-4E28-AD5F-E3B57A603F38}"/>
+                <a16:creationId xmlns="" xmlns:a16="http://schemas.microsoft.com/office/drawing/2014/main" id="{803E6E67-C5FB-4E28-AD5F-E3B57A603F38}"/>
               </a:ext>
             </a:extLst>
           </p:cNvPr>
@@ -29136,7 +29216,7 @@
             <a:hlinkClick r:id="rId16" action="ppaction://hlinksldjump"/>
             <a:extLst>
               <a:ext uri="{FF2B5EF4-FFF2-40B4-BE49-F238E27FC236}">
-                <a16:creationId xmlns:a16="http://schemas.microsoft.com/office/drawing/2014/main" xmlns="" id="{4CC6A6B2-3E1D-4244-BCE0-87553B579C0F}"/>
+                <a16:creationId xmlns="" xmlns:a16="http://schemas.microsoft.com/office/drawing/2014/main" id="{4CC6A6B2-3E1D-4244-BCE0-87553B579C0F}"/>
               </a:ext>
             </a:extLst>
           </p:cNvPr>
@@ -29186,7 +29266,7 @@
             <a:hlinkClick r:id="rId17" action="ppaction://hlinksldjump"/>
             <a:extLst>
               <a:ext uri="{FF2B5EF4-FFF2-40B4-BE49-F238E27FC236}">
-                <a16:creationId xmlns:a16="http://schemas.microsoft.com/office/drawing/2014/main" xmlns="" id="{930535BF-9258-49A2-928F-353BD1FF2D8E}"/>
+                <a16:creationId xmlns="" xmlns:a16="http://schemas.microsoft.com/office/drawing/2014/main" id="{930535BF-9258-49A2-928F-353BD1FF2D8E}"/>
               </a:ext>
             </a:extLst>
           </p:cNvPr>
